--- a/PROGRAMACION/FOL/TEMA 6 FOL PRESTACIONES SS .pptx
+++ b/PROGRAMACION/FOL/TEMA 6 FOL PRESTACIONES SS .pptx
@@ -1756,15 +1756,22 @@
         <a:lstStyle/>
         <a:p>
           <a:r>
-            <a:rPr lang="es-ES" dirty="0">
+            <a:rPr lang="es-ES" dirty="0" smtClean="0">
               <a:solidFill>
                 <a:schemeClr val="accent1">
                   <a:lumMod val="50000"/>
                 </a:schemeClr>
               </a:solidFill>
             </a:rPr>
-            <a:t>COMÚN</a:t>
+            <a:t>COMÚN: no originada en el trabajo</a:t>
           </a:r>
+          <a:endParaRPr lang="es-ES" dirty="0">
+            <a:solidFill>
+              <a:schemeClr val="accent1">
+                <a:lumMod val="50000"/>
+              </a:schemeClr>
+            </a:solidFill>
+          </a:endParaRPr>
         </a:p>
       </dgm:t>
     </dgm:pt>
@@ -1891,15 +1898,22 @@
         <a:lstStyle/>
         <a:p>
           <a:r>
-            <a:rPr lang="es-ES" dirty="0">
+            <a:rPr lang="es-ES" dirty="0" smtClean="0">
               <a:solidFill>
                 <a:schemeClr val="accent1">
                   <a:lumMod val="50000"/>
                 </a:schemeClr>
               </a:solidFill>
             </a:rPr>
-            <a:t>LABORAL</a:t>
+            <a:t>LABORAL: Originadas en el trabajo. Por aquí se cobra más.</a:t>
           </a:r>
+          <a:endParaRPr lang="es-ES" dirty="0">
+            <a:solidFill>
+              <a:schemeClr val="accent1">
+                <a:lumMod val="50000"/>
+              </a:schemeClr>
+            </a:solidFill>
+          </a:endParaRPr>
         </a:p>
       </dgm:t>
     </dgm:pt>
@@ -1940,8 +1954,25 @@
                 </a:schemeClr>
               </a:solidFill>
             </a:rPr>
-            <a:t>ENFERMEDAD LABORAL</a:t>
+            <a:t>ENFERMEDAD </a:t>
           </a:r>
+          <a:r>
+            <a:rPr lang="es-ES" dirty="0" smtClean="0">
+              <a:solidFill>
+                <a:schemeClr val="accent1">
+                  <a:lumMod val="50000"/>
+                </a:schemeClr>
+              </a:solidFill>
+            </a:rPr>
+            <a:t>LABORAL: Se produce como consecuencia del desarrollo del propio trabajo. El COVID lo fue.</a:t>
+          </a:r>
+          <a:endParaRPr lang="es-ES" dirty="0">
+            <a:solidFill>
+              <a:schemeClr val="accent1">
+                <a:lumMod val="50000"/>
+              </a:schemeClr>
+            </a:solidFill>
+          </a:endParaRPr>
         </a:p>
       </dgm:t>
     </dgm:pt>
@@ -1982,8 +2013,25 @@
                 </a:schemeClr>
               </a:solidFill>
             </a:rPr>
-            <a:t>ACCIDENTE LABORAL</a:t>
+            <a:t>ACCIDENTE </a:t>
           </a:r>
+          <a:r>
+            <a:rPr lang="es-ES" dirty="0" smtClean="0">
+              <a:solidFill>
+                <a:schemeClr val="accent1">
+                  <a:lumMod val="50000"/>
+                </a:schemeClr>
+              </a:solidFill>
+            </a:rPr>
+            <a:t>LABORAL: que se haya producido en el trabajo o que sea accidente in itinere.*</a:t>
+          </a:r>
+          <a:endParaRPr lang="es-ES" dirty="0">
+            <a:solidFill>
+              <a:schemeClr val="accent1">
+                <a:lumMod val="50000"/>
+              </a:schemeClr>
+            </a:solidFill>
+          </a:endParaRPr>
         </a:p>
       </dgm:t>
     </dgm:pt>
@@ -2712,7 +2760,7 @@
                 <a14:useLocalDpi xmlns:a14="http://schemas.microsoft.com/office/drawing/2010/main" val="0"/>
               </a:ext>
               <a:ext uri="{96DAC541-7B7A-43D3-8B79-37D633B846F1}">
-                <asvg:svgBlip xmlns="" xmlns:asvg="http://schemas.microsoft.com/office/drawing/2016/SVG/main" r:embed="rId2"/>
+                <asvg:svgBlip xmlns:asvg="http://schemas.microsoft.com/office/drawing/2016/SVG/main" xmlns="" r:embed="rId2"/>
               </a:ext>
             </a:extLst>
           </a:blip>
@@ -2776,7 +2824,7 @@
                 <a14:useLocalDpi xmlns:a14="http://schemas.microsoft.com/office/drawing/2010/main" val="0"/>
               </a:ext>
               <a:ext uri="{96DAC541-7B7A-43D3-8B79-37D633B846F1}">
-                <asvg:svgBlip xmlns="" xmlns:asvg="http://schemas.microsoft.com/office/drawing/2016/SVG/main" r:embed="rId4"/>
+                <asvg:svgBlip xmlns:asvg="http://schemas.microsoft.com/office/drawing/2016/SVG/main" xmlns="" r:embed="rId4"/>
               </a:ext>
             </a:extLst>
           </a:blip>
@@ -2850,7 +2898,7 @@
           <a:blip xmlns:r="http://schemas.openxmlformats.org/officeDocument/2006/relationships" r:embed="rId5">
             <a:extLst>
               <a:ext uri="{96DAC541-7B7A-43D3-8B79-37D633B846F1}">
-                <asvg:svgBlip xmlns="" xmlns:asvg="http://schemas.microsoft.com/office/drawing/2016/SVG/main" r:embed="rId6"/>
+                <asvg:svgBlip xmlns:asvg="http://schemas.microsoft.com/office/drawing/2016/SVG/main" xmlns="" r:embed="rId6"/>
               </a:ext>
             </a:extLst>
           </a:blip>
@@ -2905,7 +2953,7 @@
           <a:blip xmlns:r="http://schemas.openxmlformats.org/officeDocument/2006/relationships" r:embed="rId7">
             <a:extLst>
               <a:ext uri="{96DAC541-7B7A-43D3-8B79-37D633B846F1}">
-                <asvg:svgBlip xmlns="" xmlns:asvg="http://schemas.microsoft.com/office/drawing/2016/SVG/main" r:embed="rId8"/>
+                <asvg:svgBlip xmlns:asvg="http://schemas.microsoft.com/office/drawing/2016/SVG/main" xmlns="" r:embed="rId8"/>
               </a:ext>
             </a:extLst>
           </a:blip>
@@ -3006,8 +3054,8 @@
       </dsp:nvSpPr>
       <dsp:spPr>
         <a:xfrm>
-          <a:off x="496737" y="1051082"/>
-          <a:ext cx="1217879" cy="608939"/>
+          <a:off x="103952" y="1317608"/>
+          <a:ext cx="1526700" cy="763350"/>
         </a:xfrm>
         <a:prstGeom prst="roundRect">
           <a:avLst>
@@ -3049,12 +3097,12 @@
         </a:fontRef>
       </dsp:style>
       <dsp:txBody>
-        <a:bodyPr spcFirstLastPara="0" vert="horz" wrap="square" lIns="9525" tIns="9525" rIns="9525" bIns="9525" numCol="1" spcCol="1270" anchor="ctr" anchorCtr="0">
+        <a:bodyPr spcFirstLastPara="0" vert="horz" wrap="square" lIns="6350" tIns="6350" rIns="6350" bIns="6350" numCol="1" spcCol="1270" anchor="ctr" anchorCtr="0">
           <a:noAutofit/>
         </a:bodyPr>
         <a:lstStyle/>
         <a:p>
-          <a:pPr lvl="0" algn="ctr" defTabSz="666750">
+          <a:pPr lvl="0" algn="ctr" defTabSz="444500">
             <a:lnSpc>
               <a:spcPct val="90000"/>
             </a:lnSpc>
@@ -3066,7 +3114,7 @@
             </a:spcAft>
           </a:pPr>
           <a:r>
-            <a:rPr lang="es-ES" sz="1500" kern="1200" dirty="0">
+            <a:rPr lang="es-ES" sz="1000" kern="1200" dirty="0">
               <a:solidFill>
                 <a:schemeClr val="accent1">
                   <a:lumMod val="50000"/>
@@ -3078,8 +3126,8 @@
         </a:p>
       </dsp:txBody>
       <dsp:txXfrm>
-        <a:off x="514572" y="1068917"/>
-        <a:ext cx="1182209" cy="573269"/>
+        <a:off x="126310" y="1339966"/>
+        <a:ext cx="1481984" cy="718634"/>
       </dsp:txXfrm>
     </dsp:sp>
     <dsp:sp modelId="{CA031407-7909-4815-9E18-109541C8B4B7}">
@@ -3089,8 +3137,8 @@
       </dsp:nvSpPr>
       <dsp:spPr>
         <a:xfrm rot="18289469">
-          <a:off x="1531662" y="985197"/>
-          <a:ext cx="853058" cy="40429"/>
+          <a:off x="1401306" y="1240142"/>
+          <a:ext cx="1069371" cy="40429"/>
         </a:xfrm>
         <a:custGeom>
           <a:avLst/>
@@ -3104,7 +3152,7 @@
                 <a:pt x="0" y="20214"/>
               </a:moveTo>
               <a:lnTo>
-                <a:pt x="853058" y="20214"/>
+                <a:pt x="1069371" y="20214"/>
               </a:lnTo>
             </a:path>
           </a:pathLst>
@@ -3157,8 +3205,8 @@
         </a:p>
       </dsp:txBody>
       <dsp:txXfrm>
-        <a:off x="1936865" y="984085"/>
-        <a:ext cx="42652" cy="42652"/>
+        <a:off x="1909258" y="1233623"/>
+        <a:ext cx="53468" cy="53468"/>
       </dsp:txXfrm>
     </dsp:sp>
     <dsp:sp modelId="{878DA6C8-088B-4D3A-B4EE-FBB41C337A7E}">
@@ -3168,8 +3216,8 @@
       </dsp:nvSpPr>
       <dsp:spPr>
         <a:xfrm>
-          <a:off x="2201767" y="350802"/>
-          <a:ext cx="1217879" cy="608939"/>
+          <a:off x="2241332" y="439756"/>
+          <a:ext cx="1526700" cy="763350"/>
         </a:xfrm>
         <a:prstGeom prst="roundRect">
           <a:avLst>
@@ -3203,12 +3251,12 @@
         </a:fontRef>
       </dsp:style>
       <dsp:txBody>
-        <a:bodyPr spcFirstLastPara="0" vert="horz" wrap="square" lIns="9525" tIns="9525" rIns="9525" bIns="9525" numCol="1" spcCol="1270" anchor="ctr" anchorCtr="0">
+        <a:bodyPr spcFirstLastPara="0" vert="horz" wrap="square" lIns="6350" tIns="6350" rIns="6350" bIns="6350" numCol="1" spcCol="1270" anchor="ctr" anchorCtr="0">
           <a:noAutofit/>
         </a:bodyPr>
         <a:lstStyle/>
         <a:p>
-          <a:pPr lvl="0" algn="ctr" defTabSz="666750">
+          <a:pPr lvl="0" algn="ctr" defTabSz="444500">
             <a:lnSpc>
               <a:spcPct val="90000"/>
             </a:lnSpc>
@@ -3220,20 +3268,27 @@
             </a:spcAft>
           </a:pPr>
           <a:r>
-            <a:rPr lang="es-ES" sz="1500" kern="1200" dirty="0">
+            <a:rPr lang="es-ES" sz="1000" kern="1200" dirty="0" smtClean="0">
               <a:solidFill>
                 <a:schemeClr val="accent1">
                   <a:lumMod val="50000"/>
                 </a:schemeClr>
               </a:solidFill>
             </a:rPr>
-            <a:t>COMÚN</a:t>
+            <a:t>COMÚN: no originada en el trabajo</a:t>
           </a:r>
+          <a:endParaRPr lang="es-ES" sz="1000" kern="1200" dirty="0">
+            <a:solidFill>
+              <a:schemeClr val="accent1">
+                <a:lumMod val="50000"/>
+              </a:schemeClr>
+            </a:solidFill>
+          </a:endParaRPr>
         </a:p>
       </dsp:txBody>
       <dsp:txXfrm>
-        <a:off x="2219602" y="368637"/>
-        <a:ext cx="1182209" cy="573269"/>
+        <a:off x="2263690" y="462114"/>
+        <a:ext cx="1481984" cy="718634"/>
       </dsp:txXfrm>
     </dsp:sp>
     <dsp:sp modelId="{B49DA700-33DE-43DD-9C10-452F5C1FB829}">
@@ -3243,8 +3298,8 @@
       </dsp:nvSpPr>
       <dsp:spPr>
         <a:xfrm rot="19457599">
-          <a:off x="3363258" y="459986"/>
-          <a:ext cx="599929" cy="40429"/>
+          <a:off x="3697345" y="581753"/>
+          <a:ext cx="752054" cy="40429"/>
         </a:xfrm>
         <a:custGeom>
           <a:avLst/>
@@ -3258,7 +3313,7 @@
                 <a:pt x="0" y="20214"/>
               </a:moveTo>
               <a:lnTo>
-                <a:pt x="599929" y="20214"/>
+                <a:pt x="752054" y="20214"/>
               </a:lnTo>
             </a:path>
           </a:pathLst>
@@ -3311,8 +3366,8 @@
         </a:p>
       </dsp:txBody>
       <dsp:txXfrm>
-        <a:off x="3648224" y="465203"/>
-        <a:ext cx="29996" cy="29996"/>
+        <a:off x="4054571" y="583166"/>
+        <a:ext cx="37602" cy="37602"/>
       </dsp:txXfrm>
     </dsp:sp>
     <dsp:sp modelId="{A2FBB67A-C58E-472E-982C-6B47608DD6B8}">
@@ -3322,8 +3377,8 @@
       </dsp:nvSpPr>
       <dsp:spPr>
         <a:xfrm>
-          <a:off x="3906798" y="661"/>
-          <a:ext cx="1217879" cy="608939"/>
+          <a:off x="4378713" y="829"/>
+          <a:ext cx="1526700" cy="763350"/>
         </a:xfrm>
         <a:prstGeom prst="roundRect">
           <a:avLst>
@@ -3367,12 +3422,12 @@
         </a:fontRef>
       </dsp:style>
       <dsp:txBody>
-        <a:bodyPr spcFirstLastPara="0" vert="horz" wrap="square" lIns="9525" tIns="9525" rIns="9525" bIns="9525" numCol="1" spcCol="1270" anchor="ctr" anchorCtr="0">
+        <a:bodyPr spcFirstLastPara="0" vert="horz" wrap="square" lIns="6350" tIns="6350" rIns="6350" bIns="6350" numCol="1" spcCol="1270" anchor="ctr" anchorCtr="0">
           <a:noAutofit/>
         </a:bodyPr>
         <a:lstStyle/>
         <a:p>
-          <a:pPr lvl="0" algn="ctr" defTabSz="666750">
+          <a:pPr lvl="0" algn="ctr" defTabSz="444500">
             <a:lnSpc>
               <a:spcPct val="90000"/>
             </a:lnSpc>
@@ -3384,7 +3439,7 @@
             </a:spcAft>
           </a:pPr>
           <a:r>
-            <a:rPr lang="es-ES" sz="1500" kern="1200" dirty="0">
+            <a:rPr lang="es-ES" sz="1000" kern="1200" dirty="0">
               <a:solidFill>
                 <a:schemeClr val="accent1">
                   <a:lumMod val="50000"/>
@@ -3396,8 +3451,8 @@
         </a:p>
       </dsp:txBody>
       <dsp:txXfrm>
-        <a:off x="3924633" y="18496"/>
-        <a:ext cx="1182209" cy="573269"/>
+        <a:off x="4401071" y="23187"/>
+        <a:ext cx="1481984" cy="718634"/>
       </dsp:txXfrm>
     </dsp:sp>
     <dsp:sp modelId="{F7F13574-F5EA-4E0D-909F-2820E8F06AE1}">
@@ -3407,8 +3462,8 @@
       </dsp:nvSpPr>
       <dsp:spPr>
         <a:xfrm rot="2142401">
-          <a:off x="3363258" y="810127"/>
-          <a:ext cx="599929" cy="40429"/>
+          <a:off x="3697345" y="1020679"/>
+          <a:ext cx="752054" cy="40429"/>
         </a:xfrm>
         <a:custGeom>
           <a:avLst/>
@@ -3422,7 +3477,7 @@
                 <a:pt x="0" y="20214"/>
               </a:moveTo>
               <a:lnTo>
-                <a:pt x="599929" y="20214"/>
+                <a:pt x="752054" y="20214"/>
               </a:lnTo>
             </a:path>
           </a:pathLst>
@@ -3475,8 +3530,8 @@
         </a:p>
       </dsp:txBody>
       <dsp:txXfrm>
-        <a:off x="3648224" y="815343"/>
-        <a:ext cx="29996" cy="29996"/>
+        <a:off x="4054571" y="1022093"/>
+        <a:ext cx="37602" cy="37602"/>
       </dsp:txXfrm>
     </dsp:sp>
     <dsp:sp modelId="{A2E465B8-A55D-4EB6-B008-802F42157C4F}">
@@ -3486,8 +3541,8 @@
       </dsp:nvSpPr>
       <dsp:spPr>
         <a:xfrm>
-          <a:off x="3906798" y="700942"/>
-          <a:ext cx="1217879" cy="608939"/>
+          <a:off x="4378713" y="878682"/>
+          <a:ext cx="1526700" cy="763350"/>
         </a:xfrm>
         <a:prstGeom prst="roundRect">
           <a:avLst>
@@ -3531,12 +3586,12 @@
         </a:fontRef>
       </dsp:style>
       <dsp:txBody>
-        <a:bodyPr spcFirstLastPara="0" vert="horz" wrap="square" lIns="9525" tIns="9525" rIns="9525" bIns="9525" numCol="1" spcCol="1270" anchor="ctr" anchorCtr="0">
+        <a:bodyPr spcFirstLastPara="0" vert="horz" wrap="square" lIns="6350" tIns="6350" rIns="6350" bIns="6350" numCol="1" spcCol="1270" anchor="ctr" anchorCtr="0">
           <a:noAutofit/>
         </a:bodyPr>
         <a:lstStyle/>
         <a:p>
-          <a:pPr lvl="0" algn="ctr" defTabSz="666750">
+          <a:pPr lvl="0" algn="ctr" defTabSz="444500">
             <a:lnSpc>
               <a:spcPct val="90000"/>
             </a:lnSpc>
@@ -3548,7 +3603,7 @@
             </a:spcAft>
           </a:pPr>
           <a:r>
-            <a:rPr lang="es-ES" sz="1500" kern="1200" dirty="0">
+            <a:rPr lang="es-ES" sz="1000" kern="1200" dirty="0">
               <a:solidFill>
                 <a:schemeClr val="accent1">
                   <a:lumMod val="50000"/>
@@ -3560,8 +3615,8 @@
         </a:p>
       </dsp:txBody>
       <dsp:txXfrm>
-        <a:off x="3924633" y="718777"/>
-        <a:ext cx="1182209" cy="573269"/>
+        <a:off x="4401071" y="901040"/>
+        <a:ext cx="1481984" cy="718634"/>
       </dsp:txXfrm>
     </dsp:sp>
     <dsp:sp modelId="{7B95CAA9-59D3-4BE9-95B2-781D1137BB53}">
@@ -3571,8 +3626,8 @@
       </dsp:nvSpPr>
       <dsp:spPr>
         <a:xfrm rot="3310531">
-          <a:off x="1531662" y="1685477"/>
-          <a:ext cx="853058" cy="40429"/>
+          <a:off x="1401306" y="2117995"/>
+          <a:ext cx="1069371" cy="40429"/>
         </a:xfrm>
         <a:custGeom>
           <a:avLst/>
@@ -3586,7 +3641,7 @@
                 <a:pt x="0" y="20214"/>
               </a:moveTo>
               <a:lnTo>
-                <a:pt x="853058" y="20214"/>
+                <a:pt x="1069371" y="20214"/>
               </a:lnTo>
             </a:path>
           </a:pathLst>
@@ -3639,8 +3694,8 @@
         </a:p>
       </dsp:txBody>
       <dsp:txXfrm>
-        <a:off x="1936865" y="1684366"/>
-        <a:ext cx="42652" cy="42652"/>
+        <a:off x="1909258" y="2111476"/>
+        <a:ext cx="53468" cy="53468"/>
       </dsp:txXfrm>
     </dsp:sp>
     <dsp:sp modelId="{5C4E1F8A-BBDD-4DDC-8ED1-625991333892}">
@@ -3650,8 +3705,8 @@
       </dsp:nvSpPr>
       <dsp:spPr>
         <a:xfrm>
-          <a:off x="2201767" y="1751363"/>
-          <a:ext cx="1217879" cy="608939"/>
+          <a:off x="2241332" y="2195461"/>
+          <a:ext cx="1526700" cy="763350"/>
         </a:xfrm>
         <a:prstGeom prst="roundRect">
           <a:avLst>
@@ -3685,12 +3740,12 @@
         </a:fontRef>
       </dsp:style>
       <dsp:txBody>
-        <a:bodyPr spcFirstLastPara="0" vert="horz" wrap="square" lIns="9525" tIns="9525" rIns="9525" bIns="9525" numCol="1" spcCol="1270" anchor="ctr" anchorCtr="0">
+        <a:bodyPr spcFirstLastPara="0" vert="horz" wrap="square" lIns="6350" tIns="6350" rIns="6350" bIns="6350" numCol="1" spcCol="1270" anchor="ctr" anchorCtr="0">
           <a:noAutofit/>
         </a:bodyPr>
         <a:lstStyle/>
         <a:p>
-          <a:pPr lvl="0" algn="ctr" defTabSz="666750">
+          <a:pPr lvl="0" algn="ctr" defTabSz="444500">
             <a:lnSpc>
               <a:spcPct val="90000"/>
             </a:lnSpc>
@@ -3702,20 +3757,27 @@
             </a:spcAft>
           </a:pPr>
           <a:r>
-            <a:rPr lang="es-ES" sz="1500" kern="1200" dirty="0">
+            <a:rPr lang="es-ES" sz="1000" kern="1200" dirty="0" smtClean="0">
               <a:solidFill>
                 <a:schemeClr val="accent1">
                   <a:lumMod val="50000"/>
                 </a:schemeClr>
               </a:solidFill>
             </a:rPr>
-            <a:t>LABORAL</a:t>
+            <a:t>LABORAL: Originadas en el trabajo. Por aquí se cobra más.</a:t>
           </a:r>
+          <a:endParaRPr lang="es-ES" sz="1000" kern="1200" dirty="0">
+            <a:solidFill>
+              <a:schemeClr val="accent1">
+                <a:lumMod val="50000"/>
+              </a:schemeClr>
+            </a:solidFill>
+          </a:endParaRPr>
         </a:p>
       </dsp:txBody>
       <dsp:txXfrm>
-        <a:off x="2219602" y="1769198"/>
-        <a:ext cx="1182209" cy="573269"/>
+        <a:off x="2263690" y="2217819"/>
+        <a:ext cx="1481984" cy="718634"/>
       </dsp:txXfrm>
     </dsp:sp>
     <dsp:sp modelId="{AADC19BD-6F3D-42A2-9C81-5A42CED99F64}">
@@ -3725,8 +3787,8 @@
       </dsp:nvSpPr>
       <dsp:spPr>
         <a:xfrm rot="19457599">
-          <a:off x="3363258" y="1860548"/>
-          <a:ext cx="599929" cy="40429"/>
+          <a:off x="3697345" y="2337458"/>
+          <a:ext cx="752054" cy="40429"/>
         </a:xfrm>
         <a:custGeom>
           <a:avLst/>
@@ -3740,7 +3802,7 @@
                 <a:pt x="0" y="20214"/>
               </a:moveTo>
               <a:lnTo>
-                <a:pt x="599929" y="20214"/>
+                <a:pt x="752054" y="20214"/>
               </a:lnTo>
             </a:path>
           </a:pathLst>
@@ -3793,8 +3855,8 @@
         </a:p>
       </dsp:txBody>
       <dsp:txXfrm>
-        <a:off x="3648224" y="1865764"/>
-        <a:ext cx="29996" cy="29996"/>
+        <a:off x="4054571" y="2338872"/>
+        <a:ext cx="37602" cy="37602"/>
       </dsp:txXfrm>
     </dsp:sp>
     <dsp:sp modelId="{A6099788-B620-476D-8FA3-4B1DAC707BCA}">
@@ -3804,8 +3866,8 @@
       </dsp:nvSpPr>
       <dsp:spPr>
         <a:xfrm>
-          <a:off x="3906798" y="1401222"/>
-          <a:ext cx="1217879" cy="608939"/>
+          <a:off x="4378713" y="1756535"/>
+          <a:ext cx="1526700" cy="763350"/>
         </a:xfrm>
         <a:prstGeom prst="roundRect">
           <a:avLst>
@@ -3849,12 +3911,12 @@
         </a:fontRef>
       </dsp:style>
       <dsp:txBody>
-        <a:bodyPr spcFirstLastPara="0" vert="horz" wrap="square" lIns="9525" tIns="9525" rIns="9525" bIns="9525" numCol="1" spcCol="1270" anchor="ctr" anchorCtr="0">
+        <a:bodyPr spcFirstLastPara="0" vert="horz" wrap="square" lIns="6350" tIns="6350" rIns="6350" bIns="6350" numCol="1" spcCol="1270" anchor="ctr" anchorCtr="0">
           <a:noAutofit/>
         </a:bodyPr>
         <a:lstStyle/>
         <a:p>
-          <a:pPr lvl="0" algn="ctr" defTabSz="666750">
+          <a:pPr lvl="0" algn="ctr" defTabSz="444500">
             <a:lnSpc>
               <a:spcPct val="90000"/>
             </a:lnSpc>
@@ -3866,20 +3928,37 @@
             </a:spcAft>
           </a:pPr>
           <a:r>
-            <a:rPr lang="es-ES" sz="1500" kern="1200" dirty="0">
+            <a:rPr lang="es-ES" sz="1000" kern="1200" dirty="0">
               <a:solidFill>
                 <a:schemeClr val="accent1">
                   <a:lumMod val="50000"/>
                 </a:schemeClr>
               </a:solidFill>
             </a:rPr>
-            <a:t>ENFERMEDAD LABORAL</a:t>
+            <a:t>ENFERMEDAD </a:t>
           </a:r>
+          <a:r>
+            <a:rPr lang="es-ES" sz="1000" kern="1200" dirty="0" smtClean="0">
+              <a:solidFill>
+                <a:schemeClr val="accent1">
+                  <a:lumMod val="50000"/>
+                </a:schemeClr>
+              </a:solidFill>
+            </a:rPr>
+            <a:t>LABORAL: Se produce como consecuencia del desarrollo del propio trabajo. El COVID lo fue.</a:t>
+          </a:r>
+          <a:endParaRPr lang="es-ES" sz="1000" kern="1200" dirty="0">
+            <a:solidFill>
+              <a:schemeClr val="accent1">
+                <a:lumMod val="50000"/>
+              </a:schemeClr>
+            </a:solidFill>
+          </a:endParaRPr>
         </a:p>
       </dsp:txBody>
       <dsp:txXfrm>
-        <a:off x="3924633" y="1419057"/>
-        <a:ext cx="1182209" cy="573269"/>
+        <a:off x="4401071" y="1778893"/>
+        <a:ext cx="1481984" cy="718634"/>
       </dsp:txXfrm>
     </dsp:sp>
     <dsp:sp modelId="{56663013-1FB4-4C7A-A6F5-EDA147BC5374}">
@@ -3889,8 +3968,8 @@
       </dsp:nvSpPr>
       <dsp:spPr>
         <a:xfrm rot="2142401">
-          <a:off x="3363258" y="2210688"/>
-          <a:ext cx="599929" cy="40429"/>
+          <a:off x="3697345" y="2776385"/>
+          <a:ext cx="752054" cy="40429"/>
         </a:xfrm>
         <a:custGeom>
           <a:avLst/>
@@ -3904,7 +3983,7 @@
                 <a:pt x="0" y="20214"/>
               </a:moveTo>
               <a:lnTo>
-                <a:pt x="599929" y="20214"/>
+                <a:pt x="752054" y="20214"/>
               </a:lnTo>
             </a:path>
           </a:pathLst>
@@ -3957,8 +4036,8 @@
         </a:p>
       </dsp:txBody>
       <dsp:txXfrm>
-        <a:off x="3648224" y="2215904"/>
-        <a:ext cx="29996" cy="29996"/>
+        <a:off x="4054571" y="2777798"/>
+        <a:ext cx="37602" cy="37602"/>
       </dsp:txXfrm>
     </dsp:sp>
     <dsp:sp modelId="{7150408F-ACFC-4A3E-BD4F-958A8B33471E}">
@@ -3968,8 +4047,8 @@
       </dsp:nvSpPr>
       <dsp:spPr>
         <a:xfrm>
-          <a:off x="3906798" y="2101503"/>
-          <a:ext cx="1217879" cy="608939"/>
+          <a:off x="4378713" y="2634388"/>
+          <a:ext cx="1526700" cy="763350"/>
         </a:xfrm>
         <a:prstGeom prst="roundRect">
           <a:avLst>
@@ -4013,12 +4092,12 @@
         </a:fontRef>
       </dsp:style>
       <dsp:txBody>
-        <a:bodyPr spcFirstLastPara="0" vert="horz" wrap="square" lIns="9525" tIns="9525" rIns="9525" bIns="9525" numCol="1" spcCol="1270" anchor="ctr" anchorCtr="0">
+        <a:bodyPr spcFirstLastPara="0" vert="horz" wrap="square" lIns="6350" tIns="6350" rIns="6350" bIns="6350" numCol="1" spcCol="1270" anchor="ctr" anchorCtr="0">
           <a:noAutofit/>
         </a:bodyPr>
         <a:lstStyle/>
         <a:p>
-          <a:pPr lvl="0" algn="ctr" defTabSz="666750">
+          <a:pPr lvl="0" algn="ctr" defTabSz="444500">
             <a:lnSpc>
               <a:spcPct val="90000"/>
             </a:lnSpc>
@@ -4030,20 +4109,37 @@
             </a:spcAft>
           </a:pPr>
           <a:r>
-            <a:rPr lang="es-ES" sz="1500" kern="1200" dirty="0">
+            <a:rPr lang="es-ES" sz="1000" kern="1200" dirty="0">
               <a:solidFill>
                 <a:schemeClr val="accent1">
                   <a:lumMod val="50000"/>
                 </a:schemeClr>
               </a:solidFill>
             </a:rPr>
-            <a:t>ACCIDENTE LABORAL</a:t>
+            <a:t>ACCIDENTE </a:t>
           </a:r>
+          <a:r>
+            <a:rPr lang="es-ES" sz="1000" kern="1200" dirty="0" smtClean="0">
+              <a:solidFill>
+                <a:schemeClr val="accent1">
+                  <a:lumMod val="50000"/>
+                </a:schemeClr>
+              </a:solidFill>
+            </a:rPr>
+            <a:t>LABORAL: que se haya producido en el trabajo o que sea accidente in itinere.*</a:t>
+          </a:r>
+          <a:endParaRPr lang="es-ES" sz="1000" kern="1200" dirty="0">
+            <a:solidFill>
+              <a:schemeClr val="accent1">
+                <a:lumMod val="50000"/>
+              </a:schemeClr>
+            </a:solidFill>
+          </a:endParaRPr>
         </a:p>
       </dsp:txBody>
       <dsp:txXfrm>
-        <a:off x="3924633" y="2119338"/>
-        <a:ext cx="1182209" cy="573269"/>
+        <a:off x="4401071" y="2656746"/>
+        <a:ext cx="1481984" cy="718634"/>
       </dsp:txXfrm>
     </dsp:sp>
   </dsp:spTree>
@@ -4120,7 +4216,7 @@
                 <a14:useLocalDpi xmlns:a14="http://schemas.microsoft.com/office/drawing/2010/main" val="0"/>
               </a:ext>
               <a:ext uri="{96DAC541-7B7A-43D3-8B79-37D633B846F1}">
-                <asvg:svgBlip xmlns="" xmlns:asvg="http://schemas.microsoft.com/office/drawing/2016/SVG/main" r:embed="rId2"/>
+                <asvg:svgBlip xmlns:asvg="http://schemas.microsoft.com/office/drawing/2016/SVG/main" xmlns="" r:embed="rId2"/>
               </a:ext>
             </a:extLst>
           </a:blip>
@@ -4283,7 +4379,7 @@
                 <a14:useLocalDpi xmlns:a14="http://schemas.microsoft.com/office/drawing/2010/main" val="0"/>
               </a:ext>
               <a:ext uri="{96DAC541-7B7A-43D3-8B79-37D633B846F1}">
-                <asvg:svgBlip xmlns="" xmlns:asvg="http://schemas.microsoft.com/office/drawing/2016/SVG/main" r:embed="rId4"/>
+                <asvg:svgBlip xmlns:asvg="http://schemas.microsoft.com/office/drawing/2016/SVG/main" xmlns="" r:embed="rId4"/>
               </a:ext>
             </a:extLst>
           </a:blip>
@@ -4521,7 +4617,7 @@
           <a:blip xmlns:r="http://schemas.openxmlformats.org/officeDocument/2006/relationships" r:embed="rId5">
             <a:extLst>
               <a:ext uri="{96DAC541-7B7A-43D3-8B79-37D633B846F1}">
-                <asvg:svgBlip xmlns="" xmlns:asvg="http://schemas.microsoft.com/office/drawing/2016/SVG/main" r:embed="rId6"/>
+                <asvg:svgBlip xmlns:asvg="http://schemas.microsoft.com/office/drawing/2016/SVG/main" xmlns="" r:embed="rId6"/>
               </a:ext>
             </a:extLst>
           </a:blip>
@@ -4678,7 +4774,7 @@
           <a:blip xmlns:r="http://schemas.openxmlformats.org/officeDocument/2006/relationships" r:embed="rId7">
             <a:extLst>
               <a:ext uri="{96DAC541-7B7A-43D3-8B79-37D633B846F1}">
-                <asvg:svgBlip xmlns="" xmlns:asvg="http://schemas.microsoft.com/office/drawing/2016/SVG/main" r:embed="rId8"/>
+                <asvg:svgBlip xmlns:asvg="http://schemas.microsoft.com/office/drawing/2016/SVG/main" xmlns="" r:embed="rId8"/>
               </a:ext>
             </a:extLst>
           </a:blip>
@@ -5380,7 +5476,7 @@
   </dgm:layoutNode>
   <dgm:extLst>
     <a:ext uri="{68A01E43-0DF5-4B5B-8FA6-DAF915123BFB}">
-      <dgm1612:lstStyle xmlns="" xmlns:dgm1612="http://schemas.microsoft.com/office/drawing/2016/12/diagram">
+      <dgm1612:lstStyle xmlns:dgm1612="http://schemas.microsoft.com/office/drawing/2016/12/diagram" xmlns="">
         <a:lvl1pPr>
           <a:lnSpc>
             <a:spcPct val="100000"/>
@@ -7612,7 +7708,7 @@
           <a:p>
             <a:fld id="{6E5A1375-5E48-45CD-B1FF-BA3248025E3D}" type="datetimeFigureOut">
               <a:rPr lang="es-ES" smtClean="0"/>
-              <a:t>06/02/2024</a:t>
+              <a:t>07/02/2024</a:t>
             </a:fld>
             <a:endParaRPr lang="es-ES"/>
           </a:p>
@@ -7810,7 +7906,7 @@
           <a:p>
             <a:fld id="{6E5A1375-5E48-45CD-B1FF-BA3248025E3D}" type="datetimeFigureOut">
               <a:rPr lang="es-ES" smtClean="0"/>
-              <a:t>06/02/2024</a:t>
+              <a:t>07/02/2024</a:t>
             </a:fld>
             <a:endParaRPr lang="es-ES"/>
           </a:p>
@@ -8018,7 +8114,7 @@
           <a:p>
             <a:fld id="{6E5A1375-5E48-45CD-B1FF-BA3248025E3D}" type="datetimeFigureOut">
               <a:rPr lang="es-ES" smtClean="0"/>
-              <a:t>06/02/2024</a:t>
+              <a:t>07/02/2024</a:t>
             </a:fld>
             <a:endParaRPr lang="es-ES"/>
           </a:p>
@@ -8216,7 +8312,7 @@
           <a:p>
             <a:fld id="{6E5A1375-5E48-45CD-B1FF-BA3248025E3D}" type="datetimeFigureOut">
               <a:rPr lang="es-ES" smtClean="0"/>
-              <a:t>06/02/2024</a:t>
+              <a:t>07/02/2024</a:t>
             </a:fld>
             <a:endParaRPr lang="es-ES"/>
           </a:p>
@@ -8491,7 +8587,7 @@
           <a:p>
             <a:fld id="{6E5A1375-5E48-45CD-B1FF-BA3248025E3D}" type="datetimeFigureOut">
               <a:rPr lang="es-ES" smtClean="0"/>
-              <a:t>06/02/2024</a:t>
+              <a:t>07/02/2024</a:t>
             </a:fld>
             <a:endParaRPr lang="es-ES"/>
           </a:p>
@@ -8756,7 +8852,7 @@
           <a:p>
             <a:fld id="{6E5A1375-5E48-45CD-B1FF-BA3248025E3D}" type="datetimeFigureOut">
               <a:rPr lang="es-ES" smtClean="0"/>
-              <a:t>06/02/2024</a:t>
+              <a:t>07/02/2024</a:t>
             </a:fld>
             <a:endParaRPr lang="es-ES"/>
           </a:p>
@@ -9168,7 +9264,7 @@
           <a:p>
             <a:fld id="{6E5A1375-5E48-45CD-B1FF-BA3248025E3D}" type="datetimeFigureOut">
               <a:rPr lang="es-ES" smtClean="0"/>
-              <a:t>06/02/2024</a:t>
+              <a:t>07/02/2024</a:t>
             </a:fld>
             <a:endParaRPr lang="es-ES"/>
           </a:p>
@@ -9309,7 +9405,7 @@
           <a:p>
             <a:fld id="{6E5A1375-5E48-45CD-B1FF-BA3248025E3D}" type="datetimeFigureOut">
               <a:rPr lang="es-ES" smtClean="0"/>
-              <a:t>06/02/2024</a:t>
+              <a:t>07/02/2024</a:t>
             </a:fld>
             <a:endParaRPr lang="es-ES"/>
           </a:p>
@@ -9422,7 +9518,7 @@
           <a:p>
             <a:fld id="{6E5A1375-5E48-45CD-B1FF-BA3248025E3D}" type="datetimeFigureOut">
               <a:rPr lang="es-ES" smtClean="0"/>
-              <a:t>06/02/2024</a:t>
+              <a:t>07/02/2024</a:t>
             </a:fld>
             <a:endParaRPr lang="es-ES"/>
           </a:p>
@@ -9733,7 +9829,7 @@
           <a:p>
             <a:fld id="{6E5A1375-5E48-45CD-B1FF-BA3248025E3D}" type="datetimeFigureOut">
               <a:rPr lang="es-ES" smtClean="0"/>
-              <a:t>06/02/2024</a:t>
+              <a:t>07/02/2024</a:t>
             </a:fld>
             <a:endParaRPr lang="es-ES"/>
           </a:p>
@@ -10021,7 +10117,7 @@
           <a:p>
             <a:fld id="{6E5A1375-5E48-45CD-B1FF-BA3248025E3D}" type="datetimeFigureOut">
               <a:rPr lang="es-ES" smtClean="0"/>
-              <a:t>06/02/2024</a:t>
+              <a:t>07/02/2024</a:t>
             </a:fld>
             <a:endParaRPr lang="es-ES"/>
           </a:p>
@@ -10262,7 +10358,7 @@
           <a:p>
             <a:fld id="{6E5A1375-5E48-45CD-B1FF-BA3248025E3D}" type="datetimeFigureOut">
               <a:rPr lang="es-ES" smtClean="0"/>
-              <a:t>06/02/2024</a:t>
+              <a:t>07/02/2024</a:t>
             </a:fld>
             <a:endParaRPr lang="es-ES"/>
           </a:p>
@@ -10817,7 +10913,7 @@
                 <a16:creationId xmlns:a16="http://schemas.microsoft.com/office/drawing/2014/main" id="{71FC7D98-7B8B-402A-90FC-F027482F2142}"/>
               </a:ext>
               <a:ext uri="{C183D7F6-B498-43B3-948B-1728B52AA6E4}">
-                <adec:decorative xmlns="" xmlns:adec="http://schemas.microsoft.com/office/drawing/2017/decorative" val="1"/>
+                <adec:decorative xmlns:adec="http://schemas.microsoft.com/office/drawing/2017/decorative" xmlns="" val="1"/>
               </a:ext>
             </a:extLst>
           </p:cNvPr>
@@ -10880,7 +10976,7 @@
                 <a16:creationId xmlns:a16="http://schemas.microsoft.com/office/drawing/2014/main" id="{AD7356EA-285B-4E5D-8FEC-104659A4FD2C}"/>
               </a:ext>
               <a:ext uri="{C183D7F6-B498-43B3-948B-1728B52AA6E4}">
-                <adec:decorative xmlns="" xmlns:adec="http://schemas.microsoft.com/office/drawing/2017/decorative" val="1"/>
+                <adec:decorative xmlns:adec="http://schemas.microsoft.com/office/drawing/2017/decorative" xmlns="" val="1"/>
               </a:ext>
             </a:extLst>
           </p:cNvPr>
@@ -11022,7 +11118,7 @@
                 <a16:creationId xmlns:a16="http://schemas.microsoft.com/office/drawing/2014/main" id="{081EA652-8C6A-4E69-BEB9-170809474553}"/>
               </a:ext>
               <a:ext uri="{C183D7F6-B498-43B3-948B-1728B52AA6E4}">
-                <adec:decorative xmlns="" xmlns:adec="http://schemas.microsoft.com/office/drawing/2017/decorative" val="1"/>
+                <adec:decorative xmlns:adec="http://schemas.microsoft.com/office/drawing/2017/decorative" xmlns="" val="1"/>
               </a:ext>
             </a:extLst>
           </p:cNvPr>
@@ -11082,7 +11178,7 @@
                 <a16:creationId xmlns:a16="http://schemas.microsoft.com/office/drawing/2014/main" id="{5298780A-33B9-4EA2-8F67-DE68AD62841B}"/>
               </a:ext>
               <a:ext uri="{C183D7F6-B498-43B3-948B-1728B52AA6E4}">
-                <adec:decorative xmlns="" xmlns:adec="http://schemas.microsoft.com/office/drawing/2017/decorative" val="1"/>
+                <adec:decorative xmlns:adec="http://schemas.microsoft.com/office/drawing/2017/decorative" xmlns="" val="1"/>
               </a:ext>
             </a:extLst>
           </p:cNvPr>
@@ -11145,7 +11241,7 @@
                 <a16:creationId xmlns:a16="http://schemas.microsoft.com/office/drawing/2014/main" id="{7F488E8B-4E1E-4402-8935-D4E6C02615C7}"/>
               </a:ext>
               <a:ext uri="{C183D7F6-B498-43B3-948B-1728B52AA6E4}">
-                <adec:decorative xmlns="" xmlns:adec="http://schemas.microsoft.com/office/drawing/2017/decorative" val="1"/>
+                <adec:decorative xmlns:adec="http://schemas.microsoft.com/office/drawing/2017/decorative" xmlns="" val="1"/>
               </a:ext>
             </a:extLst>
           </p:cNvPr>
@@ -11211,7 +11307,7 @@
                 <a16:creationId xmlns:a16="http://schemas.microsoft.com/office/drawing/2014/main" id="{23AAC9B5-8015-485C-ACF9-A750390E9A56}"/>
               </a:ext>
               <a:ext uri="{C183D7F6-B498-43B3-948B-1728B52AA6E4}">
-                <adec:decorative xmlns="" xmlns:adec="http://schemas.microsoft.com/office/drawing/2017/decorative" val="1"/>
+                <adec:decorative xmlns:adec="http://schemas.microsoft.com/office/drawing/2017/decorative" xmlns="" val="1"/>
               </a:ext>
             </a:extLst>
           </p:cNvPr>
@@ -11422,7 +11518,7 @@
                 <a16:creationId xmlns:a16="http://schemas.microsoft.com/office/drawing/2014/main" id="{5AAE9118-0436-4488-AC4A-C14DF6A7B6B1}"/>
               </a:ext>
               <a:ext uri="{C183D7F6-B498-43B3-948B-1728B52AA6E4}">
-                <adec:decorative xmlns="" xmlns:adec="http://schemas.microsoft.com/office/drawing/2017/decorative" val="1"/>
+                <adec:decorative xmlns:adec="http://schemas.microsoft.com/office/drawing/2017/decorative" xmlns="" val="1"/>
               </a:ext>
             </a:extLst>
           </p:cNvPr>
@@ -11485,7 +11581,7 @@
                 <a16:creationId xmlns:a16="http://schemas.microsoft.com/office/drawing/2014/main" id="{07A0C51E-5464-4470-855E-CA530A59BF98}"/>
               </a:ext>
               <a:ext uri="{C183D7F6-B498-43B3-948B-1728B52AA6E4}">
-                <adec:decorative xmlns="" xmlns:adec="http://schemas.microsoft.com/office/drawing/2017/decorative" val="1"/>
+                <adec:decorative xmlns:adec="http://schemas.microsoft.com/office/drawing/2017/decorative" xmlns="" val="1"/>
               </a:ext>
             </a:extLst>
           </p:cNvPr>
@@ -11709,7 +11805,7 @@
                 <a16:creationId xmlns:a16="http://schemas.microsoft.com/office/drawing/2014/main" id="{201CC55D-ED54-4C5C-95E6-10947BD1103B}"/>
               </a:ext>
               <a:ext uri="{C183D7F6-B498-43B3-948B-1728B52AA6E4}">
-                <adec:decorative xmlns="" xmlns:adec="http://schemas.microsoft.com/office/drawing/2017/decorative" val="1"/>
+                <adec:decorative xmlns:adec="http://schemas.microsoft.com/office/drawing/2017/decorative" xmlns="" val="1"/>
               </a:ext>
             </a:extLst>
           </p:cNvPr>
@@ -11826,7 +11922,7 @@
                 <a16:creationId xmlns:a16="http://schemas.microsoft.com/office/drawing/2014/main" id="{1DE889C7-FAD6-4397-98E2-05D503484459}"/>
               </a:ext>
               <a:ext uri="{C183D7F6-B498-43B3-948B-1728B52AA6E4}">
-                <adec:decorative xmlns="" xmlns:adec="http://schemas.microsoft.com/office/drawing/2017/decorative" val="1"/>
+                <adec:decorative xmlns:adec="http://schemas.microsoft.com/office/drawing/2017/decorative" xmlns="" val="1"/>
               </a:ext>
             </a:extLst>
           </p:cNvPr>
@@ -11857,7 +11953,7 @@
                   <a16:creationId xmlns:a16="http://schemas.microsoft.com/office/drawing/2014/main" id="{F399A70F-F8CD-4992-9EF5-6CF15472E73F}"/>
                 </a:ext>
                 <a:ext uri="{C183D7F6-B498-43B3-948B-1728B52AA6E4}">
-                  <adec:decorative xmlns="" xmlns:adec="http://schemas.microsoft.com/office/drawing/2017/decorative" val="1"/>
+                  <adec:decorative xmlns:adec="http://schemas.microsoft.com/office/drawing/2017/decorative" xmlns="" val="1"/>
                 </a:ext>
               </a:extLst>
             </p:cNvPr>
@@ -11918,7 +12014,7 @@
                   <a16:creationId xmlns:a16="http://schemas.microsoft.com/office/drawing/2014/main" id="{48F4FEDC-6D80-458C-A665-075D9B9500FD}"/>
                 </a:ext>
                 <a:ext uri="{C183D7F6-B498-43B3-948B-1728B52AA6E4}">
-                  <adec:decorative xmlns="" xmlns:adec="http://schemas.microsoft.com/office/drawing/2017/decorative" val="1"/>
+                  <adec:decorative xmlns:adec="http://schemas.microsoft.com/office/drawing/2017/decorative" xmlns="" val="1"/>
                 </a:ext>
               </a:extLst>
             </p:cNvPr>
@@ -11980,7 +12076,7 @@
                 <a16:creationId xmlns:a16="http://schemas.microsoft.com/office/drawing/2014/main" id="{3873B707-463F-40B0-8227-E8CC6C67EB25}"/>
               </a:ext>
               <a:ext uri="{C183D7F6-B498-43B3-948B-1728B52AA6E4}">
-                <adec:decorative xmlns="" xmlns:adec="http://schemas.microsoft.com/office/drawing/2017/decorative" val="1"/>
+                <adec:decorative xmlns:adec="http://schemas.microsoft.com/office/drawing/2017/decorative" xmlns="" val="1"/>
               </a:ext>
             </a:extLst>
           </p:cNvPr>
@@ -12093,7 +12189,7 @@
                 <a16:creationId xmlns:a16="http://schemas.microsoft.com/office/drawing/2014/main" id="{C13237C8-E62C-4F0D-A318-BD6FB6C2D138}"/>
               </a:ext>
               <a:ext uri="{C183D7F6-B498-43B3-948B-1728B52AA6E4}">
-                <adec:decorative xmlns="" xmlns:adec="http://schemas.microsoft.com/office/drawing/2017/decorative" val="1"/>
+                <adec:decorative xmlns:adec="http://schemas.microsoft.com/office/drawing/2017/decorative" xmlns="" val="1"/>
               </a:ext>
             </a:extLst>
           </p:cNvPr>
@@ -12156,7 +12252,7 @@
                 <a16:creationId xmlns:a16="http://schemas.microsoft.com/office/drawing/2014/main" id="{19C9EAEA-39D0-4B0E-A0EB-51E7B26740B1}"/>
               </a:ext>
               <a:ext uri="{C183D7F6-B498-43B3-948B-1728B52AA6E4}">
-                <adec:decorative xmlns="" xmlns:adec="http://schemas.microsoft.com/office/drawing/2017/decorative" val="1"/>
+                <adec:decorative xmlns:adec="http://schemas.microsoft.com/office/drawing/2017/decorative" xmlns="" val="1"/>
               </a:ext>
             </a:extLst>
           </p:cNvPr>
@@ -12293,7 +12389,7 @@
                 <a16:creationId xmlns:a16="http://schemas.microsoft.com/office/drawing/2014/main" id="{8B9AA7C6-5E5A-498E-A6DF-A943376E09BC}"/>
               </a:ext>
               <a:ext uri="{C183D7F6-B498-43B3-948B-1728B52AA6E4}">
-                <adec:decorative xmlns="" xmlns:adec="http://schemas.microsoft.com/office/drawing/2017/decorative" val="1"/>
+                <adec:decorative xmlns:adec="http://schemas.microsoft.com/office/drawing/2017/decorative" xmlns="" val="1"/>
               </a:ext>
             </a:extLst>
           </p:cNvPr>
@@ -12353,7 +12449,7 @@
                 <a16:creationId xmlns:a16="http://schemas.microsoft.com/office/drawing/2014/main" id="{83EAB11A-76F7-48F4-9B4F-5BFDF4BF9670}"/>
               </a:ext>
               <a:ext uri="{C183D7F6-B498-43B3-948B-1728B52AA6E4}">
-                <adec:decorative xmlns="" xmlns:adec="http://schemas.microsoft.com/office/drawing/2017/decorative" val="1"/>
+                <adec:decorative xmlns:adec="http://schemas.microsoft.com/office/drawing/2017/decorative" xmlns="" val="1"/>
               </a:ext>
             </a:extLst>
           </p:cNvPr>
@@ -12384,7 +12480,7 @@
                   <a16:creationId xmlns:a16="http://schemas.microsoft.com/office/drawing/2014/main" id="{74D4C416-D5F4-4F6F-A6F1-87A21CD4FCAF}"/>
                 </a:ext>
                 <a:ext uri="{C183D7F6-B498-43B3-948B-1728B52AA6E4}">
-                  <adec:decorative xmlns="" xmlns:adec="http://schemas.microsoft.com/office/drawing/2017/decorative" val="1"/>
+                  <adec:decorative xmlns:adec="http://schemas.microsoft.com/office/drawing/2017/decorative" xmlns="" val="1"/>
                 </a:ext>
               </a:extLst>
             </p:cNvPr>
@@ -12445,7 +12541,7 @@
                   <a16:creationId xmlns:a16="http://schemas.microsoft.com/office/drawing/2014/main" id="{C6AC1C30-21C6-4BF6-93EE-B211D7A85011}"/>
                 </a:ext>
                 <a:ext uri="{C183D7F6-B498-43B3-948B-1728B52AA6E4}">
-                  <adec:decorative xmlns="" xmlns:adec="http://schemas.microsoft.com/office/drawing/2017/decorative" val="1"/>
+                  <adec:decorative xmlns:adec="http://schemas.microsoft.com/office/drawing/2017/decorative" xmlns="" val="1"/>
                 </a:ext>
               </a:extLst>
             </p:cNvPr>
@@ -12498,7 +12594,7 @@
                 <a16:creationId xmlns:a16="http://schemas.microsoft.com/office/drawing/2014/main" id="{81E140AE-0ABF-47C8-BF32-7D2F0CF2BA44}"/>
               </a:ext>
               <a:ext uri="{C183D7F6-B498-43B3-948B-1728B52AA6E4}">
-                <adec:decorative xmlns="" xmlns:adec="http://schemas.microsoft.com/office/drawing/2017/decorative" val="1"/>
+                <adec:decorative xmlns:adec="http://schemas.microsoft.com/office/drawing/2017/decorative" xmlns="" val="1"/>
               </a:ext>
             </a:extLst>
           </p:cNvPr>
@@ -12561,7 +12657,7 @@
                 <a16:creationId xmlns:a16="http://schemas.microsoft.com/office/drawing/2014/main" id="{CBC4F608-B4B8-48C3-9572-C0F061B1CD99}"/>
               </a:ext>
               <a:ext uri="{C183D7F6-B498-43B3-948B-1728B52AA6E4}">
-                <adec:decorative xmlns="" xmlns:adec="http://schemas.microsoft.com/office/drawing/2017/decorative" val="1"/>
+                <adec:decorative xmlns:adec="http://schemas.microsoft.com/office/drawing/2017/decorative" xmlns="" val="1"/>
               </a:ext>
             </a:extLst>
           </p:cNvPr>
@@ -12755,7 +12851,7 @@
                 <a16:creationId xmlns:a16="http://schemas.microsoft.com/office/drawing/2014/main" id="{F0AED851-54B9-4765-92D2-F0BE443BEC91}"/>
               </a:ext>
               <a:ext uri="{C183D7F6-B498-43B3-948B-1728B52AA6E4}">
-                <adec:decorative xmlns="" xmlns:adec="http://schemas.microsoft.com/office/drawing/2017/decorative" val="1"/>
+                <adec:decorative xmlns:adec="http://schemas.microsoft.com/office/drawing/2017/decorative" xmlns="" val="1"/>
               </a:ext>
             </a:extLst>
           </p:cNvPr>
@@ -12815,7 +12911,7 @@
                 <a16:creationId xmlns:a16="http://schemas.microsoft.com/office/drawing/2014/main" id="{B81933D1-5615-42C7-9C0B-4EB7105CCE2D}"/>
               </a:ext>
               <a:ext uri="{C183D7F6-B498-43B3-948B-1728B52AA6E4}">
-                <adec:decorative xmlns="" xmlns:adec="http://schemas.microsoft.com/office/drawing/2017/decorative" val="1"/>
+                <adec:decorative xmlns:adec="http://schemas.microsoft.com/office/drawing/2017/decorative" xmlns="" val="1"/>
               </a:ext>
             </a:extLst>
           </p:cNvPr>
@@ -12878,7 +12974,7 @@
                 <a16:creationId xmlns:a16="http://schemas.microsoft.com/office/drawing/2014/main" id="{19C9EAEA-39D0-4B0E-A0EB-51E7B26740B1}"/>
               </a:ext>
               <a:ext uri="{C183D7F6-B498-43B3-948B-1728B52AA6E4}">
-                <adec:decorative xmlns="" xmlns:adec="http://schemas.microsoft.com/office/drawing/2017/decorative" val="1"/>
+                <adec:decorative xmlns:adec="http://schemas.microsoft.com/office/drawing/2017/decorative" xmlns="" val="1"/>
               </a:ext>
             </a:extLst>
           </p:cNvPr>
@@ -12948,7 +13044,7 @@
                 <a16:creationId xmlns:a16="http://schemas.microsoft.com/office/drawing/2014/main" id="{032D8612-31EB-44CF-A1D0-14FD4C705424}"/>
               </a:ext>
               <a:ext uri="{C183D7F6-B498-43B3-948B-1728B52AA6E4}">
-                <adec:decorative xmlns="" xmlns:adec="http://schemas.microsoft.com/office/drawing/2017/decorative" val="1"/>
+                <adec:decorative xmlns:adec="http://schemas.microsoft.com/office/drawing/2017/decorative" xmlns="" val="1"/>
               </a:ext>
             </a:extLst>
           </p:cNvPr>
@@ -12982,7 +13078,7 @@
                   <a16:creationId xmlns:a16="http://schemas.microsoft.com/office/drawing/2014/main" id="{F19A4A0F-1B59-4DB0-9764-D10936E98770}"/>
                 </a:ext>
                 <a:ext uri="{C183D7F6-B498-43B3-948B-1728B52AA6E4}">
-                  <adec:decorative xmlns="" xmlns:adec="http://schemas.microsoft.com/office/drawing/2017/decorative" val="1"/>
+                  <adec:decorative xmlns:adec="http://schemas.microsoft.com/office/drawing/2017/decorative" xmlns="" val="1"/>
                 </a:ext>
               </a:extLst>
             </p:cNvPr>
@@ -13041,7 +13137,7 @@
                   <a16:creationId xmlns:a16="http://schemas.microsoft.com/office/drawing/2014/main" id="{F399A70F-F8CD-4992-9EF5-6CF15472E73F}"/>
                 </a:ext>
                 <a:ext uri="{C183D7F6-B498-43B3-948B-1728B52AA6E4}">
-                  <adec:decorative xmlns="" xmlns:adec="http://schemas.microsoft.com/office/drawing/2017/decorative" val="1"/>
+                  <adec:decorative xmlns:adec="http://schemas.microsoft.com/office/drawing/2017/decorative" xmlns="" val="1"/>
                 </a:ext>
               </a:extLst>
             </p:cNvPr>
@@ -13100,7 +13196,7 @@
                   <a16:creationId xmlns:a16="http://schemas.microsoft.com/office/drawing/2014/main" id="{48F4FEDC-6D80-458C-A665-075D9B9500FD}"/>
                 </a:ext>
                 <a:ext uri="{C183D7F6-B498-43B3-948B-1728B52AA6E4}">
-                  <adec:decorative xmlns="" xmlns:adec="http://schemas.microsoft.com/office/drawing/2017/decorative" val="1"/>
+                  <adec:decorative xmlns:adec="http://schemas.microsoft.com/office/drawing/2017/decorative" xmlns="" val="1"/>
                 </a:ext>
               </a:extLst>
             </p:cNvPr>
@@ -13943,7 +14039,7 @@
                 <a16:creationId xmlns:a16="http://schemas.microsoft.com/office/drawing/2014/main" id="{201CC55D-ED54-4C5C-95E6-10947BD1103B}"/>
               </a:ext>
               <a:ext uri="{C183D7F6-B498-43B3-948B-1728B52AA6E4}">
-                <adec:decorative xmlns="" xmlns:adec="http://schemas.microsoft.com/office/drawing/2017/decorative" val="1"/>
+                <adec:decorative xmlns:adec="http://schemas.microsoft.com/office/drawing/2017/decorative" xmlns="" val="1"/>
               </a:ext>
             </a:extLst>
           </p:cNvPr>
@@ -14032,7 +14128,7 @@
                 <a16:creationId xmlns:a16="http://schemas.microsoft.com/office/drawing/2014/main" id="{1DE889C7-FAD6-4397-98E2-05D503484459}"/>
               </a:ext>
               <a:ext uri="{C183D7F6-B498-43B3-948B-1728B52AA6E4}">
-                <adec:decorative xmlns="" xmlns:adec="http://schemas.microsoft.com/office/drawing/2017/decorative" val="1"/>
+                <adec:decorative xmlns:adec="http://schemas.microsoft.com/office/drawing/2017/decorative" xmlns="" val="1"/>
               </a:ext>
             </a:extLst>
           </p:cNvPr>
@@ -14063,7 +14159,7 @@
                   <a16:creationId xmlns:a16="http://schemas.microsoft.com/office/drawing/2014/main" id="{F399A70F-F8CD-4992-9EF5-6CF15472E73F}"/>
                 </a:ext>
                 <a:ext uri="{C183D7F6-B498-43B3-948B-1728B52AA6E4}">
-                  <adec:decorative xmlns="" xmlns:adec="http://schemas.microsoft.com/office/drawing/2017/decorative" val="1"/>
+                  <adec:decorative xmlns:adec="http://schemas.microsoft.com/office/drawing/2017/decorative" xmlns="" val="1"/>
                 </a:ext>
               </a:extLst>
             </p:cNvPr>
@@ -14124,7 +14220,7 @@
                   <a16:creationId xmlns:a16="http://schemas.microsoft.com/office/drawing/2014/main" id="{48F4FEDC-6D80-458C-A665-075D9B9500FD}"/>
                 </a:ext>
                 <a:ext uri="{C183D7F6-B498-43B3-948B-1728B52AA6E4}">
-                  <adec:decorative xmlns="" xmlns:adec="http://schemas.microsoft.com/office/drawing/2017/decorative" val="1"/>
+                  <adec:decorative xmlns:adec="http://schemas.microsoft.com/office/drawing/2017/decorative" xmlns="" val="1"/>
                 </a:ext>
               </a:extLst>
             </p:cNvPr>
@@ -14186,7 +14282,7 @@
                 <a16:creationId xmlns:a16="http://schemas.microsoft.com/office/drawing/2014/main" id="{3873B707-463F-40B0-8227-E8CC6C67EB25}"/>
               </a:ext>
               <a:ext uri="{C183D7F6-B498-43B3-948B-1728B52AA6E4}">
-                <adec:decorative xmlns="" xmlns:adec="http://schemas.microsoft.com/office/drawing/2017/decorative" val="1"/>
+                <adec:decorative xmlns:adec="http://schemas.microsoft.com/office/drawing/2017/decorative" xmlns="" val="1"/>
               </a:ext>
             </a:extLst>
           </p:cNvPr>
@@ -14311,7 +14407,7 @@
                 <a16:creationId xmlns:a16="http://schemas.microsoft.com/office/drawing/2014/main" id="{C13237C8-E62C-4F0D-A318-BD6FB6C2D138}"/>
               </a:ext>
               <a:ext uri="{C183D7F6-B498-43B3-948B-1728B52AA6E4}">
-                <adec:decorative xmlns="" xmlns:adec="http://schemas.microsoft.com/office/drawing/2017/decorative" val="1"/>
+                <adec:decorative xmlns:adec="http://schemas.microsoft.com/office/drawing/2017/decorative" xmlns="" val="1"/>
               </a:ext>
             </a:extLst>
           </p:cNvPr>
@@ -14374,7 +14470,7 @@
                 <a16:creationId xmlns:a16="http://schemas.microsoft.com/office/drawing/2014/main" id="{19C9EAEA-39D0-4B0E-A0EB-51E7B26740B1}"/>
               </a:ext>
               <a:ext uri="{C183D7F6-B498-43B3-948B-1728B52AA6E4}">
-                <adec:decorative xmlns="" xmlns:adec="http://schemas.microsoft.com/office/drawing/2017/decorative" val="1"/>
+                <adec:decorative xmlns:adec="http://schemas.microsoft.com/office/drawing/2017/decorative" xmlns="" val="1"/>
               </a:ext>
             </a:extLst>
           </p:cNvPr>
@@ -14505,7 +14601,7 @@
                 <a16:creationId xmlns:a16="http://schemas.microsoft.com/office/drawing/2014/main" id="{201CC55D-ED54-4C5C-95E6-10947BD1103B}"/>
               </a:ext>
               <a:ext uri="{C183D7F6-B498-43B3-948B-1728B52AA6E4}">
-                <adec:decorative xmlns="" xmlns:adec="http://schemas.microsoft.com/office/drawing/2017/decorative" val="1"/>
+                <adec:decorative xmlns:adec="http://schemas.microsoft.com/office/drawing/2017/decorative" xmlns="" val="1"/>
               </a:ext>
             </a:extLst>
           </p:cNvPr>
@@ -14594,7 +14690,7 @@
                 <a16:creationId xmlns:a16="http://schemas.microsoft.com/office/drawing/2014/main" id="{1DE889C7-FAD6-4397-98E2-05D503484459}"/>
               </a:ext>
               <a:ext uri="{C183D7F6-B498-43B3-948B-1728B52AA6E4}">
-                <adec:decorative xmlns="" xmlns:adec="http://schemas.microsoft.com/office/drawing/2017/decorative" val="1"/>
+                <adec:decorative xmlns:adec="http://schemas.microsoft.com/office/drawing/2017/decorative" xmlns="" val="1"/>
               </a:ext>
             </a:extLst>
           </p:cNvPr>
@@ -14625,7 +14721,7 @@
                   <a16:creationId xmlns:a16="http://schemas.microsoft.com/office/drawing/2014/main" id="{F399A70F-F8CD-4992-9EF5-6CF15472E73F}"/>
                 </a:ext>
                 <a:ext uri="{C183D7F6-B498-43B3-948B-1728B52AA6E4}">
-                  <adec:decorative xmlns="" xmlns:adec="http://schemas.microsoft.com/office/drawing/2017/decorative" val="1"/>
+                  <adec:decorative xmlns:adec="http://schemas.microsoft.com/office/drawing/2017/decorative" xmlns="" val="1"/>
                 </a:ext>
               </a:extLst>
             </p:cNvPr>
@@ -14686,7 +14782,7 @@
                   <a16:creationId xmlns:a16="http://schemas.microsoft.com/office/drawing/2014/main" id="{48F4FEDC-6D80-458C-A665-075D9B9500FD}"/>
                 </a:ext>
                 <a:ext uri="{C183D7F6-B498-43B3-948B-1728B52AA6E4}">
-                  <adec:decorative xmlns="" xmlns:adec="http://schemas.microsoft.com/office/drawing/2017/decorative" val="1"/>
+                  <adec:decorative xmlns:adec="http://schemas.microsoft.com/office/drawing/2017/decorative" xmlns="" val="1"/>
                 </a:ext>
               </a:extLst>
             </p:cNvPr>
@@ -14748,7 +14844,7 @@
                 <a16:creationId xmlns:a16="http://schemas.microsoft.com/office/drawing/2014/main" id="{3873B707-463F-40B0-8227-E8CC6C67EB25}"/>
               </a:ext>
               <a:ext uri="{C183D7F6-B498-43B3-948B-1728B52AA6E4}">
-                <adec:decorative xmlns="" xmlns:adec="http://schemas.microsoft.com/office/drawing/2017/decorative" val="1"/>
+                <adec:decorative xmlns:adec="http://schemas.microsoft.com/office/drawing/2017/decorative" xmlns="" val="1"/>
               </a:ext>
             </a:extLst>
           </p:cNvPr>
@@ -14887,7 +14983,7 @@
                 <a16:creationId xmlns:a16="http://schemas.microsoft.com/office/drawing/2014/main" id="{C13237C8-E62C-4F0D-A318-BD6FB6C2D138}"/>
               </a:ext>
               <a:ext uri="{C183D7F6-B498-43B3-948B-1728B52AA6E4}">
-                <adec:decorative xmlns="" xmlns:adec="http://schemas.microsoft.com/office/drawing/2017/decorative" val="1"/>
+                <adec:decorative xmlns:adec="http://schemas.microsoft.com/office/drawing/2017/decorative" xmlns="" val="1"/>
               </a:ext>
             </a:extLst>
           </p:cNvPr>
@@ -14950,7 +15046,7 @@
                 <a16:creationId xmlns:a16="http://schemas.microsoft.com/office/drawing/2014/main" id="{19C9EAEA-39D0-4B0E-A0EB-51E7B26740B1}"/>
               </a:ext>
               <a:ext uri="{C183D7F6-B498-43B3-948B-1728B52AA6E4}">
-                <adec:decorative xmlns="" xmlns:adec="http://schemas.microsoft.com/office/drawing/2017/decorative" val="1"/>
+                <adec:decorative xmlns:adec="http://schemas.microsoft.com/office/drawing/2017/decorative" xmlns="" val="1"/>
               </a:ext>
             </a:extLst>
           </p:cNvPr>
@@ -15500,7 +15596,7 @@
                 <a16:creationId xmlns:a16="http://schemas.microsoft.com/office/drawing/2014/main" id="{4DA718D0-4865-4629-8134-44F68D41D574}"/>
               </a:ext>
               <a:ext uri="{C183D7F6-B498-43B3-948B-1728B52AA6E4}">
-                <adec:decorative xmlns="" xmlns:adec="http://schemas.microsoft.com/office/drawing/2017/decorative" val="1"/>
+                <adec:decorative xmlns:adec="http://schemas.microsoft.com/office/drawing/2017/decorative" xmlns="" val="1"/>
               </a:ext>
             </a:extLst>
           </p:cNvPr>
@@ -15560,7 +15656,7 @@
                 <a16:creationId xmlns:a16="http://schemas.microsoft.com/office/drawing/2014/main" id="{65167ED7-6315-43AB-B1B6-C326D5FD8F84}"/>
               </a:ext>
               <a:ext uri="{C183D7F6-B498-43B3-948B-1728B52AA6E4}">
-                <adec:decorative xmlns="" xmlns:adec="http://schemas.microsoft.com/office/drawing/2017/decorative" val="1"/>
+                <adec:decorative xmlns:adec="http://schemas.microsoft.com/office/drawing/2017/decorative" xmlns="" val="1"/>
               </a:ext>
             </a:extLst>
           </p:cNvPr>
@@ -15594,7 +15690,7 @@
                   <a16:creationId xmlns:a16="http://schemas.microsoft.com/office/drawing/2014/main" id="{EF4D8839-FB03-487D-ACC8-8BFEDD4FEBAE}"/>
                 </a:ext>
                 <a:ext uri="{C183D7F6-B498-43B3-948B-1728B52AA6E4}">
-                  <adec:decorative xmlns="" xmlns:adec="http://schemas.microsoft.com/office/drawing/2017/decorative" val="1"/>
+                  <adec:decorative xmlns:adec="http://schemas.microsoft.com/office/drawing/2017/decorative" xmlns="" val="1"/>
                 </a:ext>
               </a:extLst>
             </p:cNvPr>
@@ -15653,7 +15749,7 @@
                   <a16:creationId xmlns:a16="http://schemas.microsoft.com/office/drawing/2014/main" id="{0EF75023-9A3B-42FC-B704-61A8F7BEF415}"/>
                 </a:ext>
                 <a:ext uri="{C183D7F6-B498-43B3-948B-1728B52AA6E4}">
-                  <adec:decorative xmlns="" xmlns:adec="http://schemas.microsoft.com/office/drawing/2017/decorative" val="1"/>
+                  <adec:decorative xmlns:adec="http://schemas.microsoft.com/office/drawing/2017/decorative" xmlns="" val="1"/>
                 </a:ext>
               </a:extLst>
             </p:cNvPr>
@@ -15713,7 +15809,7 @@
                 <a16:creationId xmlns:a16="http://schemas.microsoft.com/office/drawing/2014/main" id="{CBC4F608-B4B8-48C3-9572-C0F061B1CD99}"/>
               </a:ext>
               <a:ext uri="{C183D7F6-B498-43B3-948B-1728B52AA6E4}">
-                <adec:decorative xmlns="" xmlns:adec="http://schemas.microsoft.com/office/drawing/2017/decorative" val="1"/>
+                <adec:decorative xmlns:adec="http://schemas.microsoft.com/office/drawing/2017/decorative" xmlns="" val="1"/>
               </a:ext>
             </a:extLst>
           </p:cNvPr>
@@ -16285,7 +16381,7 @@
                 <a16:creationId xmlns:a16="http://schemas.microsoft.com/office/drawing/2014/main" id="{201CC55D-ED54-4C5C-95E6-10947BD1103B}"/>
               </a:ext>
               <a:ext uri="{C183D7F6-B498-43B3-948B-1728B52AA6E4}">
-                <adec:decorative xmlns="" xmlns:adec="http://schemas.microsoft.com/office/drawing/2017/decorative" val="1"/>
+                <adec:decorative xmlns:adec="http://schemas.microsoft.com/office/drawing/2017/decorative" xmlns="" val="1"/>
               </a:ext>
             </a:extLst>
           </p:cNvPr>
@@ -16345,7 +16441,7 @@
                 <a16:creationId xmlns:a16="http://schemas.microsoft.com/office/drawing/2014/main" id="{1DE889C7-FAD6-4397-98E2-05D503484459}"/>
               </a:ext>
               <a:ext uri="{C183D7F6-B498-43B3-948B-1728B52AA6E4}">
-                <adec:decorative xmlns="" xmlns:adec="http://schemas.microsoft.com/office/drawing/2017/decorative" val="1"/>
+                <adec:decorative xmlns:adec="http://schemas.microsoft.com/office/drawing/2017/decorative" xmlns="" val="1"/>
               </a:ext>
             </a:extLst>
           </p:cNvPr>
@@ -16376,7 +16472,7 @@
                   <a16:creationId xmlns:a16="http://schemas.microsoft.com/office/drawing/2014/main" id="{F399A70F-F8CD-4992-9EF5-6CF15472E73F}"/>
                 </a:ext>
                 <a:ext uri="{C183D7F6-B498-43B3-948B-1728B52AA6E4}">
-                  <adec:decorative xmlns="" xmlns:adec="http://schemas.microsoft.com/office/drawing/2017/decorative" val="1"/>
+                  <adec:decorative xmlns:adec="http://schemas.microsoft.com/office/drawing/2017/decorative" xmlns="" val="1"/>
                 </a:ext>
               </a:extLst>
             </p:cNvPr>
@@ -16437,7 +16533,7 @@
                   <a16:creationId xmlns:a16="http://schemas.microsoft.com/office/drawing/2014/main" id="{48F4FEDC-6D80-458C-A665-075D9B9500FD}"/>
                 </a:ext>
                 <a:ext uri="{C183D7F6-B498-43B3-948B-1728B52AA6E4}">
-                  <adec:decorative xmlns="" xmlns:adec="http://schemas.microsoft.com/office/drawing/2017/decorative" val="1"/>
+                  <adec:decorative xmlns:adec="http://schemas.microsoft.com/office/drawing/2017/decorative" xmlns="" val="1"/>
                 </a:ext>
               </a:extLst>
             </p:cNvPr>
@@ -16499,7 +16595,7 @@
                 <a16:creationId xmlns:a16="http://schemas.microsoft.com/office/drawing/2014/main" id="{3873B707-463F-40B0-8227-E8CC6C67EB25}"/>
               </a:ext>
               <a:ext uri="{C183D7F6-B498-43B3-948B-1728B52AA6E4}">
-                <adec:decorative xmlns="" xmlns:adec="http://schemas.microsoft.com/office/drawing/2017/decorative" val="1"/>
+                <adec:decorative xmlns:adec="http://schemas.microsoft.com/office/drawing/2017/decorative" xmlns="" val="1"/>
               </a:ext>
             </a:extLst>
           </p:cNvPr>
@@ -16790,7 +16886,7 @@
                 <a16:creationId xmlns:a16="http://schemas.microsoft.com/office/drawing/2014/main" id="{C13237C8-E62C-4F0D-A318-BD6FB6C2D138}"/>
               </a:ext>
               <a:ext uri="{C183D7F6-B498-43B3-948B-1728B52AA6E4}">
-                <adec:decorative xmlns="" xmlns:adec="http://schemas.microsoft.com/office/drawing/2017/decorative" val="1"/>
+                <adec:decorative xmlns:adec="http://schemas.microsoft.com/office/drawing/2017/decorative" xmlns="" val="1"/>
               </a:ext>
             </a:extLst>
           </p:cNvPr>
@@ -16853,7 +16949,7 @@
                 <a16:creationId xmlns:a16="http://schemas.microsoft.com/office/drawing/2014/main" id="{19C9EAEA-39D0-4B0E-A0EB-51E7B26740B1}"/>
               </a:ext>
               <a:ext uri="{C183D7F6-B498-43B3-948B-1728B52AA6E4}">
-                <adec:decorative xmlns="" xmlns:adec="http://schemas.microsoft.com/office/drawing/2017/decorative" val="1"/>
+                <adec:decorative xmlns:adec="http://schemas.microsoft.com/office/drawing/2017/decorative" xmlns="" val="1"/>
               </a:ext>
             </a:extLst>
           </p:cNvPr>
@@ -16990,7 +17086,7 @@
                 <a16:creationId xmlns:a16="http://schemas.microsoft.com/office/drawing/2014/main" id="{B6CDA21F-E7AF-4C75-8395-33F58D5B0E45}"/>
               </a:ext>
               <a:ext uri="{C183D7F6-B498-43B3-948B-1728B52AA6E4}">
-                <adec:decorative xmlns="" xmlns:adec="http://schemas.microsoft.com/office/drawing/2017/decorative" val="1"/>
+                <adec:decorative xmlns:adec="http://schemas.microsoft.com/office/drawing/2017/decorative" xmlns="" val="1"/>
               </a:ext>
             </a:extLst>
           </p:cNvPr>
@@ -17050,7 +17146,7 @@
                 <a16:creationId xmlns:a16="http://schemas.microsoft.com/office/drawing/2014/main" id="{AE1C45F0-260A-458C-96ED-C1F6D2151219}"/>
               </a:ext>
               <a:ext uri="{C183D7F6-B498-43B3-948B-1728B52AA6E4}">
-                <adec:decorative xmlns="" xmlns:adec="http://schemas.microsoft.com/office/drawing/2017/decorative" val="1"/>
+                <adec:decorative xmlns:adec="http://schemas.microsoft.com/office/drawing/2017/decorative" xmlns="" val="1"/>
               </a:ext>
             </a:extLst>
           </p:cNvPr>
@@ -17084,7 +17180,7 @@
                   <a16:creationId xmlns:a16="http://schemas.microsoft.com/office/drawing/2014/main" id="{A6604B49-AD5C-4590-B051-06C8222ECD99}"/>
                 </a:ext>
                 <a:ext uri="{C183D7F6-B498-43B3-948B-1728B52AA6E4}">
-                  <adec:decorative xmlns="" xmlns:adec="http://schemas.microsoft.com/office/drawing/2017/decorative" val="1"/>
+                  <adec:decorative xmlns:adec="http://schemas.microsoft.com/office/drawing/2017/decorative" xmlns="" val="1"/>
                 </a:ext>
               </a:extLst>
             </p:cNvPr>
@@ -17143,7 +17239,7 @@
                   <a16:creationId xmlns:a16="http://schemas.microsoft.com/office/drawing/2014/main" id="{743ECCAF-29C5-4537-947C-7EA1292463DB}"/>
                 </a:ext>
                 <a:ext uri="{C183D7F6-B498-43B3-948B-1728B52AA6E4}">
-                  <adec:decorative xmlns="" xmlns:adec="http://schemas.microsoft.com/office/drawing/2017/decorative" val="1"/>
+                  <adec:decorative xmlns:adec="http://schemas.microsoft.com/office/drawing/2017/decorative" xmlns="" val="1"/>
                 </a:ext>
               </a:extLst>
             </p:cNvPr>
@@ -17202,7 +17298,7 @@
                   <a16:creationId xmlns:a16="http://schemas.microsoft.com/office/drawing/2014/main" id="{ED49787B-8DE6-4467-AD0A-8DECC6E0C2D6}"/>
                 </a:ext>
                 <a:ext uri="{C183D7F6-B498-43B3-948B-1728B52AA6E4}">
-                  <adec:decorative xmlns="" xmlns:adec="http://schemas.microsoft.com/office/drawing/2017/decorative" val="1"/>
+                  <adec:decorative xmlns:adec="http://schemas.microsoft.com/office/drawing/2017/decorative" xmlns="" val="1"/>
                 </a:ext>
               </a:extLst>
             </p:cNvPr>
@@ -17262,7 +17358,7 @@
                 <a16:creationId xmlns:a16="http://schemas.microsoft.com/office/drawing/2014/main" id="{D5B0017B-2ECA-49AF-B397-DC140825DF8D}"/>
               </a:ext>
               <a:ext uri="{C183D7F6-B498-43B3-948B-1728B52AA6E4}">
-                <adec:decorative xmlns="" xmlns:adec="http://schemas.microsoft.com/office/drawing/2017/decorative" val="1"/>
+                <adec:decorative xmlns:adec="http://schemas.microsoft.com/office/drawing/2017/decorative" xmlns="" val="1"/>
               </a:ext>
             </a:extLst>
           </p:cNvPr>
@@ -17595,7 +17691,7 @@
                 <a16:creationId xmlns:a16="http://schemas.microsoft.com/office/drawing/2014/main" id="{6CF1BAF6-AD41-4082-B212-8A1F9A2E8779}"/>
               </a:ext>
               <a:ext uri="{C183D7F6-B498-43B3-948B-1728B52AA6E4}">
-                <adec:decorative xmlns="" xmlns:adec="http://schemas.microsoft.com/office/drawing/2017/decorative" val="1"/>
+                <adec:decorative xmlns:adec="http://schemas.microsoft.com/office/drawing/2017/decorative" xmlns="" val="1"/>
               </a:ext>
             </a:extLst>
           </p:cNvPr>
@@ -17954,7 +18050,7 @@
                 <a16:creationId xmlns:a16="http://schemas.microsoft.com/office/drawing/2014/main" id="{49AE1604-BB93-4F6D-94D6-F2A6021FC5AD}"/>
               </a:ext>
               <a:ext uri="{C183D7F6-B498-43B3-948B-1728B52AA6E4}">
-                <adec:decorative xmlns="" xmlns:adec="http://schemas.microsoft.com/office/drawing/2017/decorative" val="1"/>
+                <adec:decorative xmlns:adec="http://schemas.microsoft.com/office/drawing/2017/decorative" xmlns="" val="1"/>
               </a:ext>
             </a:extLst>
           </p:cNvPr>
@@ -18014,7 +18110,7 @@
                 <a16:creationId xmlns:a16="http://schemas.microsoft.com/office/drawing/2014/main" id="{A9270323-9616-4384-857D-E86B78272EFE}"/>
               </a:ext>
               <a:ext uri="{C183D7F6-B498-43B3-948B-1728B52AA6E4}">
-                <adec:decorative xmlns="" xmlns:adec="http://schemas.microsoft.com/office/drawing/2017/decorative" val="1"/>
+                <adec:decorative xmlns:adec="http://schemas.microsoft.com/office/drawing/2017/decorative" xmlns="" val="1"/>
               </a:ext>
             </a:extLst>
           </p:cNvPr>
@@ -18048,7 +18144,7 @@
                   <a16:creationId xmlns:a16="http://schemas.microsoft.com/office/drawing/2014/main" id="{8A3838D5-9565-4601-BAC3-D1B5BDB803ED}"/>
                 </a:ext>
                 <a:ext uri="{C183D7F6-B498-43B3-948B-1728B52AA6E4}">
-                  <adec:decorative xmlns="" xmlns:adec="http://schemas.microsoft.com/office/drawing/2017/decorative" val="1"/>
+                  <adec:decorative xmlns:adec="http://schemas.microsoft.com/office/drawing/2017/decorative" xmlns="" val="1"/>
                 </a:ext>
               </a:extLst>
             </p:cNvPr>
@@ -18107,7 +18203,7 @@
                   <a16:creationId xmlns:a16="http://schemas.microsoft.com/office/drawing/2014/main" id="{3349A4B8-3246-4579-922E-FE1155C7F08C}"/>
                 </a:ext>
                 <a:ext uri="{C183D7F6-B498-43B3-948B-1728B52AA6E4}">
-                  <adec:decorative xmlns="" xmlns:adec="http://schemas.microsoft.com/office/drawing/2017/decorative" val="1"/>
+                  <adec:decorative xmlns:adec="http://schemas.microsoft.com/office/drawing/2017/decorative" xmlns="" val="1"/>
                 </a:ext>
               </a:extLst>
             </p:cNvPr>
@@ -18167,7 +18263,7 @@
                 <a16:creationId xmlns:a16="http://schemas.microsoft.com/office/drawing/2014/main" id="{CBC4F608-B4B8-48C3-9572-C0F061B1CD99}"/>
               </a:ext>
               <a:ext uri="{C183D7F6-B498-43B3-948B-1728B52AA6E4}">
-                <adec:decorative xmlns="" xmlns:adec="http://schemas.microsoft.com/office/drawing/2017/decorative" val="1"/>
+                <adec:decorative xmlns:adec="http://schemas.microsoft.com/office/drawing/2017/decorative" xmlns="" val="1"/>
               </a:ext>
             </a:extLst>
           </p:cNvPr>
@@ -18265,7 +18361,7 @@
                 <a16:creationId xmlns:a16="http://schemas.microsoft.com/office/drawing/2014/main" id="{1382A32C-5B0C-4B1C-A074-76C6DBCC9F87}"/>
               </a:ext>
               <a:ext uri="{C183D7F6-B498-43B3-948B-1728B52AA6E4}">
-                <adec:decorative xmlns="" xmlns:adec="http://schemas.microsoft.com/office/drawing/2017/decorative" val="1"/>
+                <adec:decorative xmlns:adec="http://schemas.microsoft.com/office/drawing/2017/decorative" xmlns="" val="1"/>
               </a:ext>
             </a:extLst>
           </p:cNvPr>
@@ -18431,7 +18527,7 @@
                 <a16:creationId xmlns:a16="http://schemas.microsoft.com/office/drawing/2014/main" id="{3AD318CC-E2A8-4E27-9548-A047A78999B1}"/>
               </a:ext>
               <a:ext uri="{C183D7F6-B498-43B3-948B-1728B52AA6E4}">
-                <adec:decorative xmlns="" xmlns:adec="http://schemas.microsoft.com/office/drawing/2017/decorative" val="1"/>
+                <adec:decorative xmlns:adec="http://schemas.microsoft.com/office/drawing/2017/decorative" xmlns="" val="1"/>
               </a:ext>
             </a:extLst>
           </p:cNvPr>
@@ -18521,7 +18617,7 @@
                 <a16:creationId xmlns:a16="http://schemas.microsoft.com/office/drawing/2014/main" id="{B14B560F-9DD7-4302-A60B-EBD3EF59B073}"/>
               </a:ext>
               <a:ext uri="{C183D7F6-B498-43B3-948B-1728B52AA6E4}">
-                <adec:decorative xmlns="" xmlns:adec="http://schemas.microsoft.com/office/drawing/2017/decorative" val="1"/>
+                <adec:decorative xmlns:adec="http://schemas.microsoft.com/office/drawing/2017/decorative" xmlns="" val="1"/>
               </a:ext>
             </a:extLst>
           </p:cNvPr>
@@ -18552,7 +18648,7 @@
                   <a16:creationId xmlns:a16="http://schemas.microsoft.com/office/drawing/2014/main" id="{3A9A4357-BD1D-4622-A4FE-766E6AB8DE84}"/>
                 </a:ext>
                 <a:ext uri="{C183D7F6-B498-43B3-948B-1728B52AA6E4}">
-                  <adec:decorative xmlns="" xmlns:adec="http://schemas.microsoft.com/office/drawing/2017/decorative" val="1"/>
+                  <adec:decorative xmlns:adec="http://schemas.microsoft.com/office/drawing/2017/decorative" xmlns="" val="1"/>
                 </a:ext>
               </a:extLst>
             </p:cNvPr>
@@ -18613,7 +18709,7 @@
                   <a16:creationId xmlns:a16="http://schemas.microsoft.com/office/drawing/2014/main" id="{C21D6966-343E-49AC-A026-D2497E0C3CA1}"/>
                 </a:ext>
                 <a:ext uri="{C183D7F6-B498-43B3-948B-1728B52AA6E4}">
-                  <adec:decorative xmlns="" xmlns:adec="http://schemas.microsoft.com/office/drawing/2017/decorative" val="1"/>
+                  <adec:decorative xmlns:adec="http://schemas.microsoft.com/office/drawing/2017/decorative" xmlns="" val="1"/>
                 </a:ext>
               </a:extLst>
             </p:cNvPr>
@@ -18666,7 +18762,7 @@
                 <a16:creationId xmlns:a16="http://schemas.microsoft.com/office/drawing/2014/main" id="{2C1BBA94-3F40-40AA-8BB9-E69E25E537C1}"/>
               </a:ext>
               <a:ext uri="{C183D7F6-B498-43B3-948B-1728B52AA6E4}">
-                <adec:decorative xmlns="" xmlns:adec="http://schemas.microsoft.com/office/drawing/2017/decorative" val="1"/>
+                <adec:decorative xmlns:adec="http://schemas.microsoft.com/office/drawing/2017/decorative" xmlns="" val="1"/>
               </a:ext>
             </a:extLst>
           </p:cNvPr>
@@ -18848,7 +18944,7 @@
                 <a16:creationId xmlns:a16="http://schemas.microsoft.com/office/drawing/2014/main" id="{EF4CB1B7-AF26-4C13-8E7D-0489A31E4B7F}"/>
               </a:ext>
               <a:ext uri="{C183D7F6-B498-43B3-948B-1728B52AA6E4}">
-                <adec:decorative xmlns="" xmlns:adec="http://schemas.microsoft.com/office/drawing/2017/decorative" val="1"/>
+                <adec:decorative xmlns:adec="http://schemas.microsoft.com/office/drawing/2017/decorative" xmlns="" val="1"/>
               </a:ext>
             </a:extLst>
           </p:cNvPr>
@@ -18908,7 +19004,7 @@
                 <a16:creationId xmlns:a16="http://schemas.microsoft.com/office/drawing/2014/main" id="{19A6B5CE-CB1D-48EE-8B43-E952235C8371}"/>
               </a:ext>
               <a:ext uri="{C183D7F6-B498-43B3-948B-1728B52AA6E4}">
-                <adec:decorative xmlns="" xmlns:adec="http://schemas.microsoft.com/office/drawing/2017/decorative" val="1"/>
+                <adec:decorative xmlns:adec="http://schemas.microsoft.com/office/drawing/2017/decorative" xmlns="" val="1"/>
               </a:ext>
             </a:extLst>
           </p:cNvPr>
@@ -18942,7 +19038,7 @@
                   <a16:creationId xmlns:a16="http://schemas.microsoft.com/office/drawing/2014/main" id="{E3F3EAA5-4E15-400B-BBA3-82B3F49A2178}"/>
                 </a:ext>
                 <a:ext uri="{C183D7F6-B498-43B3-948B-1728B52AA6E4}">
-                  <adec:decorative xmlns="" xmlns:adec="http://schemas.microsoft.com/office/drawing/2017/decorative" val="1"/>
+                  <adec:decorative xmlns:adec="http://schemas.microsoft.com/office/drawing/2017/decorative" xmlns="" val="1"/>
                 </a:ext>
               </a:extLst>
             </p:cNvPr>
@@ -19001,7 +19097,7 @@
                   <a16:creationId xmlns:a16="http://schemas.microsoft.com/office/drawing/2014/main" id="{72BA2E40-BE9B-4C54-9CDD-40EE804CCE64}"/>
                 </a:ext>
                 <a:ext uri="{C183D7F6-B498-43B3-948B-1728B52AA6E4}">
-                  <adec:decorative xmlns="" xmlns:adec="http://schemas.microsoft.com/office/drawing/2017/decorative" val="1"/>
+                  <adec:decorative xmlns:adec="http://schemas.microsoft.com/office/drawing/2017/decorative" xmlns="" val="1"/>
                 </a:ext>
               </a:extLst>
             </p:cNvPr>
@@ -19061,7 +19157,7 @@
                 <a16:creationId xmlns:a16="http://schemas.microsoft.com/office/drawing/2014/main" id="{0DA909B4-15FF-46A6-8A7F-7AEF977FE9ED}"/>
               </a:ext>
               <a:ext uri="{C183D7F6-B498-43B3-948B-1728B52AA6E4}">
-                <adec:decorative xmlns="" xmlns:adec="http://schemas.microsoft.com/office/drawing/2017/decorative" val="1"/>
+                <adec:decorative xmlns:adec="http://schemas.microsoft.com/office/drawing/2017/decorative" xmlns="" val="1"/>
               </a:ext>
             </a:extLst>
           </p:cNvPr>
@@ -19161,7 +19257,7 @@
                 <a16:creationId xmlns:a16="http://schemas.microsoft.com/office/drawing/2014/main" id="{1382A32C-5B0C-4B1C-A074-76C6DBCC9F87}"/>
               </a:ext>
               <a:ext uri="{C183D7F6-B498-43B3-948B-1728B52AA6E4}">
-                <adec:decorative xmlns="" xmlns:adec="http://schemas.microsoft.com/office/drawing/2017/decorative" val="1"/>
+                <adec:decorative xmlns:adec="http://schemas.microsoft.com/office/drawing/2017/decorative" xmlns="" val="1"/>
               </a:ext>
             </a:extLst>
           </p:cNvPr>
@@ -19381,7 +19477,7 @@
                 <a16:creationId xmlns:a16="http://schemas.microsoft.com/office/drawing/2014/main" id="{7CB4857B-ED7C-444D-9F04-2F885114A1C2}"/>
               </a:ext>
               <a:ext uri="{C183D7F6-B498-43B3-948B-1728B52AA6E4}">
-                <adec:decorative xmlns="" xmlns:adec="http://schemas.microsoft.com/office/drawing/2017/decorative" val="1"/>
+                <adec:decorative xmlns:adec="http://schemas.microsoft.com/office/drawing/2017/decorative" xmlns="" val="1"/>
               </a:ext>
             </a:extLst>
           </p:cNvPr>
@@ -19489,7 +19585,7 @@
                 <a16:creationId xmlns:a16="http://schemas.microsoft.com/office/drawing/2014/main" id="{D18046FB-44EA-4FD8-A585-EA09A319B2D0}"/>
               </a:ext>
               <a:ext uri="{C183D7F6-B498-43B3-948B-1728B52AA6E4}">
-                <adec:decorative xmlns="" xmlns:adec="http://schemas.microsoft.com/office/drawing/2017/decorative" val="1"/>
+                <adec:decorative xmlns:adec="http://schemas.microsoft.com/office/drawing/2017/decorative" xmlns="" val="1"/>
               </a:ext>
             </a:extLst>
           </p:cNvPr>
@@ -19751,7 +19847,7 @@
                 <a16:creationId xmlns:a16="http://schemas.microsoft.com/office/drawing/2014/main" id="{479F5F2B-8B58-4140-AE6A-51F6C67B18D9}"/>
               </a:ext>
               <a:ext uri="{C183D7F6-B498-43B3-948B-1728B52AA6E4}">
-                <adec:decorative xmlns="" xmlns:adec="http://schemas.microsoft.com/office/drawing/2017/decorative" val="1"/>
+                <adec:decorative xmlns:adec="http://schemas.microsoft.com/office/drawing/2017/decorative" xmlns="" val="1"/>
               </a:ext>
             </a:extLst>
           </p:cNvPr>
@@ -19972,7 +20068,7 @@
                 <a16:creationId xmlns:a16="http://schemas.microsoft.com/office/drawing/2014/main" id="{7CB4857B-ED7C-444D-9F04-2F885114A1C2}"/>
               </a:ext>
               <a:ext uri="{C183D7F6-B498-43B3-948B-1728B52AA6E4}">
-                <adec:decorative xmlns="" xmlns:adec="http://schemas.microsoft.com/office/drawing/2017/decorative" val="1"/>
+                <adec:decorative xmlns:adec="http://schemas.microsoft.com/office/drawing/2017/decorative" xmlns="" val="1"/>
               </a:ext>
             </a:extLst>
           </p:cNvPr>
@@ -20080,7 +20176,7 @@
                 <a16:creationId xmlns:a16="http://schemas.microsoft.com/office/drawing/2014/main" id="{D18046FB-44EA-4FD8-A585-EA09A319B2D0}"/>
               </a:ext>
               <a:ext uri="{C183D7F6-B498-43B3-948B-1728B52AA6E4}">
-                <adec:decorative xmlns="" xmlns:adec="http://schemas.microsoft.com/office/drawing/2017/decorative" val="1"/>
+                <adec:decorative xmlns:adec="http://schemas.microsoft.com/office/drawing/2017/decorative" xmlns="" val="1"/>
               </a:ext>
             </a:extLst>
           </p:cNvPr>
@@ -20342,7 +20438,7 @@
                 <a16:creationId xmlns:a16="http://schemas.microsoft.com/office/drawing/2014/main" id="{479F5F2B-8B58-4140-AE6A-51F6C67B18D9}"/>
               </a:ext>
               <a:ext uri="{C183D7F6-B498-43B3-948B-1728B52AA6E4}">
-                <adec:decorative xmlns="" xmlns:adec="http://schemas.microsoft.com/office/drawing/2017/decorative" val="1"/>
+                <adec:decorative xmlns:adec="http://schemas.microsoft.com/office/drawing/2017/decorative" xmlns="" val="1"/>
               </a:ext>
             </a:extLst>
           </p:cNvPr>
@@ -20676,31 +20772,7 @@
                   <a:schemeClr val="accent2"/>
                 </a:solidFill>
               </a:rPr>
-              <a:t>Ayudas </a:t>
-            </a:r>
-            <a:r>
-              <a:rPr lang="es-ES" sz="1800" dirty="0" smtClean="0">
-                <a:solidFill>
-                  <a:schemeClr val="accent2"/>
-                </a:solidFill>
-              </a:rPr>
-              <a:t>para p</a:t>
-            </a:r>
-            <a:r>
-              <a:rPr lang="es-ES" sz="1800" dirty="0" smtClean="0">
-                <a:solidFill>
-                  <a:schemeClr val="accent2"/>
-                </a:solidFill>
-              </a:rPr>
-              <a:t>revenir y curar enfermedade</a:t>
-            </a:r>
-            <a:r>
-              <a:rPr lang="es-ES" sz="1800" dirty="0" smtClean="0">
-                <a:solidFill>
-                  <a:schemeClr val="accent2"/>
-                </a:solidFill>
-              </a:rPr>
-              <a:t>s sin olvidar las necesidades farmacéuticas.</a:t>
+              <a:t>Ayudas para prevenir y curar enfermedades sin olvidar las necesidades farmacéuticas.</a:t>
             </a:r>
             <a:endParaRPr lang="es-ES" sz="1800" dirty="0"/>
           </a:p>
@@ -20731,7 +20803,7 @@
                 <a16:creationId xmlns:a16="http://schemas.microsoft.com/office/drawing/2014/main" id="{577D1452-F0B7-431E-9A24-D3F7103D8510}"/>
               </a:ext>
               <a:ext uri="{C183D7F6-B498-43B3-948B-1728B52AA6E4}">
-                <adec:decorative xmlns="" xmlns:adec="http://schemas.microsoft.com/office/drawing/2017/decorative" val="1"/>
+                <adec:decorative xmlns:adec="http://schemas.microsoft.com/office/drawing/2017/decorative" xmlns="" val="1"/>
               </a:ext>
             </a:extLst>
           </p:cNvPr>
@@ -20794,7 +20866,7 @@
                 <a16:creationId xmlns:a16="http://schemas.microsoft.com/office/drawing/2014/main" id="{A660F4F9-5DF5-4F15-BE6A-CD8648BB1148}"/>
               </a:ext>
               <a:ext uri="{C183D7F6-B498-43B3-948B-1728B52AA6E4}">
-                <adec:decorative xmlns="" xmlns:adec="http://schemas.microsoft.com/office/drawing/2017/decorative" val="1"/>
+                <adec:decorative xmlns:adec="http://schemas.microsoft.com/office/drawing/2017/decorative" xmlns="" val="1"/>
               </a:ext>
             </a:extLst>
           </p:cNvPr>
@@ -20930,7 +21002,7 @@
                 <a16:creationId xmlns:a16="http://schemas.microsoft.com/office/drawing/2014/main" id="{201CC55D-ED54-4C5C-95E6-10947BD1103B}"/>
               </a:ext>
               <a:ext uri="{C183D7F6-B498-43B3-948B-1728B52AA6E4}">
-                <adec:decorative xmlns="" xmlns:adec="http://schemas.microsoft.com/office/drawing/2017/decorative" val="1"/>
+                <adec:decorative xmlns:adec="http://schemas.microsoft.com/office/drawing/2017/decorative" xmlns="" val="1"/>
               </a:ext>
             </a:extLst>
           </p:cNvPr>
@@ -20994,7 +21066,7 @@
         </p:nvSpPr>
         <p:spPr>
           <a:xfrm>
-            <a:off x="580722" y="628876"/>
+            <a:off x="601778" y="328974"/>
             <a:ext cx="4935183" cy="1128068"/>
           </a:xfrm>
         </p:spPr>
@@ -21012,8 +21084,25 @@
                   </a:schemeClr>
                 </a:solidFill>
               </a:rPr>
-              <a:t>2.- INCAPACIDAD TEMPORAL</a:t>
+              <a:t>2.- INCAPACIDAD </a:t>
             </a:r>
+            <a:r>
+              <a:rPr lang="es-ES" sz="2800" b="1" dirty="0" smtClean="0">
+                <a:solidFill>
+                  <a:schemeClr val="accent2">
+                    <a:lumMod val="75000"/>
+                  </a:schemeClr>
+                </a:solidFill>
+              </a:rPr>
+              <a:t>TEMPORAL (bajas)</a:t>
+            </a:r>
+            <a:endParaRPr lang="es-ES" sz="2800" b="1" dirty="0">
+              <a:solidFill>
+                <a:schemeClr val="accent2">
+                  <a:lumMod val="75000"/>
+                </a:schemeClr>
+              </a:solidFill>
+            </a:endParaRPr>
           </a:p>
         </p:txBody>
       </p:sp>
@@ -21025,7 +21114,7 @@
                 <a16:creationId xmlns:a16="http://schemas.microsoft.com/office/drawing/2014/main" id="{1DE889C7-FAD6-4397-98E2-05D503484459}"/>
               </a:ext>
               <a:ext uri="{C183D7F6-B498-43B3-948B-1728B52AA6E4}">
-                <adec:decorative xmlns="" xmlns:adec="http://schemas.microsoft.com/office/drawing/2017/decorative" val="1"/>
+                <adec:decorative xmlns:adec="http://schemas.microsoft.com/office/drawing/2017/decorative" xmlns="" val="1"/>
               </a:ext>
             </a:extLst>
           </p:cNvPr>
@@ -21056,7 +21145,7 @@
                   <a16:creationId xmlns:a16="http://schemas.microsoft.com/office/drawing/2014/main" id="{F399A70F-F8CD-4992-9EF5-6CF15472E73F}"/>
                 </a:ext>
                 <a:ext uri="{C183D7F6-B498-43B3-948B-1728B52AA6E4}">
-                  <adec:decorative xmlns="" xmlns:adec="http://schemas.microsoft.com/office/drawing/2017/decorative" val="1"/>
+                  <adec:decorative xmlns:adec="http://schemas.microsoft.com/office/drawing/2017/decorative" xmlns="" val="1"/>
                 </a:ext>
               </a:extLst>
             </p:cNvPr>
@@ -21117,7 +21206,7 @@
                   <a16:creationId xmlns:a16="http://schemas.microsoft.com/office/drawing/2014/main" id="{48F4FEDC-6D80-458C-A665-075D9B9500FD}"/>
                 </a:ext>
                 <a:ext uri="{C183D7F6-B498-43B3-948B-1728B52AA6E4}">
-                  <adec:decorative xmlns="" xmlns:adec="http://schemas.microsoft.com/office/drawing/2017/decorative" val="1"/>
+                  <adec:decorative xmlns:adec="http://schemas.microsoft.com/office/drawing/2017/decorative" xmlns="" val="1"/>
                 </a:ext>
               </a:extLst>
             </p:cNvPr>
@@ -21179,7 +21268,7 @@
                 <a16:creationId xmlns:a16="http://schemas.microsoft.com/office/drawing/2014/main" id="{3873B707-463F-40B0-8227-E8CC6C67EB25}"/>
               </a:ext>
               <a:ext uri="{C183D7F6-B498-43B3-948B-1728B52AA6E4}">
-                <adec:decorative xmlns="" xmlns:adec="http://schemas.microsoft.com/office/drawing/2017/decorative" val="1"/>
+                <adec:decorative xmlns:adec="http://schemas.microsoft.com/office/drawing/2017/decorative" xmlns="" val="1"/>
               </a:ext>
             </a:extLst>
           </p:cNvPr>
@@ -21246,8 +21335,8 @@
         </p:nvSpPr>
         <p:spPr>
           <a:xfrm>
-            <a:off x="410816" y="2089933"/>
-            <a:ext cx="5105089" cy="4510891"/>
+            <a:off x="410816" y="2106080"/>
+            <a:ext cx="5105089" cy="4444349"/>
           </a:xfrm>
         </p:spPr>
         <p:txBody>
@@ -21262,7 +21351,7 @@
               </a:lnSpc>
             </a:pPr>
             <a:r>
-              <a:rPr lang="es-ES" sz="1800" b="1" u="sng" dirty="0">
+              <a:rPr lang="es-ES" sz="1600" b="1" u="sng" dirty="0">
                 <a:solidFill>
                   <a:schemeClr val="tx1"/>
                 </a:solidFill>
@@ -21270,7 +21359,7 @@
               <a:t>Concepto: </a:t>
             </a:r>
             <a:r>
-              <a:rPr lang="es-ES" sz="1800" b="1" dirty="0">
+              <a:rPr lang="es-ES" sz="1600" b="1" dirty="0">
                 <a:solidFill>
                   <a:schemeClr val="tx1"/>
                 </a:solidFill>
@@ -21285,10 +21374,10 @@
               </a:lnSpc>
             </a:pPr>
             <a:r>
-              <a:rPr lang="es-ES" sz="1800" b="1" u="sng" dirty="0"/>
-              <a:t>Causas</a:t>
+              <a:rPr lang="es-ES" sz="1600" b="1" u="sng" dirty="0" smtClean="0"/>
+              <a:t>Causas:</a:t>
             </a:r>
-            <a:endParaRPr lang="es-ES" sz="1800" b="1" u="sng" dirty="0">
+            <a:endParaRPr lang="es-ES" sz="1600" b="1" u="sng" dirty="0">
               <a:solidFill>
                 <a:schemeClr val="tx1"/>
               </a:solidFill>
@@ -21301,7 +21390,7 @@
               </a:lnSpc>
             </a:pPr>
             <a:r>
-              <a:rPr lang="es-ES" sz="1800" b="1" u="sng" dirty="0">
+              <a:rPr lang="es-ES" sz="1600" b="1" u="sng" dirty="0">
                 <a:solidFill>
                   <a:schemeClr val="tx1"/>
                 </a:solidFill>
@@ -21309,13 +21398,26 @@
               <a:t>Duración: </a:t>
             </a:r>
             <a:r>
-              <a:rPr lang="es-ES" sz="1800" b="1" dirty="0">
+              <a:rPr lang="es-ES" sz="1600" b="1" dirty="0">
                 <a:solidFill>
                   <a:schemeClr val="tx1"/>
                 </a:solidFill>
               </a:rPr>
-              <a:t>365 +180</a:t>
+              <a:t>365 +</a:t>
             </a:r>
+            <a:r>
+              <a:rPr lang="es-ES" sz="1600" b="1" dirty="0" smtClean="0">
+                <a:solidFill>
+                  <a:schemeClr val="tx1"/>
+                </a:solidFill>
+              </a:rPr>
+              <a:t>180 (prorroga) y pasamos al tribunal médico para incapacidad permanente o alta.</a:t>
+            </a:r>
+            <a:endParaRPr lang="es-ES" sz="1600" b="1" dirty="0">
+              <a:solidFill>
+                <a:schemeClr val="tx1"/>
+              </a:solidFill>
+            </a:endParaRPr>
           </a:p>
           <a:p>
             <a:pPr>
@@ -21324,7 +21426,7 @@
               </a:lnSpc>
             </a:pPr>
             <a:r>
-              <a:rPr lang="es-ES" sz="1800" b="1" u="sng" dirty="0">
+              <a:rPr lang="es-ES" sz="1600" b="1" u="sng" dirty="0">
                 <a:solidFill>
                   <a:schemeClr val="tx1"/>
                 </a:solidFill>
@@ -21339,7 +21441,7 @@
               </a:lnSpc>
             </a:pPr>
             <a:r>
-              <a:rPr lang="es-ES" sz="1500" dirty="0">
+              <a:rPr lang="es-ES" sz="1600" dirty="0">
                 <a:solidFill>
                   <a:schemeClr val="tx1"/>
                 </a:solidFill>
@@ -21354,22 +21456,42 @@
               </a:lnSpc>
             </a:pPr>
             <a:r>
-              <a:rPr lang="es-ES" sz="1500" dirty="0">
+              <a:rPr lang="es-ES" sz="1600" dirty="0">
                 <a:solidFill>
                   <a:schemeClr val="tx1"/>
                 </a:solidFill>
               </a:rPr>
-              <a:t>Cotización de 180 días en los 5 años anteriores a la baja (sólo se exige esta cotización cuando la causa sea enfermedad común)</a:t>
+              <a:t>Cotización de 180 días en los 5 años anteriores a la baja (sólo se exige esta cotización cuando la causa sea enfermedad </a:t>
             </a:r>
-          </a:p>
-          <a:p>
-            <a:pPr marL="274320" lvl="1" indent="0">
-              <a:lnSpc>
-                <a:spcPct val="120000"/>
-              </a:lnSpc>
-              <a:buNone/>
-            </a:pPr>
-            <a:endParaRPr lang="es-ES" sz="1800" dirty="0"/>
+            <a:r>
+              <a:rPr lang="es-ES" sz="1600" dirty="0" smtClean="0">
+                <a:solidFill>
+                  <a:schemeClr val="tx1"/>
+                </a:solidFill>
+              </a:rPr>
+              <a:t>común </a:t>
+            </a:r>
+            <a:r>
+              <a:rPr lang="es-ES" sz="1600" dirty="0" smtClean="0">
+                <a:solidFill>
+                  <a:schemeClr val="accent2"/>
+                </a:solidFill>
+              </a:rPr>
+              <a:t>y es un requisito extra</a:t>
+            </a:r>
+            <a:r>
+              <a:rPr lang="es-ES" sz="1600" dirty="0" smtClean="0">
+                <a:solidFill>
+                  <a:schemeClr val="tx1"/>
+                </a:solidFill>
+              </a:rPr>
+              <a:t>)</a:t>
+            </a:r>
+            <a:endParaRPr lang="es-ES" sz="1600" dirty="0">
+              <a:solidFill>
+                <a:schemeClr val="tx1"/>
+              </a:solidFill>
+            </a:endParaRPr>
           </a:p>
         </p:txBody>
       </p:sp>
@@ -21381,7 +21503,7 @@
                 <a16:creationId xmlns:a16="http://schemas.microsoft.com/office/drawing/2014/main" id="{C13237C8-E62C-4F0D-A318-BD6FB6C2D138}"/>
               </a:ext>
               <a:ext uri="{C183D7F6-B498-43B3-948B-1728B52AA6E4}">
-                <adec:decorative xmlns="" xmlns:adec="http://schemas.microsoft.com/office/drawing/2017/decorative" val="1"/>
+                <adec:decorative xmlns:adec="http://schemas.microsoft.com/office/drawing/2017/decorative" xmlns="" val="1"/>
               </a:ext>
             </a:extLst>
           </p:cNvPr>
@@ -21444,7 +21566,7 @@
                 <a16:creationId xmlns:a16="http://schemas.microsoft.com/office/drawing/2014/main" id="{19C9EAEA-39D0-4B0E-A0EB-51E7B26740B1}"/>
               </a:ext>
               <a:ext uri="{C183D7F6-B498-43B3-948B-1728B52AA6E4}">
-                <adec:decorative xmlns="" xmlns:adec="http://schemas.microsoft.com/office/drawing/2017/decorative" val="1"/>
+                <adec:decorative xmlns:adec="http://schemas.microsoft.com/office/drawing/2017/decorative" xmlns="" val="1"/>
               </a:ext>
             </a:extLst>
           </p:cNvPr>
@@ -21519,14 +21641,14 @@
           <p:nvPr>
             <p:extLst>
               <p:ext uri="{D42A27DB-BD31-4B8C-83A1-F6EECF244321}">
-                <p14:modId xmlns:p14="http://schemas.microsoft.com/office/powerpoint/2010/main" val="439002717"/>
+                <p14:modId xmlns:p14="http://schemas.microsoft.com/office/powerpoint/2010/main" val="3457688231"/>
               </p:ext>
             </p:extLst>
           </p:nvPr>
         </p:nvGraphicFramePr>
         <p:xfrm>
-          <a:off x="5905500" y="1984248"/>
-          <a:ext cx="5621415" cy="2711105"/>
+          <a:off x="5685810" y="1296786"/>
+          <a:ext cx="6009366" cy="3398568"/>
         </p:xfrm>
         <a:graphic>
           <a:graphicData uri="http://schemas.openxmlformats.org/drawingml/2006/diagram">
@@ -21534,6 +21656,36 @@
           </a:graphicData>
         </a:graphic>
       </p:graphicFrame>
+      <p:sp>
+        <p:nvSpPr>
+          <p:cNvPr id="4" name="CuadroTexto 3"/>
+          <p:cNvSpPr txBox="1"/>
+          <p:nvPr/>
+        </p:nvSpPr>
+        <p:spPr>
+          <a:xfrm>
+            <a:off x="5827222" y="4979324"/>
+            <a:ext cx="5602778" cy="646331"/>
+          </a:xfrm>
+          <a:prstGeom prst="rect">
+            <a:avLst/>
+          </a:prstGeom>
+          <a:noFill/>
+        </p:spPr>
+        <p:txBody>
+          <a:bodyPr wrap="square" rtlCol="0">
+            <a:spAutoFit/>
+          </a:bodyPr>
+          <a:lstStyle/>
+          <a:p>
+            <a:r>
+              <a:rPr lang="es-ES" dirty="0" smtClean="0"/>
+              <a:t>*En el camino de casa al trabajo y del trabajo a casa. No se puede romper el “nexo causal”</a:t>
+            </a:r>
+            <a:endParaRPr lang="es-ES" dirty="0"/>
+          </a:p>
+        </p:txBody>
+      </p:sp>
     </p:spTree>
     <p:extLst>
       <p:ext uri="{BB962C8B-B14F-4D97-AF65-F5344CB8AC3E}">
@@ -21608,14 +21760,14 @@
           <p:nvPr>
             <p:extLst>
               <p:ext uri="{D42A27DB-BD31-4B8C-83A1-F6EECF244321}">
-                <p14:modId xmlns:p14="http://schemas.microsoft.com/office/powerpoint/2010/main" val="3602551017"/>
+                <p14:modId xmlns:p14="http://schemas.microsoft.com/office/powerpoint/2010/main" val="2149805119"/>
               </p:ext>
             </p:extLst>
           </p:nvPr>
         </p:nvGraphicFramePr>
         <p:xfrm>
           <a:off x="5438775" y="3733769"/>
-          <a:ext cx="5859945" cy="2743456"/>
+          <a:ext cx="5859945" cy="2841821"/>
         </p:xfrm>
         <a:graphic>
           <a:graphicData uri="http://schemas.openxmlformats.org/drawingml/2006/table">
@@ -21830,9 +21982,21 @@
                       </a:r>
                       <a:r>
                         <a:rPr lang="es-ES" sz="1400" baseline="0" dirty="0"/>
-                        <a:t> la BR</a:t>
+                        <a:t> la </a:t>
                       </a:r>
-                      <a:endParaRPr lang="es-ES" sz="1400" dirty="0"/>
+                      <a:r>
+                        <a:rPr lang="es-ES" sz="1400" baseline="0" dirty="0" smtClean="0">
+                          <a:solidFill>
+                            <a:schemeClr val="accent2"/>
+                          </a:solidFill>
+                        </a:rPr>
+                        <a:t>Base Reguladora</a:t>
+                      </a:r>
+                      <a:endParaRPr lang="es-ES" sz="1400" dirty="0">
+                        <a:solidFill>
+                          <a:schemeClr val="accent2"/>
+                        </a:solidFill>
+                      </a:endParaRPr>
                     </a:p>
                   </a:txBody>
                   <a:tcPr anchor="ctr"/>
@@ -21982,8 +22146,8 @@
           </a:graphicData>
         </a:graphic>
       </p:graphicFrame>
-      <mc:AlternateContent xmlns:mc="http://schemas.openxmlformats.org/markup-compatibility/2006" xmlns:a14="http://schemas.microsoft.com/office/drawing/2010/main">
-        <mc:Choice Requires="a14">
+      <mc:AlternateContent xmlns:mc="http://schemas.openxmlformats.org/markup-compatibility/2006">
+        <mc:Choice xmlns:a14="http://schemas.microsoft.com/office/drawing/2010/main" Requires="a14">
           <p:sp>
             <p:nvSpPr>
               <p:cNvPr id="5" name="CuadroTexto 4">
@@ -21998,8 +22162,8 @@
             </p:nvSpPr>
             <p:spPr>
               <a:xfrm>
-                <a:off x="2705100" y="1635310"/>
-                <a:ext cx="7117246" cy="901785"/>
+                <a:off x="2705099" y="1635310"/>
+                <a:ext cx="8234449" cy="619272"/>
               </a:xfrm>
               <a:prstGeom prst="rect">
                 <a:avLst/>
@@ -22023,159 +22187,158 @@
                   </a:lnSpc>
                 </a:pPr>
                 <a14:m>
-                  <m:oMathPara xmlns:m="http://schemas.openxmlformats.org/officeDocument/2006/math">
-                    <m:oMathParaPr>
-                      <m:jc m:val="centerGroup"/>
-                    </m:oMathParaPr>
-                    <m:oMath xmlns:m="http://schemas.openxmlformats.org/officeDocument/2006/math">
-                      <m:r>
-                        <a:rPr lang="es-ES" sz="1400" i="1" smtClean="0">
-                          <a:latin typeface="Cambria Math" panose="02040503050406030204" pitchFamily="18" charset="0"/>
-                        </a:rPr>
-                        <m:t>=</m:t>
-                      </m:r>
-                      <m:f>
-                        <m:fPr>
-                          <m:ctrlPr>
-                            <a:rPr lang="es-ES" sz="1400" i="1" smtClean="0">
-                              <a:latin typeface="Cambria Math" panose="02040503050406030204" pitchFamily="18" charset="0"/>
-                            </a:rPr>
-                          </m:ctrlPr>
-                        </m:fPr>
-                        <m:num>
-                          <m:r>
-                            <a:rPr lang="es-ES" sz="1400" b="0" i="1" smtClean="0">
-                              <a:latin typeface="Cambria Math" panose="02040503050406030204" pitchFamily="18" charset="0"/>
-                            </a:rPr>
-                            <m:t>𝐵𝐴𝑆𝐸</m:t>
-                          </m:r>
-                          <m:r>
-                            <a:rPr lang="es-ES" sz="1400" b="0" i="1" smtClean="0">
-                              <a:latin typeface="Cambria Math" panose="02040503050406030204" pitchFamily="18" charset="0"/>
-                            </a:rPr>
-                            <m:t> </m:t>
-                          </m:r>
-                          <m:r>
-                            <a:rPr lang="es-ES" sz="1400" b="0" i="1" smtClean="0">
-                              <a:latin typeface="Cambria Math" panose="02040503050406030204" pitchFamily="18" charset="0"/>
-                            </a:rPr>
-                            <m:t>𝐷𝐸</m:t>
-                          </m:r>
-                          <m:r>
-                            <a:rPr lang="es-ES" sz="1400" b="0" i="1" smtClean="0">
-                              <a:latin typeface="Cambria Math" panose="02040503050406030204" pitchFamily="18" charset="0"/>
-                            </a:rPr>
-                            <m:t> </m:t>
-                          </m:r>
-                          <m:r>
-                            <a:rPr lang="es-ES" sz="1400" b="0" i="1" smtClean="0">
-                              <a:latin typeface="Cambria Math" panose="02040503050406030204" pitchFamily="18" charset="0"/>
-                            </a:rPr>
-                            <m:t>𝐶𝑂𝑁𝑇𝐼𝑁𝐺𝐸𝑁𝐼𝐶𝐴𝑆</m:t>
-                          </m:r>
-                          <m:r>
-                            <a:rPr lang="es-ES" sz="1400" b="0" i="1" smtClean="0">
-                              <a:latin typeface="Cambria Math" panose="02040503050406030204" pitchFamily="18" charset="0"/>
-                            </a:rPr>
-                            <m:t> </m:t>
-                          </m:r>
-                          <m:r>
-                            <a:rPr lang="es-ES" sz="1400" b="0" i="1" smtClean="0">
-                              <a:latin typeface="Cambria Math" panose="02040503050406030204" pitchFamily="18" charset="0"/>
-                            </a:rPr>
-                            <m:t>𝐶𝑂𝑀𝑈𝑁𝐸𝑆</m:t>
-                          </m:r>
-                          <m:r>
-                            <a:rPr lang="es-ES" sz="1400" b="0" i="1" smtClean="0">
-                              <a:latin typeface="Cambria Math" panose="02040503050406030204" pitchFamily="18" charset="0"/>
-                            </a:rPr>
-                            <m:t> </m:t>
-                          </m:r>
-                          <m:r>
-                            <a:rPr lang="es-ES" sz="1400" b="0" i="1" smtClean="0">
-                              <a:latin typeface="Cambria Math" panose="02040503050406030204" pitchFamily="18" charset="0"/>
-                            </a:rPr>
-                            <m:t>𝐷𝐸𝐿</m:t>
-                          </m:r>
-                          <m:r>
-                            <a:rPr lang="es-ES" sz="1400" b="0" i="1" smtClean="0">
-                              <a:latin typeface="Cambria Math" panose="02040503050406030204" pitchFamily="18" charset="0"/>
-                            </a:rPr>
-                            <m:t> </m:t>
-                          </m:r>
-                          <m:r>
-                            <a:rPr lang="es-ES" sz="1400" b="0" i="1" smtClean="0">
-                              <a:latin typeface="Cambria Math" panose="02040503050406030204" pitchFamily="18" charset="0"/>
-                            </a:rPr>
-                            <m:t>𝑀𝐸𝑆</m:t>
-                          </m:r>
-                          <m:r>
-                            <a:rPr lang="es-ES" sz="1400" b="0" i="1" smtClean="0">
-                              <a:latin typeface="Cambria Math" panose="02040503050406030204" pitchFamily="18" charset="0"/>
-                            </a:rPr>
-                            <m:t> </m:t>
-                          </m:r>
-                          <m:r>
-                            <a:rPr lang="es-ES" sz="1400" b="0" i="1" smtClean="0">
-                              <a:latin typeface="Cambria Math" panose="02040503050406030204" pitchFamily="18" charset="0"/>
-                            </a:rPr>
-                            <m:t>𝐴𝑁𝑇𝐸𝑅𝐼𝑂𝑅</m:t>
-                          </m:r>
-                          <m:r>
-                            <a:rPr lang="es-ES" sz="1400" b="0" i="1" smtClean="0">
-                              <a:latin typeface="Cambria Math" panose="02040503050406030204" pitchFamily="18" charset="0"/>
-                            </a:rPr>
-                            <m:t> </m:t>
-                          </m:r>
-                          <m:r>
-                            <a:rPr lang="es-ES" sz="1400" b="0" i="1" smtClean="0">
-                              <a:latin typeface="Cambria Math" panose="02040503050406030204" pitchFamily="18" charset="0"/>
-                            </a:rPr>
-                            <m:t>𝐴</m:t>
-                          </m:r>
-                          <m:r>
-                            <a:rPr lang="es-ES" sz="1400" b="0" i="1" smtClean="0">
-                              <a:latin typeface="Cambria Math" panose="02040503050406030204" pitchFamily="18" charset="0"/>
-                            </a:rPr>
-                            <m:t> </m:t>
-                          </m:r>
-                          <m:r>
-                            <a:rPr lang="es-ES" sz="1400" b="0" i="1" smtClean="0">
-                              <a:latin typeface="Cambria Math" panose="02040503050406030204" pitchFamily="18" charset="0"/>
-                            </a:rPr>
-                            <m:t>𝐿𝐴</m:t>
-                          </m:r>
-                          <m:r>
-                            <a:rPr lang="es-ES" sz="1400" b="0" i="1" smtClean="0">
-                              <a:latin typeface="Cambria Math" panose="02040503050406030204" pitchFamily="18" charset="0"/>
-                            </a:rPr>
-                            <m:t> </m:t>
-                          </m:r>
-                          <m:r>
-                            <a:rPr lang="es-ES" sz="1400" b="0" i="1" smtClean="0">
-                              <a:latin typeface="Cambria Math" panose="02040503050406030204" pitchFamily="18" charset="0"/>
-                            </a:rPr>
-                            <m:t>𝐵𝐴𝐽𝐴</m:t>
-                          </m:r>
-                        </m:num>
-                        <m:den>
-                          <m:r>
-                            <a:rPr lang="es-ES" sz="1400" b="0" i="1" smtClean="0">
-                              <a:latin typeface="Cambria Math" panose="02040503050406030204" pitchFamily="18" charset="0"/>
-                            </a:rPr>
-                            <m:t>30 </m:t>
-                          </m:r>
-                        </m:den>
-                      </m:f>
-                    </m:oMath>
-                  </m:oMathPara>
+                  <m:oMath xmlns:m="http://schemas.openxmlformats.org/officeDocument/2006/math">
+                    <m:r>
+                      <a:rPr lang="es-ES" sz="1200" i="1" smtClean="0">
+                        <a:latin typeface="Cambria Math" panose="02040503050406030204" pitchFamily="18" charset="0"/>
+                      </a:rPr>
+                      <m:t>=</m:t>
+                    </m:r>
+                    <m:f>
+                      <m:fPr>
+                        <m:ctrlPr>
+                          <a:rPr lang="es-ES" sz="1200" i="1" smtClean="0">
+                            <a:latin typeface="Cambria Math" panose="02040503050406030204" pitchFamily="18" charset="0"/>
+                          </a:rPr>
+                        </m:ctrlPr>
+                      </m:fPr>
+                      <m:num>
+                        <m:r>
+                          <a:rPr lang="es-ES" sz="1200" b="0" i="1" smtClean="0">
+                            <a:latin typeface="Cambria Math" panose="02040503050406030204" pitchFamily="18" charset="0"/>
+                          </a:rPr>
+                          <m:t>𝐵𝐴𝑆𝐸</m:t>
+                        </m:r>
+                        <m:r>
+                          <a:rPr lang="es-ES" sz="1200" b="0" i="1" smtClean="0">
+                            <a:latin typeface="Cambria Math" panose="02040503050406030204" pitchFamily="18" charset="0"/>
+                          </a:rPr>
+                          <m:t> </m:t>
+                        </m:r>
+                        <m:r>
+                          <a:rPr lang="es-ES" sz="1200" b="0" i="1" smtClean="0">
+                            <a:latin typeface="Cambria Math" panose="02040503050406030204" pitchFamily="18" charset="0"/>
+                          </a:rPr>
+                          <m:t>𝐷𝐸</m:t>
+                        </m:r>
+                        <m:r>
+                          <a:rPr lang="es-ES" sz="1200" b="0" i="1" smtClean="0">
+                            <a:latin typeface="Cambria Math" panose="02040503050406030204" pitchFamily="18" charset="0"/>
+                          </a:rPr>
+                          <m:t> </m:t>
+                        </m:r>
+                        <m:r>
+                          <a:rPr lang="es-ES" sz="1200" b="0" i="1" smtClean="0">
+                            <a:latin typeface="Cambria Math" panose="02040503050406030204" pitchFamily="18" charset="0"/>
+                          </a:rPr>
+                          <m:t>𝐶𝑂𝑁𝑇𝐼𝑁𝐺𝐸𝑁𝐼𝐶𝐴𝑆</m:t>
+                        </m:r>
+                        <m:r>
+                          <a:rPr lang="es-ES" sz="1200" b="0" i="1" smtClean="0">
+                            <a:latin typeface="Cambria Math" panose="02040503050406030204" pitchFamily="18" charset="0"/>
+                          </a:rPr>
+                          <m:t> </m:t>
+                        </m:r>
+                        <m:r>
+                          <a:rPr lang="es-ES" sz="1200" b="0" i="1" smtClean="0">
+                            <a:latin typeface="Cambria Math" panose="02040503050406030204" pitchFamily="18" charset="0"/>
+                          </a:rPr>
+                          <m:t>𝐶𝑂𝑀𝑈𝑁𝐸𝑆</m:t>
+                        </m:r>
+                        <m:r>
+                          <a:rPr lang="es-ES" sz="1200" b="0" i="1" smtClean="0">
+                            <a:latin typeface="Cambria Math" panose="02040503050406030204" pitchFamily="18" charset="0"/>
+                          </a:rPr>
+                          <m:t> </m:t>
+                        </m:r>
+                        <m:r>
+                          <a:rPr lang="es-ES" sz="1200" b="0" i="1" smtClean="0">
+                            <a:latin typeface="Cambria Math" panose="02040503050406030204" pitchFamily="18" charset="0"/>
+                          </a:rPr>
+                          <m:t>𝐷𝐸𝐿</m:t>
+                        </m:r>
+                        <m:r>
+                          <a:rPr lang="es-ES" sz="1200" b="0" i="1" smtClean="0">
+                            <a:latin typeface="Cambria Math" panose="02040503050406030204" pitchFamily="18" charset="0"/>
+                          </a:rPr>
+                          <m:t> </m:t>
+                        </m:r>
+                        <m:r>
+                          <a:rPr lang="es-ES" sz="1200" b="0" i="1" smtClean="0">
+                            <a:latin typeface="Cambria Math" panose="02040503050406030204" pitchFamily="18" charset="0"/>
+                          </a:rPr>
+                          <m:t>𝑀𝐸𝑆</m:t>
+                        </m:r>
+                        <m:r>
+                          <a:rPr lang="es-ES" sz="1200" b="0" i="1" smtClean="0">
+                            <a:latin typeface="Cambria Math" panose="02040503050406030204" pitchFamily="18" charset="0"/>
+                          </a:rPr>
+                          <m:t> </m:t>
+                        </m:r>
+                        <m:r>
+                          <a:rPr lang="es-ES" sz="1200" b="0" i="1" smtClean="0">
+                            <a:latin typeface="Cambria Math" panose="02040503050406030204" pitchFamily="18" charset="0"/>
+                          </a:rPr>
+                          <m:t>𝐴𝑁𝑇𝐸𝑅𝐼𝑂𝑅</m:t>
+                        </m:r>
+                        <m:r>
+                          <a:rPr lang="es-ES" sz="1200" b="0" i="1" smtClean="0">
+                            <a:latin typeface="Cambria Math" panose="02040503050406030204" pitchFamily="18" charset="0"/>
+                          </a:rPr>
+                          <m:t> </m:t>
+                        </m:r>
+                        <m:r>
+                          <a:rPr lang="es-ES" sz="1200" b="0" i="1" smtClean="0">
+                            <a:latin typeface="Cambria Math" panose="02040503050406030204" pitchFamily="18" charset="0"/>
+                          </a:rPr>
+                          <m:t>𝐴</m:t>
+                        </m:r>
+                        <m:r>
+                          <a:rPr lang="es-ES" sz="1200" b="0" i="1" smtClean="0">
+                            <a:latin typeface="Cambria Math" panose="02040503050406030204" pitchFamily="18" charset="0"/>
+                          </a:rPr>
+                          <m:t> </m:t>
+                        </m:r>
+                        <m:r>
+                          <a:rPr lang="es-ES" sz="1200" b="0" i="1" smtClean="0">
+                            <a:latin typeface="Cambria Math" panose="02040503050406030204" pitchFamily="18" charset="0"/>
+                          </a:rPr>
+                          <m:t>𝐿𝐴</m:t>
+                        </m:r>
+                        <m:r>
+                          <a:rPr lang="es-ES" sz="1200" b="0" i="1" smtClean="0">
+                            <a:latin typeface="Cambria Math" panose="02040503050406030204" pitchFamily="18" charset="0"/>
+                          </a:rPr>
+                          <m:t> </m:t>
+                        </m:r>
+                        <m:r>
+                          <a:rPr lang="es-ES" sz="1200" b="0" i="1" smtClean="0">
+                            <a:latin typeface="Cambria Math" panose="02040503050406030204" pitchFamily="18" charset="0"/>
+                          </a:rPr>
+                          <m:t>𝐵𝐴𝐽𝐴</m:t>
+                        </m:r>
+                      </m:num>
+                      <m:den>
+                        <m:r>
+                          <a:rPr lang="es-ES" sz="1200" b="0" i="1" smtClean="0">
+                            <a:latin typeface="Cambria Math" panose="02040503050406030204" pitchFamily="18" charset="0"/>
+                          </a:rPr>
+                          <m:t>30 </m:t>
+                        </m:r>
+                      </m:den>
+                    </m:f>
+                  </m:oMath>
                 </a14:m>
-                <a:endParaRPr lang="es-ES" sz="1400" dirty="0"/>
+                <a:r>
+                  <a:rPr lang="es-ES" sz="1200" dirty="0" smtClean="0"/>
+                  <a:t>= €/día</a:t>
+                </a:r>
+                <a:endParaRPr lang="es-ES" sz="1200" dirty="0"/>
               </a:p>
             </p:txBody>
           </p:sp>
         </mc:Choice>
-        <mc:Fallback xmlns="">
+        <mc:Fallback>
           <p:sp>
             <p:nvSpPr>
               <p:cNvPr id="5" name="CuadroTexto 4">
@@ -22192,8 +22355,8 @@
             </p:nvSpPr>
             <p:spPr>
               <a:xfrm>
-                <a:off x="2705100" y="1635310"/>
-                <a:ext cx="7117246" cy="901785"/>
+                <a:off x="2705099" y="1635310"/>
+                <a:ext cx="8234449" cy="619272"/>
               </a:xfrm>
               <a:prstGeom prst="rect">
                 <a:avLst/>
@@ -22239,8 +22402,8 @@
         </p:nvSpPr>
         <p:spPr>
           <a:xfrm>
-            <a:off x="1022074" y="1672811"/>
-            <a:ext cx="1683026" cy="646331"/>
+            <a:off x="419751" y="1232236"/>
+            <a:ext cx="2306089" cy="1477328"/>
           </a:xfrm>
           <a:prstGeom prst="rect">
             <a:avLst/>
@@ -22256,8 +22419,25 @@
             <a:pPr algn="ctr"/>
             <a:r>
               <a:rPr lang="es-ES" b="1" dirty="0"/>
-              <a:t>1.- Base reguladora</a:t>
+              <a:t>1.- Base </a:t>
             </a:r>
+            <a:r>
+              <a:rPr lang="es-ES" b="1" dirty="0" smtClean="0"/>
+              <a:t>reguladora cantidad diaria en € </a:t>
+            </a:r>
+            <a:r>
+              <a:rPr lang="es-ES" b="1" dirty="0" smtClean="0">
+                <a:solidFill>
+                  <a:schemeClr val="accent2"/>
+                </a:solidFill>
+              </a:rPr>
+              <a:t>que sirve de base para el cálculo de las prestaciones:</a:t>
+            </a:r>
+            <a:endParaRPr lang="es-ES" b="1" dirty="0">
+              <a:solidFill>
+                <a:schemeClr val="accent2"/>
+              </a:solidFill>
+            </a:endParaRPr>
           </a:p>
         </p:txBody>
       </p:sp>
@@ -22276,14 +22456,14 @@
           <p:nvPr>
             <p:extLst>
               <p:ext uri="{D42A27DB-BD31-4B8C-83A1-F6EECF244321}">
-                <p14:modId xmlns:p14="http://schemas.microsoft.com/office/powerpoint/2010/main" val="1762561633"/>
+                <p14:modId xmlns:p14="http://schemas.microsoft.com/office/powerpoint/2010/main" val="2086948164"/>
               </p:ext>
             </p:extLst>
           </p:nvPr>
         </p:nvGraphicFramePr>
         <p:xfrm>
           <a:off x="574675" y="3028130"/>
-          <a:ext cx="3482976" cy="2194560"/>
+          <a:ext cx="3482976" cy="2468880"/>
         </p:xfrm>
         <a:graphic>
           <a:graphicData uri="http://schemas.openxmlformats.org/drawingml/2006/table">
@@ -22350,8 +22530,27 @@
                     <a:p>
                       <a:r>
                         <a:rPr lang="es-ES" dirty="0"/>
-                        <a:t>2.- ¿cuántos días estará de baja?</a:t>
+                        <a:t>2.- ¿cuántos días estará de </a:t>
                       </a:r>
+                      <a:r>
+                        <a:rPr lang="es-ES" dirty="0" smtClean="0"/>
+                        <a:t>baja?</a:t>
+                      </a:r>
+                    </a:p>
+                    <a:p>
+                      <a:r>
+                        <a:rPr lang="es-ES" dirty="0" smtClean="0">
+                          <a:solidFill>
+                            <a:schemeClr val="accent2"/>
+                          </a:solidFill>
+                        </a:rPr>
+                        <a:t>El primer día cuenta</a:t>
+                      </a:r>
+                      <a:endParaRPr lang="es-ES" dirty="0">
+                        <a:solidFill>
+                          <a:schemeClr val="accent2"/>
+                        </a:solidFill>
+                      </a:endParaRPr>
                     </a:p>
                   </a:txBody>
                   <a:tcPr>
@@ -22954,7 +23153,7 @@
                 <a16:creationId xmlns:a16="http://schemas.microsoft.com/office/drawing/2014/main" id="{D4C74C1C-EF2E-40CF-A712-656E694E6724}"/>
               </a:ext>
               <a:ext uri="{C183D7F6-B498-43B3-948B-1728B52AA6E4}">
-                <adec:decorative xmlns="" xmlns:adec="http://schemas.microsoft.com/office/drawing/2017/decorative" val="1"/>
+                <adec:decorative xmlns:adec="http://schemas.microsoft.com/office/drawing/2017/decorative" xmlns="" val="1"/>
               </a:ext>
             </a:extLst>
           </p:cNvPr>
@@ -23014,7 +23213,7 @@
                 <a16:creationId xmlns:a16="http://schemas.microsoft.com/office/drawing/2014/main" id="{90464369-70FA-42AF-948F-80664CA7BFE5}"/>
               </a:ext>
               <a:ext uri="{C183D7F6-B498-43B3-948B-1728B52AA6E4}">
-                <adec:decorative xmlns="" xmlns:adec="http://schemas.microsoft.com/office/drawing/2017/decorative" val="1"/>
+                <adec:decorative xmlns:adec="http://schemas.microsoft.com/office/drawing/2017/decorative" xmlns="" val="1"/>
               </a:ext>
             </a:extLst>
           </p:cNvPr>
@@ -23080,7 +23279,7 @@
                 <a16:creationId xmlns:a16="http://schemas.microsoft.com/office/drawing/2014/main" id="{A648176E-454C-437C-B0FC-9B82FCF32B24}"/>
               </a:ext>
               <a:ext uri="{C183D7F6-B498-43B3-948B-1728B52AA6E4}">
-                <adec:decorative xmlns="" xmlns:adec="http://schemas.microsoft.com/office/drawing/2017/decorative" val="1"/>
+                <adec:decorative xmlns:adec="http://schemas.microsoft.com/office/drawing/2017/decorative" xmlns="" val="1"/>
               </a:ext>
             </a:extLst>
           </p:cNvPr>
@@ -23143,7 +23342,7 @@
                 <a16:creationId xmlns:a16="http://schemas.microsoft.com/office/drawing/2014/main" id="{A6604B49-AD5C-4590-B051-06C8222ECD99}"/>
               </a:ext>
               <a:ext uri="{C183D7F6-B498-43B3-948B-1728B52AA6E4}">
-                <adec:decorative xmlns="" xmlns:adec="http://schemas.microsoft.com/office/drawing/2017/decorative" val="1"/>
+                <adec:decorative xmlns:adec="http://schemas.microsoft.com/office/drawing/2017/decorative" xmlns="" val="1"/>
               </a:ext>
             </a:extLst>
           </p:cNvPr>
@@ -23206,7 +23405,7 @@
                 <a16:creationId xmlns:a16="http://schemas.microsoft.com/office/drawing/2014/main" id="{CC552A98-EF7D-4D42-AB69-066B786AB55B}"/>
               </a:ext>
               <a:ext uri="{C183D7F6-B498-43B3-948B-1728B52AA6E4}">
-                <adec:decorative xmlns="" xmlns:adec="http://schemas.microsoft.com/office/drawing/2017/decorative" val="1"/>
+                <adec:decorative xmlns:adec="http://schemas.microsoft.com/office/drawing/2017/decorative" xmlns="" val="1"/>
               </a:ext>
             </a:extLst>
           </p:cNvPr>
@@ -23289,7 +23488,7 @@
                 <a14:useLocalDpi xmlns:a14="http://schemas.microsoft.com/office/drawing/2010/main" val="0"/>
               </a:ext>
               <a:ext uri="{96DAC541-7B7A-43D3-8B79-37D633B846F1}">
-                <asvg:svgBlip xmlns="" xmlns:asvg="http://schemas.microsoft.com/office/drawing/2016/SVG/main" r:embed="rId3"/>
+                <asvg:svgBlip xmlns:asvg="http://schemas.microsoft.com/office/drawing/2016/SVG/main" xmlns="" r:embed="rId3"/>
               </a:ext>
             </a:extLst>
           </a:blip>
@@ -23792,14 +23991,14 @@
           <p:nvPr>
             <p:extLst>
               <p:ext uri="{D42A27DB-BD31-4B8C-83A1-F6EECF244321}">
-                <p14:modId xmlns:p14="http://schemas.microsoft.com/office/powerpoint/2010/main" val="1936546014"/>
+                <p14:modId xmlns:p14="http://schemas.microsoft.com/office/powerpoint/2010/main" val="2916204121"/>
               </p:ext>
             </p:extLst>
           </p:nvPr>
         </p:nvGraphicFramePr>
         <p:xfrm>
           <a:off x="5867400" y="2228819"/>
-          <a:ext cx="5915657" cy="3276311"/>
+          <a:ext cx="5915657" cy="3298726"/>
         </p:xfrm>
         <a:graphic>
           <a:graphicData uri="http://schemas.openxmlformats.org/drawingml/2006/table">
@@ -24150,8 +24349,8 @@
                         <a:t>(19 al 23 de </a:t>
                       </a:r>
                       <a:r>
-                        <a:rPr lang="es-ES" sz="1400" baseline="0" dirty="0" err="1"/>
-                        <a:t>abrial</a:t>
+                        <a:rPr lang="es-ES" sz="1400" baseline="0" dirty="0" smtClean="0"/>
+                        <a:t>abril)</a:t>
                       </a:r>
                       <a:endParaRPr lang="es-ES" sz="1400" dirty="0"/>
                     </a:p>
@@ -24349,7 +24548,7 @@
                 <a16:creationId xmlns:a16="http://schemas.microsoft.com/office/drawing/2014/main" id="{87A57295-2710-4920-B99A-4D1FA03A62BD}"/>
               </a:ext>
               <a:ext uri="{C183D7F6-B498-43B3-948B-1728B52AA6E4}">
-                <adec:decorative xmlns="" xmlns:adec="http://schemas.microsoft.com/office/drawing/2017/decorative" val="1"/>
+                <adec:decorative xmlns:adec="http://schemas.microsoft.com/office/drawing/2017/decorative" xmlns="" val="1"/>
               </a:ext>
             </a:extLst>
           </p:cNvPr>
@@ -24409,7 +24608,7 @@
                 <a16:creationId xmlns:a16="http://schemas.microsoft.com/office/drawing/2014/main" id="{78067929-4D33-4306-9E2F-67C49CDDB5DE}"/>
               </a:ext>
               <a:ext uri="{C183D7F6-B498-43B3-948B-1728B52AA6E4}">
-                <adec:decorative xmlns="" xmlns:adec="http://schemas.microsoft.com/office/drawing/2017/decorative" val="1"/>
+                <adec:decorative xmlns:adec="http://schemas.microsoft.com/office/drawing/2017/decorative" xmlns="" val="1"/>
               </a:ext>
             </a:extLst>
           </p:cNvPr>
@@ -24471,7 +24670,7 @@
                 <a16:creationId xmlns:a16="http://schemas.microsoft.com/office/drawing/2014/main" id="{2D72A2C9-F3CA-4216-8BAD-FA4C970C3C4E}"/>
               </a:ext>
               <a:ext uri="{C183D7F6-B498-43B3-948B-1728B52AA6E4}">
-                <adec:decorative xmlns="" xmlns:adec="http://schemas.microsoft.com/office/drawing/2017/decorative" val="1"/>
+                <adec:decorative xmlns:adec="http://schemas.microsoft.com/office/drawing/2017/decorative" xmlns="" val="1"/>
               </a:ext>
             </a:extLst>
           </p:cNvPr>

--- a/PROGRAMACION/FOL/TEMA 6 FOL PRESTACIONES SS .pptx
+++ b/PROGRAMACION/FOL/TEMA 6 FOL PRESTACIONES SS .pptx
@@ -2760,7 +2760,7 @@
                 <a14:useLocalDpi xmlns:a14="http://schemas.microsoft.com/office/drawing/2010/main" val="0"/>
               </a:ext>
               <a:ext uri="{96DAC541-7B7A-43D3-8B79-37D633B846F1}">
-                <asvg:svgBlip xmlns:asvg="http://schemas.microsoft.com/office/drawing/2016/SVG/main" xmlns="" r:embed="rId2"/>
+                <asvg:svgBlip xmlns="" xmlns:asvg="http://schemas.microsoft.com/office/drawing/2016/SVG/main" r:embed="rId2"/>
               </a:ext>
             </a:extLst>
           </a:blip>
@@ -2824,7 +2824,7 @@
                 <a14:useLocalDpi xmlns:a14="http://schemas.microsoft.com/office/drawing/2010/main" val="0"/>
               </a:ext>
               <a:ext uri="{96DAC541-7B7A-43D3-8B79-37D633B846F1}">
-                <asvg:svgBlip xmlns:asvg="http://schemas.microsoft.com/office/drawing/2016/SVG/main" xmlns="" r:embed="rId4"/>
+                <asvg:svgBlip xmlns="" xmlns:asvg="http://schemas.microsoft.com/office/drawing/2016/SVG/main" r:embed="rId4"/>
               </a:ext>
             </a:extLst>
           </a:blip>
@@ -2898,7 +2898,7 @@
           <a:blip xmlns:r="http://schemas.openxmlformats.org/officeDocument/2006/relationships" r:embed="rId5">
             <a:extLst>
               <a:ext uri="{96DAC541-7B7A-43D3-8B79-37D633B846F1}">
-                <asvg:svgBlip xmlns:asvg="http://schemas.microsoft.com/office/drawing/2016/SVG/main" xmlns="" r:embed="rId6"/>
+                <asvg:svgBlip xmlns="" xmlns:asvg="http://schemas.microsoft.com/office/drawing/2016/SVG/main" r:embed="rId6"/>
               </a:ext>
             </a:extLst>
           </a:blip>
@@ -2953,7 +2953,7 @@
           <a:blip xmlns:r="http://schemas.openxmlformats.org/officeDocument/2006/relationships" r:embed="rId7">
             <a:extLst>
               <a:ext uri="{96DAC541-7B7A-43D3-8B79-37D633B846F1}">
-                <asvg:svgBlip xmlns:asvg="http://schemas.microsoft.com/office/drawing/2016/SVG/main" xmlns="" r:embed="rId8"/>
+                <asvg:svgBlip xmlns="" xmlns:asvg="http://schemas.microsoft.com/office/drawing/2016/SVG/main" r:embed="rId8"/>
               </a:ext>
             </a:extLst>
           </a:blip>
@@ -4216,7 +4216,7 @@
                 <a14:useLocalDpi xmlns:a14="http://schemas.microsoft.com/office/drawing/2010/main" val="0"/>
               </a:ext>
               <a:ext uri="{96DAC541-7B7A-43D3-8B79-37D633B846F1}">
-                <asvg:svgBlip xmlns:asvg="http://schemas.microsoft.com/office/drawing/2016/SVG/main" xmlns="" r:embed="rId2"/>
+                <asvg:svgBlip xmlns="" xmlns:asvg="http://schemas.microsoft.com/office/drawing/2016/SVG/main" r:embed="rId2"/>
               </a:ext>
             </a:extLst>
           </a:blip>
@@ -4379,7 +4379,7 @@
                 <a14:useLocalDpi xmlns:a14="http://schemas.microsoft.com/office/drawing/2010/main" val="0"/>
               </a:ext>
               <a:ext uri="{96DAC541-7B7A-43D3-8B79-37D633B846F1}">
-                <asvg:svgBlip xmlns:asvg="http://schemas.microsoft.com/office/drawing/2016/SVG/main" xmlns="" r:embed="rId4"/>
+                <asvg:svgBlip xmlns="" xmlns:asvg="http://schemas.microsoft.com/office/drawing/2016/SVG/main" r:embed="rId4"/>
               </a:ext>
             </a:extLst>
           </a:blip>
@@ -4617,7 +4617,7 @@
           <a:blip xmlns:r="http://schemas.openxmlformats.org/officeDocument/2006/relationships" r:embed="rId5">
             <a:extLst>
               <a:ext uri="{96DAC541-7B7A-43D3-8B79-37D633B846F1}">
-                <asvg:svgBlip xmlns:asvg="http://schemas.microsoft.com/office/drawing/2016/SVG/main" xmlns="" r:embed="rId6"/>
+                <asvg:svgBlip xmlns="" xmlns:asvg="http://schemas.microsoft.com/office/drawing/2016/SVG/main" r:embed="rId6"/>
               </a:ext>
             </a:extLst>
           </a:blip>
@@ -4774,7 +4774,7 @@
           <a:blip xmlns:r="http://schemas.openxmlformats.org/officeDocument/2006/relationships" r:embed="rId7">
             <a:extLst>
               <a:ext uri="{96DAC541-7B7A-43D3-8B79-37D633B846F1}">
-                <asvg:svgBlip xmlns:asvg="http://schemas.microsoft.com/office/drawing/2016/SVG/main" xmlns="" r:embed="rId8"/>
+                <asvg:svgBlip xmlns="" xmlns:asvg="http://schemas.microsoft.com/office/drawing/2016/SVG/main" r:embed="rId8"/>
               </a:ext>
             </a:extLst>
           </a:blip>
@@ -5476,7 +5476,7 @@
   </dgm:layoutNode>
   <dgm:extLst>
     <a:ext uri="{68A01E43-0DF5-4B5B-8FA6-DAF915123BFB}">
-      <dgm1612:lstStyle xmlns:dgm1612="http://schemas.microsoft.com/office/drawing/2016/12/diagram" xmlns="">
+      <dgm1612:lstStyle xmlns="" xmlns:dgm1612="http://schemas.microsoft.com/office/drawing/2016/12/diagram">
         <a:lvl1pPr>
           <a:lnSpc>
             <a:spcPct val="100000"/>
@@ -7708,7 +7708,7 @@
           <a:p>
             <a:fld id="{6E5A1375-5E48-45CD-B1FF-BA3248025E3D}" type="datetimeFigureOut">
               <a:rPr lang="es-ES" smtClean="0"/>
-              <a:t>07/02/2024</a:t>
+              <a:t>13/02/2024</a:t>
             </a:fld>
             <a:endParaRPr lang="es-ES"/>
           </a:p>
@@ -7906,7 +7906,7 @@
           <a:p>
             <a:fld id="{6E5A1375-5E48-45CD-B1FF-BA3248025E3D}" type="datetimeFigureOut">
               <a:rPr lang="es-ES" smtClean="0"/>
-              <a:t>07/02/2024</a:t>
+              <a:t>13/02/2024</a:t>
             </a:fld>
             <a:endParaRPr lang="es-ES"/>
           </a:p>
@@ -8114,7 +8114,7 @@
           <a:p>
             <a:fld id="{6E5A1375-5E48-45CD-B1FF-BA3248025E3D}" type="datetimeFigureOut">
               <a:rPr lang="es-ES" smtClean="0"/>
-              <a:t>07/02/2024</a:t>
+              <a:t>13/02/2024</a:t>
             </a:fld>
             <a:endParaRPr lang="es-ES"/>
           </a:p>
@@ -8312,7 +8312,7 @@
           <a:p>
             <a:fld id="{6E5A1375-5E48-45CD-B1FF-BA3248025E3D}" type="datetimeFigureOut">
               <a:rPr lang="es-ES" smtClean="0"/>
-              <a:t>07/02/2024</a:t>
+              <a:t>13/02/2024</a:t>
             </a:fld>
             <a:endParaRPr lang="es-ES"/>
           </a:p>
@@ -8587,7 +8587,7 @@
           <a:p>
             <a:fld id="{6E5A1375-5E48-45CD-B1FF-BA3248025E3D}" type="datetimeFigureOut">
               <a:rPr lang="es-ES" smtClean="0"/>
-              <a:t>07/02/2024</a:t>
+              <a:t>13/02/2024</a:t>
             </a:fld>
             <a:endParaRPr lang="es-ES"/>
           </a:p>
@@ -8852,7 +8852,7 @@
           <a:p>
             <a:fld id="{6E5A1375-5E48-45CD-B1FF-BA3248025E3D}" type="datetimeFigureOut">
               <a:rPr lang="es-ES" smtClean="0"/>
-              <a:t>07/02/2024</a:t>
+              <a:t>13/02/2024</a:t>
             </a:fld>
             <a:endParaRPr lang="es-ES"/>
           </a:p>
@@ -9264,7 +9264,7 @@
           <a:p>
             <a:fld id="{6E5A1375-5E48-45CD-B1FF-BA3248025E3D}" type="datetimeFigureOut">
               <a:rPr lang="es-ES" smtClean="0"/>
-              <a:t>07/02/2024</a:t>
+              <a:t>13/02/2024</a:t>
             </a:fld>
             <a:endParaRPr lang="es-ES"/>
           </a:p>
@@ -9405,7 +9405,7 @@
           <a:p>
             <a:fld id="{6E5A1375-5E48-45CD-B1FF-BA3248025E3D}" type="datetimeFigureOut">
               <a:rPr lang="es-ES" smtClean="0"/>
-              <a:t>07/02/2024</a:t>
+              <a:t>13/02/2024</a:t>
             </a:fld>
             <a:endParaRPr lang="es-ES"/>
           </a:p>
@@ -9518,7 +9518,7 @@
           <a:p>
             <a:fld id="{6E5A1375-5E48-45CD-B1FF-BA3248025E3D}" type="datetimeFigureOut">
               <a:rPr lang="es-ES" smtClean="0"/>
-              <a:t>07/02/2024</a:t>
+              <a:t>13/02/2024</a:t>
             </a:fld>
             <a:endParaRPr lang="es-ES"/>
           </a:p>
@@ -9829,7 +9829,7 @@
           <a:p>
             <a:fld id="{6E5A1375-5E48-45CD-B1FF-BA3248025E3D}" type="datetimeFigureOut">
               <a:rPr lang="es-ES" smtClean="0"/>
-              <a:t>07/02/2024</a:t>
+              <a:t>13/02/2024</a:t>
             </a:fld>
             <a:endParaRPr lang="es-ES"/>
           </a:p>
@@ -10117,7 +10117,7 @@
           <a:p>
             <a:fld id="{6E5A1375-5E48-45CD-B1FF-BA3248025E3D}" type="datetimeFigureOut">
               <a:rPr lang="es-ES" smtClean="0"/>
-              <a:t>07/02/2024</a:t>
+              <a:t>13/02/2024</a:t>
             </a:fld>
             <a:endParaRPr lang="es-ES"/>
           </a:p>
@@ -10358,7 +10358,7 @@
           <a:p>
             <a:fld id="{6E5A1375-5E48-45CD-B1FF-BA3248025E3D}" type="datetimeFigureOut">
               <a:rPr lang="es-ES" smtClean="0"/>
-              <a:t>07/02/2024</a:t>
+              <a:t>13/02/2024</a:t>
             </a:fld>
             <a:endParaRPr lang="es-ES"/>
           </a:p>
@@ -10913,7 +10913,7 @@
                 <a16:creationId xmlns:a16="http://schemas.microsoft.com/office/drawing/2014/main" id="{71FC7D98-7B8B-402A-90FC-F027482F2142}"/>
               </a:ext>
               <a:ext uri="{C183D7F6-B498-43B3-948B-1728B52AA6E4}">
-                <adec:decorative xmlns:adec="http://schemas.microsoft.com/office/drawing/2017/decorative" xmlns="" val="1"/>
+                <adec:decorative xmlns="" xmlns:adec="http://schemas.microsoft.com/office/drawing/2017/decorative" val="1"/>
               </a:ext>
             </a:extLst>
           </p:cNvPr>
@@ -10976,7 +10976,7 @@
                 <a16:creationId xmlns:a16="http://schemas.microsoft.com/office/drawing/2014/main" id="{AD7356EA-285B-4E5D-8FEC-104659A4FD2C}"/>
               </a:ext>
               <a:ext uri="{C183D7F6-B498-43B3-948B-1728B52AA6E4}">
-                <adec:decorative xmlns:adec="http://schemas.microsoft.com/office/drawing/2017/decorative" xmlns="" val="1"/>
+                <adec:decorative xmlns="" xmlns:adec="http://schemas.microsoft.com/office/drawing/2017/decorative" val="1"/>
               </a:ext>
             </a:extLst>
           </p:cNvPr>
@@ -11118,7 +11118,7 @@
                 <a16:creationId xmlns:a16="http://schemas.microsoft.com/office/drawing/2014/main" id="{081EA652-8C6A-4E69-BEB9-170809474553}"/>
               </a:ext>
               <a:ext uri="{C183D7F6-B498-43B3-948B-1728B52AA6E4}">
-                <adec:decorative xmlns:adec="http://schemas.microsoft.com/office/drawing/2017/decorative" xmlns="" val="1"/>
+                <adec:decorative xmlns="" xmlns:adec="http://schemas.microsoft.com/office/drawing/2017/decorative" val="1"/>
               </a:ext>
             </a:extLst>
           </p:cNvPr>
@@ -11178,7 +11178,7 @@
                 <a16:creationId xmlns:a16="http://schemas.microsoft.com/office/drawing/2014/main" id="{5298780A-33B9-4EA2-8F67-DE68AD62841B}"/>
               </a:ext>
               <a:ext uri="{C183D7F6-B498-43B3-948B-1728B52AA6E4}">
-                <adec:decorative xmlns:adec="http://schemas.microsoft.com/office/drawing/2017/decorative" xmlns="" val="1"/>
+                <adec:decorative xmlns="" xmlns:adec="http://schemas.microsoft.com/office/drawing/2017/decorative" val="1"/>
               </a:ext>
             </a:extLst>
           </p:cNvPr>
@@ -11241,7 +11241,7 @@
                 <a16:creationId xmlns:a16="http://schemas.microsoft.com/office/drawing/2014/main" id="{7F488E8B-4E1E-4402-8935-D4E6C02615C7}"/>
               </a:ext>
               <a:ext uri="{C183D7F6-B498-43B3-948B-1728B52AA6E4}">
-                <adec:decorative xmlns:adec="http://schemas.microsoft.com/office/drawing/2017/decorative" xmlns="" val="1"/>
+                <adec:decorative xmlns="" xmlns:adec="http://schemas.microsoft.com/office/drawing/2017/decorative" val="1"/>
               </a:ext>
             </a:extLst>
           </p:cNvPr>
@@ -11307,7 +11307,7 @@
                 <a16:creationId xmlns:a16="http://schemas.microsoft.com/office/drawing/2014/main" id="{23AAC9B5-8015-485C-ACF9-A750390E9A56}"/>
               </a:ext>
               <a:ext uri="{C183D7F6-B498-43B3-948B-1728B52AA6E4}">
-                <adec:decorative xmlns:adec="http://schemas.microsoft.com/office/drawing/2017/decorative" xmlns="" val="1"/>
+                <adec:decorative xmlns="" xmlns:adec="http://schemas.microsoft.com/office/drawing/2017/decorative" val="1"/>
               </a:ext>
             </a:extLst>
           </p:cNvPr>
@@ -11487,13 +11487,13 @@
         </p:nvSpPr>
         <p:spPr>
           <a:xfrm>
-            <a:off x="648928" y="4675886"/>
-            <a:ext cx="3685032" cy="1608328"/>
+            <a:off x="133004" y="4675886"/>
+            <a:ext cx="3416531" cy="1608328"/>
           </a:xfrm>
         </p:spPr>
         <p:txBody>
           <a:bodyPr>
-            <a:normAutofit/>
+            <a:normAutofit fontScale="90000"/>
           </a:bodyPr>
           <a:lstStyle/>
           <a:p>
@@ -11505,8 +11505,23 @@
                   </a:schemeClr>
                 </a:solidFill>
               </a:rPr>
-              <a:t>3- Nacimiento y cuidado de un menor</a:t>
+              <a:t>3- Nacimiento y cuidado de un </a:t>
             </a:r>
+            <a:r>
+              <a:rPr lang="es-ES" sz="3600" b="1" dirty="0" smtClean="0">
+                <a:solidFill>
+                  <a:schemeClr val="accent2">
+                    <a:lumMod val="75000"/>
+                  </a:schemeClr>
+                </a:solidFill>
+              </a:rPr>
+              <a:t>menor </a:t>
+            </a:r>
+            <a:r>
+              <a:rPr lang="es-ES" sz="1800" b="1" dirty="0" smtClean="0"/>
+              <a:t>(antes denominado permiso de maternidad/paternidad)</a:t>
+            </a:r>
+            <a:endParaRPr lang="es-ES" sz="1800" b="1" dirty="0"/>
           </a:p>
         </p:txBody>
       </p:sp>
@@ -11518,7 +11533,7 @@
                 <a16:creationId xmlns:a16="http://schemas.microsoft.com/office/drawing/2014/main" id="{5AAE9118-0436-4488-AC4A-C14DF6A7B6B1}"/>
               </a:ext>
               <a:ext uri="{C183D7F6-B498-43B3-948B-1728B52AA6E4}">
-                <adec:decorative xmlns:adec="http://schemas.microsoft.com/office/drawing/2017/decorative" xmlns="" val="1"/>
+                <adec:decorative xmlns="" xmlns:adec="http://schemas.microsoft.com/office/drawing/2017/decorative" val="1"/>
               </a:ext>
             </a:extLst>
           </p:cNvPr>
@@ -11581,7 +11596,7 @@
                 <a16:creationId xmlns:a16="http://schemas.microsoft.com/office/drawing/2014/main" id="{07A0C51E-5464-4470-855E-CA530A59BF98}"/>
               </a:ext>
               <a:ext uri="{C183D7F6-B498-43B3-948B-1728B52AA6E4}">
-                <adec:decorative xmlns:adec="http://schemas.microsoft.com/office/drawing/2017/decorative" xmlns="" val="1"/>
+                <adec:decorative xmlns="" xmlns:adec="http://schemas.microsoft.com/office/drawing/2017/decorative" val="1"/>
               </a:ext>
             </a:extLst>
           </p:cNvPr>
@@ -11688,8 +11703,8 @@
         </p:nvSpPr>
         <p:spPr>
           <a:xfrm>
-            <a:off x="4333960" y="4598660"/>
-            <a:ext cx="7573788" cy="2151462"/>
+            <a:off x="3225338" y="4598660"/>
+            <a:ext cx="8966662" cy="2151462"/>
           </a:xfrm>
         </p:spPr>
         <p:txBody>
@@ -11713,8 +11728,13 @@
             </a:pPr>
             <a:r>
               <a:rPr lang="es-ES" sz="1400" b="1" dirty="0"/>
-              <a:t>¿A quién protege?</a:t>
+              <a:t>¿A quién protege</a:t>
             </a:r>
+            <a:r>
+              <a:rPr lang="es-ES" sz="1400" b="1" dirty="0" smtClean="0"/>
+              <a:t>? A ambos progenitores, tanto por nacimiento como por adopción.</a:t>
+            </a:r>
+            <a:endParaRPr lang="es-ES" sz="1400" b="1" dirty="0"/>
           </a:p>
           <a:p>
             <a:pPr>
@@ -11724,8 +11744,41 @@
             </a:pPr>
             <a:r>
               <a:rPr lang="es-ES" sz="1400" b="1" dirty="0"/>
-              <a:t>Duración: 16 semanas (6 más 10)</a:t>
+              <a:t>Duración: 16 semanas (</a:t>
             </a:r>
+            <a:r>
+              <a:rPr lang="es-ES" sz="1400" b="1" dirty="0" smtClean="0"/>
+              <a:t>6 </a:t>
+            </a:r>
+            <a:r>
+              <a:rPr lang="es-ES" sz="1400" b="1" dirty="0" smtClean="0">
+                <a:solidFill>
+                  <a:schemeClr val="accent2"/>
+                </a:solidFill>
+              </a:rPr>
+              <a:t>–obligatoriamente de manera inmediata al parto, puerperio o justo tras la adopción- </a:t>
+            </a:r>
+            <a:r>
+              <a:rPr lang="es-ES" sz="1400" b="1" dirty="0"/>
+              <a:t>más </a:t>
+            </a:r>
+            <a:r>
+              <a:rPr lang="es-ES" sz="1400" b="1" dirty="0" smtClean="0"/>
+              <a:t>10 </a:t>
+            </a:r>
+            <a:r>
+              <a:rPr lang="es-ES" sz="1400" b="1" dirty="0" smtClean="0">
+                <a:solidFill>
+                  <a:schemeClr val="accent2"/>
+                </a:solidFill>
+              </a:rPr>
+              <a:t>– se las pueden distribuir por periodos semanales, como ellos consideren, tomando como límite el momento en el que el hijo cumpla los 12 meses(o 12 meses desde la adopción)-</a:t>
+            </a:r>
+            <a:r>
+              <a:rPr lang="es-ES" sz="1400" b="1" dirty="0" smtClean="0"/>
+              <a:t>) Se debe de comunicar con 15 días de antelación.</a:t>
+            </a:r>
+            <a:endParaRPr lang="es-ES" sz="1400" b="1" dirty="0"/>
           </a:p>
           <a:p>
             <a:pPr>
@@ -11746,8 +11799,13 @@
             </a:pPr>
             <a:r>
               <a:rPr lang="es-ES" sz="1400" b="1" dirty="0"/>
-              <a:t>Importe: 100 % BR</a:t>
+              <a:t>Importe: 100 % </a:t>
             </a:r>
+            <a:r>
+              <a:rPr lang="es-ES" sz="1400" b="1" dirty="0" smtClean="0"/>
+              <a:t>BR (no lleva IRPF)</a:t>
+            </a:r>
+            <a:endParaRPr lang="es-ES" sz="1400" b="1" dirty="0"/>
           </a:p>
           <a:p>
             <a:pPr>
@@ -11805,7 +11863,7 @@
                 <a16:creationId xmlns:a16="http://schemas.microsoft.com/office/drawing/2014/main" id="{201CC55D-ED54-4C5C-95E6-10947BD1103B}"/>
               </a:ext>
               <a:ext uri="{C183D7F6-B498-43B3-948B-1728B52AA6E4}">
-                <adec:decorative xmlns:adec="http://schemas.microsoft.com/office/drawing/2017/decorative" xmlns="" val="1"/>
+                <adec:decorative xmlns="" xmlns:adec="http://schemas.microsoft.com/office/drawing/2017/decorative" val="1"/>
               </a:ext>
             </a:extLst>
           </p:cNvPr>
@@ -11922,7 +11980,7 @@
                 <a16:creationId xmlns:a16="http://schemas.microsoft.com/office/drawing/2014/main" id="{1DE889C7-FAD6-4397-98E2-05D503484459}"/>
               </a:ext>
               <a:ext uri="{C183D7F6-B498-43B3-948B-1728B52AA6E4}">
-                <adec:decorative xmlns:adec="http://schemas.microsoft.com/office/drawing/2017/decorative" xmlns="" val="1"/>
+                <adec:decorative xmlns="" xmlns:adec="http://schemas.microsoft.com/office/drawing/2017/decorative" val="1"/>
               </a:ext>
             </a:extLst>
           </p:cNvPr>
@@ -11953,7 +12011,7 @@
                   <a16:creationId xmlns:a16="http://schemas.microsoft.com/office/drawing/2014/main" id="{F399A70F-F8CD-4992-9EF5-6CF15472E73F}"/>
                 </a:ext>
                 <a:ext uri="{C183D7F6-B498-43B3-948B-1728B52AA6E4}">
-                  <adec:decorative xmlns:adec="http://schemas.microsoft.com/office/drawing/2017/decorative" xmlns="" val="1"/>
+                  <adec:decorative xmlns="" xmlns:adec="http://schemas.microsoft.com/office/drawing/2017/decorative" val="1"/>
                 </a:ext>
               </a:extLst>
             </p:cNvPr>
@@ -12014,7 +12072,7 @@
                   <a16:creationId xmlns:a16="http://schemas.microsoft.com/office/drawing/2014/main" id="{48F4FEDC-6D80-458C-A665-075D9B9500FD}"/>
                 </a:ext>
                 <a:ext uri="{C183D7F6-B498-43B3-948B-1728B52AA6E4}">
-                  <adec:decorative xmlns:adec="http://schemas.microsoft.com/office/drawing/2017/decorative" xmlns="" val="1"/>
+                  <adec:decorative xmlns="" xmlns:adec="http://schemas.microsoft.com/office/drawing/2017/decorative" val="1"/>
                 </a:ext>
               </a:extLst>
             </p:cNvPr>
@@ -12076,7 +12134,7 @@
                 <a16:creationId xmlns:a16="http://schemas.microsoft.com/office/drawing/2014/main" id="{3873B707-463F-40B0-8227-E8CC6C67EB25}"/>
               </a:ext>
               <a:ext uri="{C183D7F6-B498-43B3-948B-1728B52AA6E4}">
-                <adec:decorative xmlns:adec="http://schemas.microsoft.com/office/drawing/2017/decorative" xmlns="" val="1"/>
+                <adec:decorative xmlns="" xmlns:adec="http://schemas.microsoft.com/office/drawing/2017/decorative" val="1"/>
               </a:ext>
             </a:extLst>
           </p:cNvPr>
@@ -12150,7 +12208,7 @@
         <p:spPr>
           <a:xfrm>
             <a:off x="590719" y="2330505"/>
-            <a:ext cx="4559425" cy="3979585"/>
+            <a:ext cx="4903994" cy="3979585"/>
           </a:xfrm>
         </p:spPr>
         <p:txBody>
@@ -12160,24 +12218,30 @@
           <a:lstStyle/>
           <a:p>
             <a:r>
-              <a:rPr lang="es-ES" sz="2000"/>
+              <a:rPr lang="es-ES" sz="2000" dirty="0"/>
               <a:t>Causa: </a:t>
             </a:r>
-          </a:p>
-          <a:p>
             <a:r>
-              <a:rPr lang="es-ES" sz="2000"/>
+              <a:rPr lang="es-ES" sz="2000" dirty="0" smtClean="0"/>
+              <a:t>Madre embarazada que al mantenerse en su puesto de trabajo puede suponer un riesgo a la madre, bebé o ambos. La mutua debe valorarlo, bien con cambio de puesto o baja.</a:t>
+            </a:r>
+            <a:endParaRPr lang="es-ES" sz="2000" dirty="0"/>
+          </a:p>
+          <a:p>
+            <a:r>
+              <a:rPr lang="es-ES" sz="2000" dirty="0"/>
               <a:t>Prestación: 100 % BR </a:t>
             </a:r>
           </a:p>
           <a:p>
             <a:r>
-              <a:rPr lang="es-ES" sz="2000"/>
-              <a:t>Duración</a:t>
+              <a:rPr lang="es-ES" sz="2000" dirty="0" smtClean="0"/>
+              <a:t>Duración: Hasta el parto o cuando desaparezca el riesgo.</a:t>
             </a:r>
-          </a:p>
-          <a:p>
-            <a:endParaRPr lang="es-ES" sz="2000"/>
+            <a:endParaRPr lang="es-ES" sz="2000" dirty="0"/>
+          </a:p>
+          <a:p>
+            <a:endParaRPr lang="es-ES" sz="2000" dirty="0"/>
           </a:p>
         </p:txBody>
       </p:sp>
@@ -12189,7 +12253,7 @@
                 <a16:creationId xmlns:a16="http://schemas.microsoft.com/office/drawing/2014/main" id="{C13237C8-E62C-4F0D-A318-BD6FB6C2D138}"/>
               </a:ext>
               <a:ext uri="{C183D7F6-B498-43B3-948B-1728B52AA6E4}">
-                <adec:decorative xmlns:adec="http://schemas.microsoft.com/office/drawing/2017/decorative" xmlns="" val="1"/>
+                <adec:decorative xmlns="" xmlns:adec="http://schemas.microsoft.com/office/drawing/2017/decorative" val="1"/>
               </a:ext>
             </a:extLst>
           </p:cNvPr>
@@ -12252,7 +12316,7 @@
                 <a16:creationId xmlns:a16="http://schemas.microsoft.com/office/drawing/2014/main" id="{19C9EAEA-39D0-4B0E-A0EB-51E7B26740B1}"/>
               </a:ext>
               <a:ext uri="{C183D7F6-B498-43B3-948B-1728B52AA6E4}">
-                <adec:decorative xmlns:adec="http://schemas.microsoft.com/office/drawing/2017/decorative" xmlns="" val="1"/>
+                <adec:decorative xmlns="" xmlns:adec="http://schemas.microsoft.com/office/drawing/2017/decorative" val="1"/>
               </a:ext>
             </a:extLst>
           </p:cNvPr>
@@ -12389,7 +12453,7 @@
                 <a16:creationId xmlns:a16="http://schemas.microsoft.com/office/drawing/2014/main" id="{8B9AA7C6-5E5A-498E-A6DF-A943376E09BC}"/>
               </a:ext>
               <a:ext uri="{C183D7F6-B498-43B3-948B-1728B52AA6E4}">
-                <adec:decorative xmlns:adec="http://schemas.microsoft.com/office/drawing/2017/decorative" xmlns="" val="1"/>
+                <adec:decorative xmlns="" xmlns:adec="http://schemas.microsoft.com/office/drawing/2017/decorative" val="1"/>
               </a:ext>
             </a:extLst>
           </p:cNvPr>
@@ -12449,7 +12513,7 @@
                 <a16:creationId xmlns:a16="http://schemas.microsoft.com/office/drawing/2014/main" id="{83EAB11A-76F7-48F4-9B4F-5BFDF4BF9670}"/>
               </a:ext>
               <a:ext uri="{C183D7F6-B498-43B3-948B-1728B52AA6E4}">
-                <adec:decorative xmlns:adec="http://schemas.microsoft.com/office/drawing/2017/decorative" xmlns="" val="1"/>
+                <adec:decorative xmlns="" xmlns:adec="http://schemas.microsoft.com/office/drawing/2017/decorative" val="1"/>
               </a:ext>
             </a:extLst>
           </p:cNvPr>
@@ -12480,7 +12544,7 @@
                   <a16:creationId xmlns:a16="http://schemas.microsoft.com/office/drawing/2014/main" id="{74D4C416-D5F4-4F6F-A6F1-87A21CD4FCAF}"/>
                 </a:ext>
                 <a:ext uri="{C183D7F6-B498-43B3-948B-1728B52AA6E4}">
-                  <adec:decorative xmlns:adec="http://schemas.microsoft.com/office/drawing/2017/decorative" xmlns="" val="1"/>
+                  <adec:decorative xmlns="" xmlns:adec="http://schemas.microsoft.com/office/drawing/2017/decorative" val="1"/>
                 </a:ext>
               </a:extLst>
             </p:cNvPr>
@@ -12541,7 +12605,7 @@
                   <a16:creationId xmlns:a16="http://schemas.microsoft.com/office/drawing/2014/main" id="{C6AC1C30-21C6-4BF6-93EE-B211D7A85011}"/>
                 </a:ext>
                 <a:ext uri="{C183D7F6-B498-43B3-948B-1728B52AA6E4}">
-                  <adec:decorative xmlns:adec="http://schemas.microsoft.com/office/drawing/2017/decorative" xmlns="" val="1"/>
+                  <adec:decorative xmlns="" xmlns:adec="http://schemas.microsoft.com/office/drawing/2017/decorative" val="1"/>
                 </a:ext>
               </a:extLst>
             </p:cNvPr>
@@ -12594,7 +12658,7 @@
                 <a16:creationId xmlns:a16="http://schemas.microsoft.com/office/drawing/2014/main" id="{81E140AE-0ABF-47C8-BF32-7D2F0CF2BA44}"/>
               </a:ext>
               <a:ext uri="{C183D7F6-B498-43B3-948B-1728B52AA6E4}">
-                <adec:decorative xmlns:adec="http://schemas.microsoft.com/office/drawing/2017/decorative" xmlns="" val="1"/>
+                <adec:decorative xmlns="" xmlns:adec="http://schemas.microsoft.com/office/drawing/2017/decorative" val="1"/>
               </a:ext>
             </a:extLst>
           </p:cNvPr>
@@ -12657,7 +12721,7 @@
                 <a16:creationId xmlns:a16="http://schemas.microsoft.com/office/drawing/2014/main" id="{CBC4F608-B4B8-48C3-9572-C0F061B1CD99}"/>
               </a:ext>
               <a:ext uri="{C183D7F6-B498-43B3-948B-1728B52AA6E4}">
-                <adec:decorative xmlns:adec="http://schemas.microsoft.com/office/drawing/2017/decorative" xmlns="" val="1"/>
+                <adec:decorative xmlns="" xmlns:adec="http://schemas.microsoft.com/office/drawing/2017/decorative" val="1"/>
               </a:ext>
             </a:extLst>
           </p:cNvPr>
@@ -12851,7 +12915,7 @@
                 <a16:creationId xmlns:a16="http://schemas.microsoft.com/office/drawing/2014/main" id="{F0AED851-54B9-4765-92D2-F0BE443BEC91}"/>
               </a:ext>
               <a:ext uri="{C183D7F6-B498-43B3-948B-1728B52AA6E4}">
-                <adec:decorative xmlns:adec="http://schemas.microsoft.com/office/drawing/2017/decorative" xmlns="" val="1"/>
+                <adec:decorative xmlns="" xmlns:adec="http://schemas.microsoft.com/office/drawing/2017/decorative" val="1"/>
               </a:ext>
             </a:extLst>
           </p:cNvPr>
@@ -12911,7 +12975,7 @@
                 <a16:creationId xmlns:a16="http://schemas.microsoft.com/office/drawing/2014/main" id="{B81933D1-5615-42C7-9C0B-4EB7105CCE2D}"/>
               </a:ext>
               <a:ext uri="{C183D7F6-B498-43B3-948B-1728B52AA6E4}">
-                <adec:decorative xmlns:adec="http://schemas.microsoft.com/office/drawing/2017/decorative" xmlns="" val="1"/>
+                <adec:decorative xmlns="" xmlns:adec="http://schemas.microsoft.com/office/drawing/2017/decorative" val="1"/>
               </a:ext>
             </a:extLst>
           </p:cNvPr>
@@ -12974,7 +13038,7 @@
                 <a16:creationId xmlns:a16="http://schemas.microsoft.com/office/drawing/2014/main" id="{19C9EAEA-39D0-4B0E-A0EB-51E7B26740B1}"/>
               </a:ext>
               <a:ext uri="{C183D7F6-B498-43B3-948B-1728B52AA6E4}">
-                <adec:decorative xmlns:adec="http://schemas.microsoft.com/office/drawing/2017/decorative" xmlns="" val="1"/>
+                <adec:decorative xmlns="" xmlns:adec="http://schemas.microsoft.com/office/drawing/2017/decorative" val="1"/>
               </a:ext>
             </a:extLst>
           </p:cNvPr>
@@ -13044,7 +13108,7 @@
                 <a16:creationId xmlns:a16="http://schemas.microsoft.com/office/drawing/2014/main" id="{032D8612-31EB-44CF-A1D0-14FD4C705424}"/>
               </a:ext>
               <a:ext uri="{C183D7F6-B498-43B3-948B-1728B52AA6E4}">
-                <adec:decorative xmlns:adec="http://schemas.microsoft.com/office/drawing/2017/decorative" xmlns="" val="1"/>
+                <adec:decorative xmlns="" xmlns:adec="http://schemas.microsoft.com/office/drawing/2017/decorative" val="1"/>
               </a:ext>
             </a:extLst>
           </p:cNvPr>
@@ -13078,7 +13142,7 @@
                   <a16:creationId xmlns:a16="http://schemas.microsoft.com/office/drawing/2014/main" id="{F19A4A0F-1B59-4DB0-9764-D10936E98770}"/>
                 </a:ext>
                 <a:ext uri="{C183D7F6-B498-43B3-948B-1728B52AA6E4}">
-                  <adec:decorative xmlns:adec="http://schemas.microsoft.com/office/drawing/2017/decorative" xmlns="" val="1"/>
+                  <adec:decorative xmlns="" xmlns:adec="http://schemas.microsoft.com/office/drawing/2017/decorative" val="1"/>
                 </a:ext>
               </a:extLst>
             </p:cNvPr>
@@ -13137,7 +13201,7 @@
                   <a16:creationId xmlns:a16="http://schemas.microsoft.com/office/drawing/2014/main" id="{F399A70F-F8CD-4992-9EF5-6CF15472E73F}"/>
                 </a:ext>
                 <a:ext uri="{C183D7F6-B498-43B3-948B-1728B52AA6E4}">
-                  <adec:decorative xmlns:adec="http://schemas.microsoft.com/office/drawing/2017/decorative" xmlns="" val="1"/>
+                  <adec:decorative xmlns="" xmlns:adec="http://schemas.microsoft.com/office/drawing/2017/decorative" val="1"/>
                 </a:ext>
               </a:extLst>
             </p:cNvPr>
@@ -13196,7 +13260,7 @@
                   <a16:creationId xmlns:a16="http://schemas.microsoft.com/office/drawing/2014/main" id="{48F4FEDC-6D80-458C-A665-075D9B9500FD}"/>
                 </a:ext>
                 <a:ext uri="{C183D7F6-B498-43B3-948B-1728B52AA6E4}">
-                  <adec:decorative xmlns:adec="http://schemas.microsoft.com/office/drawing/2017/decorative" xmlns="" val="1"/>
+                  <adec:decorative xmlns="" xmlns:adec="http://schemas.microsoft.com/office/drawing/2017/decorative" val="1"/>
                 </a:ext>
               </a:extLst>
             </p:cNvPr>
@@ -13257,14 +13321,14 @@
           <p:nvPr>
             <p:extLst>
               <p:ext uri="{D42A27DB-BD31-4B8C-83A1-F6EECF244321}">
-                <p14:modId xmlns:p14="http://schemas.microsoft.com/office/powerpoint/2010/main" val="2889212644"/>
+                <p14:modId xmlns:p14="http://schemas.microsoft.com/office/powerpoint/2010/main" val="90715288"/>
               </p:ext>
             </p:extLst>
           </p:nvPr>
         </p:nvGraphicFramePr>
         <p:xfrm>
-          <a:off x="1991155" y="583285"/>
-          <a:ext cx="8114870" cy="5476874"/>
+          <a:off x="465513" y="400399"/>
+          <a:ext cx="11190822" cy="6392858"/>
         </p:xfrm>
         <a:graphic>
           <a:graphicData uri="http://schemas.openxmlformats.org/drawingml/2006/table">
@@ -13273,14 +13337,14 @@
                 <a:tableStyleId>{74C1A8A3-306A-4EB7-A6B1-4F7E0EB9C5D6}</a:tableStyleId>
               </a:tblPr>
               <a:tblGrid>
-                <a:gridCol w="2499799">
+                <a:gridCol w="3447351">
                   <a:extLst>
                     <a:ext uri="{9D8B030D-6E8A-4147-A177-3AD203B41FA5}">
                       <a16:colId xmlns:a16="http://schemas.microsoft.com/office/drawing/2014/main" val="725876535"/>
                     </a:ext>
                   </a:extLst>
                 </a:gridCol>
-                <a:gridCol w="5615071">
+                <a:gridCol w="7743471">
                   <a:extLst>
                     <a:ext uri="{9D8B030D-6E8A-4147-A177-3AD203B41FA5}">
                       <a16:colId xmlns:a16="http://schemas.microsoft.com/office/drawing/2014/main" val="1832819293"/>
@@ -13288,7 +13352,7 @@
                   </a:extLst>
                 </a:gridCol>
               </a:tblGrid>
-              <a:tr h="1366071">
+              <a:tr h="1331218">
                 <a:tc gridSpan="2">
                   <a:txBody>
                     <a:bodyPr/>
@@ -13302,7 +13366,23 @@
                       </a:endParaRPr>
                     </a:p>
                     <a:p>
-                      <a:pPr algn="ctr"/>
+                      <a:pPr marL="0" marR="0" indent="0" algn="ctr" defTabSz="914400" rtl="0" eaLnBrk="1" fontAlgn="auto" latinLnBrk="0" hangingPunct="1">
+                        <a:lnSpc>
+                          <a:spcPct val="100000"/>
+                        </a:lnSpc>
+                        <a:spcBef>
+                          <a:spcPts val="0"/>
+                        </a:spcBef>
+                        <a:spcAft>
+                          <a:spcPts val="0"/>
+                        </a:spcAft>
+                        <a:buClrTx/>
+                        <a:buSzTx/>
+                        <a:buFontTx/>
+                        <a:buNone/>
+                        <a:tabLst/>
+                        <a:defRPr/>
+                      </a:pPr>
                       <a:r>
                         <a:rPr lang="en-US" sz="2400" b="1" kern="1200" dirty="0">
                           <a:solidFill>
@@ -13314,23 +13394,29 @@
                           <a:ea typeface="+mn-ea"/>
                           <a:cs typeface="+mn-cs"/>
                         </a:rPr>
-                        <a:t>5.- INCAPACIDAD PERMANENTE</a:t>
+                        <a:t>5.- INCAPACIDAD </a:t>
                       </a:r>
-                      <a:endParaRPr lang="es-ES" sz="2400" b="0" dirty="0">
-                        <a:solidFill>
-                          <a:schemeClr val="accent4">
-                            <a:lumMod val="75000"/>
-                          </a:schemeClr>
-                        </a:solidFill>
-                      </a:endParaRPr>
-                    </a:p>
-                    <a:p>
-                      <a:pPr algn="ctr"/>
-                      <a:endParaRPr lang="es-ES" sz="1800" b="0" dirty="0">
-                        <a:solidFill>
-                          <a:schemeClr val="tx1"/>
-                        </a:solidFill>
-                      </a:endParaRPr>
+                      <a:r>
+                        <a:rPr lang="en-US" sz="2400" b="1" kern="1200" dirty="0" smtClean="0">
+                          <a:solidFill>
+                            <a:schemeClr val="accent4">
+                              <a:lumMod val="75000"/>
+                            </a:schemeClr>
+                          </a:solidFill>
+                          <a:latin typeface="+mn-lt"/>
+                          <a:ea typeface="+mn-ea"/>
+                          <a:cs typeface="+mn-cs"/>
+                        </a:rPr>
+                        <a:t>PERMANENTE: </a:t>
+                      </a:r>
+                      <a:r>
+                        <a:rPr lang="es-ES" sz="2400" baseline="0" dirty="0" smtClean="0">
+                          <a:solidFill>
+                            <a:schemeClr val="tx1"/>
+                          </a:solidFill>
+                        </a:rPr>
+                        <a:t>Prestación que tiene vocación de permanencia (salvo la primera).</a:t>
+                      </a:r>
                     </a:p>
                   </a:txBody>
                   <a:tcPr marL="146194" marR="146194" marT="73097" marB="73097">
@@ -13367,7 +13453,7 @@
                   </a:ext>
                 </a:extLst>
               </a:tr>
-              <a:tr h="785304">
+              <a:tr h="1479070">
                 <a:tc>
                   <a:txBody>
                     <a:bodyPr/>
@@ -13404,7 +13490,15 @@
                     <a:bodyPr/>
                     <a:lstStyle/>
                     <a:p>
-                      <a:pPr algn="ctr"/>
+                      <a:pPr algn="l"/>
+                      <a:r>
+                        <a:rPr lang="es-ES" sz="1800" baseline="0" dirty="0" smtClean="0">
+                          <a:solidFill>
+                            <a:schemeClr val="tx1"/>
+                          </a:solidFill>
+                        </a:rPr>
+                        <a:t>Situación sobrevenida que le permite seguir trabajando pero tiene que tener un ajuste en su puesto de trabajo, aunque puede seguir desempeñándolo. Reducción funcional de al menos el 33% para que tenga derecho a recibir de una sola vez una prestación equivalente a 24 meses de su base reguladora (pago único).</a:t>
+                      </a:r>
                       <a:endParaRPr lang="es-ES" sz="1800" baseline="0" dirty="0">
                         <a:solidFill>
                           <a:schemeClr val="tx1"/>
@@ -13448,7 +13542,7 @@
                   </a:ext>
                 </a:extLst>
               </a:tr>
-              <a:tr h="979714">
+              <a:tr h="1211748">
                 <a:tc>
                   <a:txBody>
                     <a:bodyPr/>
@@ -13485,7 +13579,127 @@
                     <a:bodyPr/>
                     <a:lstStyle/>
                     <a:p>
-                      <a:pPr algn="ctr"/>
+                      <a:pPr algn="just"/>
+                      <a:r>
+                        <a:rPr lang="es-ES" sz="1800" dirty="0" smtClean="0">
+                          <a:solidFill>
+                            <a:schemeClr val="tx1"/>
+                          </a:solidFill>
+                        </a:rPr>
+                        <a:t>La que te obliga</a:t>
+                      </a:r>
+                      <a:r>
+                        <a:rPr lang="es-ES" sz="1800" baseline="0" dirty="0" smtClean="0">
+                          <a:solidFill>
+                            <a:schemeClr val="tx1"/>
+                          </a:solidFill>
+                        </a:rPr>
+                        <a:t> a cambiar de trabajo porque te inhabilita para ello. </a:t>
+                      </a:r>
+                      <a:r>
+                        <a:rPr lang="es-ES" sz="1800" dirty="0" smtClean="0">
+                          <a:solidFill>
+                            <a:schemeClr val="tx1"/>
+                          </a:solidFill>
+                        </a:rPr>
+                        <a:t>Ejemplo:</a:t>
+                      </a:r>
+                      <a:r>
+                        <a:rPr lang="es-ES" sz="1800" baseline="0" dirty="0" smtClean="0">
+                          <a:solidFill>
+                            <a:schemeClr val="tx1"/>
+                          </a:solidFill>
+                        </a:rPr>
+                        <a:t> perdida visión piloto. Puede desempeñar otros puestos diferentes. Prestación de pago periódico del 52% de la base reguladora y se incrementa conforme más edad tiene el trabajador.</a:t>
+                      </a:r>
+                      <a:endParaRPr lang="es-ES" sz="1800" dirty="0">
+                        <a:solidFill>
+                          <a:schemeClr val="tx1"/>
+                        </a:solidFill>
+                      </a:endParaRPr>
+                    </a:p>
+                  </a:txBody>
+                  <a:tcPr marL="146194" marR="146194" marT="73097" marB="73097">
+                    <a:lnL w="12700" cap="flat" cmpd="sng" algn="ctr">
+                      <a:solidFill>
+                        <a:schemeClr val="tx1"/>
+                      </a:solidFill>
+                      <a:prstDash val="solid"/>
+                      <a:round/>
+                      <a:headEnd type="none" w="med" len="med"/>
+                      <a:tailEnd type="none" w="med" len="med"/>
+                    </a:lnL>
+                    <a:lnR w="12700" cap="flat" cmpd="sng" algn="ctr">
+                      <a:solidFill>
+                        <a:schemeClr val="tx1"/>
+                      </a:solidFill>
+                      <a:prstDash val="solid"/>
+                      <a:round/>
+                      <a:headEnd type="none" w="med" len="med"/>
+                      <a:tailEnd type="none" w="med" len="med"/>
+                    </a:lnR>
+                  </a:tcPr>
+                </a:tc>
+                <a:extLst>
+                  <a:ext uri="{0D108BD9-81ED-4DB2-BD59-A6C34878D82A}">
+                    <a16:rowId xmlns:a16="http://schemas.microsoft.com/office/drawing/2014/main" val="2443323146"/>
+                  </a:ext>
+                </a:extLst>
+              </a:tr>
+              <a:tr h="954718">
+                <a:tc>
+                  <a:txBody>
+                    <a:bodyPr/>
+                    <a:lstStyle/>
+                    <a:p>
+                      <a:pPr marL="285750" indent="-285750" algn="l">
+                        <a:buFont typeface="Arial" panose="020B0604020202020204" pitchFamily="34" charset="0"/>
+                        <a:buChar char="•"/>
+                      </a:pPr>
+                      <a:r>
+                        <a:rPr lang="es-ES" sz="1800" b="0" dirty="0">
+                          <a:solidFill>
+                            <a:schemeClr val="tx1"/>
+                          </a:solidFill>
+                        </a:rPr>
+                        <a:t>PERMANENTE ABSOLUTA</a:t>
+                      </a:r>
+                    </a:p>
+                  </a:txBody>
+                  <a:tcPr marL="146194" marR="146194" marT="73097" marB="73097" anchor="ctr">
+                    <a:lnR w="12700" cap="flat" cmpd="sng" algn="ctr">
+                      <a:solidFill>
+                        <a:schemeClr val="tx1"/>
+                      </a:solidFill>
+                      <a:prstDash val="solid"/>
+                      <a:round/>
+                      <a:headEnd type="none" w="med" len="med"/>
+                      <a:tailEnd type="none" w="med" len="med"/>
+                    </a:lnR>
+                  </a:tcPr>
+                </a:tc>
+                <a:tc>
+                  <a:txBody>
+                    <a:bodyPr/>
+                    <a:lstStyle/>
+                    <a:p>
+                      <a:pPr algn="just"/>
+                      <a:r>
+                        <a:rPr lang="es-ES" sz="1800" dirty="0" smtClean="0">
+                          <a:solidFill>
+                            <a:schemeClr val="tx1"/>
+                          </a:solidFill>
+                        </a:rPr>
+                        <a:t>No puede trabajar en ningún puesto</a:t>
+                      </a:r>
+                      <a:r>
+                        <a:rPr lang="es-ES" sz="1800" baseline="0" dirty="0" smtClean="0">
+                          <a:solidFill>
+                            <a:schemeClr val="tx1"/>
+                          </a:solidFill>
+                        </a:rPr>
+                        <a:t> de trabajo. Pago del 100% de la base reguladora ( y si no ha cotizado, pasa a ser la no contributiva). Es mensual.</a:t>
+                      </a:r>
                       <a:endParaRPr lang="es-ES" sz="1800" dirty="0">
                         <a:solidFill>
                           <a:schemeClr val="tx1"/>
@@ -13524,91 +13738,11 @@
                 </a:tc>
                 <a:extLst>
                   <a:ext uri="{0D108BD9-81ED-4DB2-BD59-A6C34878D82A}">
-                    <a16:rowId xmlns:a16="http://schemas.microsoft.com/office/drawing/2014/main" val="2443323146"/>
-                  </a:ext>
-                </a:extLst>
-              </a:tr>
-              <a:tr h="979714">
-                <a:tc>
-                  <a:txBody>
-                    <a:bodyPr/>
-                    <a:lstStyle/>
-                    <a:p>
-                      <a:pPr marL="285750" indent="-285750" algn="l">
-                        <a:buFont typeface="Arial" panose="020B0604020202020204" pitchFamily="34" charset="0"/>
-                        <a:buChar char="•"/>
-                      </a:pPr>
-                      <a:r>
-                        <a:rPr lang="es-ES" sz="1800" b="0" dirty="0">
-                          <a:solidFill>
-                            <a:schemeClr val="tx1"/>
-                          </a:solidFill>
-                        </a:rPr>
-                        <a:t>PERMANENTE ABSOLUTA</a:t>
-                      </a:r>
-                    </a:p>
-                  </a:txBody>
-                  <a:tcPr marL="146194" marR="146194" marT="73097" marB="73097" anchor="ctr">
-                    <a:lnR w="12700" cap="flat" cmpd="sng" algn="ctr">
-                      <a:solidFill>
-                        <a:schemeClr val="tx1"/>
-                      </a:solidFill>
-                      <a:prstDash val="solid"/>
-                      <a:round/>
-                      <a:headEnd type="none" w="med" len="med"/>
-                      <a:tailEnd type="none" w="med" len="med"/>
-                    </a:lnR>
-                  </a:tcPr>
-                </a:tc>
-                <a:tc>
-                  <a:txBody>
-                    <a:bodyPr/>
-                    <a:lstStyle/>
-                    <a:p>
-                      <a:pPr algn="ctr"/>
-                      <a:endParaRPr lang="es-ES" sz="1800">
-                        <a:solidFill>
-                          <a:schemeClr val="tx1"/>
-                        </a:solidFill>
-                      </a:endParaRPr>
-                    </a:p>
-                    <a:p>
-                      <a:pPr algn="ctr"/>
-                      <a:endParaRPr lang="es-ES" sz="1800">
-                        <a:solidFill>
-                          <a:schemeClr val="tx1"/>
-                        </a:solidFill>
-                      </a:endParaRPr>
-                    </a:p>
-                  </a:txBody>
-                  <a:tcPr marL="146194" marR="146194" marT="73097" marB="73097">
-                    <a:lnL w="12700" cap="flat" cmpd="sng" algn="ctr">
-                      <a:solidFill>
-                        <a:schemeClr val="tx1"/>
-                      </a:solidFill>
-                      <a:prstDash val="solid"/>
-                      <a:round/>
-                      <a:headEnd type="none" w="med" len="med"/>
-                      <a:tailEnd type="none" w="med" len="med"/>
-                    </a:lnL>
-                    <a:lnR w="12700" cap="flat" cmpd="sng" algn="ctr">
-                      <a:solidFill>
-                        <a:schemeClr val="tx1"/>
-                      </a:solidFill>
-                      <a:prstDash val="solid"/>
-                      <a:round/>
-                      <a:headEnd type="none" w="med" len="med"/>
-                      <a:tailEnd type="none" w="med" len="med"/>
-                    </a:lnR>
-                  </a:tcPr>
-                </a:tc>
-                <a:extLst>
-                  <a:ext uri="{0D108BD9-81ED-4DB2-BD59-A6C34878D82A}">
                     <a16:rowId xmlns:a16="http://schemas.microsoft.com/office/drawing/2014/main" val="3209135870"/>
                   </a:ext>
                 </a:extLst>
               </a:tr>
-              <a:tr h="1366071">
+              <a:tr h="1331218">
                 <a:tc>
                   <a:txBody>
                     <a:bodyPr/>
@@ -13645,23 +13779,23 @@
                     <a:bodyPr/>
                     <a:lstStyle/>
                     <a:p>
-                      <a:pPr algn="ctr"/>
-                      <a:endParaRPr lang="es-ES" sz="1800" dirty="0">
-                        <a:solidFill>
-                          <a:schemeClr val="tx1"/>
-                        </a:solidFill>
-                      </a:endParaRPr>
-                    </a:p>
-                    <a:p>
-                      <a:pPr algn="ctr"/>
-                      <a:endParaRPr lang="es-ES" sz="1800" dirty="0">
-                        <a:solidFill>
-                          <a:schemeClr val="tx1"/>
-                        </a:solidFill>
-                      </a:endParaRPr>
-                    </a:p>
-                    <a:p>
-                      <a:pPr algn="ctr"/>
+                      <a:pPr algn="l"/>
+                      <a:r>
+                        <a:rPr lang="es-ES" sz="1800" dirty="0" smtClean="0">
+                          <a:solidFill>
+                            <a:schemeClr val="tx1"/>
+                          </a:solidFill>
+                        </a:rPr>
+                        <a:t>Como la anterior</a:t>
+                      </a:r>
+                      <a:r>
+                        <a:rPr lang="es-ES" sz="1800" baseline="0" dirty="0" smtClean="0">
+                          <a:solidFill>
+                            <a:schemeClr val="tx1"/>
+                          </a:solidFill>
+                        </a:rPr>
+                        <a:t> pero necesitas de una persona para tu vida diaria (asistente). Se cobra 100% más incremento para pago al asistente.</a:t>
+                      </a:r>
                       <a:endParaRPr lang="es-ES" sz="1800" dirty="0">
                         <a:solidFill>
                           <a:schemeClr val="tx1"/>
@@ -13775,14 +13909,14 @@
             <p:ph idx="1"/>
             <p:extLst>
               <p:ext uri="{D42A27DB-BD31-4B8C-83A1-F6EECF244321}">
-                <p14:modId xmlns:p14="http://schemas.microsoft.com/office/powerpoint/2010/main" val="1729697242"/>
+                <p14:modId xmlns:p14="http://schemas.microsoft.com/office/powerpoint/2010/main" val="789687444"/>
               </p:ext>
             </p:extLst>
           </p:nvPr>
         </p:nvGraphicFramePr>
         <p:xfrm>
           <a:off x="287573" y="1841500"/>
-          <a:ext cx="5751952" cy="3835400"/>
+          <a:ext cx="6836434" cy="3844857"/>
         </p:xfrm>
         <a:graphic>
           <a:graphicData uri="http://schemas.openxmlformats.org/drawingml/2006/table">
@@ -13791,14 +13925,14 @@
                 <a:tableStyleId>{EB9631B5-78F2-41C9-869B-9F39066F8104}</a:tableStyleId>
               </a:tblPr>
               <a:tblGrid>
-                <a:gridCol w="2875976">
+                <a:gridCol w="2997655">
                   <a:extLst>
                     <a:ext uri="{9D8B030D-6E8A-4147-A177-3AD203B41FA5}">
                       <a16:colId xmlns:a16="http://schemas.microsoft.com/office/drawing/2014/main" val="3888572568"/>
                     </a:ext>
                   </a:extLst>
                 </a:gridCol>
-                <a:gridCol w="2875976">
+                <a:gridCol w="3838779">
                   <a:extLst>
                     <a:ext uri="{9D8B030D-6E8A-4147-A177-3AD203B41FA5}">
                       <a16:colId xmlns:a16="http://schemas.microsoft.com/office/drawing/2014/main" val="3585174691"/>
@@ -13835,8 +13969,12 @@
                         <a:buChar char="•"/>
                       </a:pPr>
                       <a:r>
-                        <a:rPr lang="es-ES" b="0" dirty="0"/>
-                        <a:t>Concepto</a:t>
+                        <a:rPr lang="es-ES" b="0" dirty="0" smtClean="0"/>
+                        <a:t>Concepto: Paga a favor del cónyuge o superviviente</a:t>
+                      </a:r>
+                      <a:r>
+                        <a:rPr lang="es-ES" b="0" baseline="0" dirty="0" smtClean="0"/>
+                        <a:t> al causante.</a:t>
                       </a:r>
                       <a:endParaRPr lang="es-ES" b="0" baseline="0" dirty="0"/>
                     </a:p>
@@ -13846,9 +13984,10 @@
                         <a:buChar char="•"/>
                       </a:pPr>
                       <a:r>
-                        <a:rPr lang="es-ES" b="0" baseline="0" dirty="0"/>
-                        <a:t>Importe</a:t>
+                        <a:rPr lang="es-ES" b="0" baseline="0" dirty="0" smtClean="0"/>
+                        <a:t>Importe: 52%.</a:t>
                       </a:r>
+                      <a:endParaRPr lang="es-ES" b="0" baseline="0" dirty="0"/>
                     </a:p>
                     <a:p>
                       <a:pPr marL="285750" indent="-285750">
@@ -13856,9 +13995,10 @@
                         <a:buChar char="•"/>
                       </a:pPr>
                       <a:r>
-                        <a:rPr lang="es-ES" b="0" baseline="0" dirty="0"/>
-                        <a:t>Compatibilidad</a:t>
+                        <a:rPr lang="es-ES" b="0" baseline="0" dirty="0" smtClean="0"/>
+                        <a:t>Compatibilidad: Con el desempeño de un puesto de trabajo.</a:t>
                       </a:r>
+                      <a:endParaRPr lang="es-ES" b="0" baseline="0" dirty="0"/>
                     </a:p>
                     <a:p>
                       <a:pPr marL="285750" indent="-285750">
@@ -13866,8 +14006,8 @@
                         <a:buChar char="•"/>
                       </a:pPr>
                       <a:r>
-                        <a:rPr lang="es-ES" b="0" baseline="0" dirty="0"/>
-                        <a:t>Incompatibilidad</a:t>
+                        <a:rPr lang="es-ES" b="0" baseline="0" dirty="0" smtClean="0"/>
+                        <a:t>Incompatibilidad: Nuevo matrimonio (si supera X ingresos).</a:t>
                       </a:r>
                       <a:endParaRPr lang="es-ES" b="0" dirty="0"/>
                     </a:p>
@@ -13924,6 +14064,19 @@
                         </a:rPr>
                         <a:t> </a:t>
                       </a:r>
+                      <a:r>
+                        <a:rPr lang="es-ES" baseline="0" dirty="0" smtClean="0">
+                          <a:solidFill>
+                            <a:schemeClr val="accent4"/>
+                          </a:solidFill>
+                        </a:rPr>
+                        <a:t>: Paga a favor de la descendencia.</a:t>
+                      </a:r>
+                      <a:endParaRPr lang="es-ES" baseline="0" dirty="0">
+                        <a:solidFill>
+                          <a:schemeClr val="accent4"/>
+                        </a:solidFill>
+                      </a:endParaRPr>
                     </a:p>
                     <a:p>
                       <a:pPr marL="285750" indent="-285750">
@@ -13931,12 +14084,12 @@
                         <a:buChar char="•"/>
                       </a:pPr>
                       <a:r>
-                        <a:rPr lang="es-ES" baseline="0" dirty="0">
+                        <a:rPr lang="es-ES" baseline="0" dirty="0" smtClean="0">
                           <a:solidFill>
                             <a:schemeClr val="accent4"/>
                           </a:solidFill>
                         </a:rPr>
-                        <a:t>Importe</a:t>
+                        <a:t>Importe:20% (hasta los 21 salvo que el beneficiario no tenga ingresos superiores, que se mantendría hasta los 25 años).</a:t>
                       </a:r>
                       <a:endParaRPr lang="es-ES" dirty="0">
                         <a:solidFill>
@@ -13973,8 +14126,8 @@
         </p:blipFill>
         <p:spPr>
           <a:xfrm>
-            <a:off x="7523245" y="1894784"/>
-            <a:ext cx="4226727" cy="2724841"/>
+            <a:off x="7464829" y="1894784"/>
+            <a:ext cx="4285143" cy="2762500"/>
           </a:xfrm>
           <a:prstGeom prst="rect">
             <a:avLst/>
@@ -14039,7 +14192,7 @@
                 <a16:creationId xmlns:a16="http://schemas.microsoft.com/office/drawing/2014/main" id="{201CC55D-ED54-4C5C-95E6-10947BD1103B}"/>
               </a:ext>
               <a:ext uri="{C183D7F6-B498-43B3-948B-1728B52AA6E4}">
-                <adec:decorative xmlns:adec="http://schemas.microsoft.com/office/drawing/2017/decorative" xmlns="" val="1"/>
+                <adec:decorative xmlns="" xmlns:adec="http://schemas.microsoft.com/office/drawing/2017/decorative" val="1"/>
               </a:ext>
             </a:extLst>
           </p:cNvPr>
@@ -14128,7 +14281,7 @@
                 <a16:creationId xmlns:a16="http://schemas.microsoft.com/office/drawing/2014/main" id="{1DE889C7-FAD6-4397-98E2-05D503484459}"/>
               </a:ext>
               <a:ext uri="{C183D7F6-B498-43B3-948B-1728B52AA6E4}">
-                <adec:decorative xmlns:adec="http://schemas.microsoft.com/office/drawing/2017/decorative" xmlns="" val="1"/>
+                <adec:decorative xmlns="" xmlns:adec="http://schemas.microsoft.com/office/drawing/2017/decorative" val="1"/>
               </a:ext>
             </a:extLst>
           </p:cNvPr>
@@ -14159,7 +14312,7 @@
                   <a16:creationId xmlns:a16="http://schemas.microsoft.com/office/drawing/2014/main" id="{F399A70F-F8CD-4992-9EF5-6CF15472E73F}"/>
                 </a:ext>
                 <a:ext uri="{C183D7F6-B498-43B3-948B-1728B52AA6E4}">
-                  <adec:decorative xmlns:adec="http://schemas.microsoft.com/office/drawing/2017/decorative" xmlns="" val="1"/>
+                  <adec:decorative xmlns="" xmlns:adec="http://schemas.microsoft.com/office/drawing/2017/decorative" val="1"/>
                 </a:ext>
               </a:extLst>
             </p:cNvPr>
@@ -14220,7 +14373,7 @@
                   <a16:creationId xmlns:a16="http://schemas.microsoft.com/office/drawing/2014/main" id="{48F4FEDC-6D80-458C-A665-075D9B9500FD}"/>
                 </a:ext>
                 <a:ext uri="{C183D7F6-B498-43B3-948B-1728B52AA6E4}">
-                  <adec:decorative xmlns:adec="http://schemas.microsoft.com/office/drawing/2017/decorative" xmlns="" val="1"/>
+                  <adec:decorative xmlns="" xmlns:adec="http://schemas.microsoft.com/office/drawing/2017/decorative" val="1"/>
                 </a:ext>
               </a:extLst>
             </p:cNvPr>
@@ -14282,7 +14435,7 @@
                 <a16:creationId xmlns:a16="http://schemas.microsoft.com/office/drawing/2014/main" id="{3873B707-463F-40B0-8227-E8CC6C67EB25}"/>
               </a:ext>
               <a:ext uri="{C183D7F6-B498-43B3-948B-1728B52AA6E4}">
-                <adec:decorative xmlns:adec="http://schemas.microsoft.com/office/drawing/2017/decorative" xmlns="" val="1"/>
+                <adec:decorative xmlns="" xmlns:adec="http://schemas.microsoft.com/office/drawing/2017/decorative" val="1"/>
               </a:ext>
             </a:extLst>
           </p:cNvPr>
@@ -14407,7 +14560,7 @@
                 <a16:creationId xmlns:a16="http://schemas.microsoft.com/office/drawing/2014/main" id="{C13237C8-E62C-4F0D-A318-BD6FB6C2D138}"/>
               </a:ext>
               <a:ext uri="{C183D7F6-B498-43B3-948B-1728B52AA6E4}">
-                <adec:decorative xmlns:adec="http://schemas.microsoft.com/office/drawing/2017/decorative" xmlns="" val="1"/>
+                <adec:decorative xmlns="" xmlns:adec="http://schemas.microsoft.com/office/drawing/2017/decorative" val="1"/>
               </a:ext>
             </a:extLst>
           </p:cNvPr>
@@ -14470,7 +14623,7 @@
                 <a16:creationId xmlns:a16="http://schemas.microsoft.com/office/drawing/2014/main" id="{19C9EAEA-39D0-4B0E-A0EB-51E7B26740B1}"/>
               </a:ext>
               <a:ext uri="{C183D7F6-B498-43B3-948B-1728B52AA6E4}">
-                <adec:decorative xmlns:adec="http://schemas.microsoft.com/office/drawing/2017/decorative" xmlns="" val="1"/>
+                <adec:decorative xmlns="" xmlns:adec="http://schemas.microsoft.com/office/drawing/2017/decorative" val="1"/>
               </a:ext>
             </a:extLst>
           </p:cNvPr>
@@ -14601,7 +14754,7 @@
                 <a16:creationId xmlns:a16="http://schemas.microsoft.com/office/drawing/2014/main" id="{201CC55D-ED54-4C5C-95E6-10947BD1103B}"/>
               </a:ext>
               <a:ext uri="{C183D7F6-B498-43B3-948B-1728B52AA6E4}">
-                <adec:decorative xmlns:adec="http://schemas.microsoft.com/office/drawing/2017/decorative" xmlns="" val="1"/>
+                <adec:decorative xmlns="" xmlns:adec="http://schemas.microsoft.com/office/drawing/2017/decorative" val="1"/>
               </a:ext>
             </a:extLst>
           </p:cNvPr>
@@ -14690,7 +14843,7 @@
                 <a16:creationId xmlns:a16="http://schemas.microsoft.com/office/drawing/2014/main" id="{1DE889C7-FAD6-4397-98E2-05D503484459}"/>
               </a:ext>
               <a:ext uri="{C183D7F6-B498-43B3-948B-1728B52AA6E4}">
-                <adec:decorative xmlns:adec="http://schemas.microsoft.com/office/drawing/2017/decorative" xmlns="" val="1"/>
+                <adec:decorative xmlns="" xmlns:adec="http://schemas.microsoft.com/office/drawing/2017/decorative" val="1"/>
               </a:ext>
             </a:extLst>
           </p:cNvPr>
@@ -14721,7 +14874,7 @@
                   <a16:creationId xmlns:a16="http://schemas.microsoft.com/office/drawing/2014/main" id="{F399A70F-F8CD-4992-9EF5-6CF15472E73F}"/>
                 </a:ext>
                 <a:ext uri="{C183D7F6-B498-43B3-948B-1728B52AA6E4}">
-                  <adec:decorative xmlns:adec="http://schemas.microsoft.com/office/drawing/2017/decorative" xmlns="" val="1"/>
+                  <adec:decorative xmlns="" xmlns:adec="http://schemas.microsoft.com/office/drawing/2017/decorative" val="1"/>
                 </a:ext>
               </a:extLst>
             </p:cNvPr>
@@ -14782,7 +14935,7 @@
                   <a16:creationId xmlns:a16="http://schemas.microsoft.com/office/drawing/2014/main" id="{48F4FEDC-6D80-458C-A665-075D9B9500FD}"/>
                 </a:ext>
                 <a:ext uri="{C183D7F6-B498-43B3-948B-1728B52AA6E4}">
-                  <adec:decorative xmlns:adec="http://schemas.microsoft.com/office/drawing/2017/decorative" xmlns="" val="1"/>
+                  <adec:decorative xmlns="" xmlns:adec="http://schemas.microsoft.com/office/drawing/2017/decorative" val="1"/>
                 </a:ext>
               </a:extLst>
             </p:cNvPr>
@@ -14844,7 +14997,7 @@
                 <a16:creationId xmlns:a16="http://schemas.microsoft.com/office/drawing/2014/main" id="{3873B707-463F-40B0-8227-E8CC6C67EB25}"/>
               </a:ext>
               <a:ext uri="{C183D7F6-B498-43B3-948B-1728B52AA6E4}">
-                <adec:decorative xmlns:adec="http://schemas.microsoft.com/office/drawing/2017/decorative" xmlns="" val="1"/>
+                <adec:decorative xmlns="" xmlns:adec="http://schemas.microsoft.com/office/drawing/2017/decorative" val="1"/>
               </a:ext>
             </a:extLst>
           </p:cNvPr>
@@ -14983,7 +15136,7 @@
                 <a16:creationId xmlns:a16="http://schemas.microsoft.com/office/drawing/2014/main" id="{C13237C8-E62C-4F0D-A318-BD6FB6C2D138}"/>
               </a:ext>
               <a:ext uri="{C183D7F6-B498-43B3-948B-1728B52AA6E4}">
-                <adec:decorative xmlns:adec="http://schemas.microsoft.com/office/drawing/2017/decorative" xmlns="" val="1"/>
+                <adec:decorative xmlns="" xmlns:adec="http://schemas.microsoft.com/office/drawing/2017/decorative" val="1"/>
               </a:ext>
             </a:extLst>
           </p:cNvPr>
@@ -15046,7 +15199,7 @@
                 <a16:creationId xmlns:a16="http://schemas.microsoft.com/office/drawing/2014/main" id="{19C9EAEA-39D0-4B0E-A0EB-51E7B26740B1}"/>
               </a:ext>
               <a:ext uri="{C183D7F6-B498-43B3-948B-1728B52AA6E4}">
-                <adec:decorative xmlns:adec="http://schemas.microsoft.com/office/drawing/2017/decorative" xmlns="" val="1"/>
+                <adec:decorative xmlns="" xmlns:adec="http://schemas.microsoft.com/office/drawing/2017/decorative" val="1"/>
               </a:ext>
             </a:extLst>
           </p:cNvPr>
@@ -15596,7 +15749,7 @@
                 <a16:creationId xmlns:a16="http://schemas.microsoft.com/office/drawing/2014/main" id="{4DA718D0-4865-4629-8134-44F68D41D574}"/>
               </a:ext>
               <a:ext uri="{C183D7F6-B498-43B3-948B-1728B52AA6E4}">
-                <adec:decorative xmlns:adec="http://schemas.microsoft.com/office/drawing/2017/decorative" xmlns="" val="1"/>
+                <adec:decorative xmlns="" xmlns:adec="http://schemas.microsoft.com/office/drawing/2017/decorative" val="1"/>
               </a:ext>
             </a:extLst>
           </p:cNvPr>
@@ -15656,7 +15809,7 @@
                 <a16:creationId xmlns:a16="http://schemas.microsoft.com/office/drawing/2014/main" id="{65167ED7-6315-43AB-B1B6-C326D5FD8F84}"/>
               </a:ext>
               <a:ext uri="{C183D7F6-B498-43B3-948B-1728B52AA6E4}">
-                <adec:decorative xmlns:adec="http://schemas.microsoft.com/office/drawing/2017/decorative" xmlns="" val="1"/>
+                <adec:decorative xmlns="" xmlns:adec="http://schemas.microsoft.com/office/drawing/2017/decorative" val="1"/>
               </a:ext>
             </a:extLst>
           </p:cNvPr>
@@ -15690,7 +15843,7 @@
                   <a16:creationId xmlns:a16="http://schemas.microsoft.com/office/drawing/2014/main" id="{EF4D8839-FB03-487D-ACC8-8BFEDD4FEBAE}"/>
                 </a:ext>
                 <a:ext uri="{C183D7F6-B498-43B3-948B-1728B52AA6E4}">
-                  <adec:decorative xmlns:adec="http://schemas.microsoft.com/office/drawing/2017/decorative" xmlns="" val="1"/>
+                  <adec:decorative xmlns="" xmlns:adec="http://schemas.microsoft.com/office/drawing/2017/decorative" val="1"/>
                 </a:ext>
               </a:extLst>
             </p:cNvPr>
@@ -15749,7 +15902,7 @@
                   <a16:creationId xmlns:a16="http://schemas.microsoft.com/office/drawing/2014/main" id="{0EF75023-9A3B-42FC-B704-61A8F7BEF415}"/>
                 </a:ext>
                 <a:ext uri="{C183D7F6-B498-43B3-948B-1728B52AA6E4}">
-                  <adec:decorative xmlns:adec="http://schemas.microsoft.com/office/drawing/2017/decorative" xmlns="" val="1"/>
+                  <adec:decorative xmlns="" xmlns:adec="http://schemas.microsoft.com/office/drawing/2017/decorative" val="1"/>
                 </a:ext>
               </a:extLst>
             </p:cNvPr>
@@ -15809,7 +15962,7 @@
                 <a16:creationId xmlns:a16="http://schemas.microsoft.com/office/drawing/2014/main" id="{CBC4F608-B4B8-48C3-9572-C0F061B1CD99}"/>
               </a:ext>
               <a:ext uri="{C183D7F6-B498-43B3-948B-1728B52AA6E4}">
-                <adec:decorative xmlns:adec="http://schemas.microsoft.com/office/drawing/2017/decorative" xmlns="" val="1"/>
+                <adec:decorative xmlns="" xmlns:adec="http://schemas.microsoft.com/office/drawing/2017/decorative" val="1"/>
               </a:ext>
             </a:extLst>
           </p:cNvPr>
@@ -16381,7 +16534,7 @@
                 <a16:creationId xmlns:a16="http://schemas.microsoft.com/office/drawing/2014/main" id="{201CC55D-ED54-4C5C-95E6-10947BD1103B}"/>
               </a:ext>
               <a:ext uri="{C183D7F6-B498-43B3-948B-1728B52AA6E4}">
-                <adec:decorative xmlns:adec="http://schemas.microsoft.com/office/drawing/2017/decorative" xmlns="" val="1"/>
+                <adec:decorative xmlns="" xmlns:adec="http://schemas.microsoft.com/office/drawing/2017/decorative" val="1"/>
               </a:ext>
             </a:extLst>
           </p:cNvPr>
@@ -16441,7 +16594,7 @@
                 <a16:creationId xmlns:a16="http://schemas.microsoft.com/office/drawing/2014/main" id="{1DE889C7-FAD6-4397-98E2-05D503484459}"/>
               </a:ext>
               <a:ext uri="{C183D7F6-B498-43B3-948B-1728B52AA6E4}">
-                <adec:decorative xmlns:adec="http://schemas.microsoft.com/office/drawing/2017/decorative" xmlns="" val="1"/>
+                <adec:decorative xmlns="" xmlns:adec="http://schemas.microsoft.com/office/drawing/2017/decorative" val="1"/>
               </a:ext>
             </a:extLst>
           </p:cNvPr>
@@ -16472,7 +16625,7 @@
                   <a16:creationId xmlns:a16="http://schemas.microsoft.com/office/drawing/2014/main" id="{F399A70F-F8CD-4992-9EF5-6CF15472E73F}"/>
                 </a:ext>
                 <a:ext uri="{C183D7F6-B498-43B3-948B-1728B52AA6E4}">
-                  <adec:decorative xmlns:adec="http://schemas.microsoft.com/office/drawing/2017/decorative" xmlns="" val="1"/>
+                  <adec:decorative xmlns="" xmlns:adec="http://schemas.microsoft.com/office/drawing/2017/decorative" val="1"/>
                 </a:ext>
               </a:extLst>
             </p:cNvPr>
@@ -16533,7 +16686,7 @@
                   <a16:creationId xmlns:a16="http://schemas.microsoft.com/office/drawing/2014/main" id="{48F4FEDC-6D80-458C-A665-075D9B9500FD}"/>
                 </a:ext>
                 <a:ext uri="{C183D7F6-B498-43B3-948B-1728B52AA6E4}">
-                  <adec:decorative xmlns:adec="http://schemas.microsoft.com/office/drawing/2017/decorative" xmlns="" val="1"/>
+                  <adec:decorative xmlns="" xmlns:adec="http://schemas.microsoft.com/office/drawing/2017/decorative" val="1"/>
                 </a:ext>
               </a:extLst>
             </p:cNvPr>
@@ -16595,7 +16748,7 @@
                 <a16:creationId xmlns:a16="http://schemas.microsoft.com/office/drawing/2014/main" id="{3873B707-463F-40B0-8227-E8CC6C67EB25}"/>
               </a:ext>
               <a:ext uri="{C183D7F6-B498-43B3-948B-1728B52AA6E4}">
-                <adec:decorative xmlns:adec="http://schemas.microsoft.com/office/drawing/2017/decorative" xmlns="" val="1"/>
+                <adec:decorative xmlns="" xmlns:adec="http://schemas.microsoft.com/office/drawing/2017/decorative" val="1"/>
               </a:ext>
             </a:extLst>
           </p:cNvPr>
@@ -16886,7 +17039,7 @@
                 <a16:creationId xmlns:a16="http://schemas.microsoft.com/office/drawing/2014/main" id="{C13237C8-E62C-4F0D-A318-BD6FB6C2D138}"/>
               </a:ext>
               <a:ext uri="{C183D7F6-B498-43B3-948B-1728B52AA6E4}">
-                <adec:decorative xmlns:adec="http://schemas.microsoft.com/office/drawing/2017/decorative" xmlns="" val="1"/>
+                <adec:decorative xmlns="" xmlns:adec="http://schemas.microsoft.com/office/drawing/2017/decorative" val="1"/>
               </a:ext>
             </a:extLst>
           </p:cNvPr>
@@ -16949,7 +17102,7 @@
                 <a16:creationId xmlns:a16="http://schemas.microsoft.com/office/drawing/2014/main" id="{19C9EAEA-39D0-4B0E-A0EB-51E7B26740B1}"/>
               </a:ext>
               <a:ext uri="{C183D7F6-B498-43B3-948B-1728B52AA6E4}">
-                <adec:decorative xmlns:adec="http://schemas.microsoft.com/office/drawing/2017/decorative" xmlns="" val="1"/>
+                <adec:decorative xmlns="" xmlns:adec="http://schemas.microsoft.com/office/drawing/2017/decorative" val="1"/>
               </a:ext>
             </a:extLst>
           </p:cNvPr>
@@ -17086,7 +17239,7 @@
                 <a16:creationId xmlns:a16="http://schemas.microsoft.com/office/drawing/2014/main" id="{B6CDA21F-E7AF-4C75-8395-33F58D5B0E45}"/>
               </a:ext>
               <a:ext uri="{C183D7F6-B498-43B3-948B-1728B52AA6E4}">
-                <adec:decorative xmlns:adec="http://schemas.microsoft.com/office/drawing/2017/decorative" xmlns="" val="1"/>
+                <adec:decorative xmlns="" xmlns:adec="http://schemas.microsoft.com/office/drawing/2017/decorative" val="1"/>
               </a:ext>
             </a:extLst>
           </p:cNvPr>
@@ -17146,7 +17299,7 @@
                 <a16:creationId xmlns:a16="http://schemas.microsoft.com/office/drawing/2014/main" id="{AE1C45F0-260A-458C-96ED-C1F6D2151219}"/>
               </a:ext>
               <a:ext uri="{C183D7F6-B498-43B3-948B-1728B52AA6E4}">
-                <adec:decorative xmlns:adec="http://schemas.microsoft.com/office/drawing/2017/decorative" xmlns="" val="1"/>
+                <adec:decorative xmlns="" xmlns:adec="http://schemas.microsoft.com/office/drawing/2017/decorative" val="1"/>
               </a:ext>
             </a:extLst>
           </p:cNvPr>
@@ -17180,7 +17333,7 @@
                   <a16:creationId xmlns:a16="http://schemas.microsoft.com/office/drawing/2014/main" id="{A6604B49-AD5C-4590-B051-06C8222ECD99}"/>
                 </a:ext>
                 <a:ext uri="{C183D7F6-B498-43B3-948B-1728B52AA6E4}">
-                  <adec:decorative xmlns:adec="http://schemas.microsoft.com/office/drawing/2017/decorative" xmlns="" val="1"/>
+                  <adec:decorative xmlns="" xmlns:adec="http://schemas.microsoft.com/office/drawing/2017/decorative" val="1"/>
                 </a:ext>
               </a:extLst>
             </p:cNvPr>
@@ -17239,7 +17392,7 @@
                   <a16:creationId xmlns:a16="http://schemas.microsoft.com/office/drawing/2014/main" id="{743ECCAF-29C5-4537-947C-7EA1292463DB}"/>
                 </a:ext>
                 <a:ext uri="{C183D7F6-B498-43B3-948B-1728B52AA6E4}">
-                  <adec:decorative xmlns:adec="http://schemas.microsoft.com/office/drawing/2017/decorative" xmlns="" val="1"/>
+                  <adec:decorative xmlns="" xmlns:adec="http://schemas.microsoft.com/office/drawing/2017/decorative" val="1"/>
                 </a:ext>
               </a:extLst>
             </p:cNvPr>
@@ -17298,7 +17451,7 @@
                   <a16:creationId xmlns:a16="http://schemas.microsoft.com/office/drawing/2014/main" id="{ED49787B-8DE6-4467-AD0A-8DECC6E0C2D6}"/>
                 </a:ext>
                 <a:ext uri="{C183D7F6-B498-43B3-948B-1728B52AA6E4}">
-                  <adec:decorative xmlns:adec="http://schemas.microsoft.com/office/drawing/2017/decorative" xmlns="" val="1"/>
+                  <adec:decorative xmlns="" xmlns:adec="http://schemas.microsoft.com/office/drawing/2017/decorative" val="1"/>
                 </a:ext>
               </a:extLst>
             </p:cNvPr>
@@ -17358,7 +17511,7 @@
                 <a16:creationId xmlns:a16="http://schemas.microsoft.com/office/drawing/2014/main" id="{D5B0017B-2ECA-49AF-B397-DC140825DF8D}"/>
               </a:ext>
               <a:ext uri="{C183D7F6-B498-43B3-948B-1728B52AA6E4}">
-                <adec:decorative xmlns:adec="http://schemas.microsoft.com/office/drawing/2017/decorative" xmlns="" val="1"/>
+                <adec:decorative xmlns="" xmlns:adec="http://schemas.microsoft.com/office/drawing/2017/decorative" val="1"/>
               </a:ext>
             </a:extLst>
           </p:cNvPr>
@@ -17691,7 +17844,7 @@
                 <a16:creationId xmlns:a16="http://schemas.microsoft.com/office/drawing/2014/main" id="{6CF1BAF6-AD41-4082-B212-8A1F9A2E8779}"/>
               </a:ext>
               <a:ext uri="{C183D7F6-B498-43B3-948B-1728B52AA6E4}">
-                <adec:decorative xmlns:adec="http://schemas.microsoft.com/office/drawing/2017/decorative" xmlns="" val="1"/>
+                <adec:decorative xmlns="" xmlns:adec="http://schemas.microsoft.com/office/drawing/2017/decorative" val="1"/>
               </a:ext>
             </a:extLst>
           </p:cNvPr>
@@ -18050,7 +18203,7 @@
                 <a16:creationId xmlns:a16="http://schemas.microsoft.com/office/drawing/2014/main" id="{49AE1604-BB93-4F6D-94D6-F2A6021FC5AD}"/>
               </a:ext>
               <a:ext uri="{C183D7F6-B498-43B3-948B-1728B52AA6E4}">
-                <adec:decorative xmlns:adec="http://schemas.microsoft.com/office/drawing/2017/decorative" xmlns="" val="1"/>
+                <adec:decorative xmlns="" xmlns:adec="http://schemas.microsoft.com/office/drawing/2017/decorative" val="1"/>
               </a:ext>
             </a:extLst>
           </p:cNvPr>
@@ -18110,7 +18263,7 @@
                 <a16:creationId xmlns:a16="http://schemas.microsoft.com/office/drawing/2014/main" id="{A9270323-9616-4384-857D-E86B78272EFE}"/>
               </a:ext>
               <a:ext uri="{C183D7F6-B498-43B3-948B-1728B52AA6E4}">
-                <adec:decorative xmlns:adec="http://schemas.microsoft.com/office/drawing/2017/decorative" xmlns="" val="1"/>
+                <adec:decorative xmlns="" xmlns:adec="http://schemas.microsoft.com/office/drawing/2017/decorative" val="1"/>
               </a:ext>
             </a:extLst>
           </p:cNvPr>
@@ -18144,7 +18297,7 @@
                   <a16:creationId xmlns:a16="http://schemas.microsoft.com/office/drawing/2014/main" id="{8A3838D5-9565-4601-BAC3-D1B5BDB803ED}"/>
                 </a:ext>
                 <a:ext uri="{C183D7F6-B498-43B3-948B-1728B52AA6E4}">
-                  <adec:decorative xmlns:adec="http://schemas.microsoft.com/office/drawing/2017/decorative" xmlns="" val="1"/>
+                  <adec:decorative xmlns="" xmlns:adec="http://schemas.microsoft.com/office/drawing/2017/decorative" val="1"/>
                 </a:ext>
               </a:extLst>
             </p:cNvPr>
@@ -18203,7 +18356,7 @@
                   <a16:creationId xmlns:a16="http://schemas.microsoft.com/office/drawing/2014/main" id="{3349A4B8-3246-4579-922E-FE1155C7F08C}"/>
                 </a:ext>
                 <a:ext uri="{C183D7F6-B498-43B3-948B-1728B52AA6E4}">
-                  <adec:decorative xmlns:adec="http://schemas.microsoft.com/office/drawing/2017/decorative" xmlns="" val="1"/>
+                  <adec:decorative xmlns="" xmlns:adec="http://schemas.microsoft.com/office/drawing/2017/decorative" val="1"/>
                 </a:ext>
               </a:extLst>
             </p:cNvPr>
@@ -18263,7 +18416,7 @@
                 <a16:creationId xmlns:a16="http://schemas.microsoft.com/office/drawing/2014/main" id="{CBC4F608-B4B8-48C3-9572-C0F061B1CD99}"/>
               </a:ext>
               <a:ext uri="{C183D7F6-B498-43B3-948B-1728B52AA6E4}">
-                <adec:decorative xmlns:adec="http://schemas.microsoft.com/office/drawing/2017/decorative" xmlns="" val="1"/>
+                <adec:decorative xmlns="" xmlns:adec="http://schemas.microsoft.com/office/drawing/2017/decorative" val="1"/>
               </a:ext>
             </a:extLst>
           </p:cNvPr>
@@ -18361,7 +18514,7 @@
                 <a16:creationId xmlns:a16="http://schemas.microsoft.com/office/drawing/2014/main" id="{1382A32C-5B0C-4B1C-A074-76C6DBCC9F87}"/>
               </a:ext>
               <a:ext uri="{C183D7F6-B498-43B3-948B-1728B52AA6E4}">
-                <adec:decorative xmlns:adec="http://schemas.microsoft.com/office/drawing/2017/decorative" xmlns="" val="1"/>
+                <adec:decorative xmlns="" xmlns:adec="http://schemas.microsoft.com/office/drawing/2017/decorative" val="1"/>
               </a:ext>
             </a:extLst>
           </p:cNvPr>
@@ -18527,7 +18680,7 @@
                 <a16:creationId xmlns:a16="http://schemas.microsoft.com/office/drawing/2014/main" id="{3AD318CC-E2A8-4E27-9548-A047A78999B1}"/>
               </a:ext>
               <a:ext uri="{C183D7F6-B498-43B3-948B-1728B52AA6E4}">
-                <adec:decorative xmlns:adec="http://schemas.microsoft.com/office/drawing/2017/decorative" xmlns="" val="1"/>
+                <adec:decorative xmlns="" xmlns:adec="http://schemas.microsoft.com/office/drawing/2017/decorative" val="1"/>
               </a:ext>
             </a:extLst>
           </p:cNvPr>
@@ -18617,7 +18770,7 @@
                 <a16:creationId xmlns:a16="http://schemas.microsoft.com/office/drawing/2014/main" id="{B14B560F-9DD7-4302-A60B-EBD3EF59B073}"/>
               </a:ext>
               <a:ext uri="{C183D7F6-B498-43B3-948B-1728B52AA6E4}">
-                <adec:decorative xmlns:adec="http://schemas.microsoft.com/office/drawing/2017/decorative" xmlns="" val="1"/>
+                <adec:decorative xmlns="" xmlns:adec="http://schemas.microsoft.com/office/drawing/2017/decorative" val="1"/>
               </a:ext>
             </a:extLst>
           </p:cNvPr>
@@ -18648,7 +18801,7 @@
                   <a16:creationId xmlns:a16="http://schemas.microsoft.com/office/drawing/2014/main" id="{3A9A4357-BD1D-4622-A4FE-766E6AB8DE84}"/>
                 </a:ext>
                 <a:ext uri="{C183D7F6-B498-43B3-948B-1728B52AA6E4}">
-                  <adec:decorative xmlns:adec="http://schemas.microsoft.com/office/drawing/2017/decorative" xmlns="" val="1"/>
+                  <adec:decorative xmlns="" xmlns:adec="http://schemas.microsoft.com/office/drawing/2017/decorative" val="1"/>
                 </a:ext>
               </a:extLst>
             </p:cNvPr>
@@ -18709,7 +18862,7 @@
                   <a16:creationId xmlns:a16="http://schemas.microsoft.com/office/drawing/2014/main" id="{C21D6966-343E-49AC-A026-D2497E0C3CA1}"/>
                 </a:ext>
                 <a:ext uri="{C183D7F6-B498-43B3-948B-1728B52AA6E4}">
-                  <adec:decorative xmlns:adec="http://schemas.microsoft.com/office/drawing/2017/decorative" xmlns="" val="1"/>
+                  <adec:decorative xmlns="" xmlns:adec="http://schemas.microsoft.com/office/drawing/2017/decorative" val="1"/>
                 </a:ext>
               </a:extLst>
             </p:cNvPr>
@@ -18762,7 +18915,7 @@
                 <a16:creationId xmlns:a16="http://schemas.microsoft.com/office/drawing/2014/main" id="{2C1BBA94-3F40-40AA-8BB9-E69E25E537C1}"/>
               </a:ext>
               <a:ext uri="{C183D7F6-B498-43B3-948B-1728B52AA6E4}">
-                <adec:decorative xmlns:adec="http://schemas.microsoft.com/office/drawing/2017/decorative" xmlns="" val="1"/>
+                <adec:decorative xmlns="" xmlns:adec="http://schemas.microsoft.com/office/drawing/2017/decorative" val="1"/>
               </a:ext>
             </a:extLst>
           </p:cNvPr>
@@ -18944,7 +19097,7 @@
                 <a16:creationId xmlns:a16="http://schemas.microsoft.com/office/drawing/2014/main" id="{EF4CB1B7-AF26-4C13-8E7D-0489A31E4B7F}"/>
               </a:ext>
               <a:ext uri="{C183D7F6-B498-43B3-948B-1728B52AA6E4}">
-                <adec:decorative xmlns:adec="http://schemas.microsoft.com/office/drawing/2017/decorative" xmlns="" val="1"/>
+                <adec:decorative xmlns="" xmlns:adec="http://schemas.microsoft.com/office/drawing/2017/decorative" val="1"/>
               </a:ext>
             </a:extLst>
           </p:cNvPr>
@@ -19004,7 +19157,7 @@
                 <a16:creationId xmlns:a16="http://schemas.microsoft.com/office/drawing/2014/main" id="{19A6B5CE-CB1D-48EE-8B43-E952235C8371}"/>
               </a:ext>
               <a:ext uri="{C183D7F6-B498-43B3-948B-1728B52AA6E4}">
-                <adec:decorative xmlns:adec="http://schemas.microsoft.com/office/drawing/2017/decorative" xmlns="" val="1"/>
+                <adec:decorative xmlns="" xmlns:adec="http://schemas.microsoft.com/office/drawing/2017/decorative" val="1"/>
               </a:ext>
             </a:extLst>
           </p:cNvPr>
@@ -19038,7 +19191,7 @@
                   <a16:creationId xmlns:a16="http://schemas.microsoft.com/office/drawing/2014/main" id="{E3F3EAA5-4E15-400B-BBA3-82B3F49A2178}"/>
                 </a:ext>
                 <a:ext uri="{C183D7F6-B498-43B3-948B-1728B52AA6E4}">
-                  <adec:decorative xmlns:adec="http://schemas.microsoft.com/office/drawing/2017/decorative" xmlns="" val="1"/>
+                  <adec:decorative xmlns="" xmlns:adec="http://schemas.microsoft.com/office/drawing/2017/decorative" val="1"/>
                 </a:ext>
               </a:extLst>
             </p:cNvPr>
@@ -19097,7 +19250,7 @@
                   <a16:creationId xmlns:a16="http://schemas.microsoft.com/office/drawing/2014/main" id="{72BA2E40-BE9B-4C54-9CDD-40EE804CCE64}"/>
                 </a:ext>
                 <a:ext uri="{C183D7F6-B498-43B3-948B-1728B52AA6E4}">
-                  <adec:decorative xmlns:adec="http://schemas.microsoft.com/office/drawing/2017/decorative" xmlns="" val="1"/>
+                  <adec:decorative xmlns="" xmlns:adec="http://schemas.microsoft.com/office/drawing/2017/decorative" val="1"/>
                 </a:ext>
               </a:extLst>
             </p:cNvPr>
@@ -19157,7 +19310,7 @@
                 <a16:creationId xmlns:a16="http://schemas.microsoft.com/office/drawing/2014/main" id="{0DA909B4-15FF-46A6-8A7F-7AEF977FE9ED}"/>
               </a:ext>
               <a:ext uri="{C183D7F6-B498-43B3-948B-1728B52AA6E4}">
-                <adec:decorative xmlns:adec="http://schemas.microsoft.com/office/drawing/2017/decorative" xmlns="" val="1"/>
+                <adec:decorative xmlns="" xmlns:adec="http://schemas.microsoft.com/office/drawing/2017/decorative" val="1"/>
               </a:ext>
             </a:extLst>
           </p:cNvPr>
@@ -19257,7 +19410,7 @@
                 <a16:creationId xmlns:a16="http://schemas.microsoft.com/office/drawing/2014/main" id="{1382A32C-5B0C-4B1C-A074-76C6DBCC9F87}"/>
               </a:ext>
               <a:ext uri="{C183D7F6-B498-43B3-948B-1728B52AA6E4}">
-                <adec:decorative xmlns:adec="http://schemas.microsoft.com/office/drawing/2017/decorative" xmlns="" val="1"/>
+                <adec:decorative xmlns="" xmlns:adec="http://schemas.microsoft.com/office/drawing/2017/decorative" val="1"/>
               </a:ext>
             </a:extLst>
           </p:cNvPr>
@@ -19477,7 +19630,7 @@
                 <a16:creationId xmlns:a16="http://schemas.microsoft.com/office/drawing/2014/main" id="{7CB4857B-ED7C-444D-9F04-2F885114A1C2}"/>
               </a:ext>
               <a:ext uri="{C183D7F6-B498-43B3-948B-1728B52AA6E4}">
-                <adec:decorative xmlns:adec="http://schemas.microsoft.com/office/drawing/2017/decorative" xmlns="" val="1"/>
+                <adec:decorative xmlns="" xmlns:adec="http://schemas.microsoft.com/office/drawing/2017/decorative" val="1"/>
               </a:ext>
             </a:extLst>
           </p:cNvPr>
@@ -19585,7 +19738,7 @@
                 <a16:creationId xmlns:a16="http://schemas.microsoft.com/office/drawing/2014/main" id="{D18046FB-44EA-4FD8-A585-EA09A319B2D0}"/>
               </a:ext>
               <a:ext uri="{C183D7F6-B498-43B3-948B-1728B52AA6E4}">
-                <adec:decorative xmlns:adec="http://schemas.microsoft.com/office/drawing/2017/decorative" xmlns="" val="1"/>
+                <adec:decorative xmlns="" xmlns:adec="http://schemas.microsoft.com/office/drawing/2017/decorative" val="1"/>
               </a:ext>
             </a:extLst>
           </p:cNvPr>
@@ -19847,7 +20000,7 @@
                 <a16:creationId xmlns:a16="http://schemas.microsoft.com/office/drawing/2014/main" id="{479F5F2B-8B58-4140-AE6A-51F6C67B18D9}"/>
               </a:ext>
               <a:ext uri="{C183D7F6-B498-43B3-948B-1728B52AA6E4}">
-                <adec:decorative xmlns:adec="http://schemas.microsoft.com/office/drawing/2017/decorative" xmlns="" val="1"/>
+                <adec:decorative xmlns="" xmlns:adec="http://schemas.microsoft.com/office/drawing/2017/decorative" val="1"/>
               </a:ext>
             </a:extLst>
           </p:cNvPr>
@@ -20068,7 +20221,7 @@
                 <a16:creationId xmlns:a16="http://schemas.microsoft.com/office/drawing/2014/main" id="{7CB4857B-ED7C-444D-9F04-2F885114A1C2}"/>
               </a:ext>
               <a:ext uri="{C183D7F6-B498-43B3-948B-1728B52AA6E4}">
-                <adec:decorative xmlns:adec="http://schemas.microsoft.com/office/drawing/2017/decorative" xmlns="" val="1"/>
+                <adec:decorative xmlns="" xmlns:adec="http://schemas.microsoft.com/office/drawing/2017/decorative" val="1"/>
               </a:ext>
             </a:extLst>
           </p:cNvPr>
@@ -20176,7 +20329,7 @@
                 <a16:creationId xmlns:a16="http://schemas.microsoft.com/office/drawing/2014/main" id="{D18046FB-44EA-4FD8-A585-EA09A319B2D0}"/>
               </a:ext>
               <a:ext uri="{C183D7F6-B498-43B3-948B-1728B52AA6E4}">
-                <adec:decorative xmlns:adec="http://schemas.microsoft.com/office/drawing/2017/decorative" xmlns="" val="1"/>
+                <adec:decorative xmlns="" xmlns:adec="http://schemas.microsoft.com/office/drawing/2017/decorative" val="1"/>
               </a:ext>
             </a:extLst>
           </p:cNvPr>
@@ -20438,7 +20591,7 @@
                 <a16:creationId xmlns:a16="http://schemas.microsoft.com/office/drawing/2014/main" id="{479F5F2B-8B58-4140-AE6A-51F6C67B18D9}"/>
               </a:ext>
               <a:ext uri="{C183D7F6-B498-43B3-948B-1728B52AA6E4}">
-                <adec:decorative xmlns:adec="http://schemas.microsoft.com/office/drawing/2017/decorative" xmlns="" val="1"/>
+                <adec:decorative xmlns="" xmlns:adec="http://schemas.microsoft.com/office/drawing/2017/decorative" val="1"/>
               </a:ext>
             </a:extLst>
           </p:cNvPr>
@@ -20803,7 +20956,7 @@
                 <a16:creationId xmlns:a16="http://schemas.microsoft.com/office/drawing/2014/main" id="{577D1452-F0B7-431E-9A24-D3F7103D8510}"/>
               </a:ext>
               <a:ext uri="{C183D7F6-B498-43B3-948B-1728B52AA6E4}">
-                <adec:decorative xmlns:adec="http://schemas.microsoft.com/office/drawing/2017/decorative" xmlns="" val="1"/>
+                <adec:decorative xmlns="" xmlns:adec="http://schemas.microsoft.com/office/drawing/2017/decorative" val="1"/>
               </a:ext>
             </a:extLst>
           </p:cNvPr>
@@ -20866,7 +21019,7 @@
                 <a16:creationId xmlns:a16="http://schemas.microsoft.com/office/drawing/2014/main" id="{A660F4F9-5DF5-4F15-BE6A-CD8648BB1148}"/>
               </a:ext>
               <a:ext uri="{C183D7F6-B498-43B3-948B-1728B52AA6E4}">
-                <adec:decorative xmlns:adec="http://schemas.microsoft.com/office/drawing/2017/decorative" xmlns="" val="1"/>
+                <adec:decorative xmlns="" xmlns:adec="http://schemas.microsoft.com/office/drawing/2017/decorative" val="1"/>
               </a:ext>
             </a:extLst>
           </p:cNvPr>
@@ -21002,7 +21155,7 @@
                 <a16:creationId xmlns:a16="http://schemas.microsoft.com/office/drawing/2014/main" id="{201CC55D-ED54-4C5C-95E6-10947BD1103B}"/>
               </a:ext>
               <a:ext uri="{C183D7F6-B498-43B3-948B-1728B52AA6E4}">
-                <adec:decorative xmlns:adec="http://schemas.microsoft.com/office/drawing/2017/decorative" xmlns="" val="1"/>
+                <adec:decorative xmlns="" xmlns:adec="http://schemas.microsoft.com/office/drawing/2017/decorative" val="1"/>
               </a:ext>
             </a:extLst>
           </p:cNvPr>
@@ -21114,7 +21267,7 @@
                 <a16:creationId xmlns:a16="http://schemas.microsoft.com/office/drawing/2014/main" id="{1DE889C7-FAD6-4397-98E2-05D503484459}"/>
               </a:ext>
               <a:ext uri="{C183D7F6-B498-43B3-948B-1728B52AA6E4}">
-                <adec:decorative xmlns:adec="http://schemas.microsoft.com/office/drawing/2017/decorative" xmlns="" val="1"/>
+                <adec:decorative xmlns="" xmlns:adec="http://schemas.microsoft.com/office/drawing/2017/decorative" val="1"/>
               </a:ext>
             </a:extLst>
           </p:cNvPr>
@@ -21145,7 +21298,7 @@
                   <a16:creationId xmlns:a16="http://schemas.microsoft.com/office/drawing/2014/main" id="{F399A70F-F8CD-4992-9EF5-6CF15472E73F}"/>
                 </a:ext>
                 <a:ext uri="{C183D7F6-B498-43B3-948B-1728B52AA6E4}">
-                  <adec:decorative xmlns:adec="http://schemas.microsoft.com/office/drawing/2017/decorative" xmlns="" val="1"/>
+                  <adec:decorative xmlns="" xmlns:adec="http://schemas.microsoft.com/office/drawing/2017/decorative" val="1"/>
                 </a:ext>
               </a:extLst>
             </p:cNvPr>
@@ -21206,7 +21359,7 @@
                   <a16:creationId xmlns:a16="http://schemas.microsoft.com/office/drawing/2014/main" id="{48F4FEDC-6D80-458C-A665-075D9B9500FD}"/>
                 </a:ext>
                 <a:ext uri="{C183D7F6-B498-43B3-948B-1728B52AA6E4}">
-                  <adec:decorative xmlns:adec="http://schemas.microsoft.com/office/drawing/2017/decorative" xmlns="" val="1"/>
+                  <adec:decorative xmlns="" xmlns:adec="http://schemas.microsoft.com/office/drawing/2017/decorative" val="1"/>
                 </a:ext>
               </a:extLst>
             </p:cNvPr>
@@ -21268,7 +21421,7 @@
                 <a16:creationId xmlns:a16="http://schemas.microsoft.com/office/drawing/2014/main" id="{3873B707-463F-40B0-8227-E8CC6C67EB25}"/>
               </a:ext>
               <a:ext uri="{C183D7F6-B498-43B3-948B-1728B52AA6E4}">
-                <adec:decorative xmlns:adec="http://schemas.microsoft.com/office/drawing/2017/decorative" xmlns="" val="1"/>
+                <adec:decorative xmlns="" xmlns:adec="http://schemas.microsoft.com/office/drawing/2017/decorative" val="1"/>
               </a:ext>
             </a:extLst>
           </p:cNvPr>
@@ -21503,7 +21656,7 @@
                 <a16:creationId xmlns:a16="http://schemas.microsoft.com/office/drawing/2014/main" id="{C13237C8-E62C-4F0D-A318-BD6FB6C2D138}"/>
               </a:ext>
               <a:ext uri="{C183D7F6-B498-43B3-948B-1728B52AA6E4}">
-                <adec:decorative xmlns:adec="http://schemas.microsoft.com/office/drawing/2017/decorative" xmlns="" val="1"/>
+                <adec:decorative xmlns="" xmlns:adec="http://schemas.microsoft.com/office/drawing/2017/decorative" val="1"/>
               </a:ext>
             </a:extLst>
           </p:cNvPr>
@@ -21566,7 +21719,7 @@
                 <a16:creationId xmlns:a16="http://schemas.microsoft.com/office/drawing/2014/main" id="{19C9EAEA-39D0-4B0E-A0EB-51E7B26740B1}"/>
               </a:ext>
               <a:ext uri="{C183D7F6-B498-43B3-948B-1728B52AA6E4}">
-                <adec:decorative xmlns:adec="http://schemas.microsoft.com/office/drawing/2017/decorative" xmlns="" val="1"/>
+                <adec:decorative xmlns="" xmlns:adec="http://schemas.microsoft.com/office/drawing/2017/decorative" val="1"/>
               </a:ext>
             </a:extLst>
           </p:cNvPr>
@@ -22146,8 +22299,8 @@
           </a:graphicData>
         </a:graphic>
       </p:graphicFrame>
-      <mc:AlternateContent xmlns:mc="http://schemas.openxmlformats.org/markup-compatibility/2006">
-        <mc:Choice xmlns:a14="http://schemas.microsoft.com/office/drawing/2010/main" Requires="a14">
+      <mc:AlternateContent xmlns:mc="http://schemas.openxmlformats.org/markup-compatibility/2006" xmlns:a14="http://schemas.microsoft.com/office/drawing/2010/main">
+        <mc:Choice Requires="a14">
           <p:sp>
             <p:nvSpPr>
               <p:cNvPr id="5" name="CuadroTexto 4">
@@ -22338,7 +22491,7 @@
             </p:txBody>
           </p:sp>
         </mc:Choice>
-        <mc:Fallback>
+        <mc:Fallback xmlns="">
           <p:sp>
             <p:nvSpPr>
               <p:cNvPr id="5" name="CuadroTexto 4">
@@ -23153,7 +23306,7 @@
                 <a16:creationId xmlns:a16="http://schemas.microsoft.com/office/drawing/2014/main" id="{D4C74C1C-EF2E-40CF-A712-656E694E6724}"/>
               </a:ext>
               <a:ext uri="{C183D7F6-B498-43B3-948B-1728B52AA6E4}">
-                <adec:decorative xmlns:adec="http://schemas.microsoft.com/office/drawing/2017/decorative" xmlns="" val="1"/>
+                <adec:decorative xmlns="" xmlns:adec="http://schemas.microsoft.com/office/drawing/2017/decorative" val="1"/>
               </a:ext>
             </a:extLst>
           </p:cNvPr>
@@ -23213,7 +23366,7 @@
                 <a16:creationId xmlns:a16="http://schemas.microsoft.com/office/drawing/2014/main" id="{90464369-70FA-42AF-948F-80664CA7BFE5}"/>
               </a:ext>
               <a:ext uri="{C183D7F6-B498-43B3-948B-1728B52AA6E4}">
-                <adec:decorative xmlns:adec="http://schemas.microsoft.com/office/drawing/2017/decorative" xmlns="" val="1"/>
+                <adec:decorative xmlns="" xmlns:adec="http://schemas.microsoft.com/office/drawing/2017/decorative" val="1"/>
               </a:ext>
             </a:extLst>
           </p:cNvPr>
@@ -23279,7 +23432,7 @@
                 <a16:creationId xmlns:a16="http://schemas.microsoft.com/office/drawing/2014/main" id="{A648176E-454C-437C-B0FC-9B82FCF32B24}"/>
               </a:ext>
               <a:ext uri="{C183D7F6-B498-43B3-948B-1728B52AA6E4}">
-                <adec:decorative xmlns:adec="http://schemas.microsoft.com/office/drawing/2017/decorative" xmlns="" val="1"/>
+                <adec:decorative xmlns="" xmlns:adec="http://schemas.microsoft.com/office/drawing/2017/decorative" val="1"/>
               </a:ext>
             </a:extLst>
           </p:cNvPr>
@@ -23342,7 +23495,7 @@
                 <a16:creationId xmlns:a16="http://schemas.microsoft.com/office/drawing/2014/main" id="{A6604B49-AD5C-4590-B051-06C8222ECD99}"/>
               </a:ext>
               <a:ext uri="{C183D7F6-B498-43B3-948B-1728B52AA6E4}">
-                <adec:decorative xmlns:adec="http://schemas.microsoft.com/office/drawing/2017/decorative" xmlns="" val="1"/>
+                <adec:decorative xmlns="" xmlns:adec="http://schemas.microsoft.com/office/drawing/2017/decorative" val="1"/>
               </a:ext>
             </a:extLst>
           </p:cNvPr>
@@ -23405,7 +23558,7 @@
                 <a16:creationId xmlns:a16="http://schemas.microsoft.com/office/drawing/2014/main" id="{CC552A98-EF7D-4D42-AB69-066B786AB55B}"/>
               </a:ext>
               <a:ext uri="{C183D7F6-B498-43B3-948B-1728B52AA6E4}">
-                <adec:decorative xmlns:adec="http://schemas.microsoft.com/office/drawing/2017/decorative" xmlns="" val="1"/>
+                <adec:decorative xmlns="" xmlns:adec="http://schemas.microsoft.com/office/drawing/2017/decorative" val="1"/>
               </a:ext>
             </a:extLst>
           </p:cNvPr>
@@ -23488,7 +23641,7 @@
                 <a14:useLocalDpi xmlns:a14="http://schemas.microsoft.com/office/drawing/2010/main" val="0"/>
               </a:ext>
               <a:ext uri="{96DAC541-7B7A-43D3-8B79-37D633B846F1}">
-                <asvg:svgBlip xmlns:asvg="http://schemas.microsoft.com/office/drawing/2016/SVG/main" xmlns="" r:embed="rId3"/>
+                <asvg:svgBlip xmlns="" xmlns:asvg="http://schemas.microsoft.com/office/drawing/2016/SVG/main" r:embed="rId3"/>
               </a:ext>
             </a:extLst>
           </a:blip>
@@ -24548,7 +24701,7 @@
                 <a16:creationId xmlns:a16="http://schemas.microsoft.com/office/drawing/2014/main" id="{87A57295-2710-4920-B99A-4D1FA03A62BD}"/>
               </a:ext>
               <a:ext uri="{C183D7F6-B498-43B3-948B-1728B52AA6E4}">
-                <adec:decorative xmlns:adec="http://schemas.microsoft.com/office/drawing/2017/decorative" xmlns="" val="1"/>
+                <adec:decorative xmlns="" xmlns:adec="http://schemas.microsoft.com/office/drawing/2017/decorative" val="1"/>
               </a:ext>
             </a:extLst>
           </p:cNvPr>
@@ -24608,7 +24761,7 @@
                 <a16:creationId xmlns:a16="http://schemas.microsoft.com/office/drawing/2014/main" id="{78067929-4D33-4306-9E2F-67C49CDDB5DE}"/>
               </a:ext>
               <a:ext uri="{C183D7F6-B498-43B3-948B-1728B52AA6E4}">
-                <adec:decorative xmlns:adec="http://schemas.microsoft.com/office/drawing/2017/decorative" xmlns="" val="1"/>
+                <adec:decorative xmlns="" xmlns:adec="http://schemas.microsoft.com/office/drawing/2017/decorative" val="1"/>
               </a:ext>
             </a:extLst>
           </p:cNvPr>
@@ -24670,7 +24823,7 @@
                 <a16:creationId xmlns:a16="http://schemas.microsoft.com/office/drawing/2014/main" id="{2D72A2C9-F3CA-4216-8BAD-FA4C970C3C4E}"/>
               </a:ext>
               <a:ext uri="{C183D7F6-B498-43B3-948B-1728B52AA6E4}">
-                <adec:decorative xmlns:adec="http://schemas.microsoft.com/office/drawing/2017/decorative" xmlns="" val="1"/>
+                <adec:decorative xmlns="" xmlns:adec="http://schemas.microsoft.com/office/drawing/2017/decorative" val="1"/>
               </a:ext>
             </a:extLst>
           </p:cNvPr>

--- a/PROGRAMACION/FOL/TEMA 6 FOL PRESTACIONES SS .pptx
+++ b/PROGRAMACION/FOL/TEMA 6 FOL PRESTACIONES SS .pptx
@@ -2760,7 +2760,7 @@
                 <a14:useLocalDpi xmlns:a14="http://schemas.microsoft.com/office/drawing/2010/main" val="0"/>
               </a:ext>
               <a:ext uri="{96DAC541-7B7A-43D3-8B79-37D633B846F1}">
-                <asvg:svgBlip xmlns="" xmlns:asvg="http://schemas.microsoft.com/office/drawing/2016/SVG/main" r:embed="rId2"/>
+                <asvg:svgBlip xmlns:asvg="http://schemas.microsoft.com/office/drawing/2016/SVG/main" xmlns="" r:embed="rId2"/>
               </a:ext>
             </a:extLst>
           </a:blip>
@@ -2824,7 +2824,7 @@
                 <a14:useLocalDpi xmlns:a14="http://schemas.microsoft.com/office/drawing/2010/main" val="0"/>
               </a:ext>
               <a:ext uri="{96DAC541-7B7A-43D3-8B79-37D633B846F1}">
-                <asvg:svgBlip xmlns="" xmlns:asvg="http://schemas.microsoft.com/office/drawing/2016/SVG/main" r:embed="rId4"/>
+                <asvg:svgBlip xmlns:asvg="http://schemas.microsoft.com/office/drawing/2016/SVG/main" xmlns="" r:embed="rId4"/>
               </a:ext>
             </a:extLst>
           </a:blip>
@@ -2898,7 +2898,7 @@
           <a:blip xmlns:r="http://schemas.openxmlformats.org/officeDocument/2006/relationships" r:embed="rId5">
             <a:extLst>
               <a:ext uri="{96DAC541-7B7A-43D3-8B79-37D633B846F1}">
-                <asvg:svgBlip xmlns="" xmlns:asvg="http://schemas.microsoft.com/office/drawing/2016/SVG/main" r:embed="rId6"/>
+                <asvg:svgBlip xmlns:asvg="http://schemas.microsoft.com/office/drawing/2016/SVG/main" xmlns="" r:embed="rId6"/>
               </a:ext>
             </a:extLst>
           </a:blip>
@@ -2953,7 +2953,7 @@
           <a:blip xmlns:r="http://schemas.openxmlformats.org/officeDocument/2006/relationships" r:embed="rId7">
             <a:extLst>
               <a:ext uri="{96DAC541-7B7A-43D3-8B79-37D633B846F1}">
-                <asvg:svgBlip xmlns="" xmlns:asvg="http://schemas.microsoft.com/office/drawing/2016/SVG/main" r:embed="rId8"/>
+                <asvg:svgBlip xmlns:asvg="http://schemas.microsoft.com/office/drawing/2016/SVG/main" xmlns="" r:embed="rId8"/>
               </a:ext>
             </a:extLst>
           </a:blip>
@@ -4216,7 +4216,7 @@
                 <a14:useLocalDpi xmlns:a14="http://schemas.microsoft.com/office/drawing/2010/main" val="0"/>
               </a:ext>
               <a:ext uri="{96DAC541-7B7A-43D3-8B79-37D633B846F1}">
-                <asvg:svgBlip xmlns="" xmlns:asvg="http://schemas.microsoft.com/office/drawing/2016/SVG/main" r:embed="rId2"/>
+                <asvg:svgBlip xmlns:asvg="http://schemas.microsoft.com/office/drawing/2016/SVG/main" xmlns="" r:embed="rId2"/>
               </a:ext>
             </a:extLst>
           </a:blip>
@@ -4379,7 +4379,7 @@
                 <a14:useLocalDpi xmlns:a14="http://schemas.microsoft.com/office/drawing/2010/main" val="0"/>
               </a:ext>
               <a:ext uri="{96DAC541-7B7A-43D3-8B79-37D633B846F1}">
-                <asvg:svgBlip xmlns="" xmlns:asvg="http://schemas.microsoft.com/office/drawing/2016/SVG/main" r:embed="rId4"/>
+                <asvg:svgBlip xmlns:asvg="http://schemas.microsoft.com/office/drawing/2016/SVG/main" xmlns="" r:embed="rId4"/>
               </a:ext>
             </a:extLst>
           </a:blip>
@@ -4617,7 +4617,7 @@
           <a:blip xmlns:r="http://schemas.openxmlformats.org/officeDocument/2006/relationships" r:embed="rId5">
             <a:extLst>
               <a:ext uri="{96DAC541-7B7A-43D3-8B79-37D633B846F1}">
-                <asvg:svgBlip xmlns="" xmlns:asvg="http://schemas.microsoft.com/office/drawing/2016/SVG/main" r:embed="rId6"/>
+                <asvg:svgBlip xmlns:asvg="http://schemas.microsoft.com/office/drawing/2016/SVG/main" xmlns="" r:embed="rId6"/>
               </a:ext>
             </a:extLst>
           </a:blip>
@@ -4774,7 +4774,7 @@
           <a:blip xmlns:r="http://schemas.openxmlformats.org/officeDocument/2006/relationships" r:embed="rId7">
             <a:extLst>
               <a:ext uri="{96DAC541-7B7A-43D3-8B79-37D633B846F1}">
-                <asvg:svgBlip xmlns="" xmlns:asvg="http://schemas.microsoft.com/office/drawing/2016/SVG/main" r:embed="rId8"/>
+                <asvg:svgBlip xmlns:asvg="http://schemas.microsoft.com/office/drawing/2016/SVG/main" xmlns="" r:embed="rId8"/>
               </a:ext>
             </a:extLst>
           </a:blip>
@@ -5476,7 +5476,7 @@
   </dgm:layoutNode>
   <dgm:extLst>
     <a:ext uri="{68A01E43-0DF5-4B5B-8FA6-DAF915123BFB}">
-      <dgm1612:lstStyle xmlns="" xmlns:dgm1612="http://schemas.microsoft.com/office/drawing/2016/12/diagram">
+      <dgm1612:lstStyle xmlns:dgm1612="http://schemas.microsoft.com/office/drawing/2016/12/diagram" xmlns="">
         <a:lvl1pPr>
           <a:lnSpc>
             <a:spcPct val="100000"/>
@@ -7708,7 +7708,7 @@
           <a:p>
             <a:fld id="{6E5A1375-5E48-45CD-B1FF-BA3248025E3D}" type="datetimeFigureOut">
               <a:rPr lang="es-ES" smtClean="0"/>
-              <a:t>13/02/2024</a:t>
+              <a:t>14/02/2024</a:t>
             </a:fld>
             <a:endParaRPr lang="es-ES"/>
           </a:p>
@@ -7906,7 +7906,7 @@
           <a:p>
             <a:fld id="{6E5A1375-5E48-45CD-B1FF-BA3248025E3D}" type="datetimeFigureOut">
               <a:rPr lang="es-ES" smtClean="0"/>
-              <a:t>13/02/2024</a:t>
+              <a:t>14/02/2024</a:t>
             </a:fld>
             <a:endParaRPr lang="es-ES"/>
           </a:p>
@@ -8114,7 +8114,7 @@
           <a:p>
             <a:fld id="{6E5A1375-5E48-45CD-B1FF-BA3248025E3D}" type="datetimeFigureOut">
               <a:rPr lang="es-ES" smtClean="0"/>
-              <a:t>13/02/2024</a:t>
+              <a:t>14/02/2024</a:t>
             </a:fld>
             <a:endParaRPr lang="es-ES"/>
           </a:p>
@@ -8312,7 +8312,7 @@
           <a:p>
             <a:fld id="{6E5A1375-5E48-45CD-B1FF-BA3248025E3D}" type="datetimeFigureOut">
               <a:rPr lang="es-ES" smtClean="0"/>
-              <a:t>13/02/2024</a:t>
+              <a:t>14/02/2024</a:t>
             </a:fld>
             <a:endParaRPr lang="es-ES"/>
           </a:p>
@@ -8587,7 +8587,7 @@
           <a:p>
             <a:fld id="{6E5A1375-5E48-45CD-B1FF-BA3248025E3D}" type="datetimeFigureOut">
               <a:rPr lang="es-ES" smtClean="0"/>
-              <a:t>13/02/2024</a:t>
+              <a:t>14/02/2024</a:t>
             </a:fld>
             <a:endParaRPr lang="es-ES"/>
           </a:p>
@@ -8852,7 +8852,7 @@
           <a:p>
             <a:fld id="{6E5A1375-5E48-45CD-B1FF-BA3248025E3D}" type="datetimeFigureOut">
               <a:rPr lang="es-ES" smtClean="0"/>
-              <a:t>13/02/2024</a:t>
+              <a:t>14/02/2024</a:t>
             </a:fld>
             <a:endParaRPr lang="es-ES"/>
           </a:p>
@@ -9264,7 +9264,7 @@
           <a:p>
             <a:fld id="{6E5A1375-5E48-45CD-B1FF-BA3248025E3D}" type="datetimeFigureOut">
               <a:rPr lang="es-ES" smtClean="0"/>
-              <a:t>13/02/2024</a:t>
+              <a:t>14/02/2024</a:t>
             </a:fld>
             <a:endParaRPr lang="es-ES"/>
           </a:p>
@@ -9405,7 +9405,7 @@
           <a:p>
             <a:fld id="{6E5A1375-5E48-45CD-B1FF-BA3248025E3D}" type="datetimeFigureOut">
               <a:rPr lang="es-ES" smtClean="0"/>
-              <a:t>13/02/2024</a:t>
+              <a:t>14/02/2024</a:t>
             </a:fld>
             <a:endParaRPr lang="es-ES"/>
           </a:p>
@@ -9518,7 +9518,7 @@
           <a:p>
             <a:fld id="{6E5A1375-5E48-45CD-B1FF-BA3248025E3D}" type="datetimeFigureOut">
               <a:rPr lang="es-ES" smtClean="0"/>
-              <a:t>13/02/2024</a:t>
+              <a:t>14/02/2024</a:t>
             </a:fld>
             <a:endParaRPr lang="es-ES"/>
           </a:p>
@@ -9829,7 +9829,7 @@
           <a:p>
             <a:fld id="{6E5A1375-5E48-45CD-B1FF-BA3248025E3D}" type="datetimeFigureOut">
               <a:rPr lang="es-ES" smtClean="0"/>
-              <a:t>13/02/2024</a:t>
+              <a:t>14/02/2024</a:t>
             </a:fld>
             <a:endParaRPr lang="es-ES"/>
           </a:p>
@@ -10117,7 +10117,7 @@
           <a:p>
             <a:fld id="{6E5A1375-5E48-45CD-B1FF-BA3248025E3D}" type="datetimeFigureOut">
               <a:rPr lang="es-ES" smtClean="0"/>
-              <a:t>13/02/2024</a:t>
+              <a:t>14/02/2024</a:t>
             </a:fld>
             <a:endParaRPr lang="es-ES"/>
           </a:p>
@@ -10358,7 +10358,7 @@
           <a:p>
             <a:fld id="{6E5A1375-5E48-45CD-B1FF-BA3248025E3D}" type="datetimeFigureOut">
               <a:rPr lang="es-ES" smtClean="0"/>
-              <a:t>13/02/2024</a:t>
+              <a:t>14/02/2024</a:t>
             </a:fld>
             <a:endParaRPr lang="es-ES"/>
           </a:p>
@@ -10913,7 +10913,7 @@
                 <a16:creationId xmlns:a16="http://schemas.microsoft.com/office/drawing/2014/main" id="{71FC7D98-7B8B-402A-90FC-F027482F2142}"/>
               </a:ext>
               <a:ext uri="{C183D7F6-B498-43B3-948B-1728B52AA6E4}">
-                <adec:decorative xmlns="" xmlns:adec="http://schemas.microsoft.com/office/drawing/2017/decorative" val="1"/>
+                <adec:decorative xmlns:adec="http://schemas.microsoft.com/office/drawing/2017/decorative" xmlns="" val="1"/>
               </a:ext>
             </a:extLst>
           </p:cNvPr>
@@ -10976,7 +10976,7 @@
                 <a16:creationId xmlns:a16="http://schemas.microsoft.com/office/drawing/2014/main" id="{AD7356EA-285B-4E5D-8FEC-104659A4FD2C}"/>
               </a:ext>
               <a:ext uri="{C183D7F6-B498-43B3-948B-1728B52AA6E4}">
-                <adec:decorative xmlns="" xmlns:adec="http://schemas.microsoft.com/office/drawing/2017/decorative" val="1"/>
+                <adec:decorative xmlns:adec="http://schemas.microsoft.com/office/drawing/2017/decorative" xmlns="" val="1"/>
               </a:ext>
             </a:extLst>
           </p:cNvPr>
@@ -11118,7 +11118,7 @@
                 <a16:creationId xmlns:a16="http://schemas.microsoft.com/office/drawing/2014/main" id="{081EA652-8C6A-4E69-BEB9-170809474553}"/>
               </a:ext>
               <a:ext uri="{C183D7F6-B498-43B3-948B-1728B52AA6E4}">
-                <adec:decorative xmlns="" xmlns:adec="http://schemas.microsoft.com/office/drawing/2017/decorative" val="1"/>
+                <adec:decorative xmlns:adec="http://schemas.microsoft.com/office/drawing/2017/decorative" xmlns="" val="1"/>
               </a:ext>
             </a:extLst>
           </p:cNvPr>
@@ -11178,7 +11178,7 @@
                 <a16:creationId xmlns:a16="http://schemas.microsoft.com/office/drawing/2014/main" id="{5298780A-33B9-4EA2-8F67-DE68AD62841B}"/>
               </a:ext>
               <a:ext uri="{C183D7F6-B498-43B3-948B-1728B52AA6E4}">
-                <adec:decorative xmlns="" xmlns:adec="http://schemas.microsoft.com/office/drawing/2017/decorative" val="1"/>
+                <adec:decorative xmlns:adec="http://schemas.microsoft.com/office/drawing/2017/decorative" xmlns="" val="1"/>
               </a:ext>
             </a:extLst>
           </p:cNvPr>
@@ -11241,7 +11241,7 @@
                 <a16:creationId xmlns:a16="http://schemas.microsoft.com/office/drawing/2014/main" id="{7F488E8B-4E1E-4402-8935-D4E6C02615C7}"/>
               </a:ext>
               <a:ext uri="{C183D7F6-B498-43B3-948B-1728B52AA6E4}">
-                <adec:decorative xmlns="" xmlns:adec="http://schemas.microsoft.com/office/drawing/2017/decorative" val="1"/>
+                <adec:decorative xmlns:adec="http://schemas.microsoft.com/office/drawing/2017/decorative" xmlns="" val="1"/>
               </a:ext>
             </a:extLst>
           </p:cNvPr>
@@ -11307,7 +11307,7 @@
                 <a16:creationId xmlns:a16="http://schemas.microsoft.com/office/drawing/2014/main" id="{23AAC9B5-8015-485C-ACF9-A750390E9A56}"/>
               </a:ext>
               <a:ext uri="{C183D7F6-B498-43B3-948B-1728B52AA6E4}">
-                <adec:decorative xmlns="" xmlns:adec="http://schemas.microsoft.com/office/drawing/2017/decorative" val="1"/>
+                <adec:decorative xmlns:adec="http://schemas.microsoft.com/office/drawing/2017/decorative" xmlns="" val="1"/>
               </a:ext>
             </a:extLst>
           </p:cNvPr>
@@ -11533,7 +11533,7 @@
                 <a16:creationId xmlns:a16="http://schemas.microsoft.com/office/drawing/2014/main" id="{5AAE9118-0436-4488-AC4A-C14DF6A7B6B1}"/>
               </a:ext>
               <a:ext uri="{C183D7F6-B498-43B3-948B-1728B52AA6E4}">
-                <adec:decorative xmlns="" xmlns:adec="http://schemas.microsoft.com/office/drawing/2017/decorative" val="1"/>
+                <adec:decorative xmlns:adec="http://schemas.microsoft.com/office/drawing/2017/decorative" xmlns="" val="1"/>
               </a:ext>
             </a:extLst>
           </p:cNvPr>
@@ -11596,7 +11596,7 @@
                 <a16:creationId xmlns:a16="http://schemas.microsoft.com/office/drawing/2014/main" id="{07A0C51E-5464-4470-855E-CA530A59BF98}"/>
               </a:ext>
               <a:ext uri="{C183D7F6-B498-43B3-948B-1728B52AA6E4}">
-                <adec:decorative xmlns="" xmlns:adec="http://schemas.microsoft.com/office/drawing/2017/decorative" val="1"/>
+                <adec:decorative xmlns:adec="http://schemas.microsoft.com/office/drawing/2017/decorative" xmlns="" val="1"/>
               </a:ext>
             </a:extLst>
           </p:cNvPr>
@@ -11863,7 +11863,7 @@
                 <a16:creationId xmlns:a16="http://schemas.microsoft.com/office/drawing/2014/main" id="{201CC55D-ED54-4C5C-95E6-10947BD1103B}"/>
               </a:ext>
               <a:ext uri="{C183D7F6-B498-43B3-948B-1728B52AA6E4}">
-                <adec:decorative xmlns="" xmlns:adec="http://schemas.microsoft.com/office/drawing/2017/decorative" val="1"/>
+                <adec:decorative xmlns:adec="http://schemas.microsoft.com/office/drawing/2017/decorative" xmlns="" val="1"/>
               </a:ext>
             </a:extLst>
           </p:cNvPr>
@@ -11980,7 +11980,7 @@
                 <a16:creationId xmlns:a16="http://schemas.microsoft.com/office/drawing/2014/main" id="{1DE889C7-FAD6-4397-98E2-05D503484459}"/>
               </a:ext>
               <a:ext uri="{C183D7F6-B498-43B3-948B-1728B52AA6E4}">
-                <adec:decorative xmlns="" xmlns:adec="http://schemas.microsoft.com/office/drawing/2017/decorative" val="1"/>
+                <adec:decorative xmlns:adec="http://schemas.microsoft.com/office/drawing/2017/decorative" xmlns="" val="1"/>
               </a:ext>
             </a:extLst>
           </p:cNvPr>
@@ -12011,7 +12011,7 @@
                   <a16:creationId xmlns:a16="http://schemas.microsoft.com/office/drawing/2014/main" id="{F399A70F-F8CD-4992-9EF5-6CF15472E73F}"/>
                 </a:ext>
                 <a:ext uri="{C183D7F6-B498-43B3-948B-1728B52AA6E4}">
-                  <adec:decorative xmlns="" xmlns:adec="http://schemas.microsoft.com/office/drawing/2017/decorative" val="1"/>
+                  <adec:decorative xmlns:adec="http://schemas.microsoft.com/office/drawing/2017/decorative" xmlns="" val="1"/>
                 </a:ext>
               </a:extLst>
             </p:cNvPr>
@@ -12072,7 +12072,7 @@
                   <a16:creationId xmlns:a16="http://schemas.microsoft.com/office/drawing/2014/main" id="{48F4FEDC-6D80-458C-A665-075D9B9500FD}"/>
                 </a:ext>
                 <a:ext uri="{C183D7F6-B498-43B3-948B-1728B52AA6E4}">
-                  <adec:decorative xmlns="" xmlns:adec="http://schemas.microsoft.com/office/drawing/2017/decorative" val="1"/>
+                  <adec:decorative xmlns:adec="http://schemas.microsoft.com/office/drawing/2017/decorative" xmlns="" val="1"/>
                 </a:ext>
               </a:extLst>
             </p:cNvPr>
@@ -12134,7 +12134,7 @@
                 <a16:creationId xmlns:a16="http://schemas.microsoft.com/office/drawing/2014/main" id="{3873B707-463F-40B0-8227-E8CC6C67EB25}"/>
               </a:ext>
               <a:ext uri="{C183D7F6-B498-43B3-948B-1728B52AA6E4}">
-                <adec:decorative xmlns="" xmlns:adec="http://schemas.microsoft.com/office/drawing/2017/decorative" val="1"/>
+                <adec:decorative xmlns:adec="http://schemas.microsoft.com/office/drawing/2017/decorative" xmlns="" val="1"/>
               </a:ext>
             </a:extLst>
           </p:cNvPr>
@@ -12253,7 +12253,7 @@
                 <a16:creationId xmlns:a16="http://schemas.microsoft.com/office/drawing/2014/main" id="{C13237C8-E62C-4F0D-A318-BD6FB6C2D138}"/>
               </a:ext>
               <a:ext uri="{C183D7F6-B498-43B3-948B-1728B52AA6E4}">
-                <adec:decorative xmlns="" xmlns:adec="http://schemas.microsoft.com/office/drawing/2017/decorative" val="1"/>
+                <adec:decorative xmlns:adec="http://schemas.microsoft.com/office/drawing/2017/decorative" xmlns="" val="1"/>
               </a:ext>
             </a:extLst>
           </p:cNvPr>
@@ -12316,7 +12316,7 @@
                 <a16:creationId xmlns:a16="http://schemas.microsoft.com/office/drawing/2014/main" id="{19C9EAEA-39D0-4B0E-A0EB-51E7B26740B1}"/>
               </a:ext>
               <a:ext uri="{C183D7F6-B498-43B3-948B-1728B52AA6E4}">
-                <adec:decorative xmlns="" xmlns:adec="http://schemas.microsoft.com/office/drawing/2017/decorative" val="1"/>
+                <adec:decorative xmlns:adec="http://schemas.microsoft.com/office/drawing/2017/decorative" xmlns="" val="1"/>
               </a:ext>
             </a:extLst>
           </p:cNvPr>
@@ -12453,7 +12453,7 @@
                 <a16:creationId xmlns:a16="http://schemas.microsoft.com/office/drawing/2014/main" id="{8B9AA7C6-5E5A-498E-A6DF-A943376E09BC}"/>
               </a:ext>
               <a:ext uri="{C183D7F6-B498-43B3-948B-1728B52AA6E4}">
-                <adec:decorative xmlns="" xmlns:adec="http://schemas.microsoft.com/office/drawing/2017/decorative" val="1"/>
+                <adec:decorative xmlns:adec="http://schemas.microsoft.com/office/drawing/2017/decorative" xmlns="" val="1"/>
               </a:ext>
             </a:extLst>
           </p:cNvPr>
@@ -12513,7 +12513,7 @@
                 <a16:creationId xmlns:a16="http://schemas.microsoft.com/office/drawing/2014/main" id="{83EAB11A-76F7-48F4-9B4F-5BFDF4BF9670}"/>
               </a:ext>
               <a:ext uri="{C183D7F6-B498-43B3-948B-1728B52AA6E4}">
-                <adec:decorative xmlns="" xmlns:adec="http://schemas.microsoft.com/office/drawing/2017/decorative" val="1"/>
+                <adec:decorative xmlns:adec="http://schemas.microsoft.com/office/drawing/2017/decorative" xmlns="" val="1"/>
               </a:ext>
             </a:extLst>
           </p:cNvPr>
@@ -12544,7 +12544,7 @@
                   <a16:creationId xmlns:a16="http://schemas.microsoft.com/office/drawing/2014/main" id="{74D4C416-D5F4-4F6F-A6F1-87A21CD4FCAF}"/>
                 </a:ext>
                 <a:ext uri="{C183D7F6-B498-43B3-948B-1728B52AA6E4}">
-                  <adec:decorative xmlns="" xmlns:adec="http://schemas.microsoft.com/office/drawing/2017/decorative" val="1"/>
+                  <adec:decorative xmlns:adec="http://schemas.microsoft.com/office/drawing/2017/decorative" xmlns="" val="1"/>
                 </a:ext>
               </a:extLst>
             </p:cNvPr>
@@ -12605,7 +12605,7 @@
                   <a16:creationId xmlns:a16="http://schemas.microsoft.com/office/drawing/2014/main" id="{C6AC1C30-21C6-4BF6-93EE-B211D7A85011}"/>
                 </a:ext>
                 <a:ext uri="{C183D7F6-B498-43B3-948B-1728B52AA6E4}">
-                  <adec:decorative xmlns="" xmlns:adec="http://schemas.microsoft.com/office/drawing/2017/decorative" val="1"/>
+                  <adec:decorative xmlns:adec="http://schemas.microsoft.com/office/drawing/2017/decorative" xmlns="" val="1"/>
                 </a:ext>
               </a:extLst>
             </p:cNvPr>
@@ -12658,7 +12658,7 @@
                 <a16:creationId xmlns:a16="http://schemas.microsoft.com/office/drawing/2014/main" id="{81E140AE-0ABF-47C8-BF32-7D2F0CF2BA44}"/>
               </a:ext>
               <a:ext uri="{C183D7F6-B498-43B3-948B-1728B52AA6E4}">
-                <adec:decorative xmlns="" xmlns:adec="http://schemas.microsoft.com/office/drawing/2017/decorative" val="1"/>
+                <adec:decorative xmlns:adec="http://schemas.microsoft.com/office/drawing/2017/decorative" xmlns="" val="1"/>
               </a:ext>
             </a:extLst>
           </p:cNvPr>
@@ -12721,7 +12721,7 @@
                 <a16:creationId xmlns:a16="http://schemas.microsoft.com/office/drawing/2014/main" id="{CBC4F608-B4B8-48C3-9572-C0F061B1CD99}"/>
               </a:ext>
               <a:ext uri="{C183D7F6-B498-43B3-948B-1728B52AA6E4}">
-                <adec:decorative xmlns="" xmlns:adec="http://schemas.microsoft.com/office/drawing/2017/decorative" val="1"/>
+                <adec:decorative xmlns:adec="http://schemas.microsoft.com/office/drawing/2017/decorative" xmlns="" val="1"/>
               </a:ext>
             </a:extLst>
           </p:cNvPr>
@@ -12915,7 +12915,7 @@
                 <a16:creationId xmlns:a16="http://schemas.microsoft.com/office/drawing/2014/main" id="{F0AED851-54B9-4765-92D2-F0BE443BEC91}"/>
               </a:ext>
               <a:ext uri="{C183D7F6-B498-43B3-948B-1728B52AA6E4}">
-                <adec:decorative xmlns="" xmlns:adec="http://schemas.microsoft.com/office/drawing/2017/decorative" val="1"/>
+                <adec:decorative xmlns:adec="http://schemas.microsoft.com/office/drawing/2017/decorative" xmlns="" val="1"/>
               </a:ext>
             </a:extLst>
           </p:cNvPr>
@@ -12975,7 +12975,7 @@
                 <a16:creationId xmlns:a16="http://schemas.microsoft.com/office/drawing/2014/main" id="{B81933D1-5615-42C7-9C0B-4EB7105CCE2D}"/>
               </a:ext>
               <a:ext uri="{C183D7F6-B498-43B3-948B-1728B52AA6E4}">
-                <adec:decorative xmlns="" xmlns:adec="http://schemas.microsoft.com/office/drawing/2017/decorative" val="1"/>
+                <adec:decorative xmlns:adec="http://schemas.microsoft.com/office/drawing/2017/decorative" xmlns="" val="1"/>
               </a:ext>
             </a:extLst>
           </p:cNvPr>
@@ -13038,7 +13038,7 @@
                 <a16:creationId xmlns:a16="http://schemas.microsoft.com/office/drawing/2014/main" id="{19C9EAEA-39D0-4B0E-A0EB-51E7B26740B1}"/>
               </a:ext>
               <a:ext uri="{C183D7F6-B498-43B3-948B-1728B52AA6E4}">
-                <adec:decorative xmlns="" xmlns:adec="http://schemas.microsoft.com/office/drawing/2017/decorative" val="1"/>
+                <adec:decorative xmlns:adec="http://schemas.microsoft.com/office/drawing/2017/decorative" xmlns="" val="1"/>
               </a:ext>
             </a:extLst>
           </p:cNvPr>
@@ -13108,7 +13108,7 @@
                 <a16:creationId xmlns:a16="http://schemas.microsoft.com/office/drawing/2014/main" id="{032D8612-31EB-44CF-A1D0-14FD4C705424}"/>
               </a:ext>
               <a:ext uri="{C183D7F6-B498-43B3-948B-1728B52AA6E4}">
-                <adec:decorative xmlns="" xmlns:adec="http://schemas.microsoft.com/office/drawing/2017/decorative" val="1"/>
+                <adec:decorative xmlns:adec="http://schemas.microsoft.com/office/drawing/2017/decorative" xmlns="" val="1"/>
               </a:ext>
             </a:extLst>
           </p:cNvPr>
@@ -13142,7 +13142,7 @@
                   <a16:creationId xmlns:a16="http://schemas.microsoft.com/office/drawing/2014/main" id="{F19A4A0F-1B59-4DB0-9764-D10936E98770}"/>
                 </a:ext>
                 <a:ext uri="{C183D7F6-B498-43B3-948B-1728B52AA6E4}">
-                  <adec:decorative xmlns="" xmlns:adec="http://schemas.microsoft.com/office/drawing/2017/decorative" val="1"/>
+                  <adec:decorative xmlns:adec="http://schemas.microsoft.com/office/drawing/2017/decorative" xmlns="" val="1"/>
                 </a:ext>
               </a:extLst>
             </p:cNvPr>
@@ -13201,7 +13201,7 @@
                   <a16:creationId xmlns:a16="http://schemas.microsoft.com/office/drawing/2014/main" id="{F399A70F-F8CD-4992-9EF5-6CF15472E73F}"/>
                 </a:ext>
                 <a:ext uri="{C183D7F6-B498-43B3-948B-1728B52AA6E4}">
-                  <adec:decorative xmlns="" xmlns:adec="http://schemas.microsoft.com/office/drawing/2017/decorative" val="1"/>
+                  <adec:decorative xmlns:adec="http://schemas.microsoft.com/office/drawing/2017/decorative" xmlns="" val="1"/>
                 </a:ext>
               </a:extLst>
             </p:cNvPr>
@@ -13260,7 +13260,7 @@
                   <a16:creationId xmlns:a16="http://schemas.microsoft.com/office/drawing/2014/main" id="{48F4FEDC-6D80-458C-A665-075D9B9500FD}"/>
                 </a:ext>
                 <a:ext uri="{C183D7F6-B498-43B3-948B-1728B52AA6E4}">
-                  <adec:decorative xmlns="" xmlns:adec="http://schemas.microsoft.com/office/drawing/2017/decorative" val="1"/>
+                  <adec:decorative xmlns:adec="http://schemas.microsoft.com/office/drawing/2017/decorative" xmlns="" val="1"/>
                 </a:ext>
               </a:extLst>
             </p:cNvPr>
@@ -14192,7 +14192,7 @@
                 <a16:creationId xmlns:a16="http://schemas.microsoft.com/office/drawing/2014/main" id="{201CC55D-ED54-4C5C-95E6-10947BD1103B}"/>
               </a:ext>
               <a:ext uri="{C183D7F6-B498-43B3-948B-1728B52AA6E4}">
-                <adec:decorative xmlns="" xmlns:adec="http://schemas.microsoft.com/office/drawing/2017/decorative" val="1"/>
+                <adec:decorative xmlns:adec="http://schemas.microsoft.com/office/drawing/2017/decorative" xmlns="" val="1"/>
               </a:ext>
             </a:extLst>
           </p:cNvPr>
@@ -14257,7 +14257,7 @@
         <p:spPr>
           <a:xfrm>
             <a:off x="589560" y="856180"/>
-            <a:ext cx="4560584" cy="1128068"/>
+            <a:ext cx="4560584" cy="900764"/>
           </a:xfrm>
         </p:spPr>
         <p:txBody>
@@ -14281,7 +14281,7 @@
                 <a16:creationId xmlns:a16="http://schemas.microsoft.com/office/drawing/2014/main" id="{1DE889C7-FAD6-4397-98E2-05D503484459}"/>
               </a:ext>
               <a:ext uri="{C183D7F6-B498-43B3-948B-1728B52AA6E4}">
-                <adec:decorative xmlns="" xmlns:adec="http://schemas.microsoft.com/office/drawing/2017/decorative" val="1"/>
+                <adec:decorative xmlns:adec="http://schemas.microsoft.com/office/drawing/2017/decorative" xmlns="" val="1"/>
               </a:ext>
             </a:extLst>
           </p:cNvPr>
@@ -14312,7 +14312,7 @@
                   <a16:creationId xmlns:a16="http://schemas.microsoft.com/office/drawing/2014/main" id="{F399A70F-F8CD-4992-9EF5-6CF15472E73F}"/>
                 </a:ext>
                 <a:ext uri="{C183D7F6-B498-43B3-948B-1728B52AA6E4}">
-                  <adec:decorative xmlns="" xmlns:adec="http://schemas.microsoft.com/office/drawing/2017/decorative" val="1"/>
+                  <adec:decorative xmlns:adec="http://schemas.microsoft.com/office/drawing/2017/decorative" xmlns="" val="1"/>
                 </a:ext>
               </a:extLst>
             </p:cNvPr>
@@ -14373,7 +14373,7 @@
                   <a16:creationId xmlns:a16="http://schemas.microsoft.com/office/drawing/2014/main" id="{48F4FEDC-6D80-458C-A665-075D9B9500FD}"/>
                 </a:ext>
                 <a:ext uri="{C183D7F6-B498-43B3-948B-1728B52AA6E4}">
-                  <adec:decorative xmlns="" xmlns:adec="http://schemas.microsoft.com/office/drawing/2017/decorative" val="1"/>
+                  <adec:decorative xmlns:adec="http://schemas.microsoft.com/office/drawing/2017/decorative" xmlns="" val="1"/>
                 </a:ext>
               </a:extLst>
             </p:cNvPr>
@@ -14435,7 +14435,7 @@
                 <a16:creationId xmlns:a16="http://schemas.microsoft.com/office/drawing/2014/main" id="{3873B707-463F-40B0-8227-E8CC6C67EB25}"/>
               </a:ext>
               <a:ext uri="{C183D7F6-B498-43B3-948B-1728B52AA6E4}">
-                <adec:decorative xmlns="" xmlns:adec="http://schemas.microsoft.com/office/drawing/2017/decorative" val="1"/>
+                <adec:decorative xmlns:adec="http://schemas.microsoft.com/office/drawing/2017/decorative" xmlns="" val="1"/>
               </a:ext>
             </a:extLst>
           </p:cNvPr>
@@ -14508,9 +14508,29 @@
         </p:spPr>
         <p:txBody>
           <a:bodyPr anchor="t">
-            <a:normAutofit/>
+            <a:normAutofit fontScale="62500" lnSpcReduction="20000"/>
           </a:bodyPr>
           <a:lstStyle/>
+          <a:p>
+            <a:pPr algn="just">
+              <a:lnSpc>
+                <a:spcPct val="200000"/>
+              </a:lnSpc>
+            </a:pPr>
+            <a:r>
+              <a:rPr lang="es-ES" sz="2000" b="1" dirty="0" smtClean="0"/>
+              <a:t>Concepto: Prestación concedida a los desempleados cuando cumplen determinados requisitos</a:t>
+            </a:r>
+            <a:endParaRPr lang="es-ES" sz="2000" b="1" dirty="0"/>
+          </a:p>
+          <a:p>
+            <a:pPr>
+              <a:lnSpc>
+                <a:spcPct val="200000"/>
+              </a:lnSpc>
+            </a:pPr>
+            <a:endParaRPr lang="es-ES" sz="2000" b="1" dirty="0"/>
+          </a:p>
           <a:p>
             <a:pPr>
               <a:lnSpc>
@@ -14518,17 +14538,9 @@
               </a:lnSpc>
             </a:pPr>
             <a:r>
-              <a:rPr lang="es-ES" sz="2000" b="1" dirty="0"/>
-              <a:t>Concepto</a:t>
+              <a:rPr lang="es-ES" sz="2000" b="1" dirty="0" smtClean="0"/>
+              <a:t>Niveles: Existen dos niveles.</a:t>
             </a:r>
-          </a:p>
-          <a:p>
-            <a:pPr>
-              <a:lnSpc>
-                <a:spcPct val="200000"/>
-              </a:lnSpc>
-            </a:pPr>
-            <a:endParaRPr lang="es-ES" sz="2000" b="1" dirty="0"/>
           </a:p>
           <a:p>
             <a:pPr>
@@ -14537,9 +14549,33 @@
               </a:lnSpc>
             </a:pPr>
             <a:r>
-              <a:rPr lang="es-ES" sz="2000" b="1" dirty="0"/>
-              <a:t>Niveles</a:t>
+              <a:rPr lang="es-ES" sz="2000" b="1" dirty="0" smtClean="0"/>
+              <a:t>El desempleo contributivo= para recibirlo hay que cotizar al menos 360 días.</a:t>
             </a:r>
+          </a:p>
+          <a:p>
+            <a:pPr>
+              <a:lnSpc>
+                <a:spcPct val="200000"/>
+              </a:lnSpc>
+            </a:pPr>
+            <a:r>
+              <a:rPr lang="es-ES" sz="2000" b="1" dirty="0" smtClean="0"/>
+              <a:t>Desempleo no contributivo= previsto para situaciones, </a:t>
+            </a:r>
+            <a:r>
+              <a:rPr lang="es-ES" sz="2000" b="1" dirty="0" smtClean="0">
+                <a:solidFill>
+                  <a:srgbClr val="FF0000"/>
+                </a:solidFill>
+              </a:rPr>
+              <a:t>entre otras</a:t>
+            </a:r>
+            <a:r>
+              <a:rPr lang="es-ES" sz="2000" b="1" dirty="0" smtClean="0"/>
+              <a:t>, en las que se haya cotizado menos de 360 días.</a:t>
+            </a:r>
+            <a:endParaRPr lang="es-ES" sz="2000" b="1" dirty="0"/>
           </a:p>
           <a:p>
             <a:pPr marL="0" indent="0">
@@ -14560,7 +14596,7 @@
                 <a16:creationId xmlns:a16="http://schemas.microsoft.com/office/drawing/2014/main" id="{C13237C8-E62C-4F0D-A318-BD6FB6C2D138}"/>
               </a:ext>
               <a:ext uri="{C183D7F6-B498-43B3-948B-1728B52AA6E4}">
-                <adec:decorative xmlns="" xmlns:adec="http://schemas.microsoft.com/office/drawing/2017/decorative" val="1"/>
+                <adec:decorative xmlns:adec="http://schemas.microsoft.com/office/drawing/2017/decorative" xmlns="" val="1"/>
               </a:ext>
             </a:extLst>
           </p:cNvPr>
@@ -14623,7 +14659,7 @@
                 <a16:creationId xmlns:a16="http://schemas.microsoft.com/office/drawing/2014/main" id="{19C9EAEA-39D0-4B0E-A0EB-51E7B26740B1}"/>
               </a:ext>
               <a:ext uri="{C183D7F6-B498-43B3-948B-1728B52AA6E4}">
-                <adec:decorative xmlns="" xmlns:adec="http://schemas.microsoft.com/office/drawing/2017/decorative" val="1"/>
+                <adec:decorative xmlns:adec="http://schemas.microsoft.com/office/drawing/2017/decorative" xmlns="" val="1"/>
               </a:ext>
             </a:extLst>
           </p:cNvPr>
@@ -14754,7 +14790,7 @@
                 <a16:creationId xmlns:a16="http://schemas.microsoft.com/office/drawing/2014/main" id="{201CC55D-ED54-4C5C-95E6-10947BD1103B}"/>
               </a:ext>
               <a:ext uri="{C183D7F6-B498-43B3-948B-1728B52AA6E4}">
-                <adec:decorative xmlns="" xmlns:adec="http://schemas.microsoft.com/office/drawing/2017/decorative" val="1"/>
+                <adec:decorative xmlns:adec="http://schemas.microsoft.com/office/drawing/2017/decorative" xmlns="" val="1"/>
               </a:ext>
             </a:extLst>
           </p:cNvPr>
@@ -14843,7 +14879,7 @@
                 <a16:creationId xmlns:a16="http://schemas.microsoft.com/office/drawing/2014/main" id="{1DE889C7-FAD6-4397-98E2-05D503484459}"/>
               </a:ext>
               <a:ext uri="{C183D7F6-B498-43B3-948B-1728B52AA6E4}">
-                <adec:decorative xmlns="" xmlns:adec="http://schemas.microsoft.com/office/drawing/2017/decorative" val="1"/>
+                <adec:decorative xmlns:adec="http://schemas.microsoft.com/office/drawing/2017/decorative" xmlns="" val="1"/>
               </a:ext>
             </a:extLst>
           </p:cNvPr>
@@ -14874,7 +14910,7 @@
                   <a16:creationId xmlns:a16="http://schemas.microsoft.com/office/drawing/2014/main" id="{F399A70F-F8CD-4992-9EF5-6CF15472E73F}"/>
                 </a:ext>
                 <a:ext uri="{C183D7F6-B498-43B3-948B-1728B52AA6E4}">
-                  <adec:decorative xmlns="" xmlns:adec="http://schemas.microsoft.com/office/drawing/2017/decorative" val="1"/>
+                  <adec:decorative xmlns:adec="http://schemas.microsoft.com/office/drawing/2017/decorative" xmlns="" val="1"/>
                 </a:ext>
               </a:extLst>
             </p:cNvPr>
@@ -14935,7 +14971,7 @@
                   <a16:creationId xmlns:a16="http://schemas.microsoft.com/office/drawing/2014/main" id="{48F4FEDC-6D80-458C-A665-075D9B9500FD}"/>
                 </a:ext>
                 <a:ext uri="{C183D7F6-B498-43B3-948B-1728B52AA6E4}">
-                  <adec:decorative xmlns="" xmlns:adec="http://schemas.microsoft.com/office/drawing/2017/decorative" val="1"/>
+                  <adec:decorative xmlns:adec="http://schemas.microsoft.com/office/drawing/2017/decorative" xmlns="" val="1"/>
                 </a:ext>
               </a:extLst>
             </p:cNvPr>
@@ -14997,7 +15033,7 @@
                 <a16:creationId xmlns:a16="http://schemas.microsoft.com/office/drawing/2014/main" id="{3873B707-463F-40B0-8227-E8CC6C67EB25}"/>
               </a:ext>
               <a:ext uri="{C183D7F6-B498-43B3-948B-1728B52AA6E4}">
-                <adec:decorative xmlns="" xmlns:adec="http://schemas.microsoft.com/office/drawing/2017/decorative" val="1"/>
+                <adec:decorative xmlns:adec="http://schemas.microsoft.com/office/drawing/2017/decorative" xmlns="" val="1"/>
               </a:ext>
             </a:extLst>
           </p:cNvPr>
@@ -15136,7 +15172,7 @@
                 <a16:creationId xmlns:a16="http://schemas.microsoft.com/office/drawing/2014/main" id="{C13237C8-E62C-4F0D-A318-BD6FB6C2D138}"/>
               </a:ext>
               <a:ext uri="{C183D7F6-B498-43B3-948B-1728B52AA6E4}">
-                <adec:decorative xmlns="" xmlns:adec="http://schemas.microsoft.com/office/drawing/2017/decorative" val="1"/>
+                <adec:decorative xmlns:adec="http://schemas.microsoft.com/office/drawing/2017/decorative" xmlns="" val="1"/>
               </a:ext>
             </a:extLst>
           </p:cNvPr>
@@ -15199,7 +15235,7 @@
                 <a16:creationId xmlns:a16="http://schemas.microsoft.com/office/drawing/2014/main" id="{19C9EAEA-39D0-4B0E-A0EB-51E7B26740B1}"/>
               </a:ext>
               <a:ext uri="{C183D7F6-B498-43B3-948B-1728B52AA6E4}">
-                <adec:decorative xmlns="" xmlns:adec="http://schemas.microsoft.com/office/drawing/2017/decorative" val="1"/>
+                <adec:decorative xmlns:adec="http://schemas.microsoft.com/office/drawing/2017/decorative" xmlns="" val="1"/>
               </a:ext>
             </a:extLst>
           </p:cNvPr>
@@ -15276,14 +15312,14 @@
           <p:nvPr>
             <p:extLst>
               <p:ext uri="{D42A27DB-BD31-4B8C-83A1-F6EECF244321}">
-                <p14:modId xmlns:p14="http://schemas.microsoft.com/office/powerpoint/2010/main" val="2127745201"/>
+                <p14:modId xmlns:p14="http://schemas.microsoft.com/office/powerpoint/2010/main" val="3550280127"/>
               </p:ext>
             </p:extLst>
           </p:nvPr>
         </p:nvGraphicFramePr>
         <p:xfrm>
-          <a:off x="6623410" y="2669297"/>
-          <a:ext cx="3136660" cy="2194560"/>
+          <a:off x="6623409" y="2669297"/>
+          <a:ext cx="4074259" cy="2194560"/>
         </p:xfrm>
         <a:graphic>
           <a:graphicData uri="http://schemas.openxmlformats.org/drawingml/2006/table">
@@ -15292,14 +15328,14 @@
                 <a:tableStyleId>{00A15C55-8517-42AA-B614-E9B94910E393}</a:tableStyleId>
               </a:tblPr>
               <a:tblGrid>
-                <a:gridCol w="1384060">
+                <a:gridCol w="1947013">
                   <a:extLst>
                     <a:ext uri="{9D8B030D-6E8A-4147-A177-3AD203B41FA5}">
                       <a16:colId xmlns:a16="http://schemas.microsoft.com/office/drawing/2014/main" val="3785970926"/>
                     </a:ext>
                   </a:extLst>
                 </a:gridCol>
-                <a:gridCol w="1752600">
+                <a:gridCol w="2127246">
                   <a:extLst>
                     <a:ext uri="{9D8B030D-6E8A-4147-A177-3AD203B41FA5}">
                       <a16:colId xmlns:a16="http://schemas.microsoft.com/office/drawing/2014/main" val="3990940679"/>
@@ -15354,8 +15390,12 @@
                     <a:p>
                       <a:pPr algn="ctr"/>
                       <a:r>
+                        <a:rPr lang="es-ES" dirty="0" smtClean="0"/>
+                        <a:t>Mínimo 360 </a:t>
+                      </a:r>
+                      <a:r>
                         <a:rPr lang="es-ES" dirty="0"/>
-                        <a:t>360 días</a:t>
+                        <a:t>días</a:t>
                       </a:r>
                     </a:p>
                     <a:p>
@@ -15393,8 +15433,20 @@
                     <a:p>
                       <a:pPr algn="ctr"/>
                       <a:r>
+                        <a:rPr lang="es-ES" dirty="0" smtClean="0"/>
+                        <a:t>Máximo</a:t>
+                      </a:r>
+                      <a:r>
+                        <a:rPr lang="es-ES" baseline="0" dirty="0" smtClean="0"/>
+                        <a:t> </a:t>
+                      </a:r>
+                      <a:r>
+                        <a:rPr lang="es-ES" dirty="0" smtClean="0"/>
+                        <a:t>6 </a:t>
+                      </a:r>
+                      <a:r>
                         <a:rPr lang="es-ES" dirty="0"/>
-                        <a:t>6 años</a:t>
+                        <a:t>años</a:t>
                       </a:r>
                     </a:p>
                     <a:p>
@@ -15695,7 +15747,7 @@
         </p:blipFill>
         <p:spPr>
           <a:xfrm>
-            <a:off x="3219450" y="853437"/>
+            <a:off x="2878630" y="853437"/>
             <a:ext cx="6686550" cy="1013463"/>
           </a:xfrm>
           <a:prstGeom prst="rect">
@@ -15749,7 +15801,7 @@
                 <a16:creationId xmlns:a16="http://schemas.microsoft.com/office/drawing/2014/main" id="{4DA718D0-4865-4629-8134-44F68D41D574}"/>
               </a:ext>
               <a:ext uri="{C183D7F6-B498-43B3-948B-1728B52AA6E4}">
-                <adec:decorative xmlns="" xmlns:adec="http://schemas.microsoft.com/office/drawing/2017/decorative" val="1"/>
+                <adec:decorative xmlns:adec="http://schemas.microsoft.com/office/drawing/2017/decorative" xmlns="" val="1"/>
               </a:ext>
             </a:extLst>
           </p:cNvPr>
@@ -15809,7 +15861,7 @@
                 <a16:creationId xmlns:a16="http://schemas.microsoft.com/office/drawing/2014/main" id="{65167ED7-6315-43AB-B1B6-C326D5FD8F84}"/>
               </a:ext>
               <a:ext uri="{C183D7F6-B498-43B3-948B-1728B52AA6E4}">
-                <adec:decorative xmlns="" xmlns:adec="http://schemas.microsoft.com/office/drawing/2017/decorative" val="1"/>
+                <adec:decorative xmlns:adec="http://schemas.microsoft.com/office/drawing/2017/decorative" xmlns="" val="1"/>
               </a:ext>
             </a:extLst>
           </p:cNvPr>
@@ -15843,7 +15895,7 @@
                   <a16:creationId xmlns:a16="http://schemas.microsoft.com/office/drawing/2014/main" id="{EF4D8839-FB03-487D-ACC8-8BFEDD4FEBAE}"/>
                 </a:ext>
                 <a:ext uri="{C183D7F6-B498-43B3-948B-1728B52AA6E4}">
-                  <adec:decorative xmlns="" xmlns:adec="http://schemas.microsoft.com/office/drawing/2017/decorative" val="1"/>
+                  <adec:decorative xmlns:adec="http://schemas.microsoft.com/office/drawing/2017/decorative" xmlns="" val="1"/>
                 </a:ext>
               </a:extLst>
             </p:cNvPr>
@@ -15902,7 +15954,7 @@
                   <a16:creationId xmlns:a16="http://schemas.microsoft.com/office/drawing/2014/main" id="{0EF75023-9A3B-42FC-B704-61A8F7BEF415}"/>
                 </a:ext>
                 <a:ext uri="{C183D7F6-B498-43B3-948B-1728B52AA6E4}">
-                  <adec:decorative xmlns="" xmlns:adec="http://schemas.microsoft.com/office/drawing/2017/decorative" val="1"/>
+                  <adec:decorative xmlns:adec="http://schemas.microsoft.com/office/drawing/2017/decorative" xmlns="" val="1"/>
                 </a:ext>
               </a:extLst>
             </p:cNvPr>
@@ -15962,7 +16014,7 @@
                 <a16:creationId xmlns:a16="http://schemas.microsoft.com/office/drawing/2014/main" id="{CBC4F608-B4B8-48C3-9572-C0F061B1CD99}"/>
               </a:ext>
               <a:ext uri="{C183D7F6-B498-43B3-948B-1728B52AA6E4}">
-                <adec:decorative xmlns="" xmlns:adec="http://schemas.microsoft.com/office/drawing/2017/decorative" val="1"/>
+                <adec:decorative xmlns:adec="http://schemas.microsoft.com/office/drawing/2017/decorative" xmlns="" val="1"/>
               </a:ext>
             </a:extLst>
           </p:cNvPr>
@@ -16534,7 +16586,7 @@
                 <a16:creationId xmlns:a16="http://schemas.microsoft.com/office/drawing/2014/main" id="{201CC55D-ED54-4C5C-95E6-10947BD1103B}"/>
               </a:ext>
               <a:ext uri="{C183D7F6-B498-43B3-948B-1728B52AA6E4}">
-                <adec:decorative xmlns="" xmlns:adec="http://schemas.microsoft.com/office/drawing/2017/decorative" val="1"/>
+                <adec:decorative xmlns:adec="http://schemas.microsoft.com/office/drawing/2017/decorative" xmlns="" val="1"/>
               </a:ext>
             </a:extLst>
           </p:cNvPr>
@@ -16594,7 +16646,7 @@
                 <a16:creationId xmlns:a16="http://schemas.microsoft.com/office/drawing/2014/main" id="{1DE889C7-FAD6-4397-98E2-05D503484459}"/>
               </a:ext>
               <a:ext uri="{C183D7F6-B498-43B3-948B-1728B52AA6E4}">
-                <adec:decorative xmlns="" xmlns:adec="http://schemas.microsoft.com/office/drawing/2017/decorative" val="1"/>
+                <adec:decorative xmlns:adec="http://schemas.microsoft.com/office/drawing/2017/decorative" xmlns="" val="1"/>
               </a:ext>
             </a:extLst>
           </p:cNvPr>
@@ -16625,7 +16677,7 @@
                   <a16:creationId xmlns:a16="http://schemas.microsoft.com/office/drawing/2014/main" id="{F399A70F-F8CD-4992-9EF5-6CF15472E73F}"/>
                 </a:ext>
                 <a:ext uri="{C183D7F6-B498-43B3-948B-1728B52AA6E4}">
-                  <adec:decorative xmlns="" xmlns:adec="http://schemas.microsoft.com/office/drawing/2017/decorative" val="1"/>
+                  <adec:decorative xmlns:adec="http://schemas.microsoft.com/office/drawing/2017/decorative" xmlns="" val="1"/>
                 </a:ext>
               </a:extLst>
             </p:cNvPr>
@@ -16686,7 +16738,7 @@
                   <a16:creationId xmlns:a16="http://schemas.microsoft.com/office/drawing/2014/main" id="{48F4FEDC-6D80-458C-A665-075D9B9500FD}"/>
                 </a:ext>
                 <a:ext uri="{C183D7F6-B498-43B3-948B-1728B52AA6E4}">
-                  <adec:decorative xmlns="" xmlns:adec="http://schemas.microsoft.com/office/drawing/2017/decorative" val="1"/>
+                  <adec:decorative xmlns:adec="http://schemas.microsoft.com/office/drawing/2017/decorative" xmlns="" val="1"/>
                 </a:ext>
               </a:extLst>
             </p:cNvPr>
@@ -16748,7 +16800,7 @@
                 <a16:creationId xmlns:a16="http://schemas.microsoft.com/office/drawing/2014/main" id="{3873B707-463F-40B0-8227-E8CC6C67EB25}"/>
               </a:ext>
               <a:ext uri="{C183D7F6-B498-43B3-948B-1728B52AA6E4}">
-                <adec:decorative xmlns="" xmlns:adec="http://schemas.microsoft.com/office/drawing/2017/decorative" val="1"/>
+                <adec:decorative xmlns:adec="http://schemas.microsoft.com/office/drawing/2017/decorative" xmlns="" val="1"/>
               </a:ext>
             </a:extLst>
           </p:cNvPr>
@@ -17039,7 +17091,7 @@
                 <a16:creationId xmlns:a16="http://schemas.microsoft.com/office/drawing/2014/main" id="{C13237C8-E62C-4F0D-A318-BD6FB6C2D138}"/>
               </a:ext>
               <a:ext uri="{C183D7F6-B498-43B3-948B-1728B52AA6E4}">
-                <adec:decorative xmlns="" xmlns:adec="http://schemas.microsoft.com/office/drawing/2017/decorative" val="1"/>
+                <adec:decorative xmlns:adec="http://schemas.microsoft.com/office/drawing/2017/decorative" xmlns="" val="1"/>
               </a:ext>
             </a:extLst>
           </p:cNvPr>
@@ -17102,7 +17154,7 @@
                 <a16:creationId xmlns:a16="http://schemas.microsoft.com/office/drawing/2014/main" id="{19C9EAEA-39D0-4B0E-A0EB-51E7B26740B1}"/>
               </a:ext>
               <a:ext uri="{C183D7F6-B498-43B3-948B-1728B52AA6E4}">
-                <adec:decorative xmlns="" xmlns:adec="http://schemas.microsoft.com/office/drawing/2017/decorative" val="1"/>
+                <adec:decorative xmlns:adec="http://schemas.microsoft.com/office/drawing/2017/decorative" xmlns="" val="1"/>
               </a:ext>
             </a:extLst>
           </p:cNvPr>
@@ -17239,7 +17291,7 @@
                 <a16:creationId xmlns:a16="http://schemas.microsoft.com/office/drawing/2014/main" id="{B6CDA21F-E7AF-4C75-8395-33F58D5B0E45}"/>
               </a:ext>
               <a:ext uri="{C183D7F6-B498-43B3-948B-1728B52AA6E4}">
-                <adec:decorative xmlns="" xmlns:adec="http://schemas.microsoft.com/office/drawing/2017/decorative" val="1"/>
+                <adec:decorative xmlns:adec="http://schemas.microsoft.com/office/drawing/2017/decorative" xmlns="" val="1"/>
               </a:ext>
             </a:extLst>
           </p:cNvPr>
@@ -17299,7 +17351,7 @@
                 <a16:creationId xmlns:a16="http://schemas.microsoft.com/office/drawing/2014/main" id="{AE1C45F0-260A-458C-96ED-C1F6D2151219}"/>
               </a:ext>
               <a:ext uri="{C183D7F6-B498-43B3-948B-1728B52AA6E4}">
-                <adec:decorative xmlns="" xmlns:adec="http://schemas.microsoft.com/office/drawing/2017/decorative" val="1"/>
+                <adec:decorative xmlns:adec="http://schemas.microsoft.com/office/drawing/2017/decorative" xmlns="" val="1"/>
               </a:ext>
             </a:extLst>
           </p:cNvPr>
@@ -17333,7 +17385,7 @@
                   <a16:creationId xmlns:a16="http://schemas.microsoft.com/office/drawing/2014/main" id="{A6604B49-AD5C-4590-B051-06C8222ECD99}"/>
                 </a:ext>
                 <a:ext uri="{C183D7F6-B498-43B3-948B-1728B52AA6E4}">
-                  <adec:decorative xmlns="" xmlns:adec="http://schemas.microsoft.com/office/drawing/2017/decorative" val="1"/>
+                  <adec:decorative xmlns:adec="http://schemas.microsoft.com/office/drawing/2017/decorative" xmlns="" val="1"/>
                 </a:ext>
               </a:extLst>
             </p:cNvPr>
@@ -17392,7 +17444,7 @@
                   <a16:creationId xmlns:a16="http://schemas.microsoft.com/office/drawing/2014/main" id="{743ECCAF-29C5-4537-947C-7EA1292463DB}"/>
                 </a:ext>
                 <a:ext uri="{C183D7F6-B498-43B3-948B-1728B52AA6E4}">
-                  <adec:decorative xmlns="" xmlns:adec="http://schemas.microsoft.com/office/drawing/2017/decorative" val="1"/>
+                  <adec:decorative xmlns:adec="http://schemas.microsoft.com/office/drawing/2017/decorative" xmlns="" val="1"/>
                 </a:ext>
               </a:extLst>
             </p:cNvPr>
@@ -17451,7 +17503,7 @@
                   <a16:creationId xmlns:a16="http://schemas.microsoft.com/office/drawing/2014/main" id="{ED49787B-8DE6-4467-AD0A-8DECC6E0C2D6}"/>
                 </a:ext>
                 <a:ext uri="{C183D7F6-B498-43B3-948B-1728B52AA6E4}">
-                  <adec:decorative xmlns="" xmlns:adec="http://schemas.microsoft.com/office/drawing/2017/decorative" val="1"/>
+                  <adec:decorative xmlns:adec="http://schemas.microsoft.com/office/drawing/2017/decorative" xmlns="" val="1"/>
                 </a:ext>
               </a:extLst>
             </p:cNvPr>
@@ -17511,7 +17563,7 @@
                 <a16:creationId xmlns:a16="http://schemas.microsoft.com/office/drawing/2014/main" id="{D5B0017B-2ECA-49AF-B397-DC140825DF8D}"/>
               </a:ext>
               <a:ext uri="{C183D7F6-B498-43B3-948B-1728B52AA6E4}">
-                <adec:decorative xmlns="" xmlns:adec="http://schemas.microsoft.com/office/drawing/2017/decorative" val="1"/>
+                <adec:decorative xmlns:adec="http://schemas.microsoft.com/office/drawing/2017/decorative" xmlns="" val="1"/>
               </a:ext>
             </a:extLst>
           </p:cNvPr>
@@ -17844,7 +17896,7 @@
                 <a16:creationId xmlns:a16="http://schemas.microsoft.com/office/drawing/2014/main" id="{6CF1BAF6-AD41-4082-B212-8A1F9A2E8779}"/>
               </a:ext>
               <a:ext uri="{C183D7F6-B498-43B3-948B-1728B52AA6E4}">
-                <adec:decorative xmlns="" xmlns:adec="http://schemas.microsoft.com/office/drawing/2017/decorative" val="1"/>
+                <adec:decorative xmlns:adec="http://schemas.microsoft.com/office/drawing/2017/decorative" xmlns="" val="1"/>
               </a:ext>
             </a:extLst>
           </p:cNvPr>
@@ -18203,7 +18255,7 @@
                 <a16:creationId xmlns:a16="http://schemas.microsoft.com/office/drawing/2014/main" id="{49AE1604-BB93-4F6D-94D6-F2A6021FC5AD}"/>
               </a:ext>
               <a:ext uri="{C183D7F6-B498-43B3-948B-1728B52AA6E4}">
-                <adec:decorative xmlns="" xmlns:adec="http://schemas.microsoft.com/office/drawing/2017/decorative" val="1"/>
+                <adec:decorative xmlns:adec="http://schemas.microsoft.com/office/drawing/2017/decorative" xmlns="" val="1"/>
               </a:ext>
             </a:extLst>
           </p:cNvPr>
@@ -18263,7 +18315,7 @@
                 <a16:creationId xmlns:a16="http://schemas.microsoft.com/office/drawing/2014/main" id="{A9270323-9616-4384-857D-E86B78272EFE}"/>
               </a:ext>
               <a:ext uri="{C183D7F6-B498-43B3-948B-1728B52AA6E4}">
-                <adec:decorative xmlns="" xmlns:adec="http://schemas.microsoft.com/office/drawing/2017/decorative" val="1"/>
+                <adec:decorative xmlns:adec="http://schemas.microsoft.com/office/drawing/2017/decorative" xmlns="" val="1"/>
               </a:ext>
             </a:extLst>
           </p:cNvPr>
@@ -18297,7 +18349,7 @@
                   <a16:creationId xmlns:a16="http://schemas.microsoft.com/office/drawing/2014/main" id="{8A3838D5-9565-4601-BAC3-D1B5BDB803ED}"/>
                 </a:ext>
                 <a:ext uri="{C183D7F6-B498-43B3-948B-1728B52AA6E4}">
-                  <adec:decorative xmlns="" xmlns:adec="http://schemas.microsoft.com/office/drawing/2017/decorative" val="1"/>
+                  <adec:decorative xmlns:adec="http://schemas.microsoft.com/office/drawing/2017/decorative" xmlns="" val="1"/>
                 </a:ext>
               </a:extLst>
             </p:cNvPr>
@@ -18356,7 +18408,7 @@
                   <a16:creationId xmlns:a16="http://schemas.microsoft.com/office/drawing/2014/main" id="{3349A4B8-3246-4579-922E-FE1155C7F08C}"/>
                 </a:ext>
                 <a:ext uri="{C183D7F6-B498-43B3-948B-1728B52AA6E4}">
-                  <adec:decorative xmlns="" xmlns:adec="http://schemas.microsoft.com/office/drawing/2017/decorative" val="1"/>
+                  <adec:decorative xmlns:adec="http://schemas.microsoft.com/office/drawing/2017/decorative" xmlns="" val="1"/>
                 </a:ext>
               </a:extLst>
             </p:cNvPr>
@@ -18416,7 +18468,7 @@
                 <a16:creationId xmlns:a16="http://schemas.microsoft.com/office/drawing/2014/main" id="{CBC4F608-B4B8-48C3-9572-C0F061B1CD99}"/>
               </a:ext>
               <a:ext uri="{C183D7F6-B498-43B3-948B-1728B52AA6E4}">
-                <adec:decorative xmlns="" xmlns:adec="http://schemas.microsoft.com/office/drawing/2017/decorative" val="1"/>
+                <adec:decorative xmlns:adec="http://schemas.microsoft.com/office/drawing/2017/decorative" xmlns="" val="1"/>
               </a:ext>
             </a:extLst>
           </p:cNvPr>
@@ -18514,7 +18566,7 @@
                 <a16:creationId xmlns:a16="http://schemas.microsoft.com/office/drawing/2014/main" id="{1382A32C-5B0C-4B1C-A074-76C6DBCC9F87}"/>
               </a:ext>
               <a:ext uri="{C183D7F6-B498-43B3-948B-1728B52AA6E4}">
-                <adec:decorative xmlns="" xmlns:adec="http://schemas.microsoft.com/office/drawing/2017/decorative" val="1"/>
+                <adec:decorative xmlns:adec="http://schemas.microsoft.com/office/drawing/2017/decorative" xmlns="" val="1"/>
               </a:ext>
             </a:extLst>
           </p:cNvPr>
@@ -18680,7 +18732,7 @@
                 <a16:creationId xmlns:a16="http://schemas.microsoft.com/office/drawing/2014/main" id="{3AD318CC-E2A8-4E27-9548-A047A78999B1}"/>
               </a:ext>
               <a:ext uri="{C183D7F6-B498-43B3-948B-1728B52AA6E4}">
-                <adec:decorative xmlns="" xmlns:adec="http://schemas.microsoft.com/office/drawing/2017/decorative" val="1"/>
+                <adec:decorative xmlns:adec="http://schemas.microsoft.com/office/drawing/2017/decorative" xmlns="" val="1"/>
               </a:ext>
             </a:extLst>
           </p:cNvPr>
@@ -18770,7 +18822,7 @@
                 <a16:creationId xmlns:a16="http://schemas.microsoft.com/office/drawing/2014/main" id="{B14B560F-9DD7-4302-A60B-EBD3EF59B073}"/>
               </a:ext>
               <a:ext uri="{C183D7F6-B498-43B3-948B-1728B52AA6E4}">
-                <adec:decorative xmlns="" xmlns:adec="http://schemas.microsoft.com/office/drawing/2017/decorative" val="1"/>
+                <adec:decorative xmlns:adec="http://schemas.microsoft.com/office/drawing/2017/decorative" xmlns="" val="1"/>
               </a:ext>
             </a:extLst>
           </p:cNvPr>
@@ -18801,7 +18853,7 @@
                   <a16:creationId xmlns:a16="http://schemas.microsoft.com/office/drawing/2014/main" id="{3A9A4357-BD1D-4622-A4FE-766E6AB8DE84}"/>
                 </a:ext>
                 <a:ext uri="{C183D7F6-B498-43B3-948B-1728B52AA6E4}">
-                  <adec:decorative xmlns="" xmlns:adec="http://schemas.microsoft.com/office/drawing/2017/decorative" val="1"/>
+                  <adec:decorative xmlns:adec="http://schemas.microsoft.com/office/drawing/2017/decorative" xmlns="" val="1"/>
                 </a:ext>
               </a:extLst>
             </p:cNvPr>
@@ -18862,7 +18914,7 @@
                   <a16:creationId xmlns:a16="http://schemas.microsoft.com/office/drawing/2014/main" id="{C21D6966-343E-49AC-A026-D2497E0C3CA1}"/>
                 </a:ext>
                 <a:ext uri="{C183D7F6-B498-43B3-948B-1728B52AA6E4}">
-                  <adec:decorative xmlns="" xmlns:adec="http://schemas.microsoft.com/office/drawing/2017/decorative" val="1"/>
+                  <adec:decorative xmlns:adec="http://schemas.microsoft.com/office/drawing/2017/decorative" xmlns="" val="1"/>
                 </a:ext>
               </a:extLst>
             </p:cNvPr>
@@ -18915,7 +18967,7 @@
                 <a16:creationId xmlns:a16="http://schemas.microsoft.com/office/drawing/2014/main" id="{2C1BBA94-3F40-40AA-8BB9-E69E25E537C1}"/>
               </a:ext>
               <a:ext uri="{C183D7F6-B498-43B3-948B-1728B52AA6E4}">
-                <adec:decorative xmlns="" xmlns:adec="http://schemas.microsoft.com/office/drawing/2017/decorative" val="1"/>
+                <adec:decorative xmlns:adec="http://schemas.microsoft.com/office/drawing/2017/decorative" xmlns="" val="1"/>
               </a:ext>
             </a:extLst>
           </p:cNvPr>
@@ -19097,7 +19149,7 @@
                 <a16:creationId xmlns:a16="http://schemas.microsoft.com/office/drawing/2014/main" id="{EF4CB1B7-AF26-4C13-8E7D-0489A31E4B7F}"/>
               </a:ext>
               <a:ext uri="{C183D7F6-B498-43B3-948B-1728B52AA6E4}">
-                <adec:decorative xmlns="" xmlns:adec="http://schemas.microsoft.com/office/drawing/2017/decorative" val="1"/>
+                <adec:decorative xmlns:adec="http://schemas.microsoft.com/office/drawing/2017/decorative" xmlns="" val="1"/>
               </a:ext>
             </a:extLst>
           </p:cNvPr>
@@ -19157,7 +19209,7 @@
                 <a16:creationId xmlns:a16="http://schemas.microsoft.com/office/drawing/2014/main" id="{19A6B5CE-CB1D-48EE-8B43-E952235C8371}"/>
               </a:ext>
               <a:ext uri="{C183D7F6-B498-43B3-948B-1728B52AA6E4}">
-                <adec:decorative xmlns="" xmlns:adec="http://schemas.microsoft.com/office/drawing/2017/decorative" val="1"/>
+                <adec:decorative xmlns:adec="http://schemas.microsoft.com/office/drawing/2017/decorative" xmlns="" val="1"/>
               </a:ext>
             </a:extLst>
           </p:cNvPr>
@@ -19191,7 +19243,7 @@
                   <a16:creationId xmlns:a16="http://schemas.microsoft.com/office/drawing/2014/main" id="{E3F3EAA5-4E15-400B-BBA3-82B3F49A2178}"/>
                 </a:ext>
                 <a:ext uri="{C183D7F6-B498-43B3-948B-1728B52AA6E4}">
-                  <adec:decorative xmlns="" xmlns:adec="http://schemas.microsoft.com/office/drawing/2017/decorative" val="1"/>
+                  <adec:decorative xmlns:adec="http://schemas.microsoft.com/office/drawing/2017/decorative" xmlns="" val="1"/>
                 </a:ext>
               </a:extLst>
             </p:cNvPr>
@@ -19250,7 +19302,7 @@
                   <a16:creationId xmlns:a16="http://schemas.microsoft.com/office/drawing/2014/main" id="{72BA2E40-BE9B-4C54-9CDD-40EE804CCE64}"/>
                 </a:ext>
                 <a:ext uri="{C183D7F6-B498-43B3-948B-1728B52AA6E4}">
-                  <adec:decorative xmlns="" xmlns:adec="http://schemas.microsoft.com/office/drawing/2017/decorative" val="1"/>
+                  <adec:decorative xmlns:adec="http://schemas.microsoft.com/office/drawing/2017/decorative" xmlns="" val="1"/>
                 </a:ext>
               </a:extLst>
             </p:cNvPr>
@@ -19310,7 +19362,7 @@
                 <a16:creationId xmlns:a16="http://schemas.microsoft.com/office/drawing/2014/main" id="{0DA909B4-15FF-46A6-8A7F-7AEF977FE9ED}"/>
               </a:ext>
               <a:ext uri="{C183D7F6-B498-43B3-948B-1728B52AA6E4}">
-                <adec:decorative xmlns="" xmlns:adec="http://schemas.microsoft.com/office/drawing/2017/decorative" val="1"/>
+                <adec:decorative xmlns:adec="http://schemas.microsoft.com/office/drawing/2017/decorative" xmlns="" val="1"/>
               </a:ext>
             </a:extLst>
           </p:cNvPr>
@@ -19410,7 +19462,7 @@
                 <a16:creationId xmlns:a16="http://schemas.microsoft.com/office/drawing/2014/main" id="{1382A32C-5B0C-4B1C-A074-76C6DBCC9F87}"/>
               </a:ext>
               <a:ext uri="{C183D7F6-B498-43B3-948B-1728B52AA6E4}">
-                <adec:decorative xmlns="" xmlns:adec="http://schemas.microsoft.com/office/drawing/2017/decorative" val="1"/>
+                <adec:decorative xmlns:adec="http://schemas.microsoft.com/office/drawing/2017/decorative" xmlns="" val="1"/>
               </a:ext>
             </a:extLst>
           </p:cNvPr>
@@ -19630,7 +19682,7 @@
                 <a16:creationId xmlns:a16="http://schemas.microsoft.com/office/drawing/2014/main" id="{7CB4857B-ED7C-444D-9F04-2F885114A1C2}"/>
               </a:ext>
               <a:ext uri="{C183D7F6-B498-43B3-948B-1728B52AA6E4}">
-                <adec:decorative xmlns="" xmlns:adec="http://schemas.microsoft.com/office/drawing/2017/decorative" val="1"/>
+                <adec:decorative xmlns:adec="http://schemas.microsoft.com/office/drawing/2017/decorative" xmlns="" val="1"/>
               </a:ext>
             </a:extLst>
           </p:cNvPr>
@@ -19738,7 +19790,7 @@
                 <a16:creationId xmlns:a16="http://schemas.microsoft.com/office/drawing/2014/main" id="{D18046FB-44EA-4FD8-A585-EA09A319B2D0}"/>
               </a:ext>
               <a:ext uri="{C183D7F6-B498-43B3-948B-1728B52AA6E4}">
-                <adec:decorative xmlns="" xmlns:adec="http://schemas.microsoft.com/office/drawing/2017/decorative" val="1"/>
+                <adec:decorative xmlns:adec="http://schemas.microsoft.com/office/drawing/2017/decorative" xmlns="" val="1"/>
               </a:ext>
             </a:extLst>
           </p:cNvPr>
@@ -20000,7 +20052,7 @@
                 <a16:creationId xmlns:a16="http://schemas.microsoft.com/office/drawing/2014/main" id="{479F5F2B-8B58-4140-AE6A-51F6C67B18D9}"/>
               </a:ext>
               <a:ext uri="{C183D7F6-B498-43B3-948B-1728B52AA6E4}">
-                <adec:decorative xmlns="" xmlns:adec="http://schemas.microsoft.com/office/drawing/2017/decorative" val="1"/>
+                <adec:decorative xmlns:adec="http://schemas.microsoft.com/office/drawing/2017/decorative" xmlns="" val="1"/>
               </a:ext>
             </a:extLst>
           </p:cNvPr>
@@ -20221,7 +20273,7 @@
                 <a16:creationId xmlns:a16="http://schemas.microsoft.com/office/drawing/2014/main" id="{7CB4857B-ED7C-444D-9F04-2F885114A1C2}"/>
               </a:ext>
               <a:ext uri="{C183D7F6-B498-43B3-948B-1728B52AA6E4}">
-                <adec:decorative xmlns="" xmlns:adec="http://schemas.microsoft.com/office/drawing/2017/decorative" val="1"/>
+                <adec:decorative xmlns:adec="http://schemas.microsoft.com/office/drawing/2017/decorative" xmlns="" val="1"/>
               </a:ext>
             </a:extLst>
           </p:cNvPr>
@@ -20329,7 +20381,7 @@
                 <a16:creationId xmlns:a16="http://schemas.microsoft.com/office/drawing/2014/main" id="{D18046FB-44EA-4FD8-A585-EA09A319B2D0}"/>
               </a:ext>
               <a:ext uri="{C183D7F6-B498-43B3-948B-1728B52AA6E4}">
-                <adec:decorative xmlns="" xmlns:adec="http://schemas.microsoft.com/office/drawing/2017/decorative" val="1"/>
+                <adec:decorative xmlns:adec="http://schemas.microsoft.com/office/drawing/2017/decorative" xmlns="" val="1"/>
               </a:ext>
             </a:extLst>
           </p:cNvPr>
@@ -20591,7 +20643,7 @@
                 <a16:creationId xmlns:a16="http://schemas.microsoft.com/office/drawing/2014/main" id="{479F5F2B-8B58-4140-AE6A-51F6C67B18D9}"/>
               </a:ext>
               <a:ext uri="{C183D7F6-B498-43B3-948B-1728B52AA6E4}">
-                <adec:decorative xmlns="" xmlns:adec="http://schemas.microsoft.com/office/drawing/2017/decorative" val="1"/>
+                <adec:decorative xmlns:adec="http://schemas.microsoft.com/office/drawing/2017/decorative" xmlns="" val="1"/>
               </a:ext>
             </a:extLst>
           </p:cNvPr>
@@ -20956,7 +21008,7 @@
                 <a16:creationId xmlns:a16="http://schemas.microsoft.com/office/drawing/2014/main" id="{577D1452-F0B7-431E-9A24-D3F7103D8510}"/>
               </a:ext>
               <a:ext uri="{C183D7F6-B498-43B3-948B-1728B52AA6E4}">
-                <adec:decorative xmlns="" xmlns:adec="http://schemas.microsoft.com/office/drawing/2017/decorative" val="1"/>
+                <adec:decorative xmlns:adec="http://schemas.microsoft.com/office/drawing/2017/decorative" xmlns="" val="1"/>
               </a:ext>
             </a:extLst>
           </p:cNvPr>
@@ -21019,7 +21071,7 @@
                 <a16:creationId xmlns:a16="http://schemas.microsoft.com/office/drawing/2014/main" id="{A660F4F9-5DF5-4F15-BE6A-CD8648BB1148}"/>
               </a:ext>
               <a:ext uri="{C183D7F6-B498-43B3-948B-1728B52AA6E4}">
-                <adec:decorative xmlns="" xmlns:adec="http://schemas.microsoft.com/office/drawing/2017/decorative" val="1"/>
+                <adec:decorative xmlns:adec="http://schemas.microsoft.com/office/drawing/2017/decorative" xmlns="" val="1"/>
               </a:ext>
             </a:extLst>
           </p:cNvPr>
@@ -21155,7 +21207,7 @@
                 <a16:creationId xmlns:a16="http://schemas.microsoft.com/office/drawing/2014/main" id="{201CC55D-ED54-4C5C-95E6-10947BD1103B}"/>
               </a:ext>
               <a:ext uri="{C183D7F6-B498-43B3-948B-1728B52AA6E4}">
-                <adec:decorative xmlns="" xmlns:adec="http://schemas.microsoft.com/office/drawing/2017/decorative" val="1"/>
+                <adec:decorative xmlns:adec="http://schemas.microsoft.com/office/drawing/2017/decorative" xmlns="" val="1"/>
               </a:ext>
             </a:extLst>
           </p:cNvPr>
@@ -21267,7 +21319,7 @@
                 <a16:creationId xmlns:a16="http://schemas.microsoft.com/office/drawing/2014/main" id="{1DE889C7-FAD6-4397-98E2-05D503484459}"/>
               </a:ext>
               <a:ext uri="{C183D7F6-B498-43B3-948B-1728B52AA6E4}">
-                <adec:decorative xmlns="" xmlns:adec="http://schemas.microsoft.com/office/drawing/2017/decorative" val="1"/>
+                <adec:decorative xmlns:adec="http://schemas.microsoft.com/office/drawing/2017/decorative" xmlns="" val="1"/>
               </a:ext>
             </a:extLst>
           </p:cNvPr>
@@ -21298,7 +21350,7 @@
                   <a16:creationId xmlns:a16="http://schemas.microsoft.com/office/drawing/2014/main" id="{F399A70F-F8CD-4992-9EF5-6CF15472E73F}"/>
                 </a:ext>
                 <a:ext uri="{C183D7F6-B498-43B3-948B-1728B52AA6E4}">
-                  <adec:decorative xmlns="" xmlns:adec="http://schemas.microsoft.com/office/drawing/2017/decorative" val="1"/>
+                  <adec:decorative xmlns:adec="http://schemas.microsoft.com/office/drawing/2017/decorative" xmlns="" val="1"/>
                 </a:ext>
               </a:extLst>
             </p:cNvPr>
@@ -21359,7 +21411,7 @@
                   <a16:creationId xmlns:a16="http://schemas.microsoft.com/office/drawing/2014/main" id="{48F4FEDC-6D80-458C-A665-075D9B9500FD}"/>
                 </a:ext>
                 <a:ext uri="{C183D7F6-B498-43B3-948B-1728B52AA6E4}">
-                  <adec:decorative xmlns="" xmlns:adec="http://schemas.microsoft.com/office/drawing/2017/decorative" val="1"/>
+                  <adec:decorative xmlns:adec="http://schemas.microsoft.com/office/drawing/2017/decorative" xmlns="" val="1"/>
                 </a:ext>
               </a:extLst>
             </p:cNvPr>
@@ -21421,7 +21473,7 @@
                 <a16:creationId xmlns:a16="http://schemas.microsoft.com/office/drawing/2014/main" id="{3873B707-463F-40B0-8227-E8CC6C67EB25}"/>
               </a:ext>
               <a:ext uri="{C183D7F6-B498-43B3-948B-1728B52AA6E4}">
-                <adec:decorative xmlns="" xmlns:adec="http://schemas.microsoft.com/office/drawing/2017/decorative" val="1"/>
+                <adec:decorative xmlns:adec="http://schemas.microsoft.com/office/drawing/2017/decorative" xmlns="" val="1"/>
               </a:ext>
             </a:extLst>
           </p:cNvPr>
@@ -21656,7 +21708,7 @@
                 <a16:creationId xmlns:a16="http://schemas.microsoft.com/office/drawing/2014/main" id="{C13237C8-E62C-4F0D-A318-BD6FB6C2D138}"/>
               </a:ext>
               <a:ext uri="{C183D7F6-B498-43B3-948B-1728B52AA6E4}">
-                <adec:decorative xmlns="" xmlns:adec="http://schemas.microsoft.com/office/drawing/2017/decorative" val="1"/>
+                <adec:decorative xmlns:adec="http://schemas.microsoft.com/office/drawing/2017/decorative" xmlns="" val="1"/>
               </a:ext>
             </a:extLst>
           </p:cNvPr>
@@ -21719,7 +21771,7 @@
                 <a16:creationId xmlns:a16="http://schemas.microsoft.com/office/drawing/2014/main" id="{19C9EAEA-39D0-4B0E-A0EB-51E7B26740B1}"/>
               </a:ext>
               <a:ext uri="{C183D7F6-B498-43B3-948B-1728B52AA6E4}">
-                <adec:decorative xmlns="" xmlns:adec="http://schemas.microsoft.com/office/drawing/2017/decorative" val="1"/>
+                <adec:decorative xmlns:adec="http://schemas.microsoft.com/office/drawing/2017/decorative" xmlns="" val="1"/>
               </a:ext>
             </a:extLst>
           </p:cNvPr>
@@ -23306,7 +23358,7 @@
                 <a16:creationId xmlns:a16="http://schemas.microsoft.com/office/drawing/2014/main" id="{D4C74C1C-EF2E-40CF-A712-656E694E6724}"/>
               </a:ext>
               <a:ext uri="{C183D7F6-B498-43B3-948B-1728B52AA6E4}">
-                <adec:decorative xmlns="" xmlns:adec="http://schemas.microsoft.com/office/drawing/2017/decorative" val="1"/>
+                <adec:decorative xmlns:adec="http://schemas.microsoft.com/office/drawing/2017/decorative" xmlns="" val="1"/>
               </a:ext>
             </a:extLst>
           </p:cNvPr>
@@ -23366,7 +23418,7 @@
                 <a16:creationId xmlns:a16="http://schemas.microsoft.com/office/drawing/2014/main" id="{90464369-70FA-42AF-948F-80664CA7BFE5}"/>
               </a:ext>
               <a:ext uri="{C183D7F6-B498-43B3-948B-1728B52AA6E4}">
-                <adec:decorative xmlns="" xmlns:adec="http://schemas.microsoft.com/office/drawing/2017/decorative" val="1"/>
+                <adec:decorative xmlns:adec="http://schemas.microsoft.com/office/drawing/2017/decorative" xmlns="" val="1"/>
               </a:ext>
             </a:extLst>
           </p:cNvPr>
@@ -23432,7 +23484,7 @@
                 <a16:creationId xmlns:a16="http://schemas.microsoft.com/office/drawing/2014/main" id="{A648176E-454C-437C-B0FC-9B82FCF32B24}"/>
               </a:ext>
               <a:ext uri="{C183D7F6-B498-43B3-948B-1728B52AA6E4}">
-                <adec:decorative xmlns="" xmlns:adec="http://schemas.microsoft.com/office/drawing/2017/decorative" val="1"/>
+                <adec:decorative xmlns:adec="http://schemas.microsoft.com/office/drawing/2017/decorative" xmlns="" val="1"/>
               </a:ext>
             </a:extLst>
           </p:cNvPr>
@@ -23495,7 +23547,7 @@
                 <a16:creationId xmlns:a16="http://schemas.microsoft.com/office/drawing/2014/main" id="{A6604B49-AD5C-4590-B051-06C8222ECD99}"/>
               </a:ext>
               <a:ext uri="{C183D7F6-B498-43B3-948B-1728B52AA6E4}">
-                <adec:decorative xmlns="" xmlns:adec="http://schemas.microsoft.com/office/drawing/2017/decorative" val="1"/>
+                <adec:decorative xmlns:adec="http://schemas.microsoft.com/office/drawing/2017/decorative" xmlns="" val="1"/>
               </a:ext>
             </a:extLst>
           </p:cNvPr>
@@ -23558,7 +23610,7 @@
                 <a16:creationId xmlns:a16="http://schemas.microsoft.com/office/drawing/2014/main" id="{CC552A98-EF7D-4D42-AB69-066B786AB55B}"/>
               </a:ext>
               <a:ext uri="{C183D7F6-B498-43B3-948B-1728B52AA6E4}">
-                <adec:decorative xmlns="" xmlns:adec="http://schemas.microsoft.com/office/drawing/2017/decorative" val="1"/>
+                <adec:decorative xmlns:adec="http://schemas.microsoft.com/office/drawing/2017/decorative" xmlns="" val="1"/>
               </a:ext>
             </a:extLst>
           </p:cNvPr>
@@ -23641,7 +23693,7 @@
                 <a14:useLocalDpi xmlns:a14="http://schemas.microsoft.com/office/drawing/2010/main" val="0"/>
               </a:ext>
               <a:ext uri="{96DAC541-7B7A-43D3-8B79-37D633B846F1}">
-                <asvg:svgBlip xmlns="" xmlns:asvg="http://schemas.microsoft.com/office/drawing/2016/SVG/main" r:embed="rId3"/>
+                <asvg:svgBlip xmlns:asvg="http://schemas.microsoft.com/office/drawing/2016/SVG/main" xmlns="" r:embed="rId3"/>
               </a:ext>
             </a:extLst>
           </a:blip>
@@ -24701,7 +24753,7 @@
                 <a16:creationId xmlns:a16="http://schemas.microsoft.com/office/drawing/2014/main" id="{87A57295-2710-4920-B99A-4D1FA03A62BD}"/>
               </a:ext>
               <a:ext uri="{C183D7F6-B498-43B3-948B-1728B52AA6E4}">
-                <adec:decorative xmlns="" xmlns:adec="http://schemas.microsoft.com/office/drawing/2017/decorative" val="1"/>
+                <adec:decorative xmlns:adec="http://schemas.microsoft.com/office/drawing/2017/decorative" xmlns="" val="1"/>
               </a:ext>
             </a:extLst>
           </p:cNvPr>
@@ -24761,7 +24813,7 @@
                 <a16:creationId xmlns:a16="http://schemas.microsoft.com/office/drawing/2014/main" id="{78067929-4D33-4306-9E2F-67C49CDDB5DE}"/>
               </a:ext>
               <a:ext uri="{C183D7F6-B498-43B3-948B-1728B52AA6E4}">
-                <adec:decorative xmlns="" xmlns:adec="http://schemas.microsoft.com/office/drawing/2017/decorative" val="1"/>
+                <adec:decorative xmlns:adec="http://schemas.microsoft.com/office/drawing/2017/decorative" xmlns="" val="1"/>
               </a:ext>
             </a:extLst>
           </p:cNvPr>
@@ -24823,7 +24875,7 @@
                 <a16:creationId xmlns:a16="http://schemas.microsoft.com/office/drawing/2014/main" id="{2D72A2C9-F3CA-4216-8BAD-FA4C970C3C4E}"/>
               </a:ext>
               <a:ext uri="{C183D7F6-B498-43B3-948B-1728B52AA6E4}">
-                <adec:decorative xmlns="" xmlns:adec="http://schemas.microsoft.com/office/drawing/2017/decorative" val="1"/>
+                <adec:decorative xmlns:adec="http://schemas.microsoft.com/office/drawing/2017/decorative" xmlns="" val="1"/>
               </a:ext>
             </a:extLst>
           </p:cNvPr>

--- a/PROGRAMACION/FOL/TEMA 6 FOL PRESTACIONES SS .pptx
+++ b/PROGRAMACION/FOL/TEMA 6 FOL PRESTACIONES SS .pptx
@@ -2760,7 +2760,7 @@
                 <a14:useLocalDpi xmlns:a14="http://schemas.microsoft.com/office/drawing/2010/main" val="0"/>
               </a:ext>
               <a:ext uri="{96DAC541-7B7A-43D3-8B79-37D633B846F1}">
-                <asvg:svgBlip xmlns:asvg="http://schemas.microsoft.com/office/drawing/2016/SVG/main" xmlns="" r:embed="rId2"/>
+                <asvg:svgBlip xmlns="" xmlns:asvg="http://schemas.microsoft.com/office/drawing/2016/SVG/main" r:embed="rId2"/>
               </a:ext>
             </a:extLst>
           </a:blip>
@@ -2824,7 +2824,7 @@
                 <a14:useLocalDpi xmlns:a14="http://schemas.microsoft.com/office/drawing/2010/main" val="0"/>
               </a:ext>
               <a:ext uri="{96DAC541-7B7A-43D3-8B79-37D633B846F1}">
-                <asvg:svgBlip xmlns:asvg="http://schemas.microsoft.com/office/drawing/2016/SVG/main" xmlns="" r:embed="rId4"/>
+                <asvg:svgBlip xmlns="" xmlns:asvg="http://schemas.microsoft.com/office/drawing/2016/SVG/main" r:embed="rId4"/>
               </a:ext>
             </a:extLst>
           </a:blip>
@@ -2898,7 +2898,7 @@
           <a:blip xmlns:r="http://schemas.openxmlformats.org/officeDocument/2006/relationships" r:embed="rId5">
             <a:extLst>
               <a:ext uri="{96DAC541-7B7A-43D3-8B79-37D633B846F1}">
-                <asvg:svgBlip xmlns:asvg="http://schemas.microsoft.com/office/drawing/2016/SVG/main" xmlns="" r:embed="rId6"/>
+                <asvg:svgBlip xmlns="" xmlns:asvg="http://schemas.microsoft.com/office/drawing/2016/SVG/main" r:embed="rId6"/>
               </a:ext>
             </a:extLst>
           </a:blip>
@@ -2953,7 +2953,7 @@
           <a:blip xmlns:r="http://schemas.openxmlformats.org/officeDocument/2006/relationships" r:embed="rId7">
             <a:extLst>
               <a:ext uri="{96DAC541-7B7A-43D3-8B79-37D633B846F1}">
-                <asvg:svgBlip xmlns:asvg="http://schemas.microsoft.com/office/drawing/2016/SVG/main" xmlns="" r:embed="rId8"/>
+                <asvg:svgBlip xmlns="" xmlns:asvg="http://schemas.microsoft.com/office/drawing/2016/SVG/main" r:embed="rId8"/>
               </a:ext>
             </a:extLst>
           </a:blip>
@@ -4216,7 +4216,7 @@
                 <a14:useLocalDpi xmlns:a14="http://schemas.microsoft.com/office/drawing/2010/main" val="0"/>
               </a:ext>
               <a:ext uri="{96DAC541-7B7A-43D3-8B79-37D633B846F1}">
-                <asvg:svgBlip xmlns:asvg="http://schemas.microsoft.com/office/drawing/2016/SVG/main" xmlns="" r:embed="rId2"/>
+                <asvg:svgBlip xmlns="" xmlns:asvg="http://schemas.microsoft.com/office/drawing/2016/SVG/main" r:embed="rId2"/>
               </a:ext>
             </a:extLst>
           </a:blip>
@@ -4379,7 +4379,7 @@
                 <a14:useLocalDpi xmlns:a14="http://schemas.microsoft.com/office/drawing/2010/main" val="0"/>
               </a:ext>
               <a:ext uri="{96DAC541-7B7A-43D3-8B79-37D633B846F1}">
-                <asvg:svgBlip xmlns:asvg="http://schemas.microsoft.com/office/drawing/2016/SVG/main" xmlns="" r:embed="rId4"/>
+                <asvg:svgBlip xmlns="" xmlns:asvg="http://schemas.microsoft.com/office/drawing/2016/SVG/main" r:embed="rId4"/>
               </a:ext>
             </a:extLst>
           </a:blip>
@@ -4617,7 +4617,7 @@
           <a:blip xmlns:r="http://schemas.openxmlformats.org/officeDocument/2006/relationships" r:embed="rId5">
             <a:extLst>
               <a:ext uri="{96DAC541-7B7A-43D3-8B79-37D633B846F1}">
-                <asvg:svgBlip xmlns:asvg="http://schemas.microsoft.com/office/drawing/2016/SVG/main" xmlns="" r:embed="rId6"/>
+                <asvg:svgBlip xmlns="" xmlns:asvg="http://schemas.microsoft.com/office/drawing/2016/SVG/main" r:embed="rId6"/>
               </a:ext>
             </a:extLst>
           </a:blip>
@@ -4774,7 +4774,7 @@
           <a:blip xmlns:r="http://schemas.openxmlformats.org/officeDocument/2006/relationships" r:embed="rId7">
             <a:extLst>
               <a:ext uri="{96DAC541-7B7A-43D3-8B79-37D633B846F1}">
-                <asvg:svgBlip xmlns:asvg="http://schemas.microsoft.com/office/drawing/2016/SVG/main" xmlns="" r:embed="rId8"/>
+                <asvg:svgBlip xmlns="" xmlns:asvg="http://schemas.microsoft.com/office/drawing/2016/SVG/main" r:embed="rId8"/>
               </a:ext>
             </a:extLst>
           </a:blip>
@@ -5476,7 +5476,7 @@
   </dgm:layoutNode>
   <dgm:extLst>
     <a:ext uri="{68A01E43-0DF5-4B5B-8FA6-DAF915123BFB}">
-      <dgm1612:lstStyle xmlns:dgm1612="http://schemas.microsoft.com/office/drawing/2016/12/diagram" xmlns="">
+      <dgm1612:lstStyle xmlns="" xmlns:dgm1612="http://schemas.microsoft.com/office/drawing/2016/12/diagram">
         <a:lvl1pPr>
           <a:lnSpc>
             <a:spcPct val="100000"/>
@@ -7708,7 +7708,7 @@
           <a:p>
             <a:fld id="{6E5A1375-5E48-45CD-B1FF-BA3248025E3D}" type="datetimeFigureOut">
               <a:rPr lang="es-ES" smtClean="0"/>
-              <a:t>14/02/2024</a:t>
+              <a:t>20/02/2024</a:t>
             </a:fld>
             <a:endParaRPr lang="es-ES"/>
           </a:p>
@@ -7906,7 +7906,7 @@
           <a:p>
             <a:fld id="{6E5A1375-5E48-45CD-B1FF-BA3248025E3D}" type="datetimeFigureOut">
               <a:rPr lang="es-ES" smtClean="0"/>
-              <a:t>14/02/2024</a:t>
+              <a:t>20/02/2024</a:t>
             </a:fld>
             <a:endParaRPr lang="es-ES"/>
           </a:p>
@@ -8114,7 +8114,7 @@
           <a:p>
             <a:fld id="{6E5A1375-5E48-45CD-B1FF-BA3248025E3D}" type="datetimeFigureOut">
               <a:rPr lang="es-ES" smtClean="0"/>
-              <a:t>14/02/2024</a:t>
+              <a:t>20/02/2024</a:t>
             </a:fld>
             <a:endParaRPr lang="es-ES"/>
           </a:p>
@@ -8312,7 +8312,7 @@
           <a:p>
             <a:fld id="{6E5A1375-5E48-45CD-B1FF-BA3248025E3D}" type="datetimeFigureOut">
               <a:rPr lang="es-ES" smtClean="0"/>
-              <a:t>14/02/2024</a:t>
+              <a:t>20/02/2024</a:t>
             </a:fld>
             <a:endParaRPr lang="es-ES"/>
           </a:p>
@@ -8587,7 +8587,7 @@
           <a:p>
             <a:fld id="{6E5A1375-5E48-45CD-B1FF-BA3248025E3D}" type="datetimeFigureOut">
               <a:rPr lang="es-ES" smtClean="0"/>
-              <a:t>14/02/2024</a:t>
+              <a:t>20/02/2024</a:t>
             </a:fld>
             <a:endParaRPr lang="es-ES"/>
           </a:p>
@@ -8852,7 +8852,7 @@
           <a:p>
             <a:fld id="{6E5A1375-5E48-45CD-B1FF-BA3248025E3D}" type="datetimeFigureOut">
               <a:rPr lang="es-ES" smtClean="0"/>
-              <a:t>14/02/2024</a:t>
+              <a:t>20/02/2024</a:t>
             </a:fld>
             <a:endParaRPr lang="es-ES"/>
           </a:p>
@@ -9264,7 +9264,7 @@
           <a:p>
             <a:fld id="{6E5A1375-5E48-45CD-B1FF-BA3248025E3D}" type="datetimeFigureOut">
               <a:rPr lang="es-ES" smtClean="0"/>
-              <a:t>14/02/2024</a:t>
+              <a:t>20/02/2024</a:t>
             </a:fld>
             <a:endParaRPr lang="es-ES"/>
           </a:p>
@@ -9405,7 +9405,7 @@
           <a:p>
             <a:fld id="{6E5A1375-5E48-45CD-B1FF-BA3248025E3D}" type="datetimeFigureOut">
               <a:rPr lang="es-ES" smtClean="0"/>
-              <a:t>14/02/2024</a:t>
+              <a:t>20/02/2024</a:t>
             </a:fld>
             <a:endParaRPr lang="es-ES"/>
           </a:p>
@@ -9518,7 +9518,7 @@
           <a:p>
             <a:fld id="{6E5A1375-5E48-45CD-B1FF-BA3248025E3D}" type="datetimeFigureOut">
               <a:rPr lang="es-ES" smtClean="0"/>
-              <a:t>14/02/2024</a:t>
+              <a:t>20/02/2024</a:t>
             </a:fld>
             <a:endParaRPr lang="es-ES"/>
           </a:p>
@@ -9829,7 +9829,7 @@
           <a:p>
             <a:fld id="{6E5A1375-5E48-45CD-B1FF-BA3248025E3D}" type="datetimeFigureOut">
               <a:rPr lang="es-ES" smtClean="0"/>
-              <a:t>14/02/2024</a:t>
+              <a:t>20/02/2024</a:t>
             </a:fld>
             <a:endParaRPr lang="es-ES"/>
           </a:p>
@@ -10117,7 +10117,7 @@
           <a:p>
             <a:fld id="{6E5A1375-5E48-45CD-B1FF-BA3248025E3D}" type="datetimeFigureOut">
               <a:rPr lang="es-ES" smtClean="0"/>
-              <a:t>14/02/2024</a:t>
+              <a:t>20/02/2024</a:t>
             </a:fld>
             <a:endParaRPr lang="es-ES"/>
           </a:p>
@@ -10358,7 +10358,7 @@
           <a:p>
             <a:fld id="{6E5A1375-5E48-45CD-B1FF-BA3248025E3D}" type="datetimeFigureOut">
               <a:rPr lang="es-ES" smtClean="0"/>
-              <a:t>14/02/2024</a:t>
+              <a:t>20/02/2024</a:t>
             </a:fld>
             <a:endParaRPr lang="es-ES"/>
           </a:p>
@@ -10913,7 +10913,7 @@
                 <a16:creationId xmlns:a16="http://schemas.microsoft.com/office/drawing/2014/main" id="{71FC7D98-7B8B-402A-90FC-F027482F2142}"/>
               </a:ext>
               <a:ext uri="{C183D7F6-B498-43B3-948B-1728B52AA6E4}">
-                <adec:decorative xmlns:adec="http://schemas.microsoft.com/office/drawing/2017/decorative" xmlns="" val="1"/>
+                <adec:decorative xmlns="" xmlns:adec="http://schemas.microsoft.com/office/drawing/2017/decorative" val="1"/>
               </a:ext>
             </a:extLst>
           </p:cNvPr>
@@ -10976,7 +10976,7 @@
                 <a16:creationId xmlns:a16="http://schemas.microsoft.com/office/drawing/2014/main" id="{AD7356EA-285B-4E5D-8FEC-104659A4FD2C}"/>
               </a:ext>
               <a:ext uri="{C183D7F6-B498-43B3-948B-1728B52AA6E4}">
-                <adec:decorative xmlns:adec="http://schemas.microsoft.com/office/drawing/2017/decorative" xmlns="" val="1"/>
+                <adec:decorative xmlns="" xmlns:adec="http://schemas.microsoft.com/office/drawing/2017/decorative" val="1"/>
               </a:ext>
             </a:extLst>
           </p:cNvPr>
@@ -11118,7 +11118,7 @@
                 <a16:creationId xmlns:a16="http://schemas.microsoft.com/office/drawing/2014/main" id="{081EA652-8C6A-4E69-BEB9-170809474553}"/>
               </a:ext>
               <a:ext uri="{C183D7F6-B498-43B3-948B-1728B52AA6E4}">
-                <adec:decorative xmlns:adec="http://schemas.microsoft.com/office/drawing/2017/decorative" xmlns="" val="1"/>
+                <adec:decorative xmlns="" xmlns:adec="http://schemas.microsoft.com/office/drawing/2017/decorative" val="1"/>
               </a:ext>
             </a:extLst>
           </p:cNvPr>
@@ -11178,7 +11178,7 @@
                 <a16:creationId xmlns:a16="http://schemas.microsoft.com/office/drawing/2014/main" id="{5298780A-33B9-4EA2-8F67-DE68AD62841B}"/>
               </a:ext>
               <a:ext uri="{C183D7F6-B498-43B3-948B-1728B52AA6E4}">
-                <adec:decorative xmlns:adec="http://schemas.microsoft.com/office/drawing/2017/decorative" xmlns="" val="1"/>
+                <adec:decorative xmlns="" xmlns:adec="http://schemas.microsoft.com/office/drawing/2017/decorative" val="1"/>
               </a:ext>
             </a:extLst>
           </p:cNvPr>
@@ -11241,7 +11241,7 @@
                 <a16:creationId xmlns:a16="http://schemas.microsoft.com/office/drawing/2014/main" id="{7F488E8B-4E1E-4402-8935-D4E6C02615C7}"/>
               </a:ext>
               <a:ext uri="{C183D7F6-B498-43B3-948B-1728B52AA6E4}">
-                <adec:decorative xmlns:adec="http://schemas.microsoft.com/office/drawing/2017/decorative" xmlns="" val="1"/>
+                <adec:decorative xmlns="" xmlns:adec="http://schemas.microsoft.com/office/drawing/2017/decorative" val="1"/>
               </a:ext>
             </a:extLst>
           </p:cNvPr>
@@ -11307,7 +11307,7 @@
                 <a16:creationId xmlns:a16="http://schemas.microsoft.com/office/drawing/2014/main" id="{23AAC9B5-8015-485C-ACF9-A750390E9A56}"/>
               </a:ext>
               <a:ext uri="{C183D7F6-B498-43B3-948B-1728B52AA6E4}">
-                <adec:decorative xmlns:adec="http://schemas.microsoft.com/office/drawing/2017/decorative" xmlns="" val="1"/>
+                <adec:decorative xmlns="" xmlns:adec="http://schemas.microsoft.com/office/drawing/2017/decorative" val="1"/>
               </a:ext>
             </a:extLst>
           </p:cNvPr>
@@ -11533,7 +11533,7 @@
                 <a16:creationId xmlns:a16="http://schemas.microsoft.com/office/drawing/2014/main" id="{5AAE9118-0436-4488-AC4A-C14DF6A7B6B1}"/>
               </a:ext>
               <a:ext uri="{C183D7F6-B498-43B3-948B-1728B52AA6E4}">
-                <adec:decorative xmlns:adec="http://schemas.microsoft.com/office/drawing/2017/decorative" xmlns="" val="1"/>
+                <adec:decorative xmlns="" xmlns:adec="http://schemas.microsoft.com/office/drawing/2017/decorative" val="1"/>
               </a:ext>
             </a:extLst>
           </p:cNvPr>
@@ -11596,7 +11596,7 @@
                 <a16:creationId xmlns:a16="http://schemas.microsoft.com/office/drawing/2014/main" id="{07A0C51E-5464-4470-855E-CA530A59BF98}"/>
               </a:ext>
               <a:ext uri="{C183D7F6-B498-43B3-948B-1728B52AA6E4}">
-                <adec:decorative xmlns:adec="http://schemas.microsoft.com/office/drawing/2017/decorative" xmlns="" val="1"/>
+                <adec:decorative xmlns="" xmlns:adec="http://schemas.microsoft.com/office/drawing/2017/decorative" val="1"/>
               </a:ext>
             </a:extLst>
           </p:cNvPr>
@@ -11863,7 +11863,7 @@
                 <a16:creationId xmlns:a16="http://schemas.microsoft.com/office/drawing/2014/main" id="{201CC55D-ED54-4C5C-95E6-10947BD1103B}"/>
               </a:ext>
               <a:ext uri="{C183D7F6-B498-43B3-948B-1728B52AA6E4}">
-                <adec:decorative xmlns:adec="http://schemas.microsoft.com/office/drawing/2017/decorative" xmlns="" val="1"/>
+                <adec:decorative xmlns="" xmlns:adec="http://schemas.microsoft.com/office/drawing/2017/decorative" val="1"/>
               </a:ext>
             </a:extLst>
           </p:cNvPr>
@@ -11980,7 +11980,7 @@
                 <a16:creationId xmlns:a16="http://schemas.microsoft.com/office/drawing/2014/main" id="{1DE889C7-FAD6-4397-98E2-05D503484459}"/>
               </a:ext>
               <a:ext uri="{C183D7F6-B498-43B3-948B-1728B52AA6E4}">
-                <adec:decorative xmlns:adec="http://schemas.microsoft.com/office/drawing/2017/decorative" xmlns="" val="1"/>
+                <adec:decorative xmlns="" xmlns:adec="http://schemas.microsoft.com/office/drawing/2017/decorative" val="1"/>
               </a:ext>
             </a:extLst>
           </p:cNvPr>
@@ -12011,7 +12011,7 @@
                   <a16:creationId xmlns:a16="http://schemas.microsoft.com/office/drawing/2014/main" id="{F399A70F-F8CD-4992-9EF5-6CF15472E73F}"/>
                 </a:ext>
                 <a:ext uri="{C183D7F6-B498-43B3-948B-1728B52AA6E4}">
-                  <adec:decorative xmlns:adec="http://schemas.microsoft.com/office/drawing/2017/decorative" xmlns="" val="1"/>
+                  <adec:decorative xmlns="" xmlns:adec="http://schemas.microsoft.com/office/drawing/2017/decorative" val="1"/>
                 </a:ext>
               </a:extLst>
             </p:cNvPr>
@@ -12072,7 +12072,7 @@
                   <a16:creationId xmlns:a16="http://schemas.microsoft.com/office/drawing/2014/main" id="{48F4FEDC-6D80-458C-A665-075D9B9500FD}"/>
                 </a:ext>
                 <a:ext uri="{C183D7F6-B498-43B3-948B-1728B52AA6E4}">
-                  <adec:decorative xmlns:adec="http://schemas.microsoft.com/office/drawing/2017/decorative" xmlns="" val="1"/>
+                  <adec:decorative xmlns="" xmlns:adec="http://schemas.microsoft.com/office/drawing/2017/decorative" val="1"/>
                 </a:ext>
               </a:extLst>
             </p:cNvPr>
@@ -12134,7 +12134,7 @@
                 <a16:creationId xmlns:a16="http://schemas.microsoft.com/office/drawing/2014/main" id="{3873B707-463F-40B0-8227-E8CC6C67EB25}"/>
               </a:ext>
               <a:ext uri="{C183D7F6-B498-43B3-948B-1728B52AA6E4}">
-                <adec:decorative xmlns:adec="http://schemas.microsoft.com/office/drawing/2017/decorative" xmlns="" val="1"/>
+                <adec:decorative xmlns="" xmlns:adec="http://schemas.microsoft.com/office/drawing/2017/decorative" val="1"/>
               </a:ext>
             </a:extLst>
           </p:cNvPr>
@@ -12253,7 +12253,7 @@
                 <a16:creationId xmlns:a16="http://schemas.microsoft.com/office/drawing/2014/main" id="{C13237C8-E62C-4F0D-A318-BD6FB6C2D138}"/>
               </a:ext>
               <a:ext uri="{C183D7F6-B498-43B3-948B-1728B52AA6E4}">
-                <adec:decorative xmlns:adec="http://schemas.microsoft.com/office/drawing/2017/decorative" xmlns="" val="1"/>
+                <adec:decorative xmlns="" xmlns:adec="http://schemas.microsoft.com/office/drawing/2017/decorative" val="1"/>
               </a:ext>
             </a:extLst>
           </p:cNvPr>
@@ -12316,7 +12316,7 @@
                 <a16:creationId xmlns:a16="http://schemas.microsoft.com/office/drawing/2014/main" id="{19C9EAEA-39D0-4B0E-A0EB-51E7B26740B1}"/>
               </a:ext>
               <a:ext uri="{C183D7F6-B498-43B3-948B-1728B52AA6E4}">
-                <adec:decorative xmlns:adec="http://schemas.microsoft.com/office/drawing/2017/decorative" xmlns="" val="1"/>
+                <adec:decorative xmlns="" xmlns:adec="http://schemas.microsoft.com/office/drawing/2017/decorative" val="1"/>
               </a:ext>
             </a:extLst>
           </p:cNvPr>
@@ -12453,7 +12453,7 @@
                 <a16:creationId xmlns:a16="http://schemas.microsoft.com/office/drawing/2014/main" id="{8B9AA7C6-5E5A-498E-A6DF-A943376E09BC}"/>
               </a:ext>
               <a:ext uri="{C183D7F6-B498-43B3-948B-1728B52AA6E4}">
-                <adec:decorative xmlns:adec="http://schemas.microsoft.com/office/drawing/2017/decorative" xmlns="" val="1"/>
+                <adec:decorative xmlns="" xmlns:adec="http://schemas.microsoft.com/office/drawing/2017/decorative" val="1"/>
               </a:ext>
             </a:extLst>
           </p:cNvPr>
@@ -12513,7 +12513,7 @@
                 <a16:creationId xmlns:a16="http://schemas.microsoft.com/office/drawing/2014/main" id="{83EAB11A-76F7-48F4-9B4F-5BFDF4BF9670}"/>
               </a:ext>
               <a:ext uri="{C183D7F6-B498-43B3-948B-1728B52AA6E4}">
-                <adec:decorative xmlns:adec="http://schemas.microsoft.com/office/drawing/2017/decorative" xmlns="" val="1"/>
+                <adec:decorative xmlns="" xmlns:adec="http://schemas.microsoft.com/office/drawing/2017/decorative" val="1"/>
               </a:ext>
             </a:extLst>
           </p:cNvPr>
@@ -12544,7 +12544,7 @@
                   <a16:creationId xmlns:a16="http://schemas.microsoft.com/office/drawing/2014/main" id="{74D4C416-D5F4-4F6F-A6F1-87A21CD4FCAF}"/>
                 </a:ext>
                 <a:ext uri="{C183D7F6-B498-43B3-948B-1728B52AA6E4}">
-                  <adec:decorative xmlns:adec="http://schemas.microsoft.com/office/drawing/2017/decorative" xmlns="" val="1"/>
+                  <adec:decorative xmlns="" xmlns:adec="http://schemas.microsoft.com/office/drawing/2017/decorative" val="1"/>
                 </a:ext>
               </a:extLst>
             </p:cNvPr>
@@ -12605,7 +12605,7 @@
                   <a16:creationId xmlns:a16="http://schemas.microsoft.com/office/drawing/2014/main" id="{C6AC1C30-21C6-4BF6-93EE-B211D7A85011}"/>
                 </a:ext>
                 <a:ext uri="{C183D7F6-B498-43B3-948B-1728B52AA6E4}">
-                  <adec:decorative xmlns:adec="http://schemas.microsoft.com/office/drawing/2017/decorative" xmlns="" val="1"/>
+                  <adec:decorative xmlns="" xmlns:adec="http://schemas.microsoft.com/office/drawing/2017/decorative" val="1"/>
                 </a:ext>
               </a:extLst>
             </p:cNvPr>
@@ -12658,7 +12658,7 @@
                 <a16:creationId xmlns:a16="http://schemas.microsoft.com/office/drawing/2014/main" id="{81E140AE-0ABF-47C8-BF32-7D2F0CF2BA44}"/>
               </a:ext>
               <a:ext uri="{C183D7F6-B498-43B3-948B-1728B52AA6E4}">
-                <adec:decorative xmlns:adec="http://schemas.microsoft.com/office/drawing/2017/decorative" xmlns="" val="1"/>
+                <adec:decorative xmlns="" xmlns:adec="http://schemas.microsoft.com/office/drawing/2017/decorative" val="1"/>
               </a:ext>
             </a:extLst>
           </p:cNvPr>
@@ -12721,7 +12721,7 @@
                 <a16:creationId xmlns:a16="http://schemas.microsoft.com/office/drawing/2014/main" id="{CBC4F608-B4B8-48C3-9572-C0F061B1CD99}"/>
               </a:ext>
               <a:ext uri="{C183D7F6-B498-43B3-948B-1728B52AA6E4}">
-                <adec:decorative xmlns:adec="http://schemas.microsoft.com/office/drawing/2017/decorative" xmlns="" val="1"/>
+                <adec:decorative xmlns="" xmlns:adec="http://schemas.microsoft.com/office/drawing/2017/decorative" val="1"/>
               </a:ext>
             </a:extLst>
           </p:cNvPr>
@@ -12915,7 +12915,7 @@
                 <a16:creationId xmlns:a16="http://schemas.microsoft.com/office/drawing/2014/main" id="{F0AED851-54B9-4765-92D2-F0BE443BEC91}"/>
               </a:ext>
               <a:ext uri="{C183D7F6-B498-43B3-948B-1728B52AA6E4}">
-                <adec:decorative xmlns:adec="http://schemas.microsoft.com/office/drawing/2017/decorative" xmlns="" val="1"/>
+                <adec:decorative xmlns="" xmlns:adec="http://schemas.microsoft.com/office/drawing/2017/decorative" val="1"/>
               </a:ext>
             </a:extLst>
           </p:cNvPr>
@@ -12975,7 +12975,7 @@
                 <a16:creationId xmlns:a16="http://schemas.microsoft.com/office/drawing/2014/main" id="{B81933D1-5615-42C7-9C0B-4EB7105CCE2D}"/>
               </a:ext>
               <a:ext uri="{C183D7F6-B498-43B3-948B-1728B52AA6E4}">
-                <adec:decorative xmlns:adec="http://schemas.microsoft.com/office/drawing/2017/decorative" xmlns="" val="1"/>
+                <adec:decorative xmlns="" xmlns:adec="http://schemas.microsoft.com/office/drawing/2017/decorative" val="1"/>
               </a:ext>
             </a:extLst>
           </p:cNvPr>
@@ -13038,7 +13038,7 @@
                 <a16:creationId xmlns:a16="http://schemas.microsoft.com/office/drawing/2014/main" id="{19C9EAEA-39D0-4B0E-A0EB-51E7B26740B1}"/>
               </a:ext>
               <a:ext uri="{C183D7F6-B498-43B3-948B-1728B52AA6E4}">
-                <adec:decorative xmlns:adec="http://schemas.microsoft.com/office/drawing/2017/decorative" xmlns="" val="1"/>
+                <adec:decorative xmlns="" xmlns:adec="http://schemas.microsoft.com/office/drawing/2017/decorative" val="1"/>
               </a:ext>
             </a:extLst>
           </p:cNvPr>
@@ -13108,7 +13108,7 @@
                 <a16:creationId xmlns:a16="http://schemas.microsoft.com/office/drawing/2014/main" id="{032D8612-31EB-44CF-A1D0-14FD4C705424}"/>
               </a:ext>
               <a:ext uri="{C183D7F6-B498-43B3-948B-1728B52AA6E4}">
-                <adec:decorative xmlns:adec="http://schemas.microsoft.com/office/drawing/2017/decorative" xmlns="" val="1"/>
+                <adec:decorative xmlns="" xmlns:adec="http://schemas.microsoft.com/office/drawing/2017/decorative" val="1"/>
               </a:ext>
             </a:extLst>
           </p:cNvPr>
@@ -13142,7 +13142,7 @@
                   <a16:creationId xmlns:a16="http://schemas.microsoft.com/office/drawing/2014/main" id="{F19A4A0F-1B59-4DB0-9764-D10936E98770}"/>
                 </a:ext>
                 <a:ext uri="{C183D7F6-B498-43B3-948B-1728B52AA6E4}">
-                  <adec:decorative xmlns:adec="http://schemas.microsoft.com/office/drawing/2017/decorative" xmlns="" val="1"/>
+                  <adec:decorative xmlns="" xmlns:adec="http://schemas.microsoft.com/office/drawing/2017/decorative" val="1"/>
                 </a:ext>
               </a:extLst>
             </p:cNvPr>
@@ -13201,7 +13201,7 @@
                   <a16:creationId xmlns:a16="http://schemas.microsoft.com/office/drawing/2014/main" id="{F399A70F-F8CD-4992-9EF5-6CF15472E73F}"/>
                 </a:ext>
                 <a:ext uri="{C183D7F6-B498-43B3-948B-1728B52AA6E4}">
-                  <adec:decorative xmlns:adec="http://schemas.microsoft.com/office/drawing/2017/decorative" xmlns="" val="1"/>
+                  <adec:decorative xmlns="" xmlns:adec="http://schemas.microsoft.com/office/drawing/2017/decorative" val="1"/>
                 </a:ext>
               </a:extLst>
             </p:cNvPr>
@@ -13260,7 +13260,7 @@
                   <a16:creationId xmlns:a16="http://schemas.microsoft.com/office/drawing/2014/main" id="{48F4FEDC-6D80-458C-A665-075D9B9500FD}"/>
                 </a:ext>
                 <a:ext uri="{C183D7F6-B498-43B3-948B-1728B52AA6E4}">
-                  <adec:decorative xmlns:adec="http://schemas.microsoft.com/office/drawing/2017/decorative" xmlns="" val="1"/>
+                  <adec:decorative xmlns="" xmlns:adec="http://schemas.microsoft.com/office/drawing/2017/decorative" val="1"/>
                 </a:ext>
               </a:extLst>
             </p:cNvPr>
@@ -14192,7 +14192,7 @@
                 <a16:creationId xmlns:a16="http://schemas.microsoft.com/office/drawing/2014/main" id="{201CC55D-ED54-4C5C-95E6-10947BD1103B}"/>
               </a:ext>
               <a:ext uri="{C183D7F6-B498-43B3-948B-1728B52AA6E4}">
-                <adec:decorative xmlns:adec="http://schemas.microsoft.com/office/drawing/2017/decorative" xmlns="" val="1"/>
+                <adec:decorative xmlns="" xmlns:adec="http://schemas.microsoft.com/office/drawing/2017/decorative" val="1"/>
               </a:ext>
             </a:extLst>
           </p:cNvPr>
@@ -14281,7 +14281,7 @@
                 <a16:creationId xmlns:a16="http://schemas.microsoft.com/office/drawing/2014/main" id="{1DE889C7-FAD6-4397-98E2-05D503484459}"/>
               </a:ext>
               <a:ext uri="{C183D7F6-B498-43B3-948B-1728B52AA6E4}">
-                <adec:decorative xmlns:adec="http://schemas.microsoft.com/office/drawing/2017/decorative" xmlns="" val="1"/>
+                <adec:decorative xmlns="" xmlns:adec="http://schemas.microsoft.com/office/drawing/2017/decorative" val="1"/>
               </a:ext>
             </a:extLst>
           </p:cNvPr>
@@ -14312,7 +14312,7 @@
                   <a16:creationId xmlns:a16="http://schemas.microsoft.com/office/drawing/2014/main" id="{F399A70F-F8CD-4992-9EF5-6CF15472E73F}"/>
                 </a:ext>
                 <a:ext uri="{C183D7F6-B498-43B3-948B-1728B52AA6E4}">
-                  <adec:decorative xmlns:adec="http://schemas.microsoft.com/office/drawing/2017/decorative" xmlns="" val="1"/>
+                  <adec:decorative xmlns="" xmlns:adec="http://schemas.microsoft.com/office/drawing/2017/decorative" val="1"/>
                 </a:ext>
               </a:extLst>
             </p:cNvPr>
@@ -14373,7 +14373,7 @@
                   <a16:creationId xmlns:a16="http://schemas.microsoft.com/office/drawing/2014/main" id="{48F4FEDC-6D80-458C-A665-075D9B9500FD}"/>
                 </a:ext>
                 <a:ext uri="{C183D7F6-B498-43B3-948B-1728B52AA6E4}">
-                  <adec:decorative xmlns:adec="http://schemas.microsoft.com/office/drawing/2017/decorative" xmlns="" val="1"/>
+                  <adec:decorative xmlns="" xmlns:adec="http://schemas.microsoft.com/office/drawing/2017/decorative" val="1"/>
                 </a:ext>
               </a:extLst>
             </p:cNvPr>
@@ -14435,7 +14435,7 @@
                 <a16:creationId xmlns:a16="http://schemas.microsoft.com/office/drawing/2014/main" id="{3873B707-463F-40B0-8227-E8CC6C67EB25}"/>
               </a:ext>
               <a:ext uri="{C183D7F6-B498-43B3-948B-1728B52AA6E4}">
-                <adec:decorative xmlns:adec="http://schemas.microsoft.com/office/drawing/2017/decorative" xmlns="" val="1"/>
+                <adec:decorative xmlns="" xmlns:adec="http://schemas.microsoft.com/office/drawing/2017/decorative" val="1"/>
               </a:ext>
             </a:extLst>
           </p:cNvPr>
@@ -14596,7 +14596,7 @@
                 <a16:creationId xmlns:a16="http://schemas.microsoft.com/office/drawing/2014/main" id="{C13237C8-E62C-4F0D-A318-BD6FB6C2D138}"/>
               </a:ext>
               <a:ext uri="{C183D7F6-B498-43B3-948B-1728B52AA6E4}">
-                <adec:decorative xmlns:adec="http://schemas.microsoft.com/office/drawing/2017/decorative" xmlns="" val="1"/>
+                <adec:decorative xmlns="" xmlns:adec="http://schemas.microsoft.com/office/drawing/2017/decorative" val="1"/>
               </a:ext>
             </a:extLst>
           </p:cNvPr>
@@ -14659,7 +14659,7 @@
                 <a16:creationId xmlns:a16="http://schemas.microsoft.com/office/drawing/2014/main" id="{19C9EAEA-39D0-4B0E-A0EB-51E7B26740B1}"/>
               </a:ext>
               <a:ext uri="{C183D7F6-B498-43B3-948B-1728B52AA6E4}">
-                <adec:decorative xmlns:adec="http://schemas.microsoft.com/office/drawing/2017/decorative" xmlns="" val="1"/>
+                <adec:decorative xmlns="" xmlns:adec="http://schemas.microsoft.com/office/drawing/2017/decorative" val="1"/>
               </a:ext>
             </a:extLst>
           </p:cNvPr>
@@ -14790,7 +14790,7 @@
                 <a16:creationId xmlns:a16="http://schemas.microsoft.com/office/drawing/2014/main" id="{201CC55D-ED54-4C5C-95E6-10947BD1103B}"/>
               </a:ext>
               <a:ext uri="{C183D7F6-B498-43B3-948B-1728B52AA6E4}">
-                <adec:decorative xmlns:adec="http://schemas.microsoft.com/office/drawing/2017/decorative" xmlns="" val="1"/>
+                <adec:decorative xmlns="" xmlns:adec="http://schemas.microsoft.com/office/drawing/2017/decorative" val="1"/>
               </a:ext>
             </a:extLst>
           </p:cNvPr>
@@ -14879,7 +14879,7 @@
                 <a16:creationId xmlns:a16="http://schemas.microsoft.com/office/drawing/2014/main" id="{1DE889C7-FAD6-4397-98E2-05D503484459}"/>
               </a:ext>
               <a:ext uri="{C183D7F6-B498-43B3-948B-1728B52AA6E4}">
-                <adec:decorative xmlns:adec="http://schemas.microsoft.com/office/drawing/2017/decorative" xmlns="" val="1"/>
+                <adec:decorative xmlns="" xmlns:adec="http://schemas.microsoft.com/office/drawing/2017/decorative" val="1"/>
               </a:ext>
             </a:extLst>
           </p:cNvPr>
@@ -14910,7 +14910,7 @@
                   <a16:creationId xmlns:a16="http://schemas.microsoft.com/office/drawing/2014/main" id="{F399A70F-F8CD-4992-9EF5-6CF15472E73F}"/>
                 </a:ext>
                 <a:ext uri="{C183D7F6-B498-43B3-948B-1728B52AA6E4}">
-                  <adec:decorative xmlns:adec="http://schemas.microsoft.com/office/drawing/2017/decorative" xmlns="" val="1"/>
+                  <adec:decorative xmlns="" xmlns:adec="http://schemas.microsoft.com/office/drawing/2017/decorative" val="1"/>
                 </a:ext>
               </a:extLst>
             </p:cNvPr>
@@ -14971,7 +14971,7 @@
                   <a16:creationId xmlns:a16="http://schemas.microsoft.com/office/drawing/2014/main" id="{48F4FEDC-6D80-458C-A665-075D9B9500FD}"/>
                 </a:ext>
                 <a:ext uri="{C183D7F6-B498-43B3-948B-1728B52AA6E4}">
-                  <adec:decorative xmlns:adec="http://schemas.microsoft.com/office/drawing/2017/decorative" xmlns="" val="1"/>
+                  <adec:decorative xmlns="" xmlns:adec="http://schemas.microsoft.com/office/drawing/2017/decorative" val="1"/>
                 </a:ext>
               </a:extLst>
             </p:cNvPr>
@@ -15033,7 +15033,7 @@
                 <a16:creationId xmlns:a16="http://schemas.microsoft.com/office/drawing/2014/main" id="{3873B707-463F-40B0-8227-E8CC6C67EB25}"/>
               </a:ext>
               <a:ext uri="{C183D7F6-B498-43B3-948B-1728B52AA6E4}">
-                <adec:decorative xmlns:adec="http://schemas.microsoft.com/office/drawing/2017/decorative" xmlns="" val="1"/>
+                <adec:decorative xmlns="" xmlns:adec="http://schemas.microsoft.com/office/drawing/2017/decorative" val="1"/>
               </a:ext>
             </a:extLst>
           </p:cNvPr>
@@ -15172,7 +15172,7 @@
                 <a16:creationId xmlns:a16="http://schemas.microsoft.com/office/drawing/2014/main" id="{C13237C8-E62C-4F0D-A318-BD6FB6C2D138}"/>
               </a:ext>
               <a:ext uri="{C183D7F6-B498-43B3-948B-1728B52AA6E4}">
-                <adec:decorative xmlns:adec="http://schemas.microsoft.com/office/drawing/2017/decorative" xmlns="" val="1"/>
+                <adec:decorative xmlns="" xmlns:adec="http://schemas.microsoft.com/office/drawing/2017/decorative" val="1"/>
               </a:ext>
             </a:extLst>
           </p:cNvPr>
@@ -15235,7 +15235,7 @@
                 <a16:creationId xmlns:a16="http://schemas.microsoft.com/office/drawing/2014/main" id="{19C9EAEA-39D0-4B0E-A0EB-51E7B26740B1}"/>
               </a:ext>
               <a:ext uri="{C183D7F6-B498-43B3-948B-1728B52AA6E4}">
-                <adec:decorative xmlns:adec="http://schemas.microsoft.com/office/drawing/2017/decorative" xmlns="" val="1"/>
+                <adec:decorative xmlns="" xmlns:adec="http://schemas.microsoft.com/office/drawing/2017/decorative" val="1"/>
               </a:ext>
             </a:extLst>
           </p:cNvPr>
@@ -15801,7 +15801,7 @@
                 <a16:creationId xmlns:a16="http://schemas.microsoft.com/office/drawing/2014/main" id="{4DA718D0-4865-4629-8134-44F68D41D574}"/>
               </a:ext>
               <a:ext uri="{C183D7F6-B498-43B3-948B-1728B52AA6E4}">
-                <adec:decorative xmlns:adec="http://schemas.microsoft.com/office/drawing/2017/decorative" xmlns="" val="1"/>
+                <adec:decorative xmlns="" xmlns:adec="http://schemas.microsoft.com/office/drawing/2017/decorative" val="1"/>
               </a:ext>
             </a:extLst>
           </p:cNvPr>
@@ -15861,7 +15861,7 @@
                 <a16:creationId xmlns:a16="http://schemas.microsoft.com/office/drawing/2014/main" id="{65167ED7-6315-43AB-B1B6-C326D5FD8F84}"/>
               </a:ext>
               <a:ext uri="{C183D7F6-B498-43B3-948B-1728B52AA6E4}">
-                <adec:decorative xmlns:adec="http://schemas.microsoft.com/office/drawing/2017/decorative" xmlns="" val="1"/>
+                <adec:decorative xmlns="" xmlns:adec="http://schemas.microsoft.com/office/drawing/2017/decorative" val="1"/>
               </a:ext>
             </a:extLst>
           </p:cNvPr>
@@ -15895,7 +15895,7 @@
                   <a16:creationId xmlns:a16="http://schemas.microsoft.com/office/drawing/2014/main" id="{EF4D8839-FB03-487D-ACC8-8BFEDD4FEBAE}"/>
                 </a:ext>
                 <a:ext uri="{C183D7F6-B498-43B3-948B-1728B52AA6E4}">
-                  <adec:decorative xmlns:adec="http://schemas.microsoft.com/office/drawing/2017/decorative" xmlns="" val="1"/>
+                  <adec:decorative xmlns="" xmlns:adec="http://schemas.microsoft.com/office/drawing/2017/decorative" val="1"/>
                 </a:ext>
               </a:extLst>
             </p:cNvPr>
@@ -15954,7 +15954,7 @@
                   <a16:creationId xmlns:a16="http://schemas.microsoft.com/office/drawing/2014/main" id="{0EF75023-9A3B-42FC-B704-61A8F7BEF415}"/>
                 </a:ext>
                 <a:ext uri="{C183D7F6-B498-43B3-948B-1728B52AA6E4}">
-                  <adec:decorative xmlns:adec="http://schemas.microsoft.com/office/drawing/2017/decorative" xmlns="" val="1"/>
+                  <adec:decorative xmlns="" xmlns:adec="http://schemas.microsoft.com/office/drawing/2017/decorative" val="1"/>
                 </a:ext>
               </a:extLst>
             </p:cNvPr>
@@ -16014,7 +16014,7 @@
                 <a16:creationId xmlns:a16="http://schemas.microsoft.com/office/drawing/2014/main" id="{CBC4F608-B4B8-48C3-9572-C0F061B1CD99}"/>
               </a:ext>
               <a:ext uri="{C183D7F6-B498-43B3-948B-1728B52AA6E4}">
-                <adec:decorative xmlns:adec="http://schemas.microsoft.com/office/drawing/2017/decorative" xmlns="" val="1"/>
+                <adec:decorative xmlns="" xmlns:adec="http://schemas.microsoft.com/office/drawing/2017/decorative" val="1"/>
               </a:ext>
             </a:extLst>
           </p:cNvPr>
@@ -16586,7 +16586,7 @@
                 <a16:creationId xmlns:a16="http://schemas.microsoft.com/office/drawing/2014/main" id="{201CC55D-ED54-4C5C-95E6-10947BD1103B}"/>
               </a:ext>
               <a:ext uri="{C183D7F6-B498-43B3-948B-1728B52AA6E4}">
-                <adec:decorative xmlns:adec="http://schemas.microsoft.com/office/drawing/2017/decorative" xmlns="" val="1"/>
+                <adec:decorative xmlns="" xmlns:adec="http://schemas.microsoft.com/office/drawing/2017/decorative" val="1"/>
               </a:ext>
             </a:extLst>
           </p:cNvPr>
@@ -16646,7 +16646,7 @@
                 <a16:creationId xmlns:a16="http://schemas.microsoft.com/office/drawing/2014/main" id="{1DE889C7-FAD6-4397-98E2-05D503484459}"/>
               </a:ext>
               <a:ext uri="{C183D7F6-B498-43B3-948B-1728B52AA6E4}">
-                <adec:decorative xmlns:adec="http://schemas.microsoft.com/office/drawing/2017/decorative" xmlns="" val="1"/>
+                <adec:decorative xmlns="" xmlns:adec="http://schemas.microsoft.com/office/drawing/2017/decorative" val="1"/>
               </a:ext>
             </a:extLst>
           </p:cNvPr>
@@ -16677,7 +16677,7 @@
                   <a16:creationId xmlns:a16="http://schemas.microsoft.com/office/drawing/2014/main" id="{F399A70F-F8CD-4992-9EF5-6CF15472E73F}"/>
                 </a:ext>
                 <a:ext uri="{C183D7F6-B498-43B3-948B-1728B52AA6E4}">
-                  <adec:decorative xmlns:adec="http://schemas.microsoft.com/office/drawing/2017/decorative" xmlns="" val="1"/>
+                  <adec:decorative xmlns="" xmlns:adec="http://schemas.microsoft.com/office/drawing/2017/decorative" val="1"/>
                 </a:ext>
               </a:extLst>
             </p:cNvPr>
@@ -16738,7 +16738,7 @@
                   <a16:creationId xmlns:a16="http://schemas.microsoft.com/office/drawing/2014/main" id="{48F4FEDC-6D80-458C-A665-075D9B9500FD}"/>
                 </a:ext>
                 <a:ext uri="{C183D7F6-B498-43B3-948B-1728B52AA6E4}">
-                  <adec:decorative xmlns:adec="http://schemas.microsoft.com/office/drawing/2017/decorative" xmlns="" val="1"/>
+                  <adec:decorative xmlns="" xmlns:adec="http://schemas.microsoft.com/office/drawing/2017/decorative" val="1"/>
                 </a:ext>
               </a:extLst>
             </p:cNvPr>
@@ -16800,7 +16800,7 @@
                 <a16:creationId xmlns:a16="http://schemas.microsoft.com/office/drawing/2014/main" id="{3873B707-463F-40B0-8227-E8CC6C67EB25}"/>
               </a:ext>
               <a:ext uri="{C183D7F6-B498-43B3-948B-1728B52AA6E4}">
-                <adec:decorative xmlns:adec="http://schemas.microsoft.com/office/drawing/2017/decorative" xmlns="" val="1"/>
+                <adec:decorative xmlns="" xmlns:adec="http://schemas.microsoft.com/office/drawing/2017/decorative" val="1"/>
               </a:ext>
             </a:extLst>
           </p:cNvPr>
@@ -17091,7 +17091,7 @@
                 <a16:creationId xmlns:a16="http://schemas.microsoft.com/office/drawing/2014/main" id="{C13237C8-E62C-4F0D-A318-BD6FB6C2D138}"/>
               </a:ext>
               <a:ext uri="{C183D7F6-B498-43B3-948B-1728B52AA6E4}">
-                <adec:decorative xmlns:adec="http://schemas.microsoft.com/office/drawing/2017/decorative" xmlns="" val="1"/>
+                <adec:decorative xmlns="" xmlns:adec="http://schemas.microsoft.com/office/drawing/2017/decorative" val="1"/>
               </a:ext>
             </a:extLst>
           </p:cNvPr>
@@ -17154,7 +17154,7 @@
                 <a16:creationId xmlns:a16="http://schemas.microsoft.com/office/drawing/2014/main" id="{19C9EAEA-39D0-4B0E-A0EB-51E7B26740B1}"/>
               </a:ext>
               <a:ext uri="{C183D7F6-B498-43B3-948B-1728B52AA6E4}">
-                <adec:decorative xmlns:adec="http://schemas.microsoft.com/office/drawing/2017/decorative" xmlns="" val="1"/>
+                <adec:decorative xmlns="" xmlns:adec="http://schemas.microsoft.com/office/drawing/2017/decorative" val="1"/>
               </a:ext>
             </a:extLst>
           </p:cNvPr>
@@ -17291,7 +17291,7 @@
                 <a16:creationId xmlns:a16="http://schemas.microsoft.com/office/drawing/2014/main" id="{B6CDA21F-E7AF-4C75-8395-33F58D5B0E45}"/>
               </a:ext>
               <a:ext uri="{C183D7F6-B498-43B3-948B-1728B52AA6E4}">
-                <adec:decorative xmlns:adec="http://schemas.microsoft.com/office/drawing/2017/decorative" xmlns="" val="1"/>
+                <adec:decorative xmlns="" xmlns:adec="http://schemas.microsoft.com/office/drawing/2017/decorative" val="1"/>
               </a:ext>
             </a:extLst>
           </p:cNvPr>
@@ -17351,7 +17351,7 @@
                 <a16:creationId xmlns:a16="http://schemas.microsoft.com/office/drawing/2014/main" id="{AE1C45F0-260A-458C-96ED-C1F6D2151219}"/>
               </a:ext>
               <a:ext uri="{C183D7F6-B498-43B3-948B-1728B52AA6E4}">
-                <adec:decorative xmlns:adec="http://schemas.microsoft.com/office/drawing/2017/decorative" xmlns="" val="1"/>
+                <adec:decorative xmlns="" xmlns:adec="http://schemas.microsoft.com/office/drawing/2017/decorative" val="1"/>
               </a:ext>
             </a:extLst>
           </p:cNvPr>
@@ -17385,7 +17385,7 @@
                   <a16:creationId xmlns:a16="http://schemas.microsoft.com/office/drawing/2014/main" id="{A6604B49-AD5C-4590-B051-06C8222ECD99}"/>
                 </a:ext>
                 <a:ext uri="{C183D7F6-B498-43B3-948B-1728B52AA6E4}">
-                  <adec:decorative xmlns:adec="http://schemas.microsoft.com/office/drawing/2017/decorative" xmlns="" val="1"/>
+                  <adec:decorative xmlns="" xmlns:adec="http://schemas.microsoft.com/office/drawing/2017/decorative" val="1"/>
                 </a:ext>
               </a:extLst>
             </p:cNvPr>
@@ -17444,7 +17444,7 @@
                   <a16:creationId xmlns:a16="http://schemas.microsoft.com/office/drawing/2014/main" id="{743ECCAF-29C5-4537-947C-7EA1292463DB}"/>
                 </a:ext>
                 <a:ext uri="{C183D7F6-B498-43B3-948B-1728B52AA6E4}">
-                  <adec:decorative xmlns:adec="http://schemas.microsoft.com/office/drawing/2017/decorative" xmlns="" val="1"/>
+                  <adec:decorative xmlns="" xmlns:adec="http://schemas.microsoft.com/office/drawing/2017/decorative" val="1"/>
                 </a:ext>
               </a:extLst>
             </p:cNvPr>
@@ -17503,7 +17503,7 @@
                   <a16:creationId xmlns:a16="http://schemas.microsoft.com/office/drawing/2014/main" id="{ED49787B-8DE6-4467-AD0A-8DECC6E0C2D6}"/>
                 </a:ext>
                 <a:ext uri="{C183D7F6-B498-43B3-948B-1728B52AA6E4}">
-                  <adec:decorative xmlns:adec="http://schemas.microsoft.com/office/drawing/2017/decorative" xmlns="" val="1"/>
+                  <adec:decorative xmlns="" xmlns:adec="http://schemas.microsoft.com/office/drawing/2017/decorative" val="1"/>
                 </a:ext>
               </a:extLst>
             </p:cNvPr>
@@ -17563,7 +17563,7 @@
                 <a16:creationId xmlns:a16="http://schemas.microsoft.com/office/drawing/2014/main" id="{D5B0017B-2ECA-49AF-B397-DC140825DF8D}"/>
               </a:ext>
               <a:ext uri="{C183D7F6-B498-43B3-948B-1728B52AA6E4}">
-                <adec:decorative xmlns:adec="http://schemas.microsoft.com/office/drawing/2017/decorative" xmlns="" val="1"/>
+                <adec:decorative xmlns="" xmlns:adec="http://schemas.microsoft.com/office/drawing/2017/decorative" val="1"/>
               </a:ext>
             </a:extLst>
           </p:cNvPr>
@@ -17643,7 +17643,7 @@
         </p:spPr>
         <p:txBody>
           <a:bodyPr anchor="ctr">
-            <a:normAutofit/>
+            <a:normAutofit fontScale="90000"/>
           </a:bodyPr>
           <a:lstStyle/>
           <a:p>
@@ -17652,7 +17652,11 @@
               <a:t>2.- NIVEL ASISTENCIAL </a:t>
             </a:r>
             <a:r>
-              <a:rPr lang="es-ES" sz="2800" b="1" i="0" dirty="0">
+              <a:rPr lang="es-ES" sz="1200" b="1" dirty="0" smtClean="0"/>
+              <a:t>No contributivo o subsidio de desempleo(La ayuda)= Cuantía fija </a:t>
+            </a:r>
+            <a:r>
+              <a:rPr lang="es-ES" sz="1200" b="1" i="0" dirty="0" smtClean="0">
                 <a:solidFill>
                   <a:srgbClr val="FFC000"/>
                 </a:solidFill>
@@ -17719,7 +17723,19 @@
             </a:pPr>
             <a:r>
               <a:rPr lang="es-ES" sz="1500" dirty="0"/>
-              <a:t>Desempleados que hayan agotado la prestación contributiva y tengan cargas familiares. </a:t>
+              <a:t>Desempleados que hayan agotado la prestación contributiva y </a:t>
+            </a:r>
+            <a:r>
+              <a:rPr lang="es-ES" sz="1500" dirty="0">
+                <a:solidFill>
+                  <a:srgbClr val="FF0000"/>
+                </a:solidFill>
+              </a:rPr>
+              <a:t>tengan cargas familiares</a:t>
+            </a:r>
+            <a:r>
+              <a:rPr lang="es-ES" sz="1500" dirty="0"/>
+              <a:t>. </a:t>
             </a:r>
             <a:r>
               <a:rPr lang="es-ES" sz="1500" b="1" dirty="0"/>
@@ -17735,8 +17751,40 @@
               <a:buAutoNum type="arabicPeriod"/>
             </a:pPr>
             <a:r>
+              <a:rPr lang="es-ES" sz="1500" dirty="0">
+                <a:solidFill>
+                  <a:srgbClr val="FF0000"/>
+                </a:solidFill>
+              </a:rPr>
+              <a:t>Menores de 45 años </a:t>
+            </a:r>
+            <a:r>
               <a:rPr lang="es-ES" sz="1500" dirty="0"/>
-              <a:t>Menores de 45 años que hayan agotado una prestación contributiva igual o superior a 6 meses: </a:t>
+              <a:t>que hayan agotado una </a:t>
+            </a:r>
+            <a:r>
+              <a:rPr lang="es-ES" sz="1500" dirty="0">
+                <a:solidFill>
+                  <a:srgbClr val="FF0000"/>
+                </a:solidFill>
+              </a:rPr>
+              <a:t>prestación</a:t>
+            </a:r>
+            <a:r>
+              <a:rPr lang="es-ES" sz="1500" dirty="0"/>
+              <a:t> contributiva igual o </a:t>
+            </a:r>
+            <a:r>
+              <a:rPr lang="es-ES" sz="1500" dirty="0">
+                <a:solidFill>
+                  <a:schemeClr val="accent6"/>
+                </a:solidFill>
+              </a:rPr>
+              <a:t>superior a 6 meses</a:t>
+            </a:r>
+            <a:r>
+              <a:rPr lang="es-ES" sz="1500" dirty="0"/>
+              <a:t>: </a:t>
             </a:r>
             <a:r>
               <a:rPr lang="es-ES" sz="1500" b="1" dirty="0"/>
@@ -17752,8 +17800,28 @@
               <a:buAutoNum type="arabicPeriod"/>
             </a:pPr>
             <a:r>
+              <a:rPr lang="es-ES" sz="1500" dirty="0">
+                <a:solidFill>
+                  <a:schemeClr val="accent6"/>
+                </a:solidFill>
+              </a:rPr>
+              <a:t>Mayores de 45 años </a:t>
+            </a:r>
+            <a:r>
               <a:rPr lang="es-ES" sz="1500" dirty="0"/>
-              <a:t>Mayores de 45 años que hayan agotado una prestación contributiva igual o superior a 4 meses: </a:t>
+              <a:t>que hayan agotado una prestación contributiva igual o </a:t>
+            </a:r>
+            <a:r>
+              <a:rPr lang="es-ES" sz="1500" dirty="0">
+                <a:solidFill>
+                  <a:schemeClr val="accent6"/>
+                </a:solidFill>
+              </a:rPr>
+              <a:t>superior a 4 meses</a:t>
+            </a:r>
+            <a:r>
+              <a:rPr lang="es-ES" sz="1500" dirty="0"/>
+              <a:t>: </a:t>
             </a:r>
             <a:r>
               <a:rPr lang="es-ES" sz="1500" b="1" dirty="0"/>
@@ -17770,8 +17838,28 @@
               <a:buAutoNum type="arabicPeriod"/>
             </a:pPr>
             <a:r>
+              <a:rPr lang="es-ES" sz="1500" dirty="0">
+                <a:solidFill>
+                  <a:schemeClr val="accent6"/>
+                </a:solidFill>
+              </a:rPr>
+              <a:t>Mayores de 45 años </a:t>
+            </a:r>
+            <a:r>
               <a:rPr lang="es-ES" sz="1500" dirty="0"/>
-              <a:t>Mayores de 45 años que hayan agotado una prestación contributiva igual o superior a 6 meses: </a:t>
+              <a:t>que hayan agotado una prestación contributiva igual o </a:t>
+            </a:r>
+            <a:r>
+              <a:rPr lang="es-ES" sz="1500" dirty="0">
+                <a:solidFill>
+                  <a:schemeClr val="accent6"/>
+                </a:solidFill>
+              </a:rPr>
+              <a:t>superior a 6 meses</a:t>
+            </a:r>
+            <a:r>
+              <a:rPr lang="es-ES" sz="1500" dirty="0"/>
+              <a:t>: </a:t>
             </a:r>
             <a:r>
               <a:rPr lang="es-ES" sz="1500" b="1" dirty="0"/>
@@ -17788,7 +17876,27 @@
             </a:pPr>
             <a:r>
               <a:rPr lang="es-ES" sz="1500" dirty="0"/>
-              <a:t>Desempleados mayores de 45 años que hayan agotado la prestación contributiva sin cargas familiares</a:t>
+              <a:t>Desempleados </a:t>
+            </a:r>
+            <a:r>
+              <a:rPr lang="es-ES" sz="1500" dirty="0">
+                <a:solidFill>
+                  <a:schemeClr val="accent6"/>
+                </a:solidFill>
+              </a:rPr>
+              <a:t>mayores de 45 años </a:t>
+            </a:r>
+            <a:r>
+              <a:rPr lang="es-ES" sz="1500" dirty="0"/>
+              <a:t>que hayan agotado la prestación contributiva </a:t>
+            </a:r>
+            <a:r>
+              <a:rPr lang="es-ES" sz="1500" dirty="0">
+                <a:solidFill>
+                  <a:srgbClr val="FF0000"/>
+                </a:solidFill>
+              </a:rPr>
+              <a:t>sin cargas familiares</a:t>
             </a:r>
           </a:p>
           <a:p>
@@ -17819,7 +17927,19 @@
             </a:pPr>
             <a:r>
               <a:rPr lang="es-ES" sz="1500" dirty="0"/>
-              <a:t>Desempleados que hayan cotizado menos de 360 días.</a:t>
+              <a:t>Desempleados que hayan cotizado </a:t>
+            </a:r>
+            <a:r>
+              <a:rPr lang="es-ES" sz="1500" dirty="0">
+                <a:solidFill>
+                  <a:srgbClr val="FF0000"/>
+                </a:solidFill>
+              </a:rPr>
+              <a:t>menos de 360 días</a:t>
+            </a:r>
+            <a:r>
+              <a:rPr lang="es-ES" sz="1500" dirty="0"/>
+              <a:t>.</a:t>
             </a:r>
           </a:p>
           <a:p>
@@ -17830,7 +17950,19 @@
             </a:pPr>
             <a:r>
               <a:rPr lang="es-ES" sz="1500" dirty="0"/>
-              <a:t>En el caso de que el trabajador tenga responsabilidades familiares:  </a:t>
+              <a:t>En el caso de que el trabajador </a:t>
+            </a:r>
+            <a:r>
+              <a:rPr lang="es-ES" sz="1500" dirty="0">
+                <a:solidFill>
+                  <a:srgbClr val="FF0000"/>
+                </a:solidFill>
+              </a:rPr>
+              <a:t>tenga responsabilidades familiares</a:t>
+            </a:r>
+            <a:r>
+              <a:rPr lang="es-ES" sz="1500" dirty="0"/>
+              <a:t>:  </a:t>
             </a:r>
           </a:p>
           <a:p>
@@ -17841,7 +17973,31 @@
             </a:pPr>
             <a:r>
               <a:rPr lang="es-ES" sz="1500" dirty="0"/>
-              <a:t>En el caso de que el trabajador no tenga responsabilidades familiares:</a:t>
+              <a:t>En el caso de que el trabajador </a:t>
+            </a:r>
+            <a:r>
+              <a:rPr lang="es-ES" sz="1500" dirty="0">
+                <a:solidFill>
+                  <a:schemeClr val="accent6"/>
+                </a:solidFill>
+              </a:rPr>
+              <a:t>no</a:t>
+            </a:r>
+            <a:r>
+              <a:rPr lang="es-ES" sz="1500" dirty="0"/>
+              <a:t> tenga responsabilidades </a:t>
+            </a:r>
+            <a:r>
+              <a:rPr lang="es-ES" sz="1500" dirty="0">
+                <a:solidFill>
+                  <a:schemeClr val="accent6"/>
+                </a:solidFill>
+              </a:rPr>
+              <a:t>familiares</a:t>
+            </a:r>
+            <a:r>
+              <a:rPr lang="es-ES" sz="1500" dirty="0"/>
+              <a:t>:</a:t>
             </a:r>
           </a:p>
           <a:p>
@@ -17865,7 +18021,19 @@
             </a:pPr>
             <a:r>
               <a:rPr lang="es-ES" sz="1500" dirty="0"/>
-              <a:t>Desempleados mayores de 55 años.</a:t>
+              <a:t>Desempleados </a:t>
+            </a:r>
+            <a:r>
+              <a:rPr lang="es-ES" sz="1500" dirty="0">
+                <a:solidFill>
+                  <a:schemeClr val="accent6"/>
+                </a:solidFill>
+              </a:rPr>
+              <a:t>mayores de 55 años</a:t>
+            </a:r>
+            <a:r>
+              <a:rPr lang="es-ES" sz="1500" dirty="0"/>
+              <a:t>.</a:t>
             </a:r>
           </a:p>
           <a:p>
@@ -17896,7 +18064,7 @@
                 <a16:creationId xmlns:a16="http://schemas.microsoft.com/office/drawing/2014/main" id="{6CF1BAF6-AD41-4082-B212-8A1F9A2E8779}"/>
               </a:ext>
               <a:ext uri="{C183D7F6-B498-43B3-948B-1728B52AA6E4}">
-                <adec:decorative xmlns:adec="http://schemas.microsoft.com/office/drawing/2017/decorative" xmlns="" val="1"/>
+                <adec:decorative xmlns="" xmlns:adec="http://schemas.microsoft.com/office/drawing/2017/decorative" val="1"/>
               </a:ext>
             </a:extLst>
           </p:cNvPr>
@@ -18181,8 +18349,8 @@
         </p:nvCxnSpPr>
         <p:spPr>
           <a:xfrm>
-            <a:off x="7091362" y="5079154"/>
-            <a:ext cx="1228725" cy="0"/>
+            <a:off x="6525491" y="5087390"/>
+            <a:ext cx="2157287" cy="8312"/>
           </a:xfrm>
           <a:prstGeom prst="straightConnector1">
             <a:avLst/>
@@ -18255,7 +18423,7 @@
                 <a16:creationId xmlns:a16="http://schemas.microsoft.com/office/drawing/2014/main" id="{49AE1604-BB93-4F6D-94D6-F2A6021FC5AD}"/>
               </a:ext>
               <a:ext uri="{C183D7F6-B498-43B3-948B-1728B52AA6E4}">
-                <adec:decorative xmlns:adec="http://schemas.microsoft.com/office/drawing/2017/decorative" xmlns="" val="1"/>
+                <adec:decorative xmlns="" xmlns:adec="http://schemas.microsoft.com/office/drawing/2017/decorative" val="1"/>
               </a:ext>
             </a:extLst>
           </p:cNvPr>
@@ -18315,7 +18483,7 @@
                 <a16:creationId xmlns:a16="http://schemas.microsoft.com/office/drawing/2014/main" id="{A9270323-9616-4384-857D-E86B78272EFE}"/>
               </a:ext>
               <a:ext uri="{C183D7F6-B498-43B3-948B-1728B52AA6E4}">
-                <adec:decorative xmlns:adec="http://schemas.microsoft.com/office/drawing/2017/decorative" xmlns="" val="1"/>
+                <adec:decorative xmlns="" xmlns:adec="http://schemas.microsoft.com/office/drawing/2017/decorative" val="1"/>
               </a:ext>
             </a:extLst>
           </p:cNvPr>
@@ -18349,7 +18517,7 @@
                   <a16:creationId xmlns:a16="http://schemas.microsoft.com/office/drawing/2014/main" id="{8A3838D5-9565-4601-BAC3-D1B5BDB803ED}"/>
                 </a:ext>
                 <a:ext uri="{C183D7F6-B498-43B3-948B-1728B52AA6E4}">
-                  <adec:decorative xmlns:adec="http://schemas.microsoft.com/office/drawing/2017/decorative" xmlns="" val="1"/>
+                  <adec:decorative xmlns="" xmlns:adec="http://schemas.microsoft.com/office/drawing/2017/decorative" val="1"/>
                 </a:ext>
               </a:extLst>
             </p:cNvPr>
@@ -18408,7 +18576,7 @@
                   <a16:creationId xmlns:a16="http://schemas.microsoft.com/office/drawing/2014/main" id="{3349A4B8-3246-4579-922E-FE1155C7F08C}"/>
                 </a:ext>
                 <a:ext uri="{C183D7F6-B498-43B3-948B-1728B52AA6E4}">
-                  <adec:decorative xmlns:adec="http://schemas.microsoft.com/office/drawing/2017/decorative" xmlns="" val="1"/>
+                  <adec:decorative xmlns="" xmlns:adec="http://schemas.microsoft.com/office/drawing/2017/decorative" val="1"/>
                 </a:ext>
               </a:extLst>
             </p:cNvPr>
@@ -18468,7 +18636,7 @@
                 <a16:creationId xmlns:a16="http://schemas.microsoft.com/office/drawing/2014/main" id="{CBC4F608-B4B8-48C3-9572-C0F061B1CD99}"/>
               </a:ext>
               <a:ext uri="{C183D7F6-B498-43B3-948B-1728B52AA6E4}">
-                <adec:decorative xmlns:adec="http://schemas.microsoft.com/office/drawing/2017/decorative" xmlns="" val="1"/>
+                <adec:decorative xmlns="" xmlns:adec="http://schemas.microsoft.com/office/drawing/2017/decorative" val="1"/>
               </a:ext>
             </a:extLst>
           </p:cNvPr>
@@ -18566,7 +18734,7 @@
                 <a16:creationId xmlns:a16="http://schemas.microsoft.com/office/drawing/2014/main" id="{1382A32C-5B0C-4B1C-A074-76C6DBCC9F87}"/>
               </a:ext>
               <a:ext uri="{C183D7F6-B498-43B3-948B-1728B52AA6E4}">
-                <adec:decorative xmlns:adec="http://schemas.microsoft.com/office/drawing/2017/decorative" xmlns="" val="1"/>
+                <adec:decorative xmlns="" xmlns:adec="http://schemas.microsoft.com/office/drawing/2017/decorative" val="1"/>
               </a:ext>
             </a:extLst>
           </p:cNvPr>
@@ -18732,7 +18900,7 @@
                 <a16:creationId xmlns:a16="http://schemas.microsoft.com/office/drawing/2014/main" id="{3AD318CC-E2A8-4E27-9548-A047A78999B1}"/>
               </a:ext>
               <a:ext uri="{C183D7F6-B498-43B3-948B-1728B52AA6E4}">
-                <adec:decorative xmlns:adec="http://schemas.microsoft.com/office/drawing/2017/decorative" xmlns="" val="1"/>
+                <adec:decorative xmlns="" xmlns:adec="http://schemas.microsoft.com/office/drawing/2017/decorative" val="1"/>
               </a:ext>
             </a:extLst>
           </p:cNvPr>
@@ -18822,7 +18990,7 @@
                 <a16:creationId xmlns:a16="http://schemas.microsoft.com/office/drawing/2014/main" id="{B14B560F-9DD7-4302-A60B-EBD3EF59B073}"/>
               </a:ext>
               <a:ext uri="{C183D7F6-B498-43B3-948B-1728B52AA6E4}">
-                <adec:decorative xmlns:adec="http://schemas.microsoft.com/office/drawing/2017/decorative" xmlns="" val="1"/>
+                <adec:decorative xmlns="" xmlns:adec="http://schemas.microsoft.com/office/drawing/2017/decorative" val="1"/>
               </a:ext>
             </a:extLst>
           </p:cNvPr>
@@ -18853,7 +19021,7 @@
                   <a16:creationId xmlns:a16="http://schemas.microsoft.com/office/drawing/2014/main" id="{3A9A4357-BD1D-4622-A4FE-766E6AB8DE84}"/>
                 </a:ext>
                 <a:ext uri="{C183D7F6-B498-43B3-948B-1728B52AA6E4}">
-                  <adec:decorative xmlns:adec="http://schemas.microsoft.com/office/drawing/2017/decorative" xmlns="" val="1"/>
+                  <adec:decorative xmlns="" xmlns:adec="http://schemas.microsoft.com/office/drawing/2017/decorative" val="1"/>
                 </a:ext>
               </a:extLst>
             </p:cNvPr>
@@ -18914,7 +19082,7 @@
                   <a16:creationId xmlns:a16="http://schemas.microsoft.com/office/drawing/2014/main" id="{C21D6966-343E-49AC-A026-D2497E0C3CA1}"/>
                 </a:ext>
                 <a:ext uri="{C183D7F6-B498-43B3-948B-1728B52AA6E4}">
-                  <adec:decorative xmlns:adec="http://schemas.microsoft.com/office/drawing/2017/decorative" xmlns="" val="1"/>
+                  <adec:decorative xmlns="" xmlns:adec="http://schemas.microsoft.com/office/drawing/2017/decorative" val="1"/>
                 </a:ext>
               </a:extLst>
             </p:cNvPr>
@@ -18967,7 +19135,7 @@
                 <a16:creationId xmlns:a16="http://schemas.microsoft.com/office/drawing/2014/main" id="{2C1BBA94-3F40-40AA-8BB9-E69E25E537C1}"/>
               </a:ext>
               <a:ext uri="{C183D7F6-B498-43B3-948B-1728B52AA6E4}">
-                <adec:decorative xmlns:adec="http://schemas.microsoft.com/office/drawing/2017/decorative" xmlns="" val="1"/>
+                <adec:decorative xmlns="" xmlns:adec="http://schemas.microsoft.com/office/drawing/2017/decorative" val="1"/>
               </a:ext>
             </a:extLst>
           </p:cNvPr>
@@ -19149,7 +19317,7 @@
                 <a16:creationId xmlns:a16="http://schemas.microsoft.com/office/drawing/2014/main" id="{EF4CB1B7-AF26-4C13-8E7D-0489A31E4B7F}"/>
               </a:ext>
               <a:ext uri="{C183D7F6-B498-43B3-948B-1728B52AA6E4}">
-                <adec:decorative xmlns:adec="http://schemas.microsoft.com/office/drawing/2017/decorative" xmlns="" val="1"/>
+                <adec:decorative xmlns="" xmlns:adec="http://schemas.microsoft.com/office/drawing/2017/decorative" val="1"/>
               </a:ext>
             </a:extLst>
           </p:cNvPr>
@@ -19209,7 +19377,7 @@
                 <a16:creationId xmlns:a16="http://schemas.microsoft.com/office/drawing/2014/main" id="{19A6B5CE-CB1D-48EE-8B43-E952235C8371}"/>
               </a:ext>
               <a:ext uri="{C183D7F6-B498-43B3-948B-1728B52AA6E4}">
-                <adec:decorative xmlns:adec="http://schemas.microsoft.com/office/drawing/2017/decorative" xmlns="" val="1"/>
+                <adec:decorative xmlns="" xmlns:adec="http://schemas.microsoft.com/office/drawing/2017/decorative" val="1"/>
               </a:ext>
             </a:extLst>
           </p:cNvPr>
@@ -19243,7 +19411,7 @@
                   <a16:creationId xmlns:a16="http://schemas.microsoft.com/office/drawing/2014/main" id="{E3F3EAA5-4E15-400B-BBA3-82B3F49A2178}"/>
                 </a:ext>
                 <a:ext uri="{C183D7F6-B498-43B3-948B-1728B52AA6E4}">
-                  <adec:decorative xmlns:adec="http://schemas.microsoft.com/office/drawing/2017/decorative" xmlns="" val="1"/>
+                  <adec:decorative xmlns="" xmlns:adec="http://schemas.microsoft.com/office/drawing/2017/decorative" val="1"/>
                 </a:ext>
               </a:extLst>
             </p:cNvPr>
@@ -19302,7 +19470,7 @@
                   <a16:creationId xmlns:a16="http://schemas.microsoft.com/office/drawing/2014/main" id="{72BA2E40-BE9B-4C54-9CDD-40EE804CCE64}"/>
                 </a:ext>
                 <a:ext uri="{C183D7F6-B498-43B3-948B-1728B52AA6E4}">
-                  <adec:decorative xmlns:adec="http://schemas.microsoft.com/office/drawing/2017/decorative" xmlns="" val="1"/>
+                  <adec:decorative xmlns="" xmlns:adec="http://schemas.microsoft.com/office/drawing/2017/decorative" val="1"/>
                 </a:ext>
               </a:extLst>
             </p:cNvPr>
@@ -19362,7 +19530,7 @@
                 <a16:creationId xmlns:a16="http://schemas.microsoft.com/office/drawing/2014/main" id="{0DA909B4-15FF-46A6-8A7F-7AEF977FE9ED}"/>
               </a:ext>
               <a:ext uri="{C183D7F6-B498-43B3-948B-1728B52AA6E4}">
-                <adec:decorative xmlns:adec="http://schemas.microsoft.com/office/drawing/2017/decorative" xmlns="" val="1"/>
+                <adec:decorative xmlns="" xmlns:adec="http://schemas.microsoft.com/office/drawing/2017/decorative" val="1"/>
               </a:ext>
             </a:extLst>
           </p:cNvPr>
@@ -19462,7 +19630,7 @@
                 <a16:creationId xmlns:a16="http://schemas.microsoft.com/office/drawing/2014/main" id="{1382A32C-5B0C-4B1C-A074-76C6DBCC9F87}"/>
               </a:ext>
               <a:ext uri="{C183D7F6-B498-43B3-948B-1728B52AA6E4}">
-                <adec:decorative xmlns:adec="http://schemas.microsoft.com/office/drawing/2017/decorative" xmlns="" val="1"/>
+                <adec:decorative xmlns="" xmlns:adec="http://schemas.microsoft.com/office/drawing/2017/decorative" val="1"/>
               </a:ext>
             </a:extLst>
           </p:cNvPr>
@@ -19682,7 +19850,7 @@
                 <a16:creationId xmlns:a16="http://schemas.microsoft.com/office/drawing/2014/main" id="{7CB4857B-ED7C-444D-9F04-2F885114A1C2}"/>
               </a:ext>
               <a:ext uri="{C183D7F6-B498-43B3-948B-1728B52AA6E4}">
-                <adec:decorative xmlns:adec="http://schemas.microsoft.com/office/drawing/2017/decorative" xmlns="" val="1"/>
+                <adec:decorative xmlns="" xmlns:adec="http://schemas.microsoft.com/office/drawing/2017/decorative" val="1"/>
               </a:ext>
             </a:extLst>
           </p:cNvPr>
@@ -19790,7 +19958,7 @@
                 <a16:creationId xmlns:a16="http://schemas.microsoft.com/office/drawing/2014/main" id="{D18046FB-44EA-4FD8-A585-EA09A319B2D0}"/>
               </a:ext>
               <a:ext uri="{C183D7F6-B498-43B3-948B-1728B52AA6E4}">
-                <adec:decorative xmlns:adec="http://schemas.microsoft.com/office/drawing/2017/decorative" xmlns="" val="1"/>
+                <adec:decorative xmlns="" xmlns:adec="http://schemas.microsoft.com/office/drawing/2017/decorative" val="1"/>
               </a:ext>
             </a:extLst>
           </p:cNvPr>
@@ -20052,7 +20220,7 @@
                 <a16:creationId xmlns:a16="http://schemas.microsoft.com/office/drawing/2014/main" id="{479F5F2B-8B58-4140-AE6A-51F6C67B18D9}"/>
               </a:ext>
               <a:ext uri="{C183D7F6-B498-43B3-948B-1728B52AA6E4}">
-                <adec:decorative xmlns:adec="http://schemas.microsoft.com/office/drawing/2017/decorative" xmlns="" val="1"/>
+                <adec:decorative xmlns="" xmlns:adec="http://schemas.microsoft.com/office/drawing/2017/decorative" val="1"/>
               </a:ext>
             </a:extLst>
           </p:cNvPr>
@@ -20273,7 +20441,7 @@
                 <a16:creationId xmlns:a16="http://schemas.microsoft.com/office/drawing/2014/main" id="{7CB4857B-ED7C-444D-9F04-2F885114A1C2}"/>
               </a:ext>
               <a:ext uri="{C183D7F6-B498-43B3-948B-1728B52AA6E4}">
-                <adec:decorative xmlns:adec="http://schemas.microsoft.com/office/drawing/2017/decorative" xmlns="" val="1"/>
+                <adec:decorative xmlns="" xmlns:adec="http://schemas.microsoft.com/office/drawing/2017/decorative" val="1"/>
               </a:ext>
             </a:extLst>
           </p:cNvPr>
@@ -20381,7 +20549,7 @@
                 <a16:creationId xmlns:a16="http://schemas.microsoft.com/office/drawing/2014/main" id="{D18046FB-44EA-4FD8-A585-EA09A319B2D0}"/>
               </a:ext>
               <a:ext uri="{C183D7F6-B498-43B3-948B-1728B52AA6E4}">
-                <adec:decorative xmlns:adec="http://schemas.microsoft.com/office/drawing/2017/decorative" xmlns="" val="1"/>
+                <adec:decorative xmlns="" xmlns:adec="http://schemas.microsoft.com/office/drawing/2017/decorative" val="1"/>
               </a:ext>
             </a:extLst>
           </p:cNvPr>
@@ -20643,7 +20811,7 @@
                 <a16:creationId xmlns:a16="http://schemas.microsoft.com/office/drawing/2014/main" id="{479F5F2B-8B58-4140-AE6A-51F6C67B18D9}"/>
               </a:ext>
               <a:ext uri="{C183D7F6-B498-43B3-948B-1728B52AA6E4}">
-                <adec:decorative xmlns:adec="http://schemas.microsoft.com/office/drawing/2017/decorative" xmlns="" val="1"/>
+                <adec:decorative xmlns="" xmlns:adec="http://schemas.microsoft.com/office/drawing/2017/decorative" val="1"/>
               </a:ext>
             </a:extLst>
           </p:cNvPr>
@@ -21008,7 +21176,7 @@
                 <a16:creationId xmlns:a16="http://schemas.microsoft.com/office/drawing/2014/main" id="{577D1452-F0B7-431E-9A24-D3F7103D8510}"/>
               </a:ext>
               <a:ext uri="{C183D7F6-B498-43B3-948B-1728B52AA6E4}">
-                <adec:decorative xmlns:adec="http://schemas.microsoft.com/office/drawing/2017/decorative" xmlns="" val="1"/>
+                <adec:decorative xmlns="" xmlns:adec="http://schemas.microsoft.com/office/drawing/2017/decorative" val="1"/>
               </a:ext>
             </a:extLst>
           </p:cNvPr>
@@ -21071,7 +21239,7 @@
                 <a16:creationId xmlns:a16="http://schemas.microsoft.com/office/drawing/2014/main" id="{A660F4F9-5DF5-4F15-BE6A-CD8648BB1148}"/>
               </a:ext>
               <a:ext uri="{C183D7F6-B498-43B3-948B-1728B52AA6E4}">
-                <adec:decorative xmlns:adec="http://schemas.microsoft.com/office/drawing/2017/decorative" xmlns="" val="1"/>
+                <adec:decorative xmlns="" xmlns:adec="http://schemas.microsoft.com/office/drawing/2017/decorative" val="1"/>
               </a:ext>
             </a:extLst>
           </p:cNvPr>
@@ -21207,7 +21375,7 @@
                 <a16:creationId xmlns:a16="http://schemas.microsoft.com/office/drawing/2014/main" id="{201CC55D-ED54-4C5C-95E6-10947BD1103B}"/>
               </a:ext>
               <a:ext uri="{C183D7F6-B498-43B3-948B-1728B52AA6E4}">
-                <adec:decorative xmlns:adec="http://schemas.microsoft.com/office/drawing/2017/decorative" xmlns="" val="1"/>
+                <adec:decorative xmlns="" xmlns:adec="http://schemas.microsoft.com/office/drawing/2017/decorative" val="1"/>
               </a:ext>
             </a:extLst>
           </p:cNvPr>
@@ -21319,7 +21487,7 @@
                 <a16:creationId xmlns:a16="http://schemas.microsoft.com/office/drawing/2014/main" id="{1DE889C7-FAD6-4397-98E2-05D503484459}"/>
               </a:ext>
               <a:ext uri="{C183D7F6-B498-43B3-948B-1728B52AA6E4}">
-                <adec:decorative xmlns:adec="http://schemas.microsoft.com/office/drawing/2017/decorative" xmlns="" val="1"/>
+                <adec:decorative xmlns="" xmlns:adec="http://schemas.microsoft.com/office/drawing/2017/decorative" val="1"/>
               </a:ext>
             </a:extLst>
           </p:cNvPr>
@@ -21350,7 +21518,7 @@
                   <a16:creationId xmlns:a16="http://schemas.microsoft.com/office/drawing/2014/main" id="{F399A70F-F8CD-4992-9EF5-6CF15472E73F}"/>
                 </a:ext>
                 <a:ext uri="{C183D7F6-B498-43B3-948B-1728B52AA6E4}">
-                  <adec:decorative xmlns:adec="http://schemas.microsoft.com/office/drawing/2017/decorative" xmlns="" val="1"/>
+                  <adec:decorative xmlns="" xmlns:adec="http://schemas.microsoft.com/office/drawing/2017/decorative" val="1"/>
                 </a:ext>
               </a:extLst>
             </p:cNvPr>
@@ -21411,7 +21579,7 @@
                   <a16:creationId xmlns:a16="http://schemas.microsoft.com/office/drawing/2014/main" id="{48F4FEDC-6D80-458C-A665-075D9B9500FD}"/>
                 </a:ext>
                 <a:ext uri="{C183D7F6-B498-43B3-948B-1728B52AA6E4}">
-                  <adec:decorative xmlns:adec="http://schemas.microsoft.com/office/drawing/2017/decorative" xmlns="" val="1"/>
+                  <adec:decorative xmlns="" xmlns:adec="http://schemas.microsoft.com/office/drawing/2017/decorative" val="1"/>
                 </a:ext>
               </a:extLst>
             </p:cNvPr>
@@ -21473,7 +21641,7 @@
                 <a16:creationId xmlns:a16="http://schemas.microsoft.com/office/drawing/2014/main" id="{3873B707-463F-40B0-8227-E8CC6C67EB25}"/>
               </a:ext>
               <a:ext uri="{C183D7F6-B498-43B3-948B-1728B52AA6E4}">
-                <adec:decorative xmlns:adec="http://schemas.microsoft.com/office/drawing/2017/decorative" xmlns="" val="1"/>
+                <adec:decorative xmlns="" xmlns:adec="http://schemas.microsoft.com/office/drawing/2017/decorative" val="1"/>
               </a:ext>
             </a:extLst>
           </p:cNvPr>
@@ -21708,7 +21876,7 @@
                 <a16:creationId xmlns:a16="http://schemas.microsoft.com/office/drawing/2014/main" id="{C13237C8-E62C-4F0D-A318-BD6FB6C2D138}"/>
               </a:ext>
               <a:ext uri="{C183D7F6-B498-43B3-948B-1728B52AA6E4}">
-                <adec:decorative xmlns:adec="http://schemas.microsoft.com/office/drawing/2017/decorative" xmlns="" val="1"/>
+                <adec:decorative xmlns="" xmlns:adec="http://schemas.microsoft.com/office/drawing/2017/decorative" val="1"/>
               </a:ext>
             </a:extLst>
           </p:cNvPr>
@@ -21771,7 +21939,7 @@
                 <a16:creationId xmlns:a16="http://schemas.microsoft.com/office/drawing/2014/main" id="{19C9EAEA-39D0-4B0E-A0EB-51E7B26740B1}"/>
               </a:ext>
               <a:ext uri="{C183D7F6-B498-43B3-948B-1728B52AA6E4}">
-                <adec:decorative xmlns:adec="http://schemas.microsoft.com/office/drawing/2017/decorative" xmlns="" val="1"/>
+                <adec:decorative xmlns="" xmlns:adec="http://schemas.microsoft.com/office/drawing/2017/decorative" val="1"/>
               </a:ext>
             </a:extLst>
           </p:cNvPr>
@@ -23358,7 +23526,7 @@
                 <a16:creationId xmlns:a16="http://schemas.microsoft.com/office/drawing/2014/main" id="{D4C74C1C-EF2E-40CF-A712-656E694E6724}"/>
               </a:ext>
               <a:ext uri="{C183D7F6-B498-43B3-948B-1728B52AA6E4}">
-                <adec:decorative xmlns:adec="http://schemas.microsoft.com/office/drawing/2017/decorative" xmlns="" val="1"/>
+                <adec:decorative xmlns="" xmlns:adec="http://schemas.microsoft.com/office/drawing/2017/decorative" val="1"/>
               </a:ext>
             </a:extLst>
           </p:cNvPr>
@@ -23418,7 +23586,7 @@
                 <a16:creationId xmlns:a16="http://schemas.microsoft.com/office/drawing/2014/main" id="{90464369-70FA-42AF-948F-80664CA7BFE5}"/>
               </a:ext>
               <a:ext uri="{C183D7F6-B498-43B3-948B-1728B52AA6E4}">
-                <adec:decorative xmlns:adec="http://schemas.microsoft.com/office/drawing/2017/decorative" xmlns="" val="1"/>
+                <adec:decorative xmlns="" xmlns:adec="http://schemas.microsoft.com/office/drawing/2017/decorative" val="1"/>
               </a:ext>
             </a:extLst>
           </p:cNvPr>
@@ -23484,7 +23652,7 @@
                 <a16:creationId xmlns:a16="http://schemas.microsoft.com/office/drawing/2014/main" id="{A648176E-454C-437C-B0FC-9B82FCF32B24}"/>
               </a:ext>
               <a:ext uri="{C183D7F6-B498-43B3-948B-1728B52AA6E4}">
-                <adec:decorative xmlns:adec="http://schemas.microsoft.com/office/drawing/2017/decorative" xmlns="" val="1"/>
+                <adec:decorative xmlns="" xmlns:adec="http://schemas.microsoft.com/office/drawing/2017/decorative" val="1"/>
               </a:ext>
             </a:extLst>
           </p:cNvPr>
@@ -23547,7 +23715,7 @@
                 <a16:creationId xmlns:a16="http://schemas.microsoft.com/office/drawing/2014/main" id="{A6604B49-AD5C-4590-B051-06C8222ECD99}"/>
               </a:ext>
               <a:ext uri="{C183D7F6-B498-43B3-948B-1728B52AA6E4}">
-                <adec:decorative xmlns:adec="http://schemas.microsoft.com/office/drawing/2017/decorative" xmlns="" val="1"/>
+                <adec:decorative xmlns="" xmlns:adec="http://schemas.microsoft.com/office/drawing/2017/decorative" val="1"/>
               </a:ext>
             </a:extLst>
           </p:cNvPr>
@@ -23610,7 +23778,7 @@
                 <a16:creationId xmlns:a16="http://schemas.microsoft.com/office/drawing/2014/main" id="{CC552A98-EF7D-4D42-AB69-066B786AB55B}"/>
               </a:ext>
               <a:ext uri="{C183D7F6-B498-43B3-948B-1728B52AA6E4}">
-                <adec:decorative xmlns:adec="http://schemas.microsoft.com/office/drawing/2017/decorative" xmlns="" val="1"/>
+                <adec:decorative xmlns="" xmlns:adec="http://schemas.microsoft.com/office/drawing/2017/decorative" val="1"/>
               </a:ext>
             </a:extLst>
           </p:cNvPr>
@@ -23693,7 +23861,7 @@
                 <a14:useLocalDpi xmlns:a14="http://schemas.microsoft.com/office/drawing/2010/main" val="0"/>
               </a:ext>
               <a:ext uri="{96DAC541-7B7A-43D3-8B79-37D633B846F1}">
-                <asvg:svgBlip xmlns:asvg="http://schemas.microsoft.com/office/drawing/2016/SVG/main" xmlns="" r:embed="rId3"/>
+                <asvg:svgBlip xmlns="" xmlns:asvg="http://schemas.microsoft.com/office/drawing/2016/SVG/main" r:embed="rId3"/>
               </a:ext>
             </a:extLst>
           </a:blip>
@@ -24753,7 +24921,7 @@
                 <a16:creationId xmlns:a16="http://schemas.microsoft.com/office/drawing/2014/main" id="{87A57295-2710-4920-B99A-4D1FA03A62BD}"/>
               </a:ext>
               <a:ext uri="{C183D7F6-B498-43B3-948B-1728B52AA6E4}">
-                <adec:decorative xmlns:adec="http://schemas.microsoft.com/office/drawing/2017/decorative" xmlns="" val="1"/>
+                <adec:decorative xmlns="" xmlns:adec="http://schemas.microsoft.com/office/drawing/2017/decorative" val="1"/>
               </a:ext>
             </a:extLst>
           </p:cNvPr>
@@ -24813,7 +24981,7 @@
                 <a16:creationId xmlns:a16="http://schemas.microsoft.com/office/drawing/2014/main" id="{78067929-4D33-4306-9E2F-67C49CDDB5DE}"/>
               </a:ext>
               <a:ext uri="{C183D7F6-B498-43B3-948B-1728B52AA6E4}">
-                <adec:decorative xmlns:adec="http://schemas.microsoft.com/office/drawing/2017/decorative" xmlns="" val="1"/>
+                <adec:decorative xmlns="" xmlns:adec="http://schemas.microsoft.com/office/drawing/2017/decorative" val="1"/>
               </a:ext>
             </a:extLst>
           </p:cNvPr>
@@ -24875,7 +25043,7 @@
                 <a16:creationId xmlns:a16="http://schemas.microsoft.com/office/drawing/2014/main" id="{2D72A2C9-F3CA-4216-8BAD-FA4C970C3C4E}"/>
               </a:ext>
               <a:ext uri="{C183D7F6-B498-43B3-948B-1728B52AA6E4}">
-                <adec:decorative xmlns:adec="http://schemas.microsoft.com/office/drawing/2017/decorative" xmlns="" val="1"/>
+                <adec:decorative xmlns="" xmlns:adec="http://schemas.microsoft.com/office/drawing/2017/decorative" val="1"/>
               </a:ext>
             </a:extLst>
           </p:cNvPr>

--- a/PROGRAMACION/FOL/TEMA 6 FOL PRESTACIONES SS .pptx
+++ b/PROGRAMACION/FOL/TEMA 6 FOL PRESTACIONES SS .pptx
@@ -2760,7 +2760,7 @@
                 <a14:useLocalDpi xmlns:a14="http://schemas.microsoft.com/office/drawing/2010/main" val="0"/>
               </a:ext>
               <a:ext uri="{96DAC541-7B7A-43D3-8B79-37D633B846F1}">
-                <asvg:svgBlip xmlns="" xmlns:asvg="http://schemas.microsoft.com/office/drawing/2016/SVG/main" r:embed="rId2"/>
+                <asvg:svgBlip xmlns:asvg="http://schemas.microsoft.com/office/drawing/2016/SVG/main" xmlns="" r:embed="rId2"/>
               </a:ext>
             </a:extLst>
           </a:blip>
@@ -2824,7 +2824,7 @@
                 <a14:useLocalDpi xmlns:a14="http://schemas.microsoft.com/office/drawing/2010/main" val="0"/>
               </a:ext>
               <a:ext uri="{96DAC541-7B7A-43D3-8B79-37D633B846F1}">
-                <asvg:svgBlip xmlns="" xmlns:asvg="http://schemas.microsoft.com/office/drawing/2016/SVG/main" r:embed="rId4"/>
+                <asvg:svgBlip xmlns:asvg="http://schemas.microsoft.com/office/drawing/2016/SVG/main" xmlns="" r:embed="rId4"/>
               </a:ext>
             </a:extLst>
           </a:blip>
@@ -2898,7 +2898,7 @@
           <a:blip xmlns:r="http://schemas.openxmlformats.org/officeDocument/2006/relationships" r:embed="rId5">
             <a:extLst>
               <a:ext uri="{96DAC541-7B7A-43D3-8B79-37D633B846F1}">
-                <asvg:svgBlip xmlns="" xmlns:asvg="http://schemas.microsoft.com/office/drawing/2016/SVG/main" r:embed="rId6"/>
+                <asvg:svgBlip xmlns:asvg="http://schemas.microsoft.com/office/drawing/2016/SVG/main" xmlns="" r:embed="rId6"/>
               </a:ext>
             </a:extLst>
           </a:blip>
@@ -2953,7 +2953,7 @@
           <a:blip xmlns:r="http://schemas.openxmlformats.org/officeDocument/2006/relationships" r:embed="rId7">
             <a:extLst>
               <a:ext uri="{96DAC541-7B7A-43D3-8B79-37D633B846F1}">
-                <asvg:svgBlip xmlns="" xmlns:asvg="http://schemas.microsoft.com/office/drawing/2016/SVG/main" r:embed="rId8"/>
+                <asvg:svgBlip xmlns:asvg="http://schemas.microsoft.com/office/drawing/2016/SVG/main" xmlns="" r:embed="rId8"/>
               </a:ext>
             </a:extLst>
           </a:blip>
@@ -4216,7 +4216,7 @@
                 <a14:useLocalDpi xmlns:a14="http://schemas.microsoft.com/office/drawing/2010/main" val="0"/>
               </a:ext>
               <a:ext uri="{96DAC541-7B7A-43D3-8B79-37D633B846F1}">
-                <asvg:svgBlip xmlns="" xmlns:asvg="http://schemas.microsoft.com/office/drawing/2016/SVG/main" r:embed="rId2"/>
+                <asvg:svgBlip xmlns:asvg="http://schemas.microsoft.com/office/drawing/2016/SVG/main" xmlns="" r:embed="rId2"/>
               </a:ext>
             </a:extLst>
           </a:blip>
@@ -4379,7 +4379,7 @@
                 <a14:useLocalDpi xmlns:a14="http://schemas.microsoft.com/office/drawing/2010/main" val="0"/>
               </a:ext>
               <a:ext uri="{96DAC541-7B7A-43D3-8B79-37D633B846F1}">
-                <asvg:svgBlip xmlns="" xmlns:asvg="http://schemas.microsoft.com/office/drawing/2016/SVG/main" r:embed="rId4"/>
+                <asvg:svgBlip xmlns:asvg="http://schemas.microsoft.com/office/drawing/2016/SVG/main" xmlns="" r:embed="rId4"/>
               </a:ext>
             </a:extLst>
           </a:blip>
@@ -4617,7 +4617,7 @@
           <a:blip xmlns:r="http://schemas.openxmlformats.org/officeDocument/2006/relationships" r:embed="rId5">
             <a:extLst>
               <a:ext uri="{96DAC541-7B7A-43D3-8B79-37D633B846F1}">
-                <asvg:svgBlip xmlns="" xmlns:asvg="http://schemas.microsoft.com/office/drawing/2016/SVG/main" r:embed="rId6"/>
+                <asvg:svgBlip xmlns:asvg="http://schemas.microsoft.com/office/drawing/2016/SVG/main" xmlns="" r:embed="rId6"/>
               </a:ext>
             </a:extLst>
           </a:blip>
@@ -4774,7 +4774,7 @@
           <a:blip xmlns:r="http://schemas.openxmlformats.org/officeDocument/2006/relationships" r:embed="rId7">
             <a:extLst>
               <a:ext uri="{96DAC541-7B7A-43D3-8B79-37D633B846F1}">
-                <asvg:svgBlip xmlns="" xmlns:asvg="http://schemas.microsoft.com/office/drawing/2016/SVG/main" r:embed="rId8"/>
+                <asvg:svgBlip xmlns:asvg="http://schemas.microsoft.com/office/drawing/2016/SVG/main" xmlns="" r:embed="rId8"/>
               </a:ext>
             </a:extLst>
           </a:blip>
@@ -5476,7 +5476,7 @@
   </dgm:layoutNode>
   <dgm:extLst>
     <a:ext uri="{68A01E43-0DF5-4B5B-8FA6-DAF915123BFB}">
-      <dgm1612:lstStyle xmlns="" xmlns:dgm1612="http://schemas.microsoft.com/office/drawing/2016/12/diagram">
+      <dgm1612:lstStyle xmlns:dgm1612="http://schemas.microsoft.com/office/drawing/2016/12/diagram" xmlns="">
         <a:lvl1pPr>
           <a:lnSpc>
             <a:spcPct val="100000"/>
@@ -7708,7 +7708,7 @@
           <a:p>
             <a:fld id="{6E5A1375-5E48-45CD-B1FF-BA3248025E3D}" type="datetimeFigureOut">
               <a:rPr lang="es-ES" smtClean="0"/>
-              <a:t>20/02/2024</a:t>
+              <a:t>21/02/2024</a:t>
             </a:fld>
             <a:endParaRPr lang="es-ES"/>
           </a:p>
@@ -7906,7 +7906,7 @@
           <a:p>
             <a:fld id="{6E5A1375-5E48-45CD-B1FF-BA3248025E3D}" type="datetimeFigureOut">
               <a:rPr lang="es-ES" smtClean="0"/>
-              <a:t>20/02/2024</a:t>
+              <a:t>21/02/2024</a:t>
             </a:fld>
             <a:endParaRPr lang="es-ES"/>
           </a:p>
@@ -8114,7 +8114,7 @@
           <a:p>
             <a:fld id="{6E5A1375-5E48-45CD-B1FF-BA3248025E3D}" type="datetimeFigureOut">
               <a:rPr lang="es-ES" smtClean="0"/>
-              <a:t>20/02/2024</a:t>
+              <a:t>21/02/2024</a:t>
             </a:fld>
             <a:endParaRPr lang="es-ES"/>
           </a:p>
@@ -8312,7 +8312,7 @@
           <a:p>
             <a:fld id="{6E5A1375-5E48-45CD-B1FF-BA3248025E3D}" type="datetimeFigureOut">
               <a:rPr lang="es-ES" smtClean="0"/>
-              <a:t>20/02/2024</a:t>
+              <a:t>21/02/2024</a:t>
             </a:fld>
             <a:endParaRPr lang="es-ES"/>
           </a:p>
@@ -8587,7 +8587,7 @@
           <a:p>
             <a:fld id="{6E5A1375-5E48-45CD-B1FF-BA3248025E3D}" type="datetimeFigureOut">
               <a:rPr lang="es-ES" smtClean="0"/>
-              <a:t>20/02/2024</a:t>
+              <a:t>21/02/2024</a:t>
             </a:fld>
             <a:endParaRPr lang="es-ES"/>
           </a:p>
@@ -8852,7 +8852,7 @@
           <a:p>
             <a:fld id="{6E5A1375-5E48-45CD-B1FF-BA3248025E3D}" type="datetimeFigureOut">
               <a:rPr lang="es-ES" smtClean="0"/>
-              <a:t>20/02/2024</a:t>
+              <a:t>21/02/2024</a:t>
             </a:fld>
             <a:endParaRPr lang="es-ES"/>
           </a:p>
@@ -9264,7 +9264,7 @@
           <a:p>
             <a:fld id="{6E5A1375-5E48-45CD-B1FF-BA3248025E3D}" type="datetimeFigureOut">
               <a:rPr lang="es-ES" smtClean="0"/>
-              <a:t>20/02/2024</a:t>
+              <a:t>21/02/2024</a:t>
             </a:fld>
             <a:endParaRPr lang="es-ES"/>
           </a:p>
@@ -9405,7 +9405,7 @@
           <a:p>
             <a:fld id="{6E5A1375-5E48-45CD-B1FF-BA3248025E3D}" type="datetimeFigureOut">
               <a:rPr lang="es-ES" smtClean="0"/>
-              <a:t>20/02/2024</a:t>
+              <a:t>21/02/2024</a:t>
             </a:fld>
             <a:endParaRPr lang="es-ES"/>
           </a:p>
@@ -9518,7 +9518,7 @@
           <a:p>
             <a:fld id="{6E5A1375-5E48-45CD-B1FF-BA3248025E3D}" type="datetimeFigureOut">
               <a:rPr lang="es-ES" smtClean="0"/>
-              <a:t>20/02/2024</a:t>
+              <a:t>21/02/2024</a:t>
             </a:fld>
             <a:endParaRPr lang="es-ES"/>
           </a:p>
@@ -9829,7 +9829,7 @@
           <a:p>
             <a:fld id="{6E5A1375-5E48-45CD-B1FF-BA3248025E3D}" type="datetimeFigureOut">
               <a:rPr lang="es-ES" smtClean="0"/>
-              <a:t>20/02/2024</a:t>
+              <a:t>21/02/2024</a:t>
             </a:fld>
             <a:endParaRPr lang="es-ES"/>
           </a:p>
@@ -10117,7 +10117,7 @@
           <a:p>
             <a:fld id="{6E5A1375-5E48-45CD-B1FF-BA3248025E3D}" type="datetimeFigureOut">
               <a:rPr lang="es-ES" smtClean="0"/>
-              <a:t>20/02/2024</a:t>
+              <a:t>21/02/2024</a:t>
             </a:fld>
             <a:endParaRPr lang="es-ES"/>
           </a:p>
@@ -10358,7 +10358,7 @@
           <a:p>
             <a:fld id="{6E5A1375-5E48-45CD-B1FF-BA3248025E3D}" type="datetimeFigureOut">
               <a:rPr lang="es-ES" smtClean="0"/>
-              <a:t>20/02/2024</a:t>
+              <a:t>21/02/2024</a:t>
             </a:fld>
             <a:endParaRPr lang="es-ES"/>
           </a:p>
@@ -10913,7 +10913,7 @@
                 <a16:creationId xmlns:a16="http://schemas.microsoft.com/office/drawing/2014/main" id="{71FC7D98-7B8B-402A-90FC-F027482F2142}"/>
               </a:ext>
               <a:ext uri="{C183D7F6-B498-43B3-948B-1728B52AA6E4}">
-                <adec:decorative xmlns="" xmlns:adec="http://schemas.microsoft.com/office/drawing/2017/decorative" val="1"/>
+                <adec:decorative xmlns:adec="http://schemas.microsoft.com/office/drawing/2017/decorative" xmlns="" val="1"/>
               </a:ext>
             </a:extLst>
           </p:cNvPr>
@@ -10976,7 +10976,7 @@
                 <a16:creationId xmlns:a16="http://schemas.microsoft.com/office/drawing/2014/main" id="{AD7356EA-285B-4E5D-8FEC-104659A4FD2C}"/>
               </a:ext>
               <a:ext uri="{C183D7F6-B498-43B3-948B-1728B52AA6E4}">
-                <adec:decorative xmlns="" xmlns:adec="http://schemas.microsoft.com/office/drawing/2017/decorative" val="1"/>
+                <adec:decorative xmlns:adec="http://schemas.microsoft.com/office/drawing/2017/decorative" xmlns="" val="1"/>
               </a:ext>
             </a:extLst>
           </p:cNvPr>
@@ -11118,7 +11118,7 @@
                 <a16:creationId xmlns:a16="http://schemas.microsoft.com/office/drawing/2014/main" id="{081EA652-8C6A-4E69-BEB9-170809474553}"/>
               </a:ext>
               <a:ext uri="{C183D7F6-B498-43B3-948B-1728B52AA6E4}">
-                <adec:decorative xmlns="" xmlns:adec="http://schemas.microsoft.com/office/drawing/2017/decorative" val="1"/>
+                <adec:decorative xmlns:adec="http://schemas.microsoft.com/office/drawing/2017/decorative" xmlns="" val="1"/>
               </a:ext>
             </a:extLst>
           </p:cNvPr>
@@ -11178,7 +11178,7 @@
                 <a16:creationId xmlns:a16="http://schemas.microsoft.com/office/drawing/2014/main" id="{5298780A-33B9-4EA2-8F67-DE68AD62841B}"/>
               </a:ext>
               <a:ext uri="{C183D7F6-B498-43B3-948B-1728B52AA6E4}">
-                <adec:decorative xmlns="" xmlns:adec="http://schemas.microsoft.com/office/drawing/2017/decorative" val="1"/>
+                <adec:decorative xmlns:adec="http://schemas.microsoft.com/office/drawing/2017/decorative" xmlns="" val="1"/>
               </a:ext>
             </a:extLst>
           </p:cNvPr>
@@ -11241,7 +11241,7 @@
                 <a16:creationId xmlns:a16="http://schemas.microsoft.com/office/drawing/2014/main" id="{7F488E8B-4E1E-4402-8935-D4E6C02615C7}"/>
               </a:ext>
               <a:ext uri="{C183D7F6-B498-43B3-948B-1728B52AA6E4}">
-                <adec:decorative xmlns="" xmlns:adec="http://schemas.microsoft.com/office/drawing/2017/decorative" val="1"/>
+                <adec:decorative xmlns:adec="http://schemas.microsoft.com/office/drawing/2017/decorative" xmlns="" val="1"/>
               </a:ext>
             </a:extLst>
           </p:cNvPr>
@@ -11307,7 +11307,7 @@
                 <a16:creationId xmlns:a16="http://schemas.microsoft.com/office/drawing/2014/main" id="{23AAC9B5-8015-485C-ACF9-A750390E9A56}"/>
               </a:ext>
               <a:ext uri="{C183D7F6-B498-43B3-948B-1728B52AA6E4}">
-                <adec:decorative xmlns="" xmlns:adec="http://schemas.microsoft.com/office/drawing/2017/decorative" val="1"/>
+                <adec:decorative xmlns:adec="http://schemas.microsoft.com/office/drawing/2017/decorative" xmlns="" val="1"/>
               </a:ext>
             </a:extLst>
           </p:cNvPr>
@@ -11533,7 +11533,7 @@
                 <a16:creationId xmlns:a16="http://schemas.microsoft.com/office/drawing/2014/main" id="{5AAE9118-0436-4488-AC4A-C14DF6A7B6B1}"/>
               </a:ext>
               <a:ext uri="{C183D7F6-B498-43B3-948B-1728B52AA6E4}">
-                <adec:decorative xmlns="" xmlns:adec="http://schemas.microsoft.com/office/drawing/2017/decorative" val="1"/>
+                <adec:decorative xmlns:adec="http://schemas.microsoft.com/office/drawing/2017/decorative" xmlns="" val="1"/>
               </a:ext>
             </a:extLst>
           </p:cNvPr>
@@ -11596,7 +11596,7 @@
                 <a16:creationId xmlns:a16="http://schemas.microsoft.com/office/drawing/2014/main" id="{07A0C51E-5464-4470-855E-CA530A59BF98}"/>
               </a:ext>
               <a:ext uri="{C183D7F6-B498-43B3-948B-1728B52AA6E4}">
-                <adec:decorative xmlns="" xmlns:adec="http://schemas.microsoft.com/office/drawing/2017/decorative" val="1"/>
+                <adec:decorative xmlns:adec="http://schemas.microsoft.com/office/drawing/2017/decorative" xmlns="" val="1"/>
               </a:ext>
             </a:extLst>
           </p:cNvPr>
@@ -11863,7 +11863,7 @@
                 <a16:creationId xmlns:a16="http://schemas.microsoft.com/office/drawing/2014/main" id="{201CC55D-ED54-4C5C-95E6-10947BD1103B}"/>
               </a:ext>
               <a:ext uri="{C183D7F6-B498-43B3-948B-1728B52AA6E4}">
-                <adec:decorative xmlns="" xmlns:adec="http://schemas.microsoft.com/office/drawing/2017/decorative" val="1"/>
+                <adec:decorative xmlns:adec="http://schemas.microsoft.com/office/drawing/2017/decorative" xmlns="" val="1"/>
               </a:ext>
             </a:extLst>
           </p:cNvPr>
@@ -11980,7 +11980,7 @@
                 <a16:creationId xmlns:a16="http://schemas.microsoft.com/office/drawing/2014/main" id="{1DE889C7-FAD6-4397-98E2-05D503484459}"/>
               </a:ext>
               <a:ext uri="{C183D7F6-B498-43B3-948B-1728B52AA6E4}">
-                <adec:decorative xmlns="" xmlns:adec="http://schemas.microsoft.com/office/drawing/2017/decorative" val="1"/>
+                <adec:decorative xmlns:adec="http://schemas.microsoft.com/office/drawing/2017/decorative" xmlns="" val="1"/>
               </a:ext>
             </a:extLst>
           </p:cNvPr>
@@ -12011,7 +12011,7 @@
                   <a16:creationId xmlns:a16="http://schemas.microsoft.com/office/drawing/2014/main" id="{F399A70F-F8CD-4992-9EF5-6CF15472E73F}"/>
                 </a:ext>
                 <a:ext uri="{C183D7F6-B498-43B3-948B-1728B52AA6E4}">
-                  <adec:decorative xmlns="" xmlns:adec="http://schemas.microsoft.com/office/drawing/2017/decorative" val="1"/>
+                  <adec:decorative xmlns:adec="http://schemas.microsoft.com/office/drawing/2017/decorative" xmlns="" val="1"/>
                 </a:ext>
               </a:extLst>
             </p:cNvPr>
@@ -12072,7 +12072,7 @@
                   <a16:creationId xmlns:a16="http://schemas.microsoft.com/office/drawing/2014/main" id="{48F4FEDC-6D80-458C-A665-075D9B9500FD}"/>
                 </a:ext>
                 <a:ext uri="{C183D7F6-B498-43B3-948B-1728B52AA6E4}">
-                  <adec:decorative xmlns="" xmlns:adec="http://schemas.microsoft.com/office/drawing/2017/decorative" val="1"/>
+                  <adec:decorative xmlns:adec="http://schemas.microsoft.com/office/drawing/2017/decorative" xmlns="" val="1"/>
                 </a:ext>
               </a:extLst>
             </p:cNvPr>
@@ -12134,7 +12134,7 @@
                 <a16:creationId xmlns:a16="http://schemas.microsoft.com/office/drawing/2014/main" id="{3873B707-463F-40B0-8227-E8CC6C67EB25}"/>
               </a:ext>
               <a:ext uri="{C183D7F6-B498-43B3-948B-1728B52AA6E4}">
-                <adec:decorative xmlns="" xmlns:adec="http://schemas.microsoft.com/office/drawing/2017/decorative" val="1"/>
+                <adec:decorative xmlns:adec="http://schemas.microsoft.com/office/drawing/2017/decorative" xmlns="" val="1"/>
               </a:ext>
             </a:extLst>
           </p:cNvPr>
@@ -12253,7 +12253,7 @@
                 <a16:creationId xmlns:a16="http://schemas.microsoft.com/office/drawing/2014/main" id="{C13237C8-E62C-4F0D-A318-BD6FB6C2D138}"/>
               </a:ext>
               <a:ext uri="{C183D7F6-B498-43B3-948B-1728B52AA6E4}">
-                <adec:decorative xmlns="" xmlns:adec="http://schemas.microsoft.com/office/drawing/2017/decorative" val="1"/>
+                <adec:decorative xmlns:adec="http://schemas.microsoft.com/office/drawing/2017/decorative" xmlns="" val="1"/>
               </a:ext>
             </a:extLst>
           </p:cNvPr>
@@ -12316,7 +12316,7 @@
                 <a16:creationId xmlns:a16="http://schemas.microsoft.com/office/drawing/2014/main" id="{19C9EAEA-39D0-4B0E-A0EB-51E7B26740B1}"/>
               </a:ext>
               <a:ext uri="{C183D7F6-B498-43B3-948B-1728B52AA6E4}">
-                <adec:decorative xmlns="" xmlns:adec="http://schemas.microsoft.com/office/drawing/2017/decorative" val="1"/>
+                <adec:decorative xmlns:adec="http://schemas.microsoft.com/office/drawing/2017/decorative" xmlns="" val="1"/>
               </a:ext>
             </a:extLst>
           </p:cNvPr>
@@ -12453,7 +12453,7 @@
                 <a16:creationId xmlns:a16="http://schemas.microsoft.com/office/drawing/2014/main" id="{8B9AA7C6-5E5A-498E-A6DF-A943376E09BC}"/>
               </a:ext>
               <a:ext uri="{C183D7F6-B498-43B3-948B-1728B52AA6E4}">
-                <adec:decorative xmlns="" xmlns:adec="http://schemas.microsoft.com/office/drawing/2017/decorative" val="1"/>
+                <adec:decorative xmlns:adec="http://schemas.microsoft.com/office/drawing/2017/decorative" xmlns="" val="1"/>
               </a:ext>
             </a:extLst>
           </p:cNvPr>
@@ -12513,7 +12513,7 @@
                 <a16:creationId xmlns:a16="http://schemas.microsoft.com/office/drawing/2014/main" id="{83EAB11A-76F7-48F4-9B4F-5BFDF4BF9670}"/>
               </a:ext>
               <a:ext uri="{C183D7F6-B498-43B3-948B-1728B52AA6E4}">
-                <adec:decorative xmlns="" xmlns:adec="http://schemas.microsoft.com/office/drawing/2017/decorative" val="1"/>
+                <adec:decorative xmlns:adec="http://schemas.microsoft.com/office/drawing/2017/decorative" xmlns="" val="1"/>
               </a:ext>
             </a:extLst>
           </p:cNvPr>
@@ -12544,7 +12544,7 @@
                   <a16:creationId xmlns:a16="http://schemas.microsoft.com/office/drawing/2014/main" id="{74D4C416-D5F4-4F6F-A6F1-87A21CD4FCAF}"/>
                 </a:ext>
                 <a:ext uri="{C183D7F6-B498-43B3-948B-1728B52AA6E4}">
-                  <adec:decorative xmlns="" xmlns:adec="http://schemas.microsoft.com/office/drawing/2017/decorative" val="1"/>
+                  <adec:decorative xmlns:adec="http://schemas.microsoft.com/office/drawing/2017/decorative" xmlns="" val="1"/>
                 </a:ext>
               </a:extLst>
             </p:cNvPr>
@@ -12605,7 +12605,7 @@
                   <a16:creationId xmlns:a16="http://schemas.microsoft.com/office/drawing/2014/main" id="{C6AC1C30-21C6-4BF6-93EE-B211D7A85011}"/>
                 </a:ext>
                 <a:ext uri="{C183D7F6-B498-43B3-948B-1728B52AA6E4}">
-                  <adec:decorative xmlns="" xmlns:adec="http://schemas.microsoft.com/office/drawing/2017/decorative" val="1"/>
+                  <adec:decorative xmlns:adec="http://schemas.microsoft.com/office/drawing/2017/decorative" xmlns="" val="1"/>
                 </a:ext>
               </a:extLst>
             </p:cNvPr>
@@ -12658,7 +12658,7 @@
                 <a16:creationId xmlns:a16="http://schemas.microsoft.com/office/drawing/2014/main" id="{81E140AE-0ABF-47C8-BF32-7D2F0CF2BA44}"/>
               </a:ext>
               <a:ext uri="{C183D7F6-B498-43B3-948B-1728B52AA6E4}">
-                <adec:decorative xmlns="" xmlns:adec="http://schemas.microsoft.com/office/drawing/2017/decorative" val="1"/>
+                <adec:decorative xmlns:adec="http://schemas.microsoft.com/office/drawing/2017/decorative" xmlns="" val="1"/>
               </a:ext>
             </a:extLst>
           </p:cNvPr>
@@ -12721,7 +12721,7 @@
                 <a16:creationId xmlns:a16="http://schemas.microsoft.com/office/drawing/2014/main" id="{CBC4F608-B4B8-48C3-9572-C0F061B1CD99}"/>
               </a:ext>
               <a:ext uri="{C183D7F6-B498-43B3-948B-1728B52AA6E4}">
-                <adec:decorative xmlns="" xmlns:adec="http://schemas.microsoft.com/office/drawing/2017/decorative" val="1"/>
+                <adec:decorative xmlns:adec="http://schemas.microsoft.com/office/drawing/2017/decorative" xmlns="" val="1"/>
               </a:ext>
             </a:extLst>
           </p:cNvPr>
@@ -12915,7 +12915,7 @@
                 <a16:creationId xmlns:a16="http://schemas.microsoft.com/office/drawing/2014/main" id="{F0AED851-54B9-4765-92D2-F0BE443BEC91}"/>
               </a:ext>
               <a:ext uri="{C183D7F6-B498-43B3-948B-1728B52AA6E4}">
-                <adec:decorative xmlns="" xmlns:adec="http://schemas.microsoft.com/office/drawing/2017/decorative" val="1"/>
+                <adec:decorative xmlns:adec="http://schemas.microsoft.com/office/drawing/2017/decorative" xmlns="" val="1"/>
               </a:ext>
             </a:extLst>
           </p:cNvPr>
@@ -12975,7 +12975,7 @@
                 <a16:creationId xmlns:a16="http://schemas.microsoft.com/office/drawing/2014/main" id="{B81933D1-5615-42C7-9C0B-4EB7105CCE2D}"/>
               </a:ext>
               <a:ext uri="{C183D7F6-B498-43B3-948B-1728B52AA6E4}">
-                <adec:decorative xmlns="" xmlns:adec="http://schemas.microsoft.com/office/drawing/2017/decorative" val="1"/>
+                <adec:decorative xmlns:adec="http://schemas.microsoft.com/office/drawing/2017/decorative" xmlns="" val="1"/>
               </a:ext>
             </a:extLst>
           </p:cNvPr>
@@ -13038,7 +13038,7 @@
                 <a16:creationId xmlns:a16="http://schemas.microsoft.com/office/drawing/2014/main" id="{19C9EAEA-39D0-4B0E-A0EB-51E7B26740B1}"/>
               </a:ext>
               <a:ext uri="{C183D7F6-B498-43B3-948B-1728B52AA6E4}">
-                <adec:decorative xmlns="" xmlns:adec="http://schemas.microsoft.com/office/drawing/2017/decorative" val="1"/>
+                <adec:decorative xmlns:adec="http://schemas.microsoft.com/office/drawing/2017/decorative" xmlns="" val="1"/>
               </a:ext>
             </a:extLst>
           </p:cNvPr>
@@ -13108,7 +13108,7 @@
                 <a16:creationId xmlns:a16="http://schemas.microsoft.com/office/drawing/2014/main" id="{032D8612-31EB-44CF-A1D0-14FD4C705424}"/>
               </a:ext>
               <a:ext uri="{C183D7F6-B498-43B3-948B-1728B52AA6E4}">
-                <adec:decorative xmlns="" xmlns:adec="http://schemas.microsoft.com/office/drawing/2017/decorative" val="1"/>
+                <adec:decorative xmlns:adec="http://schemas.microsoft.com/office/drawing/2017/decorative" xmlns="" val="1"/>
               </a:ext>
             </a:extLst>
           </p:cNvPr>
@@ -13142,7 +13142,7 @@
                   <a16:creationId xmlns:a16="http://schemas.microsoft.com/office/drawing/2014/main" id="{F19A4A0F-1B59-4DB0-9764-D10936E98770}"/>
                 </a:ext>
                 <a:ext uri="{C183D7F6-B498-43B3-948B-1728B52AA6E4}">
-                  <adec:decorative xmlns="" xmlns:adec="http://schemas.microsoft.com/office/drawing/2017/decorative" val="1"/>
+                  <adec:decorative xmlns:adec="http://schemas.microsoft.com/office/drawing/2017/decorative" xmlns="" val="1"/>
                 </a:ext>
               </a:extLst>
             </p:cNvPr>
@@ -13201,7 +13201,7 @@
                   <a16:creationId xmlns:a16="http://schemas.microsoft.com/office/drawing/2014/main" id="{F399A70F-F8CD-4992-9EF5-6CF15472E73F}"/>
                 </a:ext>
                 <a:ext uri="{C183D7F6-B498-43B3-948B-1728B52AA6E4}">
-                  <adec:decorative xmlns="" xmlns:adec="http://schemas.microsoft.com/office/drawing/2017/decorative" val="1"/>
+                  <adec:decorative xmlns:adec="http://schemas.microsoft.com/office/drawing/2017/decorative" xmlns="" val="1"/>
                 </a:ext>
               </a:extLst>
             </p:cNvPr>
@@ -13260,7 +13260,7 @@
                   <a16:creationId xmlns:a16="http://schemas.microsoft.com/office/drawing/2014/main" id="{48F4FEDC-6D80-458C-A665-075D9B9500FD}"/>
                 </a:ext>
                 <a:ext uri="{C183D7F6-B498-43B3-948B-1728B52AA6E4}">
-                  <adec:decorative xmlns="" xmlns:adec="http://schemas.microsoft.com/office/drawing/2017/decorative" val="1"/>
+                  <adec:decorative xmlns:adec="http://schemas.microsoft.com/office/drawing/2017/decorative" xmlns="" val="1"/>
                 </a:ext>
               </a:extLst>
             </p:cNvPr>
@@ -14192,7 +14192,7 @@
                 <a16:creationId xmlns:a16="http://schemas.microsoft.com/office/drawing/2014/main" id="{201CC55D-ED54-4C5C-95E6-10947BD1103B}"/>
               </a:ext>
               <a:ext uri="{C183D7F6-B498-43B3-948B-1728B52AA6E4}">
-                <adec:decorative xmlns="" xmlns:adec="http://schemas.microsoft.com/office/drawing/2017/decorative" val="1"/>
+                <adec:decorative xmlns:adec="http://schemas.microsoft.com/office/drawing/2017/decorative" xmlns="" val="1"/>
               </a:ext>
             </a:extLst>
           </p:cNvPr>
@@ -14281,7 +14281,7 @@
                 <a16:creationId xmlns:a16="http://schemas.microsoft.com/office/drawing/2014/main" id="{1DE889C7-FAD6-4397-98E2-05D503484459}"/>
               </a:ext>
               <a:ext uri="{C183D7F6-B498-43B3-948B-1728B52AA6E4}">
-                <adec:decorative xmlns="" xmlns:adec="http://schemas.microsoft.com/office/drawing/2017/decorative" val="1"/>
+                <adec:decorative xmlns:adec="http://schemas.microsoft.com/office/drawing/2017/decorative" xmlns="" val="1"/>
               </a:ext>
             </a:extLst>
           </p:cNvPr>
@@ -14312,7 +14312,7 @@
                   <a16:creationId xmlns:a16="http://schemas.microsoft.com/office/drawing/2014/main" id="{F399A70F-F8CD-4992-9EF5-6CF15472E73F}"/>
                 </a:ext>
                 <a:ext uri="{C183D7F6-B498-43B3-948B-1728B52AA6E4}">
-                  <adec:decorative xmlns="" xmlns:adec="http://schemas.microsoft.com/office/drawing/2017/decorative" val="1"/>
+                  <adec:decorative xmlns:adec="http://schemas.microsoft.com/office/drawing/2017/decorative" xmlns="" val="1"/>
                 </a:ext>
               </a:extLst>
             </p:cNvPr>
@@ -14373,7 +14373,7 @@
                   <a16:creationId xmlns:a16="http://schemas.microsoft.com/office/drawing/2014/main" id="{48F4FEDC-6D80-458C-A665-075D9B9500FD}"/>
                 </a:ext>
                 <a:ext uri="{C183D7F6-B498-43B3-948B-1728B52AA6E4}">
-                  <adec:decorative xmlns="" xmlns:adec="http://schemas.microsoft.com/office/drawing/2017/decorative" val="1"/>
+                  <adec:decorative xmlns:adec="http://schemas.microsoft.com/office/drawing/2017/decorative" xmlns="" val="1"/>
                 </a:ext>
               </a:extLst>
             </p:cNvPr>
@@ -14435,7 +14435,7 @@
                 <a16:creationId xmlns:a16="http://schemas.microsoft.com/office/drawing/2014/main" id="{3873B707-463F-40B0-8227-E8CC6C67EB25}"/>
               </a:ext>
               <a:ext uri="{C183D7F6-B498-43B3-948B-1728B52AA6E4}">
-                <adec:decorative xmlns="" xmlns:adec="http://schemas.microsoft.com/office/drawing/2017/decorative" val="1"/>
+                <adec:decorative xmlns:adec="http://schemas.microsoft.com/office/drawing/2017/decorative" xmlns="" val="1"/>
               </a:ext>
             </a:extLst>
           </p:cNvPr>
@@ -14596,7 +14596,7 @@
                 <a16:creationId xmlns:a16="http://schemas.microsoft.com/office/drawing/2014/main" id="{C13237C8-E62C-4F0D-A318-BD6FB6C2D138}"/>
               </a:ext>
               <a:ext uri="{C183D7F6-B498-43B3-948B-1728B52AA6E4}">
-                <adec:decorative xmlns="" xmlns:adec="http://schemas.microsoft.com/office/drawing/2017/decorative" val="1"/>
+                <adec:decorative xmlns:adec="http://schemas.microsoft.com/office/drawing/2017/decorative" xmlns="" val="1"/>
               </a:ext>
             </a:extLst>
           </p:cNvPr>
@@ -14659,7 +14659,7 @@
                 <a16:creationId xmlns:a16="http://schemas.microsoft.com/office/drawing/2014/main" id="{19C9EAEA-39D0-4B0E-A0EB-51E7B26740B1}"/>
               </a:ext>
               <a:ext uri="{C183D7F6-B498-43B3-948B-1728B52AA6E4}">
-                <adec:decorative xmlns="" xmlns:adec="http://schemas.microsoft.com/office/drawing/2017/decorative" val="1"/>
+                <adec:decorative xmlns:adec="http://schemas.microsoft.com/office/drawing/2017/decorative" xmlns="" val="1"/>
               </a:ext>
             </a:extLst>
           </p:cNvPr>
@@ -14790,7 +14790,7 @@
                 <a16:creationId xmlns:a16="http://schemas.microsoft.com/office/drawing/2014/main" id="{201CC55D-ED54-4C5C-95E6-10947BD1103B}"/>
               </a:ext>
               <a:ext uri="{C183D7F6-B498-43B3-948B-1728B52AA6E4}">
-                <adec:decorative xmlns="" xmlns:adec="http://schemas.microsoft.com/office/drawing/2017/decorative" val="1"/>
+                <adec:decorative xmlns:adec="http://schemas.microsoft.com/office/drawing/2017/decorative" xmlns="" val="1"/>
               </a:ext>
             </a:extLst>
           </p:cNvPr>
@@ -14879,7 +14879,7 @@
                 <a16:creationId xmlns:a16="http://schemas.microsoft.com/office/drawing/2014/main" id="{1DE889C7-FAD6-4397-98E2-05D503484459}"/>
               </a:ext>
               <a:ext uri="{C183D7F6-B498-43B3-948B-1728B52AA6E4}">
-                <adec:decorative xmlns="" xmlns:adec="http://schemas.microsoft.com/office/drawing/2017/decorative" val="1"/>
+                <adec:decorative xmlns:adec="http://schemas.microsoft.com/office/drawing/2017/decorative" xmlns="" val="1"/>
               </a:ext>
             </a:extLst>
           </p:cNvPr>
@@ -14910,7 +14910,7 @@
                   <a16:creationId xmlns:a16="http://schemas.microsoft.com/office/drawing/2014/main" id="{F399A70F-F8CD-4992-9EF5-6CF15472E73F}"/>
                 </a:ext>
                 <a:ext uri="{C183D7F6-B498-43B3-948B-1728B52AA6E4}">
-                  <adec:decorative xmlns="" xmlns:adec="http://schemas.microsoft.com/office/drawing/2017/decorative" val="1"/>
+                  <adec:decorative xmlns:adec="http://schemas.microsoft.com/office/drawing/2017/decorative" xmlns="" val="1"/>
                 </a:ext>
               </a:extLst>
             </p:cNvPr>
@@ -14971,7 +14971,7 @@
                   <a16:creationId xmlns:a16="http://schemas.microsoft.com/office/drawing/2014/main" id="{48F4FEDC-6D80-458C-A665-075D9B9500FD}"/>
                 </a:ext>
                 <a:ext uri="{C183D7F6-B498-43B3-948B-1728B52AA6E4}">
-                  <adec:decorative xmlns="" xmlns:adec="http://schemas.microsoft.com/office/drawing/2017/decorative" val="1"/>
+                  <adec:decorative xmlns:adec="http://schemas.microsoft.com/office/drawing/2017/decorative" xmlns="" val="1"/>
                 </a:ext>
               </a:extLst>
             </p:cNvPr>
@@ -15033,7 +15033,7 @@
                 <a16:creationId xmlns:a16="http://schemas.microsoft.com/office/drawing/2014/main" id="{3873B707-463F-40B0-8227-E8CC6C67EB25}"/>
               </a:ext>
               <a:ext uri="{C183D7F6-B498-43B3-948B-1728B52AA6E4}">
-                <adec:decorative xmlns="" xmlns:adec="http://schemas.microsoft.com/office/drawing/2017/decorative" val="1"/>
+                <adec:decorative xmlns:adec="http://schemas.microsoft.com/office/drawing/2017/decorative" xmlns="" val="1"/>
               </a:ext>
             </a:extLst>
           </p:cNvPr>
@@ -15172,7 +15172,7 @@
                 <a16:creationId xmlns:a16="http://schemas.microsoft.com/office/drawing/2014/main" id="{C13237C8-E62C-4F0D-A318-BD6FB6C2D138}"/>
               </a:ext>
               <a:ext uri="{C183D7F6-B498-43B3-948B-1728B52AA6E4}">
-                <adec:decorative xmlns="" xmlns:adec="http://schemas.microsoft.com/office/drawing/2017/decorative" val="1"/>
+                <adec:decorative xmlns:adec="http://schemas.microsoft.com/office/drawing/2017/decorative" xmlns="" val="1"/>
               </a:ext>
             </a:extLst>
           </p:cNvPr>
@@ -15235,7 +15235,7 @@
                 <a16:creationId xmlns:a16="http://schemas.microsoft.com/office/drawing/2014/main" id="{19C9EAEA-39D0-4B0E-A0EB-51E7B26740B1}"/>
               </a:ext>
               <a:ext uri="{C183D7F6-B498-43B3-948B-1728B52AA6E4}">
-                <adec:decorative xmlns="" xmlns:adec="http://schemas.microsoft.com/office/drawing/2017/decorative" val="1"/>
+                <adec:decorative xmlns:adec="http://schemas.microsoft.com/office/drawing/2017/decorative" xmlns="" val="1"/>
               </a:ext>
             </a:extLst>
           </p:cNvPr>
@@ -15801,7 +15801,7 @@
                 <a16:creationId xmlns:a16="http://schemas.microsoft.com/office/drawing/2014/main" id="{4DA718D0-4865-4629-8134-44F68D41D574}"/>
               </a:ext>
               <a:ext uri="{C183D7F6-B498-43B3-948B-1728B52AA6E4}">
-                <adec:decorative xmlns="" xmlns:adec="http://schemas.microsoft.com/office/drawing/2017/decorative" val="1"/>
+                <adec:decorative xmlns:adec="http://schemas.microsoft.com/office/drawing/2017/decorative" xmlns="" val="1"/>
               </a:ext>
             </a:extLst>
           </p:cNvPr>
@@ -15861,7 +15861,7 @@
                 <a16:creationId xmlns:a16="http://schemas.microsoft.com/office/drawing/2014/main" id="{65167ED7-6315-43AB-B1B6-C326D5FD8F84}"/>
               </a:ext>
               <a:ext uri="{C183D7F6-B498-43B3-948B-1728B52AA6E4}">
-                <adec:decorative xmlns="" xmlns:adec="http://schemas.microsoft.com/office/drawing/2017/decorative" val="1"/>
+                <adec:decorative xmlns:adec="http://schemas.microsoft.com/office/drawing/2017/decorative" xmlns="" val="1"/>
               </a:ext>
             </a:extLst>
           </p:cNvPr>
@@ -15895,7 +15895,7 @@
                   <a16:creationId xmlns:a16="http://schemas.microsoft.com/office/drawing/2014/main" id="{EF4D8839-FB03-487D-ACC8-8BFEDD4FEBAE}"/>
                 </a:ext>
                 <a:ext uri="{C183D7F6-B498-43B3-948B-1728B52AA6E4}">
-                  <adec:decorative xmlns="" xmlns:adec="http://schemas.microsoft.com/office/drawing/2017/decorative" val="1"/>
+                  <adec:decorative xmlns:adec="http://schemas.microsoft.com/office/drawing/2017/decorative" xmlns="" val="1"/>
                 </a:ext>
               </a:extLst>
             </p:cNvPr>
@@ -15954,7 +15954,7 @@
                   <a16:creationId xmlns:a16="http://schemas.microsoft.com/office/drawing/2014/main" id="{0EF75023-9A3B-42FC-B704-61A8F7BEF415}"/>
                 </a:ext>
                 <a:ext uri="{C183D7F6-B498-43B3-948B-1728B52AA6E4}">
-                  <adec:decorative xmlns="" xmlns:adec="http://schemas.microsoft.com/office/drawing/2017/decorative" val="1"/>
+                  <adec:decorative xmlns:adec="http://schemas.microsoft.com/office/drawing/2017/decorative" xmlns="" val="1"/>
                 </a:ext>
               </a:extLst>
             </p:cNvPr>
@@ -16014,7 +16014,7 @@
                 <a16:creationId xmlns:a16="http://schemas.microsoft.com/office/drawing/2014/main" id="{CBC4F608-B4B8-48C3-9572-C0F061B1CD99}"/>
               </a:ext>
               <a:ext uri="{C183D7F6-B498-43B3-948B-1728B52AA6E4}">
-                <adec:decorative xmlns="" xmlns:adec="http://schemas.microsoft.com/office/drawing/2017/decorative" val="1"/>
+                <adec:decorative xmlns:adec="http://schemas.microsoft.com/office/drawing/2017/decorative" xmlns="" val="1"/>
               </a:ext>
             </a:extLst>
           </p:cNvPr>
@@ -16586,7 +16586,7 @@
                 <a16:creationId xmlns:a16="http://schemas.microsoft.com/office/drawing/2014/main" id="{201CC55D-ED54-4C5C-95E6-10947BD1103B}"/>
               </a:ext>
               <a:ext uri="{C183D7F6-B498-43B3-948B-1728B52AA6E4}">
-                <adec:decorative xmlns="" xmlns:adec="http://schemas.microsoft.com/office/drawing/2017/decorative" val="1"/>
+                <adec:decorative xmlns:adec="http://schemas.microsoft.com/office/drawing/2017/decorative" xmlns="" val="1"/>
               </a:ext>
             </a:extLst>
           </p:cNvPr>
@@ -16646,7 +16646,7 @@
                 <a16:creationId xmlns:a16="http://schemas.microsoft.com/office/drawing/2014/main" id="{1DE889C7-FAD6-4397-98E2-05D503484459}"/>
               </a:ext>
               <a:ext uri="{C183D7F6-B498-43B3-948B-1728B52AA6E4}">
-                <adec:decorative xmlns="" xmlns:adec="http://schemas.microsoft.com/office/drawing/2017/decorative" val="1"/>
+                <adec:decorative xmlns:adec="http://schemas.microsoft.com/office/drawing/2017/decorative" xmlns="" val="1"/>
               </a:ext>
             </a:extLst>
           </p:cNvPr>
@@ -16677,7 +16677,7 @@
                   <a16:creationId xmlns:a16="http://schemas.microsoft.com/office/drawing/2014/main" id="{F399A70F-F8CD-4992-9EF5-6CF15472E73F}"/>
                 </a:ext>
                 <a:ext uri="{C183D7F6-B498-43B3-948B-1728B52AA6E4}">
-                  <adec:decorative xmlns="" xmlns:adec="http://schemas.microsoft.com/office/drawing/2017/decorative" val="1"/>
+                  <adec:decorative xmlns:adec="http://schemas.microsoft.com/office/drawing/2017/decorative" xmlns="" val="1"/>
                 </a:ext>
               </a:extLst>
             </p:cNvPr>
@@ -16738,7 +16738,7 @@
                   <a16:creationId xmlns:a16="http://schemas.microsoft.com/office/drawing/2014/main" id="{48F4FEDC-6D80-458C-A665-075D9B9500FD}"/>
                 </a:ext>
                 <a:ext uri="{C183D7F6-B498-43B3-948B-1728B52AA6E4}">
-                  <adec:decorative xmlns="" xmlns:adec="http://schemas.microsoft.com/office/drawing/2017/decorative" val="1"/>
+                  <adec:decorative xmlns:adec="http://schemas.microsoft.com/office/drawing/2017/decorative" xmlns="" val="1"/>
                 </a:ext>
               </a:extLst>
             </p:cNvPr>
@@ -16800,7 +16800,7 @@
                 <a16:creationId xmlns:a16="http://schemas.microsoft.com/office/drawing/2014/main" id="{3873B707-463F-40B0-8227-E8CC6C67EB25}"/>
               </a:ext>
               <a:ext uri="{C183D7F6-B498-43B3-948B-1728B52AA6E4}">
-                <adec:decorative xmlns="" xmlns:adec="http://schemas.microsoft.com/office/drawing/2017/decorative" val="1"/>
+                <adec:decorative xmlns:adec="http://schemas.microsoft.com/office/drawing/2017/decorative" xmlns="" val="1"/>
               </a:ext>
             </a:extLst>
           </p:cNvPr>
@@ -17091,7 +17091,7 @@
                 <a16:creationId xmlns:a16="http://schemas.microsoft.com/office/drawing/2014/main" id="{C13237C8-E62C-4F0D-A318-BD6FB6C2D138}"/>
               </a:ext>
               <a:ext uri="{C183D7F6-B498-43B3-948B-1728B52AA6E4}">
-                <adec:decorative xmlns="" xmlns:adec="http://schemas.microsoft.com/office/drawing/2017/decorative" val="1"/>
+                <adec:decorative xmlns:adec="http://schemas.microsoft.com/office/drawing/2017/decorative" xmlns="" val="1"/>
               </a:ext>
             </a:extLst>
           </p:cNvPr>
@@ -17154,7 +17154,7 @@
                 <a16:creationId xmlns:a16="http://schemas.microsoft.com/office/drawing/2014/main" id="{19C9EAEA-39D0-4B0E-A0EB-51E7B26740B1}"/>
               </a:ext>
               <a:ext uri="{C183D7F6-B498-43B3-948B-1728B52AA6E4}">
-                <adec:decorative xmlns="" xmlns:adec="http://schemas.microsoft.com/office/drawing/2017/decorative" val="1"/>
+                <adec:decorative xmlns:adec="http://schemas.microsoft.com/office/drawing/2017/decorative" xmlns="" val="1"/>
               </a:ext>
             </a:extLst>
           </p:cNvPr>
@@ -17291,7 +17291,7 @@
                 <a16:creationId xmlns:a16="http://schemas.microsoft.com/office/drawing/2014/main" id="{B6CDA21F-E7AF-4C75-8395-33F58D5B0E45}"/>
               </a:ext>
               <a:ext uri="{C183D7F6-B498-43B3-948B-1728B52AA6E4}">
-                <adec:decorative xmlns="" xmlns:adec="http://schemas.microsoft.com/office/drawing/2017/decorative" val="1"/>
+                <adec:decorative xmlns:adec="http://schemas.microsoft.com/office/drawing/2017/decorative" xmlns="" val="1"/>
               </a:ext>
             </a:extLst>
           </p:cNvPr>
@@ -17351,7 +17351,7 @@
                 <a16:creationId xmlns:a16="http://schemas.microsoft.com/office/drawing/2014/main" id="{AE1C45F0-260A-458C-96ED-C1F6D2151219}"/>
               </a:ext>
               <a:ext uri="{C183D7F6-B498-43B3-948B-1728B52AA6E4}">
-                <adec:decorative xmlns="" xmlns:adec="http://schemas.microsoft.com/office/drawing/2017/decorative" val="1"/>
+                <adec:decorative xmlns:adec="http://schemas.microsoft.com/office/drawing/2017/decorative" xmlns="" val="1"/>
               </a:ext>
             </a:extLst>
           </p:cNvPr>
@@ -17385,7 +17385,7 @@
                   <a16:creationId xmlns:a16="http://schemas.microsoft.com/office/drawing/2014/main" id="{A6604B49-AD5C-4590-B051-06C8222ECD99}"/>
                 </a:ext>
                 <a:ext uri="{C183D7F6-B498-43B3-948B-1728B52AA6E4}">
-                  <adec:decorative xmlns="" xmlns:adec="http://schemas.microsoft.com/office/drawing/2017/decorative" val="1"/>
+                  <adec:decorative xmlns:adec="http://schemas.microsoft.com/office/drawing/2017/decorative" xmlns="" val="1"/>
                 </a:ext>
               </a:extLst>
             </p:cNvPr>
@@ -17444,7 +17444,7 @@
                   <a16:creationId xmlns:a16="http://schemas.microsoft.com/office/drawing/2014/main" id="{743ECCAF-29C5-4537-947C-7EA1292463DB}"/>
                 </a:ext>
                 <a:ext uri="{C183D7F6-B498-43B3-948B-1728B52AA6E4}">
-                  <adec:decorative xmlns="" xmlns:adec="http://schemas.microsoft.com/office/drawing/2017/decorative" val="1"/>
+                  <adec:decorative xmlns:adec="http://schemas.microsoft.com/office/drawing/2017/decorative" xmlns="" val="1"/>
                 </a:ext>
               </a:extLst>
             </p:cNvPr>
@@ -17503,7 +17503,7 @@
                   <a16:creationId xmlns:a16="http://schemas.microsoft.com/office/drawing/2014/main" id="{ED49787B-8DE6-4467-AD0A-8DECC6E0C2D6}"/>
                 </a:ext>
                 <a:ext uri="{C183D7F6-B498-43B3-948B-1728B52AA6E4}">
-                  <adec:decorative xmlns="" xmlns:adec="http://schemas.microsoft.com/office/drawing/2017/decorative" val="1"/>
+                  <adec:decorative xmlns:adec="http://schemas.microsoft.com/office/drawing/2017/decorative" xmlns="" val="1"/>
                 </a:ext>
               </a:extLst>
             </p:cNvPr>
@@ -17563,7 +17563,7 @@
                 <a16:creationId xmlns:a16="http://schemas.microsoft.com/office/drawing/2014/main" id="{D5B0017B-2ECA-49AF-B397-DC140825DF8D}"/>
               </a:ext>
               <a:ext uri="{C183D7F6-B498-43B3-948B-1728B52AA6E4}">
-                <adec:decorative xmlns="" xmlns:adec="http://schemas.microsoft.com/office/drawing/2017/decorative" val="1"/>
+                <adec:decorative xmlns:adec="http://schemas.microsoft.com/office/drawing/2017/decorative" xmlns="" val="1"/>
               </a:ext>
             </a:extLst>
           </p:cNvPr>
@@ -18064,7 +18064,7 @@
                 <a16:creationId xmlns:a16="http://schemas.microsoft.com/office/drawing/2014/main" id="{6CF1BAF6-AD41-4082-B212-8A1F9A2E8779}"/>
               </a:ext>
               <a:ext uri="{C183D7F6-B498-43B3-948B-1728B52AA6E4}">
-                <adec:decorative xmlns="" xmlns:adec="http://schemas.microsoft.com/office/drawing/2017/decorative" val="1"/>
+                <adec:decorative xmlns:adec="http://schemas.microsoft.com/office/drawing/2017/decorative" xmlns="" val="1"/>
               </a:ext>
             </a:extLst>
           </p:cNvPr>
@@ -18423,7 +18423,7 @@
                 <a16:creationId xmlns:a16="http://schemas.microsoft.com/office/drawing/2014/main" id="{49AE1604-BB93-4F6D-94D6-F2A6021FC5AD}"/>
               </a:ext>
               <a:ext uri="{C183D7F6-B498-43B3-948B-1728B52AA6E4}">
-                <adec:decorative xmlns="" xmlns:adec="http://schemas.microsoft.com/office/drawing/2017/decorative" val="1"/>
+                <adec:decorative xmlns:adec="http://schemas.microsoft.com/office/drawing/2017/decorative" xmlns="" val="1"/>
               </a:ext>
             </a:extLst>
           </p:cNvPr>
@@ -18483,7 +18483,7 @@
                 <a16:creationId xmlns:a16="http://schemas.microsoft.com/office/drawing/2014/main" id="{A9270323-9616-4384-857D-E86B78272EFE}"/>
               </a:ext>
               <a:ext uri="{C183D7F6-B498-43B3-948B-1728B52AA6E4}">
-                <adec:decorative xmlns="" xmlns:adec="http://schemas.microsoft.com/office/drawing/2017/decorative" val="1"/>
+                <adec:decorative xmlns:adec="http://schemas.microsoft.com/office/drawing/2017/decorative" xmlns="" val="1"/>
               </a:ext>
             </a:extLst>
           </p:cNvPr>
@@ -18517,7 +18517,7 @@
                   <a16:creationId xmlns:a16="http://schemas.microsoft.com/office/drawing/2014/main" id="{8A3838D5-9565-4601-BAC3-D1B5BDB803ED}"/>
                 </a:ext>
                 <a:ext uri="{C183D7F6-B498-43B3-948B-1728B52AA6E4}">
-                  <adec:decorative xmlns="" xmlns:adec="http://schemas.microsoft.com/office/drawing/2017/decorative" val="1"/>
+                  <adec:decorative xmlns:adec="http://schemas.microsoft.com/office/drawing/2017/decorative" xmlns="" val="1"/>
                 </a:ext>
               </a:extLst>
             </p:cNvPr>
@@ -18576,7 +18576,7 @@
                   <a16:creationId xmlns:a16="http://schemas.microsoft.com/office/drawing/2014/main" id="{3349A4B8-3246-4579-922E-FE1155C7F08C}"/>
                 </a:ext>
                 <a:ext uri="{C183D7F6-B498-43B3-948B-1728B52AA6E4}">
-                  <adec:decorative xmlns="" xmlns:adec="http://schemas.microsoft.com/office/drawing/2017/decorative" val="1"/>
+                  <adec:decorative xmlns:adec="http://schemas.microsoft.com/office/drawing/2017/decorative" xmlns="" val="1"/>
                 </a:ext>
               </a:extLst>
             </p:cNvPr>
@@ -18636,7 +18636,7 @@
                 <a16:creationId xmlns:a16="http://schemas.microsoft.com/office/drawing/2014/main" id="{CBC4F608-B4B8-48C3-9572-C0F061B1CD99}"/>
               </a:ext>
               <a:ext uri="{C183D7F6-B498-43B3-948B-1728B52AA6E4}">
-                <adec:decorative xmlns="" xmlns:adec="http://schemas.microsoft.com/office/drawing/2017/decorative" val="1"/>
+                <adec:decorative xmlns:adec="http://schemas.microsoft.com/office/drawing/2017/decorative" xmlns="" val="1"/>
               </a:ext>
             </a:extLst>
           </p:cNvPr>
@@ -18734,7 +18734,7 @@
                 <a16:creationId xmlns:a16="http://schemas.microsoft.com/office/drawing/2014/main" id="{1382A32C-5B0C-4B1C-A074-76C6DBCC9F87}"/>
               </a:ext>
               <a:ext uri="{C183D7F6-B498-43B3-948B-1728B52AA6E4}">
-                <adec:decorative xmlns="" xmlns:adec="http://schemas.microsoft.com/office/drawing/2017/decorative" val="1"/>
+                <adec:decorative xmlns:adec="http://schemas.microsoft.com/office/drawing/2017/decorative" xmlns="" val="1"/>
               </a:ext>
             </a:extLst>
           </p:cNvPr>
@@ -18900,7 +18900,7 @@
                 <a16:creationId xmlns:a16="http://schemas.microsoft.com/office/drawing/2014/main" id="{3AD318CC-E2A8-4E27-9548-A047A78999B1}"/>
               </a:ext>
               <a:ext uri="{C183D7F6-B498-43B3-948B-1728B52AA6E4}">
-                <adec:decorative xmlns="" xmlns:adec="http://schemas.microsoft.com/office/drawing/2017/decorative" val="1"/>
+                <adec:decorative xmlns:adec="http://schemas.microsoft.com/office/drawing/2017/decorative" xmlns="" val="1"/>
               </a:ext>
             </a:extLst>
           </p:cNvPr>
@@ -18990,7 +18990,7 @@
                 <a16:creationId xmlns:a16="http://schemas.microsoft.com/office/drawing/2014/main" id="{B14B560F-9DD7-4302-A60B-EBD3EF59B073}"/>
               </a:ext>
               <a:ext uri="{C183D7F6-B498-43B3-948B-1728B52AA6E4}">
-                <adec:decorative xmlns="" xmlns:adec="http://schemas.microsoft.com/office/drawing/2017/decorative" val="1"/>
+                <adec:decorative xmlns:adec="http://schemas.microsoft.com/office/drawing/2017/decorative" xmlns="" val="1"/>
               </a:ext>
             </a:extLst>
           </p:cNvPr>
@@ -19021,7 +19021,7 @@
                   <a16:creationId xmlns:a16="http://schemas.microsoft.com/office/drawing/2014/main" id="{3A9A4357-BD1D-4622-A4FE-766E6AB8DE84}"/>
                 </a:ext>
                 <a:ext uri="{C183D7F6-B498-43B3-948B-1728B52AA6E4}">
-                  <adec:decorative xmlns="" xmlns:adec="http://schemas.microsoft.com/office/drawing/2017/decorative" val="1"/>
+                  <adec:decorative xmlns:adec="http://schemas.microsoft.com/office/drawing/2017/decorative" xmlns="" val="1"/>
                 </a:ext>
               </a:extLst>
             </p:cNvPr>
@@ -19082,7 +19082,7 @@
                   <a16:creationId xmlns:a16="http://schemas.microsoft.com/office/drawing/2014/main" id="{C21D6966-343E-49AC-A026-D2497E0C3CA1}"/>
                 </a:ext>
                 <a:ext uri="{C183D7F6-B498-43B3-948B-1728B52AA6E4}">
-                  <adec:decorative xmlns="" xmlns:adec="http://schemas.microsoft.com/office/drawing/2017/decorative" val="1"/>
+                  <adec:decorative xmlns:adec="http://schemas.microsoft.com/office/drawing/2017/decorative" xmlns="" val="1"/>
                 </a:ext>
               </a:extLst>
             </p:cNvPr>
@@ -19135,7 +19135,7 @@
                 <a16:creationId xmlns:a16="http://schemas.microsoft.com/office/drawing/2014/main" id="{2C1BBA94-3F40-40AA-8BB9-E69E25E537C1}"/>
               </a:ext>
               <a:ext uri="{C183D7F6-B498-43B3-948B-1728B52AA6E4}">
-                <adec:decorative xmlns="" xmlns:adec="http://schemas.microsoft.com/office/drawing/2017/decorative" val="1"/>
+                <adec:decorative xmlns:adec="http://schemas.microsoft.com/office/drawing/2017/decorative" xmlns="" val="1"/>
               </a:ext>
             </a:extLst>
           </p:cNvPr>
@@ -19317,7 +19317,7 @@
                 <a16:creationId xmlns:a16="http://schemas.microsoft.com/office/drawing/2014/main" id="{EF4CB1B7-AF26-4C13-8E7D-0489A31E4B7F}"/>
               </a:ext>
               <a:ext uri="{C183D7F6-B498-43B3-948B-1728B52AA6E4}">
-                <adec:decorative xmlns="" xmlns:adec="http://schemas.microsoft.com/office/drawing/2017/decorative" val="1"/>
+                <adec:decorative xmlns:adec="http://schemas.microsoft.com/office/drawing/2017/decorative" xmlns="" val="1"/>
               </a:ext>
             </a:extLst>
           </p:cNvPr>
@@ -19377,7 +19377,7 @@
                 <a16:creationId xmlns:a16="http://schemas.microsoft.com/office/drawing/2014/main" id="{19A6B5CE-CB1D-48EE-8B43-E952235C8371}"/>
               </a:ext>
               <a:ext uri="{C183D7F6-B498-43B3-948B-1728B52AA6E4}">
-                <adec:decorative xmlns="" xmlns:adec="http://schemas.microsoft.com/office/drawing/2017/decorative" val="1"/>
+                <adec:decorative xmlns:adec="http://schemas.microsoft.com/office/drawing/2017/decorative" xmlns="" val="1"/>
               </a:ext>
             </a:extLst>
           </p:cNvPr>
@@ -19411,7 +19411,7 @@
                   <a16:creationId xmlns:a16="http://schemas.microsoft.com/office/drawing/2014/main" id="{E3F3EAA5-4E15-400B-BBA3-82B3F49A2178}"/>
                 </a:ext>
                 <a:ext uri="{C183D7F6-B498-43B3-948B-1728B52AA6E4}">
-                  <adec:decorative xmlns="" xmlns:adec="http://schemas.microsoft.com/office/drawing/2017/decorative" val="1"/>
+                  <adec:decorative xmlns:adec="http://schemas.microsoft.com/office/drawing/2017/decorative" xmlns="" val="1"/>
                 </a:ext>
               </a:extLst>
             </p:cNvPr>
@@ -19470,7 +19470,7 @@
                   <a16:creationId xmlns:a16="http://schemas.microsoft.com/office/drawing/2014/main" id="{72BA2E40-BE9B-4C54-9CDD-40EE804CCE64}"/>
                 </a:ext>
                 <a:ext uri="{C183D7F6-B498-43B3-948B-1728B52AA6E4}">
-                  <adec:decorative xmlns="" xmlns:adec="http://schemas.microsoft.com/office/drawing/2017/decorative" val="1"/>
+                  <adec:decorative xmlns:adec="http://schemas.microsoft.com/office/drawing/2017/decorative" xmlns="" val="1"/>
                 </a:ext>
               </a:extLst>
             </p:cNvPr>
@@ -19530,7 +19530,7 @@
                 <a16:creationId xmlns:a16="http://schemas.microsoft.com/office/drawing/2014/main" id="{0DA909B4-15FF-46A6-8A7F-7AEF977FE9ED}"/>
               </a:ext>
               <a:ext uri="{C183D7F6-B498-43B3-948B-1728B52AA6E4}">
-                <adec:decorative xmlns="" xmlns:adec="http://schemas.microsoft.com/office/drawing/2017/decorative" val="1"/>
+                <adec:decorative xmlns:adec="http://schemas.microsoft.com/office/drawing/2017/decorative" xmlns="" val="1"/>
               </a:ext>
             </a:extLst>
           </p:cNvPr>
@@ -19630,7 +19630,7 @@
                 <a16:creationId xmlns:a16="http://schemas.microsoft.com/office/drawing/2014/main" id="{1382A32C-5B0C-4B1C-A074-76C6DBCC9F87}"/>
               </a:ext>
               <a:ext uri="{C183D7F6-B498-43B3-948B-1728B52AA6E4}">
-                <adec:decorative xmlns="" xmlns:adec="http://schemas.microsoft.com/office/drawing/2017/decorative" val="1"/>
+                <adec:decorative xmlns:adec="http://schemas.microsoft.com/office/drawing/2017/decorative" xmlns="" val="1"/>
               </a:ext>
             </a:extLst>
           </p:cNvPr>
@@ -19697,20 +19697,53 @@
         </p:nvSpPr>
         <p:spPr>
           <a:xfrm>
-            <a:off x="1055715" y="2508105"/>
-            <a:ext cx="5040285" cy="3632493"/>
+            <a:off x="681643" y="2316906"/>
+            <a:ext cx="5835535" cy="3632493"/>
           </a:xfrm>
         </p:spPr>
         <p:txBody>
           <a:bodyPr anchor="t">
-            <a:normAutofit/>
+            <a:normAutofit lnSpcReduction="10000"/>
           </a:bodyPr>
           <a:lstStyle/>
           <a:p>
             <a:r>
               <a:rPr lang="es-ES" sz="2000" dirty="0"/>
-              <a:t>Concepto:</a:t>
+              <a:t>Concepto</a:t>
             </a:r>
+            <a:r>
+              <a:rPr lang="es-ES" sz="2000" dirty="0" smtClean="0"/>
+              <a:t>: La prestación a favor de aquel trabajador que una vez cumplidos los requisitos de </a:t>
+            </a:r>
+            <a:r>
+              <a:rPr lang="es-ES" sz="2000" dirty="0" smtClean="0">
+                <a:solidFill>
+                  <a:srgbClr val="FF0000"/>
+                </a:solidFill>
+              </a:rPr>
+              <a:t>edad</a:t>
+            </a:r>
+            <a:r>
+              <a:rPr lang="es-ES" sz="2000" dirty="0" smtClean="0"/>
+              <a:t> y </a:t>
+            </a:r>
+            <a:r>
+              <a:rPr lang="es-ES" sz="2000" dirty="0" smtClean="0">
+                <a:solidFill>
+                  <a:srgbClr val="FF0000"/>
+                </a:solidFill>
+              </a:rPr>
+              <a:t>cotización</a:t>
+            </a:r>
+            <a:r>
+              <a:rPr lang="es-ES" sz="2000" dirty="0" smtClean="0"/>
+              <a:t> puede dejar de trabajar. </a:t>
+            </a:r>
+            <a:r>
+              <a:rPr lang="es-ES" sz="1000" dirty="0" smtClean="0"/>
+              <a:t>(2024= edad 66 con 6 meses(con 38 años cotizados o mas=100%; si más de 38 años a los 65, también se puede).</a:t>
+            </a:r>
+            <a:endParaRPr lang="es-ES" sz="1000" dirty="0"/>
           </a:p>
           <a:p>
             <a:r>
@@ -19725,8 +19758,13 @@
             </a:pPr>
             <a:r>
               <a:rPr lang="es-ES" sz="2000" dirty="0"/>
-              <a:t>Edad:</a:t>
+              <a:t>Edad</a:t>
             </a:r>
+            <a:r>
+              <a:rPr lang="es-ES" sz="2000" dirty="0" smtClean="0"/>
+              <a:t>: 66 con 6 meses (a los 65 si 38 o más a esa edad)</a:t>
+            </a:r>
+            <a:endParaRPr lang="es-ES" sz="2000" dirty="0"/>
           </a:p>
           <a:p>
             <a:pPr marL="914400" lvl="1" indent="-457200">
@@ -19734,21 +19772,32 @@
               <a:buAutoNum type="alphaLcParenR"/>
             </a:pPr>
             <a:r>
-              <a:rPr lang="es-ES" sz="2000" dirty="0"/>
-              <a:t>Cotización</a:t>
+              <a:rPr lang="es-ES" sz="2000" dirty="0" smtClean="0"/>
+              <a:t>Cotización=38=100%</a:t>
             </a:r>
+            <a:endParaRPr lang="es-ES" sz="2000" dirty="0"/>
           </a:p>
           <a:p>
             <a:r>
               <a:rPr lang="es-ES" sz="2000" dirty="0"/>
-              <a:t>Cotización mínima</a:t>
+              <a:t>Cotización </a:t>
             </a:r>
+            <a:r>
+              <a:rPr lang="es-ES" sz="2000" dirty="0" smtClean="0"/>
+              <a:t>mínima= 15 años (50% BR). Al menos 2 de esos 15 sean en los 15 últimos años previos a cumplir la edad de jubilación.</a:t>
+            </a:r>
+            <a:endParaRPr lang="es-ES" sz="2000" dirty="0"/>
           </a:p>
           <a:p>
             <a:r>
               <a:rPr lang="es-ES" sz="2000" dirty="0"/>
-              <a:t>Importe de la prestación.</a:t>
+              <a:t>Importe de la </a:t>
             </a:r>
+            <a:r>
+              <a:rPr lang="es-ES" sz="2000" dirty="0"/>
+              <a:t>prestación: 50% BR</a:t>
+            </a:r>
+            <a:endParaRPr lang="es-ES" sz="2000" dirty="0"/>
           </a:p>
         </p:txBody>
       </p:sp>
@@ -19850,7 +19899,7 @@
                 <a16:creationId xmlns:a16="http://schemas.microsoft.com/office/drawing/2014/main" id="{7CB4857B-ED7C-444D-9F04-2F885114A1C2}"/>
               </a:ext>
               <a:ext uri="{C183D7F6-B498-43B3-948B-1728B52AA6E4}">
-                <adec:decorative xmlns="" xmlns:adec="http://schemas.microsoft.com/office/drawing/2017/decorative" val="1"/>
+                <adec:decorative xmlns:adec="http://schemas.microsoft.com/office/drawing/2017/decorative" xmlns="" val="1"/>
               </a:ext>
             </a:extLst>
           </p:cNvPr>
@@ -19958,7 +20007,7 @@
                 <a16:creationId xmlns:a16="http://schemas.microsoft.com/office/drawing/2014/main" id="{D18046FB-44EA-4FD8-A585-EA09A319B2D0}"/>
               </a:ext>
               <a:ext uri="{C183D7F6-B498-43B3-948B-1728B52AA6E4}">
-                <adec:decorative xmlns="" xmlns:adec="http://schemas.microsoft.com/office/drawing/2017/decorative" val="1"/>
+                <adec:decorative xmlns:adec="http://schemas.microsoft.com/office/drawing/2017/decorative" xmlns="" val="1"/>
               </a:ext>
             </a:extLst>
           </p:cNvPr>
@@ -20220,7 +20269,7 @@
                 <a16:creationId xmlns:a16="http://schemas.microsoft.com/office/drawing/2014/main" id="{479F5F2B-8B58-4140-AE6A-51F6C67B18D9}"/>
               </a:ext>
               <a:ext uri="{C183D7F6-B498-43B3-948B-1728B52AA6E4}">
-                <adec:decorative xmlns="" xmlns:adec="http://schemas.microsoft.com/office/drawing/2017/decorative" val="1"/>
+                <adec:decorative xmlns:adec="http://schemas.microsoft.com/office/drawing/2017/decorative" xmlns="" val="1"/>
               </a:ext>
             </a:extLst>
           </p:cNvPr>
@@ -20441,7 +20490,7 @@
                 <a16:creationId xmlns:a16="http://schemas.microsoft.com/office/drawing/2014/main" id="{7CB4857B-ED7C-444D-9F04-2F885114A1C2}"/>
               </a:ext>
               <a:ext uri="{C183D7F6-B498-43B3-948B-1728B52AA6E4}">
-                <adec:decorative xmlns="" xmlns:adec="http://schemas.microsoft.com/office/drawing/2017/decorative" val="1"/>
+                <adec:decorative xmlns:adec="http://schemas.microsoft.com/office/drawing/2017/decorative" xmlns="" val="1"/>
               </a:ext>
             </a:extLst>
           </p:cNvPr>
@@ -20549,7 +20598,7 @@
                 <a16:creationId xmlns:a16="http://schemas.microsoft.com/office/drawing/2014/main" id="{D18046FB-44EA-4FD8-A585-EA09A319B2D0}"/>
               </a:ext>
               <a:ext uri="{C183D7F6-B498-43B3-948B-1728B52AA6E4}">
-                <adec:decorative xmlns="" xmlns:adec="http://schemas.microsoft.com/office/drawing/2017/decorative" val="1"/>
+                <adec:decorative xmlns:adec="http://schemas.microsoft.com/office/drawing/2017/decorative" xmlns="" val="1"/>
               </a:ext>
             </a:extLst>
           </p:cNvPr>
@@ -20811,7 +20860,7 @@
                 <a16:creationId xmlns:a16="http://schemas.microsoft.com/office/drawing/2014/main" id="{479F5F2B-8B58-4140-AE6A-51F6C67B18D9}"/>
               </a:ext>
               <a:ext uri="{C183D7F6-B498-43B3-948B-1728B52AA6E4}">
-                <adec:decorative xmlns="" xmlns:adec="http://schemas.microsoft.com/office/drawing/2017/decorative" val="1"/>
+                <adec:decorative xmlns:adec="http://schemas.microsoft.com/office/drawing/2017/decorative" xmlns="" val="1"/>
               </a:ext>
             </a:extLst>
           </p:cNvPr>
@@ -21176,7 +21225,7 @@
                 <a16:creationId xmlns:a16="http://schemas.microsoft.com/office/drawing/2014/main" id="{577D1452-F0B7-431E-9A24-D3F7103D8510}"/>
               </a:ext>
               <a:ext uri="{C183D7F6-B498-43B3-948B-1728B52AA6E4}">
-                <adec:decorative xmlns="" xmlns:adec="http://schemas.microsoft.com/office/drawing/2017/decorative" val="1"/>
+                <adec:decorative xmlns:adec="http://schemas.microsoft.com/office/drawing/2017/decorative" xmlns="" val="1"/>
               </a:ext>
             </a:extLst>
           </p:cNvPr>
@@ -21239,7 +21288,7 @@
                 <a16:creationId xmlns:a16="http://schemas.microsoft.com/office/drawing/2014/main" id="{A660F4F9-5DF5-4F15-BE6A-CD8648BB1148}"/>
               </a:ext>
               <a:ext uri="{C183D7F6-B498-43B3-948B-1728B52AA6E4}">
-                <adec:decorative xmlns="" xmlns:adec="http://schemas.microsoft.com/office/drawing/2017/decorative" val="1"/>
+                <adec:decorative xmlns:adec="http://schemas.microsoft.com/office/drawing/2017/decorative" xmlns="" val="1"/>
               </a:ext>
             </a:extLst>
           </p:cNvPr>
@@ -21375,7 +21424,7 @@
                 <a16:creationId xmlns:a16="http://schemas.microsoft.com/office/drawing/2014/main" id="{201CC55D-ED54-4C5C-95E6-10947BD1103B}"/>
               </a:ext>
               <a:ext uri="{C183D7F6-B498-43B3-948B-1728B52AA6E4}">
-                <adec:decorative xmlns="" xmlns:adec="http://schemas.microsoft.com/office/drawing/2017/decorative" val="1"/>
+                <adec:decorative xmlns:adec="http://schemas.microsoft.com/office/drawing/2017/decorative" xmlns="" val="1"/>
               </a:ext>
             </a:extLst>
           </p:cNvPr>
@@ -21487,7 +21536,7 @@
                 <a16:creationId xmlns:a16="http://schemas.microsoft.com/office/drawing/2014/main" id="{1DE889C7-FAD6-4397-98E2-05D503484459}"/>
               </a:ext>
               <a:ext uri="{C183D7F6-B498-43B3-948B-1728B52AA6E4}">
-                <adec:decorative xmlns="" xmlns:adec="http://schemas.microsoft.com/office/drawing/2017/decorative" val="1"/>
+                <adec:decorative xmlns:adec="http://schemas.microsoft.com/office/drawing/2017/decorative" xmlns="" val="1"/>
               </a:ext>
             </a:extLst>
           </p:cNvPr>
@@ -21518,7 +21567,7 @@
                   <a16:creationId xmlns:a16="http://schemas.microsoft.com/office/drawing/2014/main" id="{F399A70F-F8CD-4992-9EF5-6CF15472E73F}"/>
                 </a:ext>
                 <a:ext uri="{C183D7F6-B498-43B3-948B-1728B52AA6E4}">
-                  <adec:decorative xmlns="" xmlns:adec="http://schemas.microsoft.com/office/drawing/2017/decorative" val="1"/>
+                  <adec:decorative xmlns:adec="http://schemas.microsoft.com/office/drawing/2017/decorative" xmlns="" val="1"/>
                 </a:ext>
               </a:extLst>
             </p:cNvPr>
@@ -21579,7 +21628,7 @@
                   <a16:creationId xmlns:a16="http://schemas.microsoft.com/office/drawing/2014/main" id="{48F4FEDC-6D80-458C-A665-075D9B9500FD}"/>
                 </a:ext>
                 <a:ext uri="{C183D7F6-B498-43B3-948B-1728B52AA6E4}">
-                  <adec:decorative xmlns="" xmlns:adec="http://schemas.microsoft.com/office/drawing/2017/decorative" val="1"/>
+                  <adec:decorative xmlns:adec="http://schemas.microsoft.com/office/drawing/2017/decorative" xmlns="" val="1"/>
                 </a:ext>
               </a:extLst>
             </p:cNvPr>
@@ -21641,7 +21690,7 @@
                 <a16:creationId xmlns:a16="http://schemas.microsoft.com/office/drawing/2014/main" id="{3873B707-463F-40B0-8227-E8CC6C67EB25}"/>
               </a:ext>
               <a:ext uri="{C183D7F6-B498-43B3-948B-1728B52AA6E4}">
-                <adec:decorative xmlns="" xmlns:adec="http://schemas.microsoft.com/office/drawing/2017/decorative" val="1"/>
+                <adec:decorative xmlns:adec="http://schemas.microsoft.com/office/drawing/2017/decorative" xmlns="" val="1"/>
               </a:ext>
             </a:extLst>
           </p:cNvPr>
@@ -21876,7 +21925,7 @@
                 <a16:creationId xmlns:a16="http://schemas.microsoft.com/office/drawing/2014/main" id="{C13237C8-E62C-4F0D-A318-BD6FB6C2D138}"/>
               </a:ext>
               <a:ext uri="{C183D7F6-B498-43B3-948B-1728B52AA6E4}">
-                <adec:decorative xmlns="" xmlns:adec="http://schemas.microsoft.com/office/drawing/2017/decorative" val="1"/>
+                <adec:decorative xmlns:adec="http://schemas.microsoft.com/office/drawing/2017/decorative" xmlns="" val="1"/>
               </a:ext>
             </a:extLst>
           </p:cNvPr>
@@ -21939,7 +21988,7 @@
                 <a16:creationId xmlns:a16="http://schemas.microsoft.com/office/drawing/2014/main" id="{19C9EAEA-39D0-4B0E-A0EB-51E7B26740B1}"/>
               </a:ext>
               <a:ext uri="{C183D7F6-B498-43B3-948B-1728B52AA6E4}">
-                <adec:decorative xmlns="" xmlns:adec="http://schemas.microsoft.com/office/drawing/2017/decorative" val="1"/>
+                <adec:decorative xmlns:adec="http://schemas.microsoft.com/office/drawing/2017/decorative" xmlns="" val="1"/>
               </a:ext>
             </a:extLst>
           </p:cNvPr>
@@ -23526,7 +23575,7 @@
                 <a16:creationId xmlns:a16="http://schemas.microsoft.com/office/drawing/2014/main" id="{D4C74C1C-EF2E-40CF-A712-656E694E6724}"/>
               </a:ext>
               <a:ext uri="{C183D7F6-B498-43B3-948B-1728B52AA6E4}">
-                <adec:decorative xmlns="" xmlns:adec="http://schemas.microsoft.com/office/drawing/2017/decorative" val="1"/>
+                <adec:decorative xmlns:adec="http://schemas.microsoft.com/office/drawing/2017/decorative" xmlns="" val="1"/>
               </a:ext>
             </a:extLst>
           </p:cNvPr>
@@ -23586,7 +23635,7 @@
                 <a16:creationId xmlns:a16="http://schemas.microsoft.com/office/drawing/2014/main" id="{90464369-70FA-42AF-948F-80664CA7BFE5}"/>
               </a:ext>
               <a:ext uri="{C183D7F6-B498-43B3-948B-1728B52AA6E4}">
-                <adec:decorative xmlns="" xmlns:adec="http://schemas.microsoft.com/office/drawing/2017/decorative" val="1"/>
+                <adec:decorative xmlns:adec="http://schemas.microsoft.com/office/drawing/2017/decorative" xmlns="" val="1"/>
               </a:ext>
             </a:extLst>
           </p:cNvPr>
@@ -23652,7 +23701,7 @@
                 <a16:creationId xmlns:a16="http://schemas.microsoft.com/office/drawing/2014/main" id="{A648176E-454C-437C-B0FC-9B82FCF32B24}"/>
               </a:ext>
               <a:ext uri="{C183D7F6-B498-43B3-948B-1728B52AA6E4}">
-                <adec:decorative xmlns="" xmlns:adec="http://schemas.microsoft.com/office/drawing/2017/decorative" val="1"/>
+                <adec:decorative xmlns:adec="http://schemas.microsoft.com/office/drawing/2017/decorative" xmlns="" val="1"/>
               </a:ext>
             </a:extLst>
           </p:cNvPr>
@@ -23715,7 +23764,7 @@
                 <a16:creationId xmlns:a16="http://schemas.microsoft.com/office/drawing/2014/main" id="{A6604B49-AD5C-4590-B051-06C8222ECD99}"/>
               </a:ext>
               <a:ext uri="{C183D7F6-B498-43B3-948B-1728B52AA6E4}">
-                <adec:decorative xmlns="" xmlns:adec="http://schemas.microsoft.com/office/drawing/2017/decorative" val="1"/>
+                <adec:decorative xmlns:adec="http://schemas.microsoft.com/office/drawing/2017/decorative" xmlns="" val="1"/>
               </a:ext>
             </a:extLst>
           </p:cNvPr>
@@ -23778,7 +23827,7 @@
                 <a16:creationId xmlns:a16="http://schemas.microsoft.com/office/drawing/2014/main" id="{CC552A98-EF7D-4D42-AB69-066B786AB55B}"/>
               </a:ext>
               <a:ext uri="{C183D7F6-B498-43B3-948B-1728B52AA6E4}">
-                <adec:decorative xmlns="" xmlns:adec="http://schemas.microsoft.com/office/drawing/2017/decorative" val="1"/>
+                <adec:decorative xmlns:adec="http://schemas.microsoft.com/office/drawing/2017/decorative" xmlns="" val="1"/>
               </a:ext>
             </a:extLst>
           </p:cNvPr>
@@ -23861,7 +23910,7 @@
                 <a14:useLocalDpi xmlns:a14="http://schemas.microsoft.com/office/drawing/2010/main" val="0"/>
               </a:ext>
               <a:ext uri="{96DAC541-7B7A-43D3-8B79-37D633B846F1}">
-                <asvg:svgBlip xmlns="" xmlns:asvg="http://schemas.microsoft.com/office/drawing/2016/SVG/main" r:embed="rId3"/>
+                <asvg:svgBlip xmlns:asvg="http://schemas.microsoft.com/office/drawing/2016/SVG/main" xmlns="" r:embed="rId3"/>
               </a:ext>
             </a:extLst>
           </a:blip>
@@ -24921,7 +24970,7 @@
                 <a16:creationId xmlns:a16="http://schemas.microsoft.com/office/drawing/2014/main" id="{87A57295-2710-4920-B99A-4D1FA03A62BD}"/>
               </a:ext>
               <a:ext uri="{C183D7F6-B498-43B3-948B-1728B52AA6E4}">
-                <adec:decorative xmlns="" xmlns:adec="http://schemas.microsoft.com/office/drawing/2017/decorative" val="1"/>
+                <adec:decorative xmlns:adec="http://schemas.microsoft.com/office/drawing/2017/decorative" xmlns="" val="1"/>
               </a:ext>
             </a:extLst>
           </p:cNvPr>
@@ -24981,7 +25030,7 @@
                 <a16:creationId xmlns:a16="http://schemas.microsoft.com/office/drawing/2014/main" id="{78067929-4D33-4306-9E2F-67C49CDDB5DE}"/>
               </a:ext>
               <a:ext uri="{C183D7F6-B498-43B3-948B-1728B52AA6E4}">
-                <adec:decorative xmlns="" xmlns:adec="http://schemas.microsoft.com/office/drawing/2017/decorative" val="1"/>
+                <adec:decorative xmlns:adec="http://schemas.microsoft.com/office/drawing/2017/decorative" xmlns="" val="1"/>
               </a:ext>
             </a:extLst>
           </p:cNvPr>
@@ -25043,7 +25092,7 @@
                 <a16:creationId xmlns:a16="http://schemas.microsoft.com/office/drawing/2014/main" id="{2D72A2C9-F3CA-4216-8BAD-FA4C970C3C4E}"/>
               </a:ext>
               <a:ext uri="{C183D7F6-B498-43B3-948B-1728B52AA6E4}">
-                <adec:decorative xmlns="" xmlns:adec="http://schemas.microsoft.com/office/drawing/2017/decorative" val="1"/>
+                <adec:decorative xmlns:adec="http://schemas.microsoft.com/office/drawing/2017/decorative" xmlns="" val="1"/>
               </a:ext>
             </a:extLst>
           </p:cNvPr>
